--- a/model_evaluation/confusion_matrix/images/visualization_of_confusion_matrix.pptx
+++ b/model_evaluation/confusion_matrix/images/visualization_of_confusion_matrix.pptx
@@ -5,7 +5,7 @@
     <p:sldMasterId id="2147483648" r:id="rId1"/>
   </p:sldMasterIdLst>
   <p:notesMasterIdLst>
-    <p:notesMasterId r:id="rId16"/>
+    <p:notesMasterId r:id="rId21"/>
   </p:notesMasterIdLst>
   <p:sldIdLst>
     <p:sldId id="257" r:id="rId2"/>
@@ -22,6 +22,11 @@
     <p:sldId id="268" r:id="rId13"/>
     <p:sldId id="269" r:id="rId14"/>
     <p:sldId id="270" r:id="rId15"/>
+    <p:sldId id="271" r:id="rId16"/>
+    <p:sldId id="273" r:id="rId17"/>
+    <p:sldId id="274" r:id="rId18"/>
+    <p:sldId id="275" r:id="rId19"/>
+    <p:sldId id="272" r:id="rId20"/>
   </p:sldIdLst>
   <p:sldSz cx="12192000" cy="6858000"/>
   <p:notesSz cx="6858000" cy="9144000"/>
@@ -642,6 +647,354 @@
     <p:extLst>
       <p:ext uri="{BB962C8B-B14F-4D97-AF65-F5344CB8AC3E}">
         <p14:creationId xmlns:p14="http://schemas.microsoft.com/office/powerpoint/2010/main" val="1235552939"/>
+      </p:ext>
+    </p:extLst>
+  </p:cSld>
+  <p:clrMapOvr>
+    <a:masterClrMapping/>
+  </p:clrMapOvr>
+</p:notes>
+</file>
+
+<file path=ppt/notesSlides/notesSlide3.xml><?xml version="1.0" encoding="utf-8"?>
+<p:notes xmlns:a="http://schemas.openxmlformats.org/drawingml/2006/main" xmlns:r="http://schemas.openxmlformats.org/officeDocument/2006/relationships" xmlns:p="http://schemas.openxmlformats.org/presentationml/2006/main">
+  <p:cSld>
+    <p:spTree>
+      <p:nvGrpSpPr>
+        <p:cNvPr id="1" name=""/>
+        <p:cNvGrpSpPr/>
+        <p:nvPr/>
+      </p:nvGrpSpPr>
+      <p:grpSpPr>
+        <a:xfrm>
+          <a:off x="0" y="0"/>
+          <a:ext cx="0" cy="0"/>
+          <a:chOff x="0" y="0"/>
+          <a:chExt cx="0" cy="0"/>
+        </a:xfrm>
+      </p:grpSpPr>
+      <p:sp>
+        <p:nvSpPr>
+          <p:cNvPr id="2" name="Slide Image Placeholder 1"/>
+          <p:cNvSpPr>
+            <a:spLocks noGrp="1" noRot="1" noChangeAspect="1"/>
+          </p:cNvSpPr>
+          <p:nvPr>
+            <p:ph type="sldImg"/>
+          </p:nvPr>
+        </p:nvSpPr>
+        <p:spPr/>
+      </p:sp>
+      <p:sp>
+        <p:nvSpPr>
+          <p:cNvPr id="3" name="Notes Placeholder 2"/>
+          <p:cNvSpPr>
+            <a:spLocks noGrp="1"/>
+          </p:cNvSpPr>
+          <p:nvPr>
+            <p:ph type="body" idx="1"/>
+          </p:nvPr>
+        </p:nvSpPr>
+        <p:spPr/>
+        <p:txBody>
+          <a:bodyPr/>
+          <a:lstStyle/>
+          <a:p>
+            <a:r>
+              <a:rPr lang="en-US"/>
+              <a:t>Daniel Yang @ 2020</a:t>
+            </a:r>
+          </a:p>
+        </p:txBody>
+      </p:sp>
+      <p:sp>
+        <p:nvSpPr>
+          <p:cNvPr id="4" name="Slide Number Placeholder 3"/>
+          <p:cNvSpPr>
+            <a:spLocks noGrp="1"/>
+          </p:cNvSpPr>
+          <p:nvPr>
+            <p:ph type="sldNum" sz="quarter" idx="5"/>
+          </p:nvPr>
+        </p:nvSpPr>
+        <p:spPr/>
+        <p:txBody>
+          <a:bodyPr/>
+          <a:lstStyle/>
+          <a:p>
+            <a:fld id="{FA3E08DF-40C4-9C44-98B2-5E585ECF122C}" type="slidenum">
+              <a:rPr lang="en-US" smtClean="0"/>
+              <a:t>15</a:t>
+            </a:fld>
+            <a:endParaRPr lang="en-US"/>
+          </a:p>
+        </p:txBody>
+      </p:sp>
+    </p:spTree>
+    <p:extLst>
+      <p:ext uri="{BB962C8B-B14F-4D97-AF65-F5344CB8AC3E}">
+        <p14:creationId xmlns:p14="http://schemas.microsoft.com/office/powerpoint/2010/main" val="3251380382"/>
+      </p:ext>
+    </p:extLst>
+  </p:cSld>
+  <p:clrMapOvr>
+    <a:masterClrMapping/>
+  </p:clrMapOvr>
+</p:notes>
+</file>
+
+<file path=ppt/notesSlides/notesSlide4.xml><?xml version="1.0" encoding="utf-8"?>
+<p:notes xmlns:a="http://schemas.openxmlformats.org/drawingml/2006/main" xmlns:r="http://schemas.openxmlformats.org/officeDocument/2006/relationships" xmlns:p="http://schemas.openxmlformats.org/presentationml/2006/main">
+  <p:cSld>
+    <p:spTree>
+      <p:nvGrpSpPr>
+        <p:cNvPr id="1" name=""/>
+        <p:cNvGrpSpPr/>
+        <p:nvPr/>
+      </p:nvGrpSpPr>
+      <p:grpSpPr>
+        <a:xfrm>
+          <a:off x="0" y="0"/>
+          <a:ext cx="0" cy="0"/>
+          <a:chOff x="0" y="0"/>
+          <a:chExt cx="0" cy="0"/>
+        </a:xfrm>
+      </p:grpSpPr>
+      <p:sp>
+        <p:nvSpPr>
+          <p:cNvPr id="2" name="Slide Image Placeholder 1"/>
+          <p:cNvSpPr>
+            <a:spLocks noGrp="1" noRot="1" noChangeAspect="1"/>
+          </p:cNvSpPr>
+          <p:nvPr>
+            <p:ph type="sldImg"/>
+          </p:nvPr>
+        </p:nvSpPr>
+        <p:spPr/>
+      </p:sp>
+      <p:sp>
+        <p:nvSpPr>
+          <p:cNvPr id="3" name="Notes Placeholder 2"/>
+          <p:cNvSpPr>
+            <a:spLocks noGrp="1"/>
+          </p:cNvSpPr>
+          <p:nvPr>
+            <p:ph type="body" idx="1"/>
+          </p:nvPr>
+        </p:nvSpPr>
+        <p:spPr/>
+        <p:txBody>
+          <a:bodyPr/>
+          <a:lstStyle/>
+          <a:p>
+            <a:r>
+              <a:rPr lang="en-US"/>
+              <a:t>Daniel Yang @ 2020</a:t>
+            </a:r>
+          </a:p>
+        </p:txBody>
+      </p:sp>
+      <p:sp>
+        <p:nvSpPr>
+          <p:cNvPr id="4" name="Slide Number Placeholder 3"/>
+          <p:cNvSpPr>
+            <a:spLocks noGrp="1"/>
+          </p:cNvSpPr>
+          <p:nvPr>
+            <p:ph type="sldNum" sz="quarter" idx="5"/>
+          </p:nvPr>
+        </p:nvSpPr>
+        <p:spPr/>
+        <p:txBody>
+          <a:bodyPr/>
+          <a:lstStyle/>
+          <a:p>
+            <a:fld id="{FA3E08DF-40C4-9C44-98B2-5E585ECF122C}" type="slidenum">
+              <a:rPr lang="en-US" smtClean="0"/>
+              <a:t>16</a:t>
+            </a:fld>
+            <a:endParaRPr lang="en-US"/>
+          </a:p>
+        </p:txBody>
+      </p:sp>
+    </p:spTree>
+    <p:extLst>
+      <p:ext uri="{BB962C8B-B14F-4D97-AF65-F5344CB8AC3E}">
+        <p14:creationId xmlns:p14="http://schemas.microsoft.com/office/powerpoint/2010/main" val="3545491066"/>
+      </p:ext>
+    </p:extLst>
+  </p:cSld>
+  <p:clrMapOvr>
+    <a:masterClrMapping/>
+  </p:clrMapOvr>
+</p:notes>
+</file>
+
+<file path=ppt/notesSlides/notesSlide5.xml><?xml version="1.0" encoding="utf-8"?>
+<p:notes xmlns:a="http://schemas.openxmlformats.org/drawingml/2006/main" xmlns:r="http://schemas.openxmlformats.org/officeDocument/2006/relationships" xmlns:p="http://schemas.openxmlformats.org/presentationml/2006/main">
+  <p:cSld>
+    <p:spTree>
+      <p:nvGrpSpPr>
+        <p:cNvPr id="1" name=""/>
+        <p:cNvGrpSpPr/>
+        <p:nvPr/>
+      </p:nvGrpSpPr>
+      <p:grpSpPr>
+        <a:xfrm>
+          <a:off x="0" y="0"/>
+          <a:ext cx="0" cy="0"/>
+          <a:chOff x="0" y="0"/>
+          <a:chExt cx="0" cy="0"/>
+        </a:xfrm>
+      </p:grpSpPr>
+      <p:sp>
+        <p:nvSpPr>
+          <p:cNvPr id="2" name="Slide Image Placeholder 1"/>
+          <p:cNvSpPr>
+            <a:spLocks noGrp="1" noRot="1" noChangeAspect="1"/>
+          </p:cNvSpPr>
+          <p:nvPr>
+            <p:ph type="sldImg"/>
+          </p:nvPr>
+        </p:nvSpPr>
+        <p:spPr/>
+      </p:sp>
+      <p:sp>
+        <p:nvSpPr>
+          <p:cNvPr id="3" name="Notes Placeholder 2"/>
+          <p:cNvSpPr>
+            <a:spLocks noGrp="1"/>
+          </p:cNvSpPr>
+          <p:nvPr>
+            <p:ph type="body" idx="1"/>
+          </p:nvPr>
+        </p:nvSpPr>
+        <p:spPr/>
+        <p:txBody>
+          <a:bodyPr/>
+          <a:lstStyle/>
+          <a:p>
+            <a:r>
+              <a:rPr lang="en-US"/>
+              <a:t>Daniel Yang @ 2020</a:t>
+            </a:r>
+          </a:p>
+        </p:txBody>
+      </p:sp>
+      <p:sp>
+        <p:nvSpPr>
+          <p:cNvPr id="4" name="Slide Number Placeholder 3"/>
+          <p:cNvSpPr>
+            <a:spLocks noGrp="1"/>
+          </p:cNvSpPr>
+          <p:nvPr>
+            <p:ph type="sldNum" sz="quarter" idx="5"/>
+          </p:nvPr>
+        </p:nvSpPr>
+        <p:spPr/>
+        <p:txBody>
+          <a:bodyPr/>
+          <a:lstStyle/>
+          <a:p>
+            <a:fld id="{FA3E08DF-40C4-9C44-98B2-5E585ECF122C}" type="slidenum">
+              <a:rPr lang="en-US" smtClean="0"/>
+              <a:t>17</a:t>
+            </a:fld>
+            <a:endParaRPr lang="en-US"/>
+          </a:p>
+        </p:txBody>
+      </p:sp>
+    </p:spTree>
+    <p:extLst>
+      <p:ext uri="{BB962C8B-B14F-4D97-AF65-F5344CB8AC3E}">
+        <p14:creationId xmlns:p14="http://schemas.microsoft.com/office/powerpoint/2010/main" val="2393148633"/>
+      </p:ext>
+    </p:extLst>
+  </p:cSld>
+  <p:clrMapOvr>
+    <a:masterClrMapping/>
+  </p:clrMapOvr>
+</p:notes>
+</file>
+
+<file path=ppt/notesSlides/notesSlide6.xml><?xml version="1.0" encoding="utf-8"?>
+<p:notes xmlns:a="http://schemas.openxmlformats.org/drawingml/2006/main" xmlns:r="http://schemas.openxmlformats.org/officeDocument/2006/relationships" xmlns:p="http://schemas.openxmlformats.org/presentationml/2006/main">
+  <p:cSld>
+    <p:spTree>
+      <p:nvGrpSpPr>
+        <p:cNvPr id="1" name=""/>
+        <p:cNvGrpSpPr/>
+        <p:nvPr/>
+      </p:nvGrpSpPr>
+      <p:grpSpPr>
+        <a:xfrm>
+          <a:off x="0" y="0"/>
+          <a:ext cx="0" cy="0"/>
+          <a:chOff x="0" y="0"/>
+          <a:chExt cx="0" cy="0"/>
+        </a:xfrm>
+      </p:grpSpPr>
+      <p:sp>
+        <p:nvSpPr>
+          <p:cNvPr id="2" name="Slide Image Placeholder 1"/>
+          <p:cNvSpPr>
+            <a:spLocks noGrp="1" noRot="1" noChangeAspect="1"/>
+          </p:cNvSpPr>
+          <p:nvPr>
+            <p:ph type="sldImg"/>
+          </p:nvPr>
+        </p:nvSpPr>
+        <p:spPr/>
+      </p:sp>
+      <p:sp>
+        <p:nvSpPr>
+          <p:cNvPr id="3" name="Notes Placeholder 2"/>
+          <p:cNvSpPr>
+            <a:spLocks noGrp="1"/>
+          </p:cNvSpPr>
+          <p:nvPr>
+            <p:ph type="body" idx="1"/>
+          </p:nvPr>
+        </p:nvSpPr>
+        <p:spPr/>
+        <p:txBody>
+          <a:bodyPr/>
+          <a:lstStyle/>
+          <a:p>
+            <a:r>
+              <a:rPr lang="en-US"/>
+              <a:t>Daniel Yang @ 2020</a:t>
+            </a:r>
+          </a:p>
+        </p:txBody>
+      </p:sp>
+      <p:sp>
+        <p:nvSpPr>
+          <p:cNvPr id="4" name="Slide Number Placeholder 3"/>
+          <p:cNvSpPr>
+            <a:spLocks noGrp="1"/>
+          </p:cNvSpPr>
+          <p:nvPr>
+            <p:ph type="sldNum" sz="quarter" idx="5"/>
+          </p:nvPr>
+        </p:nvSpPr>
+        <p:spPr/>
+        <p:txBody>
+          <a:bodyPr/>
+          <a:lstStyle/>
+          <a:p>
+            <a:fld id="{FA3E08DF-40C4-9C44-98B2-5E585ECF122C}" type="slidenum">
+              <a:rPr lang="en-US" smtClean="0"/>
+              <a:t>18</a:t>
+            </a:fld>
+            <a:endParaRPr lang="en-US"/>
+          </a:p>
+        </p:txBody>
+      </p:sp>
+    </p:spTree>
+    <p:extLst>
+      <p:ext uri="{BB962C8B-B14F-4D97-AF65-F5344CB8AC3E}">
+        <p14:creationId xmlns:p14="http://schemas.microsoft.com/office/powerpoint/2010/main" val="3864839524"/>
       </p:ext>
     </p:extLst>
   </p:cSld>
@@ -12173,6 +12526,4819 @@
 </p:sld>
 </file>
 
+<file path=ppt/slides/slide15.xml><?xml version="1.0" encoding="utf-8"?>
+<p:sld xmlns:a="http://schemas.openxmlformats.org/drawingml/2006/main" xmlns:r="http://schemas.openxmlformats.org/officeDocument/2006/relationships" xmlns:p="http://schemas.openxmlformats.org/presentationml/2006/main">
+  <p:cSld>
+    <p:spTree>
+      <p:nvGrpSpPr>
+        <p:cNvPr id="1" name=""/>
+        <p:cNvGrpSpPr/>
+        <p:nvPr/>
+      </p:nvGrpSpPr>
+      <p:grpSpPr>
+        <a:xfrm>
+          <a:off x="0" y="0"/>
+          <a:ext cx="0" cy="0"/>
+          <a:chOff x="0" y="0"/>
+          <a:chExt cx="0" cy="0"/>
+        </a:xfrm>
+      </p:grpSpPr>
+      <p:sp>
+        <p:nvSpPr>
+          <p:cNvPr id="37" name="Freeform 36">
+            <a:extLst>
+              <a:ext uri="{FF2B5EF4-FFF2-40B4-BE49-F238E27FC236}">
+                <a16:creationId xmlns:a16="http://schemas.microsoft.com/office/drawing/2014/main" id="{9F8FCFD2-0506-DA48-B22E-6C2E9C6B462E}"/>
+              </a:ext>
+            </a:extLst>
+          </p:cNvPr>
+          <p:cNvSpPr/>
+          <p:nvPr/>
+        </p:nvSpPr>
+        <p:spPr>
+          <a:xfrm>
+            <a:off x="1491341" y="3320145"/>
+            <a:ext cx="2481944" cy="1436915"/>
+          </a:xfrm>
+          <a:custGeom>
+            <a:avLst/>
+            <a:gdLst>
+              <a:gd name="connsiteX0" fmla="*/ 0 w 2481944"/>
+              <a:gd name="connsiteY0" fmla="*/ 0 h 1436915"/>
+              <a:gd name="connsiteX1" fmla="*/ 2481944 w 2481944"/>
+              <a:gd name="connsiteY1" fmla="*/ 0 h 1436915"/>
+              <a:gd name="connsiteX2" fmla="*/ 1240972 w 2481944"/>
+              <a:gd name="connsiteY2" fmla="*/ 1436915 h 1436915"/>
+              <a:gd name="connsiteX3" fmla="*/ 0 w 2481944"/>
+              <a:gd name="connsiteY3" fmla="*/ 0 h 1436915"/>
+            </a:gdLst>
+            <a:ahLst/>
+            <a:cxnLst>
+              <a:cxn ang="0">
+                <a:pos x="connsiteX0" y="connsiteY0"/>
+              </a:cxn>
+              <a:cxn ang="0">
+                <a:pos x="connsiteX1" y="connsiteY1"/>
+              </a:cxn>
+              <a:cxn ang="0">
+                <a:pos x="connsiteX2" y="connsiteY2"/>
+              </a:cxn>
+              <a:cxn ang="0">
+                <a:pos x="connsiteX3" y="connsiteY3"/>
+              </a:cxn>
+            </a:cxnLst>
+            <a:rect l="l" t="t" r="r" b="b"/>
+            <a:pathLst>
+              <a:path w="2481944" h="1436915">
+                <a:moveTo>
+                  <a:pt x="0" y="0"/>
+                </a:moveTo>
+                <a:lnTo>
+                  <a:pt x="2481944" y="0"/>
+                </a:lnTo>
+                <a:cubicBezTo>
+                  <a:pt x="2481944" y="793586"/>
+                  <a:pt x="1926342" y="1436915"/>
+                  <a:pt x="1240972" y="1436915"/>
+                </a:cubicBezTo>
+                <a:cubicBezTo>
+                  <a:pt x="555602" y="1436915"/>
+                  <a:pt x="0" y="793586"/>
+                  <a:pt x="0" y="0"/>
+                </a:cubicBezTo>
+                <a:close/>
+              </a:path>
+            </a:pathLst>
+          </a:custGeom>
+          <a:solidFill>
+            <a:srgbClr val="FFB637"/>
+          </a:solidFill>
+          <a:ln>
+            <a:noFill/>
+          </a:ln>
+        </p:spPr>
+        <p:style>
+          <a:lnRef idx="2">
+            <a:schemeClr val="accent2">
+              <a:shade val="50000"/>
+            </a:schemeClr>
+          </a:lnRef>
+          <a:fillRef idx="1">
+            <a:schemeClr val="accent2"/>
+          </a:fillRef>
+          <a:effectRef idx="0">
+            <a:schemeClr val="accent2"/>
+          </a:effectRef>
+          <a:fontRef idx="minor">
+            <a:schemeClr val="lt1"/>
+          </a:fontRef>
+        </p:style>
+        <p:txBody>
+          <a:bodyPr wrap="square" rtlCol="0" anchor="ctr">
+            <a:noAutofit/>
+          </a:bodyPr>
+          <a:lstStyle/>
+          <a:p>
+            <a:pPr algn="ctr"/>
+            <a:endParaRPr lang="en-US" sz="3200"/>
+          </a:p>
+        </p:txBody>
+      </p:sp>
+      <p:sp>
+        <p:nvSpPr>
+          <p:cNvPr id="36" name="Freeform 35">
+            <a:extLst>
+              <a:ext uri="{FF2B5EF4-FFF2-40B4-BE49-F238E27FC236}">
+                <a16:creationId xmlns:a16="http://schemas.microsoft.com/office/drawing/2014/main" id="{84AE7645-8464-8545-8CA9-62B88C3A04E9}"/>
+              </a:ext>
+            </a:extLst>
+          </p:cNvPr>
+          <p:cNvSpPr/>
+          <p:nvPr/>
+        </p:nvSpPr>
+        <p:spPr>
+          <a:xfrm>
+            <a:off x="838199" y="3320143"/>
+            <a:ext cx="3788228" cy="2628900"/>
+          </a:xfrm>
+          <a:custGeom>
+            <a:avLst/>
+            <a:gdLst>
+              <a:gd name="connsiteX0" fmla="*/ 0 w 3788228"/>
+              <a:gd name="connsiteY0" fmla="*/ 0 h 2628900"/>
+              <a:gd name="connsiteX1" fmla="*/ 3788228 w 3788228"/>
+              <a:gd name="connsiteY1" fmla="*/ 0 h 2628900"/>
+              <a:gd name="connsiteX2" fmla="*/ 3788228 w 3788228"/>
+              <a:gd name="connsiteY2" fmla="*/ 2628900 h 2628900"/>
+              <a:gd name="connsiteX3" fmla="*/ 0 w 3788228"/>
+              <a:gd name="connsiteY3" fmla="*/ 2628900 h 2628900"/>
+              <a:gd name="connsiteX4" fmla="*/ 0 w 3788228"/>
+              <a:gd name="connsiteY4" fmla="*/ 0 h 2628900"/>
+              <a:gd name="connsiteX5" fmla="*/ 653142 w 3788228"/>
+              <a:gd name="connsiteY5" fmla="*/ 1 h 2628900"/>
+              <a:gd name="connsiteX6" fmla="*/ 1894114 w 3788228"/>
+              <a:gd name="connsiteY6" fmla="*/ 1436916 h 2628900"/>
+              <a:gd name="connsiteX7" fmla="*/ 3135086 w 3788228"/>
+              <a:gd name="connsiteY7" fmla="*/ 1 h 2628900"/>
+              <a:gd name="connsiteX8" fmla="*/ 653142 w 3788228"/>
+              <a:gd name="connsiteY8" fmla="*/ 1 h 2628900"/>
+            </a:gdLst>
+            <a:ahLst/>
+            <a:cxnLst>
+              <a:cxn ang="0">
+                <a:pos x="connsiteX0" y="connsiteY0"/>
+              </a:cxn>
+              <a:cxn ang="0">
+                <a:pos x="connsiteX1" y="connsiteY1"/>
+              </a:cxn>
+              <a:cxn ang="0">
+                <a:pos x="connsiteX2" y="connsiteY2"/>
+              </a:cxn>
+              <a:cxn ang="0">
+                <a:pos x="connsiteX3" y="connsiteY3"/>
+              </a:cxn>
+              <a:cxn ang="0">
+                <a:pos x="connsiteX4" y="connsiteY4"/>
+              </a:cxn>
+              <a:cxn ang="0">
+                <a:pos x="connsiteX5" y="connsiteY5"/>
+              </a:cxn>
+              <a:cxn ang="0">
+                <a:pos x="connsiteX6" y="connsiteY6"/>
+              </a:cxn>
+              <a:cxn ang="0">
+                <a:pos x="connsiteX7" y="connsiteY7"/>
+              </a:cxn>
+              <a:cxn ang="0">
+                <a:pos x="connsiteX8" y="connsiteY8"/>
+              </a:cxn>
+            </a:cxnLst>
+            <a:rect l="l" t="t" r="r" b="b"/>
+            <a:pathLst>
+              <a:path w="3788228" h="2628900">
+                <a:moveTo>
+                  <a:pt x="0" y="0"/>
+                </a:moveTo>
+                <a:lnTo>
+                  <a:pt x="3788228" y="0"/>
+                </a:lnTo>
+                <a:lnTo>
+                  <a:pt x="3788228" y="2628900"/>
+                </a:lnTo>
+                <a:lnTo>
+                  <a:pt x="0" y="2628900"/>
+                </a:lnTo>
+                <a:lnTo>
+                  <a:pt x="0" y="0"/>
+                </a:lnTo>
+                <a:close/>
+                <a:moveTo>
+                  <a:pt x="653142" y="1"/>
+                </a:moveTo>
+                <a:cubicBezTo>
+                  <a:pt x="653142" y="793587"/>
+                  <a:pt x="1208744" y="1436916"/>
+                  <a:pt x="1894114" y="1436916"/>
+                </a:cubicBezTo>
+                <a:cubicBezTo>
+                  <a:pt x="2579484" y="1436916"/>
+                  <a:pt x="3135086" y="793587"/>
+                  <a:pt x="3135086" y="1"/>
+                </a:cubicBezTo>
+                <a:lnTo>
+                  <a:pt x="653142" y="1"/>
+                </a:lnTo>
+                <a:close/>
+              </a:path>
+            </a:pathLst>
+          </a:custGeom>
+          <a:ln>
+            <a:noFill/>
+          </a:ln>
+        </p:spPr>
+        <p:style>
+          <a:lnRef idx="2">
+            <a:schemeClr val="accent2">
+              <a:shade val="50000"/>
+            </a:schemeClr>
+          </a:lnRef>
+          <a:fillRef idx="1">
+            <a:schemeClr val="accent2"/>
+          </a:fillRef>
+          <a:effectRef idx="0">
+            <a:schemeClr val="accent2"/>
+          </a:effectRef>
+          <a:fontRef idx="minor">
+            <a:schemeClr val="lt1"/>
+          </a:fontRef>
+        </p:style>
+        <p:txBody>
+          <a:bodyPr wrap="square" rtlCol="0" anchor="ctr">
+            <a:noAutofit/>
+          </a:bodyPr>
+          <a:lstStyle/>
+          <a:p>
+            <a:pPr algn="ctr"/>
+            <a:endParaRPr lang="en-US" sz="3200"/>
+          </a:p>
+        </p:txBody>
+      </p:sp>
+      <mc:AlternateContent xmlns:mc="http://schemas.openxmlformats.org/markup-compatibility/2006">
+        <mc:Choice xmlns:a14="http://schemas.microsoft.com/office/drawing/2010/main" Requires="a14">
+          <p:sp>
+            <p:nvSpPr>
+              <p:cNvPr id="18" name="TextBox 17">
+                <a:extLst>
+                  <a:ext uri="{FF2B5EF4-FFF2-40B4-BE49-F238E27FC236}">
+                    <a16:creationId xmlns:a16="http://schemas.microsoft.com/office/drawing/2014/main" id="{CF490786-78E6-4640-A9AA-96270B7F8D13}"/>
+                  </a:ext>
+                </a:extLst>
+              </p:cNvPr>
+              <p:cNvSpPr txBox="1"/>
+              <p:nvPr/>
+            </p:nvSpPr>
+            <p:spPr>
+              <a:xfrm>
+                <a:off x="859598" y="4133605"/>
+                <a:ext cx="3221695" cy="1607620"/>
+              </a:xfrm>
+              <a:prstGeom prst="rect">
+                <a:avLst/>
+              </a:prstGeom>
+              <a:noFill/>
+            </p:spPr>
+            <p:txBody>
+              <a:bodyPr wrap="square" rtlCol="0">
+                <a:spAutoFit/>
+              </a:bodyPr>
+              <a:lstStyle/>
+              <a:p>
+                <a:pPr/>
+                <a:r>
+                  <a:rPr lang="en-US" sz="3200" b="0" dirty="0"/>
+                  <a:t>FN</a:t>
+                </a:r>
+              </a:p>
+              <a:p>
+                <a:pPr/>
+                <a14:m>
+                  <m:oMathPara xmlns:m="http://schemas.openxmlformats.org/officeDocument/2006/math">
+                    <m:oMathParaPr>
+                      <m:jc m:val="left"/>
+                    </m:oMathParaPr>
+                    <m:oMath xmlns:m="http://schemas.openxmlformats.org/officeDocument/2006/math">
+                      <m:sSub>
+                        <m:sSubPr>
+                          <m:ctrlPr>
+                            <a:rPr lang="en-US" sz="3200" b="0" i="1" smtClean="0">
+                              <a:latin typeface="Cambria Math" panose="02040503050406030204" pitchFamily="18" charset="0"/>
+                            </a:rPr>
+                          </m:ctrlPr>
+                        </m:sSubPr>
+                        <m:e>
+                          <m:r>
+                            <a:rPr lang="en-US" sz="3200" b="0" i="1" smtClean="0">
+                              <a:latin typeface="Cambria Math" panose="02040503050406030204" pitchFamily="18" charset="0"/>
+                            </a:rPr>
+                            <m:t>𝑦</m:t>
+                          </m:r>
+                        </m:e>
+                        <m:sub>
+                          <m:r>
+                            <a:rPr lang="en-US" sz="3200" b="0" i="1" smtClean="0">
+                              <a:latin typeface="Cambria Math" panose="02040503050406030204" pitchFamily="18" charset="0"/>
+                            </a:rPr>
+                            <m:t>𝑎𝑐𝑡𝑢𝑎𝑙</m:t>
+                          </m:r>
+                        </m:sub>
+                      </m:sSub>
+                      <m:r>
+                        <a:rPr lang="en-US" sz="3200" b="0" i="1" smtClean="0">
+                          <a:latin typeface="Cambria Math" panose="02040503050406030204" pitchFamily="18" charset="0"/>
+                        </a:rPr>
+                        <m:t>=1</m:t>
+                      </m:r>
+                      <m:r>
+                        <a:rPr lang="en-US" sz="3200" b="0" i="1" smtClean="0">
+                          <a:latin typeface="Cambria Math" panose="02040503050406030204" pitchFamily="18" charset="0"/>
+                        </a:rPr>
+                        <m:t>;</m:t>
+                      </m:r>
+                    </m:oMath>
+                  </m:oMathPara>
+                </a14:m>
+                <a:endParaRPr lang="en-US" sz="3200" dirty="0"/>
+              </a:p>
+              <a:p>
+                <a:pPr/>
+                <a14:m>
+                  <m:oMathPara xmlns:m="http://schemas.openxmlformats.org/officeDocument/2006/math">
+                    <m:oMathParaPr>
+                      <m:jc m:val="left"/>
+                    </m:oMathParaPr>
+                    <m:oMath xmlns:m="http://schemas.openxmlformats.org/officeDocument/2006/math">
+                      <m:sSub>
+                        <m:sSubPr>
+                          <m:ctrlPr>
+                            <a:rPr lang="en-US" sz="3200" i="1" smtClean="0">
+                              <a:latin typeface="Cambria Math" panose="02040503050406030204" pitchFamily="18" charset="0"/>
+                            </a:rPr>
+                          </m:ctrlPr>
+                        </m:sSubPr>
+                        <m:e>
+                          <m:r>
+                            <a:rPr lang="en-US" sz="3200" i="1">
+                              <a:latin typeface="Cambria Math" panose="02040503050406030204" pitchFamily="18" charset="0"/>
+                            </a:rPr>
+                            <m:t>𝑦</m:t>
+                          </m:r>
+                        </m:e>
+                        <m:sub>
+                          <m:r>
+                            <a:rPr lang="en-US" sz="3200" i="1">
+                              <a:latin typeface="Cambria Math" panose="02040503050406030204" pitchFamily="18" charset="0"/>
+                            </a:rPr>
+                            <m:t>𝑝𝑟𝑒𝑑</m:t>
+                          </m:r>
+                        </m:sub>
+                      </m:sSub>
+                      <m:r>
+                        <a:rPr lang="en-US" sz="3200" i="1">
+                          <a:latin typeface="Cambria Math" panose="02040503050406030204" pitchFamily="18" charset="0"/>
+                        </a:rPr>
+                        <m:t>=0</m:t>
+                      </m:r>
+                    </m:oMath>
+                  </m:oMathPara>
+                </a14:m>
+                <a:endParaRPr lang="en-US" sz="3200" dirty="0"/>
+              </a:p>
+            </p:txBody>
+          </p:sp>
+        </mc:Choice>
+        <mc:Fallback>
+          <p:sp>
+            <p:nvSpPr>
+              <p:cNvPr id="18" name="TextBox 17">
+                <a:extLst>
+                  <a:ext uri="{FF2B5EF4-FFF2-40B4-BE49-F238E27FC236}">
+                    <a16:creationId xmlns:a16="http://schemas.microsoft.com/office/drawing/2014/main" id="{CF490786-78E6-4640-A9AA-96270B7F8D13}"/>
+                  </a:ext>
+                </a:extLst>
+              </p:cNvPr>
+              <p:cNvSpPr txBox="1">
+                <a:spLocks noRot="1" noChangeAspect="1" noMove="1" noResize="1" noEditPoints="1" noAdjustHandles="1" noChangeArrowheads="1" noChangeShapeType="1" noTextEdit="1"/>
+              </p:cNvSpPr>
+              <p:nvPr/>
+            </p:nvSpPr>
+            <p:spPr>
+              <a:xfrm>
+                <a:off x="859598" y="4133605"/>
+                <a:ext cx="3221695" cy="1607620"/>
+              </a:xfrm>
+              <a:prstGeom prst="rect">
+                <a:avLst/>
+              </a:prstGeom>
+              <a:blipFill>
+                <a:blip r:embed="rId3"/>
+                <a:stretch>
+                  <a:fillRect l="-4724" t="-4724" b="-3937"/>
+                </a:stretch>
+              </a:blipFill>
+            </p:spPr>
+            <p:txBody>
+              <a:bodyPr/>
+              <a:lstStyle/>
+              <a:p>
+                <a:r>
+                  <a:rPr lang="en-US">
+                    <a:noFill/>
+                  </a:rPr>
+                  <a:t> </a:t>
+                </a:r>
+              </a:p>
+            </p:txBody>
+          </p:sp>
+        </mc:Fallback>
+      </mc:AlternateContent>
+      <p:sp>
+        <p:nvSpPr>
+          <p:cNvPr id="35" name="Freeform 34">
+            <a:extLst>
+              <a:ext uri="{FF2B5EF4-FFF2-40B4-BE49-F238E27FC236}">
+                <a16:creationId xmlns:a16="http://schemas.microsoft.com/office/drawing/2014/main" id="{D0FB79E9-0D77-2246-BDDC-B92BC134DECE}"/>
+              </a:ext>
+            </a:extLst>
+          </p:cNvPr>
+          <p:cNvSpPr/>
+          <p:nvPr/>
+        </p:nvSpPr>
+        <p:spPr>
+          <a:xfrm>
+            <a:off x="1491341" y="1883229"/>
+            <a:ext cx="2481944" cy="1436915"/>
+          </a:xfrm>
+          <a:custGeom>
+            <a:avLst/>
+            <a:gdLst>
+              <a:gd name="connsiteX0" fmla="*/ 1240972 w 2481944"/>
+              <a:gd name="connsiteY0" fmla="*/ 0 h 1436915"/>
+              <a:gd name="connsiteX1" fmla="*/ 2481944 w 2481944"/>
+              <a:gd name="connsiteY1" fmla="*/ 1436915 h 1436915"/>
+              <a:gd name="connsiteX2" fmla="*/ 0 w 2481944"/>
+              <a:gd name="connsiteY2" fmla="*/ 1436915 h 1436915"/>
+              <a:gd name="connsiteX3" fmla="*/ 1240972 w 2481944"/>
+              <a:gd name="connsiteY3" fmla="*/ 0 h 1436915"/>
+            </a:gdLst>
+            <a:ahLst/>
+            <a:cxnLst>
+              <a:cxn ang="0">
+                <a:pos x="connsiteX0" y="connsiteY0"/>
+              </a:cxn>
+              <a:cxn ang="0">
+                <a:pos x="connsiteX1" y="connsiteY1"/>
+              </a:cxn>
+              <a:cxn ang="0">
+                <a:pos x="connsiteX2" y="connsiteY2"/>
+              </a:cxn>
+              <a:cxn ang="0">
+                <a:pos x="connsiteX3" y="connsiteY3"/>
+              </a:cxn>
+            </a:cxnLst>
+            <a:rect l="l" t="t" r="r" b="b"/>
+            <a:pathLst>
+              <a:path w="2481944" h="1436915">
+                <a:moveTo>
+                  <a:pt x="1240972" y="0"/>
+                </a:moveTo>
+                <a:cubicBezTo>
+                  <a:pt x="1926342" y="0"/>
+                  <a:pt x="2481944" y="643329"/>
+                  <a:pt x="2481944" y="1436915"/>
+                </a:cubicBezTo>
+                <a:lnTo>
+                  <a:pt x="0" y="1436915"/>
+                </a:lnTo>
+                <a:cubicBezTo>
+                  <a:pt x="0" y="643329"/>
+                  <a:pt x="555602" y="0"/>
+                  <a:pt x="1240972" y="0"/>
+                </a:cubicBezTo>
+                <a:close/>
+              </a:path>
+            </a:pathLst>
+          </a:custGeom>
+          <a:solidFill>
+            <a:srgbClr val="A4FF65"/>
+          </a:solidFill>
+          <a:ln>
+            <a:noFill/>
+          </a:ln>
+        </p:spPr>
+        <p:style>
+          <a:lnRef idx="2">
+            <a:schemeClr val="accent6">
+              <a:shade val="50000"/>
+            </a:schemeClr>
+          </a:lnRef>
+          <a:fillRef idx="1">
+            <a:schemeClr val="accent6"/>
+          </a:fillRef>
+          <a:effectRef idx="0">
+            <a:schemeClr val="accent6"/>
+          </a:effectRef>
+          <a:fontRef idx="minor">
+            <a:schemeClr val="lt1"/>
+          </a:fontRef>
+        </p:style>
+        <p:txBody>
+          <a:bodyPr wrap="square" rtlCol="0" anchor="ctr">
+            <a:noAutofit/>
+          </a:bodyPr>
+          <a:lstStyle/>
+          <a:p>
+            <a:pPr algn="ctr"/>
+            <a:endParaRPr lang="en-US" sz="3200"/>
+          </a:p>
+        </p:txBody>
+      </p:sp>
+      <p:sp>
+        <p:nvSpPr>
+          <p:cNvPr id="34" name="Freeform 33">
+            <a:extLst>
+              <a:ext uri="{FF2B5EF4-FFF2-40B4-BE49-F238E27FC236}">
+                <a16:creationId xmlns:a16="http://schemas.microsoft.com/office/drawing/2014/main" id="{D425CB09-E260-C548-97AD-6E283FCDE461}"/>
+              </a:ext>
+            </a:extLst>
+          </p:cNvPr>
+          <p:cNvSpPr/>
+          <p:nvPr/>
+        </p:nvSpPr>
+        <p:spPr>
+          <a:xfrm>
+            <a:off x="838199" y="691243"/>
+            <a:ext cx="3788228" cy="2628900"/>
+          </a:xfrm>
+          <a:custGeom>
+            <a:avLst/>
+            <a:gdLst>
+              <a:gd name="connsiteX0" fmla="*/ 0 w 3788228"/>
+              <a:gd name="connsiteY0" fmla="*/ 0 h 2628900"/>
+              <a:gd name="connsiteX1" fmla="*/ 3788228 w 3788228"/>
+              <a:gd name="connsiteY1" fmla="*/ 0 h 2628900"/>
+              <a:gd name="connsiteX2" fmla="*/ 3788228 w 3788228"/>
+              <a:gd name="connsiteY2" fmla="*/ 2628900 h 2628900"/>
+              <a:gd name="connsiteX3" fmla="*/ 3135086 w 3788228"/>
+              <a:gd name="connsiteY3" fmla="*/ 2628900 h 2628900"/>
+              <a:gd name="connsiteX4" fmla="*/ 1894114 w 3788228"/>
+              <a:gd name="connsiteY4" fmla="*/ 1191985 h 2628900"/>
+              <a:gd name="connsiteX5" fmla="*/ 653142 w 3788228"/>
+              <a:gd name="connsiteY5" fmla="*/ 2628900 h 2628900"/>
+              <a:gd name="connsiteX6" fmla="*/ 0 w 3788228"/>
+              <a:gd name="connsiteY6" fmla="*/ 2628900 h 2628900"/>
+              <a:gd name="connsiteX7" fmla="*/ 0 w 3788228"/>
+              <a:gd name="connsiteY7" fmla="*/ 0 h 2628900"/>
+            </a:gdLst>
+            <a:ahLst/>
+            <a:cxnLst>
+              <a:cxn ang="0">
+                <a:pos x="connsiteX0" y="connsiteY0"/>
+              </a:cxn>
+              <a:cxn ang="0">
+                <a:pos x="connsiteX1" y="connsiteY1"/>
+              </a:cxn>
+              <a:cxn ang="0">
+                <a:pos x="connsiteX2" y="connsiteY2"/>
+              </a:cxn>
+              <a:cxn ang="0">
+                <a:pos x="connsiteX3" y="connsiteY3"/>
+              </a:cxn>
+              <a:cxn ang="0">
+                <a:pos x="connsiteX4" y="connsiteY4"/>
+              </a:cxn>
+              <a:cxn ang="0">
+                <a:pos x="connsiteX5" y="connsiteY5"/>
+              </a:cxn>
+              <a:cxn ang="0">
+                <a:pos x="connsiteX6" y="connsiteY6"/>
+              </a:cxn>
+              <a:cxn ang="0">
+                <a:pos x="connsiteX7" y="connsiteY7"/>
+              </a:cxn>
+            </a:cxnLst>
+            <a:rect l="l" t="t" r="r" b="b"/>
+            <a:pathLst>
+              <a:path w="3788228" h="2628900">
+                <a:moveTo>
+                  <a:pt x="0" y="0"/>
+                </a:moveTo>
+                <a:lnTo>
+                  <a:pt x="3788228" y="0"/>
+                </a:lnTo>
+                <a:lnTo>
+                  <a:pt x="3788228" y="2628900"/>
+                </a:lnTo>
+                <a:lnTo>
+                  <a:pt x="3135086" y="2628900"/>
+                </a:lnTo>
+                <a:cubicBezTo>
+                  <a:pt x="3135086" y="1835314"/>
+                  <a:pt x="2579484" y="1191985"/>
+                  <a:pt x="1894114" y="1191985"/>
+                </a:cubicBezTo>
+                <a:cubicBezTo>
+                  <a:pt x="1208744" y="1191985"/>
+                  <a:pt x="653142" y="1835314"/>
+                  <a:pt x="653142" y="2628900"/>
+                </a:cubicBezTo>
+                <a:lnTo>
+                  <a:pt x="0" y="2628900"/>
+                </a:lnTo>
+                <a:lnTo>
+                  <a:pt x="0" y="0"/>
+                </a:lnTo>
+                <a:close/>
+              </a:path>
+            </a:pathLst>
+          </a:custGeom>
+          <a:ln>
+            <a:noFill/>
+          </a:ln>
+        </p:spPr>
+        <p:style>
+          <a:lnRef idx="2">
+            <a:schemeClr val="accent6">
+              <a:shade val="50000"/>
+            </a:schemeClr>
+          </a:lnRef>
+          <a:fillRef idx="1">
+            <a:schemeClr val="accent6"/>
+          </a:fillRef>
+          <a:effectRef idx="0">
+            <a:schemeClr val="accent6"/>
+          </a:effectRef>
+          <a:fontRef idx="minor">
+            <a:schemeClr val="lt1"/>
+          </a:fontRef>
+        </p:style>
+        <p:txBody>
+          <a:bodyPr wrap="square" rtlCol="0" anchor="ctr">
+            <a:noAutofit/>
+          </a:bodyPr>
+          <a:lstStyle/>
+          <a:p>
+            <a:pPr algn="ctr"/>
+            <a:endParaRPr lang="en-US" sz="3200"/>
+          </a:p>
+        </p:txBody>
+      </p:sp>
+      <mc:AlternateContent xmlns:mc="http://schemas.openxmlformats.org/markup-compatibility/2006">
+        <mc:Choice xmlns:a14="http://schemas.microsoft.com/office/drawing/2010/main" Requires="a14">
+          <p:sp>
+            <p:nvSpPr>
+              <p:cNvPr id="19" name="TextBox 18">
+                <a:extLst>
+                  <a:ext uri="{FF2B5EF4-FFF2-40B4-BE49-F238E27FC236}">
+                    <a16:creationId xmlns:a16="http://schemas.microsoft.com/office/drawing/2014/main" id="{0F3ED2CE-2B07-754A-B550-19B823717D5A}"/>
+                  </a:ext>
+                </a:extLst>
+              </p:cNvPr>
+              <p:cNvSpPr txBox="1"/>
+              <p:nvPr/>
+            </p:nvSpPr>
+            <p:spPr>
+              <a:xfrm>
+                <a:off x="859598" y="672688"/>
+                <a:ext cx="2258182" cy="1607620"/>
+              </a:xfrm>
+              <a:prstGeom prst="rect">
+                <a:avLst/>
+              </a:prstGeom>
+              <a:noFill/>
+            </p:spPr>
+            <p:txBody>
+              <a:bodyPr wrap="none" rtlCol="0">
+                <a:spAutoFit/>
+              </a:bodyPr>
+              <a:lstStyle/>
+              <a:p>
+                <a:pPr/>
+                <a:r>
+                  <a:rPr lang="en-US" sz="3200" b="0" dirty="0"/>
+                  <a:t>TN</a:t>
+                </a:r>
+              </a:p>
+              <a:p>
+                <a:pPr/>
+                <a14:m>
+                  <m:oMath xmlns:m="http://schemas.openxmlformats.org/officeDocument/2006/math">
+                    <m:sSub>
+                      <m:sSubPr>
+                        <m:ctrlPr>
+                          <a:rPr lang="en-US" sz="3200" b="0" i="1" smtClean="0">
+                            <a:latin typeface="Cambria Math" panose="02040503050406030204" pitchFamily="18" charset="0"/>
+                          </a:rPr>
+                        </m:ctrlPr>
+                      </m:sSubPr>
+                      <m:e>
+                        <m:r>
+                          <a:rPr lang="en-US" sz="3200" b="0" i="1" smtClean="0">
+                            <a:latin typeface="Cambria Math" panose="02040503050406030204" pitchFamily="18" charset="0"/>
+                          </a:rPr>
+                          <m:t>𝑦</m:t>
+                        </m:r>
+                      </m:e>
+                      <m:sub>
+                        <m:r>
+                          <a:rPr lang="en-US" sz="3200" b="0" i="1" smtClean="0">
+                            <a:latin typeface="Cambria Math" panose="02040503050406030204" pitchFamily="18" charset="0"/>
+                          </a:rPr>
+                          <m:t>𝑎𝑐𝑡𝑢𝑎𝑙</m:t>
+                        </m:r>
+                      </m:sub>
+                    </m:sSub>
+                    <m:r>
+                      <a:rPr lang="en-US" sz="3200" b="0" i="1" smtClean="0">
+                        <a:latin typeface="Cambria Math" panose="02040503050406030204" pitchFamily="18" charset="0"/>
+                      </a:rPr>
+                      <m:t>=0</m:t>
+                    </m:r>
+                  </m:oMath>
+                </a14:m>
+                <a:r>
+                  <a:rPr lang="en-US" sz="3200" dirty="0"/>
+                  <a:t>;</a:t>
+                </a:r>
+              </a:p>
+              <a:p>
+                <a:pPr/>
+                <a14:m>
+                  <m:oMathPara xmlns:m="http://schemas.openxmlformats.org/officeDocument/2006/math">
+                    <m:oMathParaPr>
+                      <m:jc m:val="left"/>
+                    </m:oMathParaPr>
+                    <m:oMath xmlns:m="http://schemas.openxmlformats.org/officeDocument/2006/math">
+                      <m:sSub>
+                        <m:sSubPr>
+                          <m:ctrlPr>
+                            <a:rPr lang="en-US" sz="3200" i="1">
+                              <a:latin typeface="Cambria Math" panose="02040503050406030204" pitchFamily="18" charset="0"/>
+                            </a:rPr>
+                          </m:ctrlPr>
+                        </m:sSubPr>
+                        <m:e>
+                          <m:r>
+                            <a:rPr lang="en-US" sz="3200" i="1">
+                              <a:latin typeface="Cambria Math" panose="02040503050406030204" pitchFamily="18" charset="0"/>
+                            </a:rPr>
+                            <m:t>𝑦</m:t>
+                          </m:r>
+                        </m:e>
+                        <m:sub>
+                          <m:r>
+                            <a:rPr lang="en-US" sz="3200" i="1">
+                              <a:latin typeface="Cambria Math" panose="02040503050406030204" pitchFamily="18" charset="0"/>
+                            </a:rPr>
+                            <m:t>𝑝𝑟𝑒𝑑</m:t>
+                          </m:r>
+                        </m:sub>
+                      </m:sSub>
+                      <m:r>
+                        <a:rPr lang="en-US" sz="3200" i="1">
+                          <a:latin typeface="Cambria Math" panose="02040503050406030204" pitchFamily="18" charset="0"/>
+                        </a:rPr>
+                        <m:t>=0</m:t>
+                      </m:r>
+                    </m:oMath>
+                  </m:oMathPara>
+                </a14:m>
+                <a:endParaRPr lang="en-US" sz="3200" dirty="0"/>
+              </a:p>
+            </p:txBody>
+          </p:sp>
+        </mc:Choice>
+        <mc:Fallback>
+          <p:sp>
+            <p:nvSpPr>
+              <p:cNvPr id="19" name="TextBox 18">
+                <a:extLst>
+                  <a:ext uri="{FF2B5EF4-FFF2-40B4-BE49-F238E27FC236}">
+                    <a16:creationId xmlns:a16="http://schemas.microsoft.com/office/drawing/2014/main" id="{0F3ED2CE-2B07-754A-B550-19B823717D5A}"/>
+                  </a:ext>
+                </a:extLst>
+              </p:cNvPr>
+              <p:cNvSpPr txBox="1">
+                <a:spLocks noRot="1" noChangeAspect="1" noMove="1" noResize="1" noEditPoints="1" noAdjustHandles="1" noChangeArrowheads="1" noChangeShapeType="1" noTextEdit="1"/>
+              </p:cNvSpPr>
+              <p:nvPr/>
+            </p:nvSpPr>
+            <p:spPr>
+              <a:xfrm>
+                <a:off x="859598" y="672688"/>
+                <a:ext cx="2258182" cy="1607620"/>
+              </a:xfrm>
+              <a:prstGeom prst="rect">
+                <a:avLst/>
+              </a:prstGeom>
+              <a:blipFill>
+                <a:blip r:embed="rId4"/>
+                <a:stretch>
+                  <a:fillRect l="-6742" t="-3937" r="-5618" b="-4724"/>
+                </a:stretch>
+              </a:blipFill>
+            </p:spPr>
+            <p:txBody>
+              <a:bodyPr/>
+              <a:lstStyle/>
+              <a:p>
+                <a:r>
+                  <a:rPr lang="en-US">
+                    <a:noFill/>
+                  </a:rPr>
+                  <a:t> </a:t>
+                </a:r>
+              </a:p>
+            </p:txBody>
+          </p:sp>
+        </mc:Fallback>
+      </mc:AlternateContent>
+      <p:sp>
+        <p:nvSpPr>
+          <p:cNvPr id="29" name="Rectangle 28">
+            <a:extLst>
+              <a:ext uri="{FF2B5EF4-FFF2-40B4-BE49-F238E27FC236}">
+                <a16:creationId xmlns:a16="http://schemas.microsoft.com/office/drawing/2014/main" id="{022FBC10-3869-7247-B8FB-B3CBC442C216}"/>
+              </a:ext>
+            </a:extLst>
+          </p:cNvPr>
+          <p:cNvSpPr/>
+          <p:nvPr/>
+        </p:nvSpPr>
+        <p:spPr>
+          <a:xfrm>
+            <a:off x="838199" y="691243"/>
+            <a:ext cx="3788228" cy="5257800"/>
+          </a:xfrm>
+          <a:prstGeom prst="rect">
+            <a:avLst/>
+          </a:prstGeom>
+          <a:noFill/>
+          <a:ln w="38100"/>
+        </p:spPr>
+        <p:style>
+          <a:lnRef idx="2">
+            <a:schemeClr val="accent1">
+              <a:shade val="50000"/>
+            </a:schemeClr>
+          </a:lnRef>
+          <a:fillRef idx="1">
+            <a:schemeClr val="accent1"/>
+          </a:fillRef>
+          <a:effectRef idx="0">
+            <a:schemeClr val="accent1"/>
+          </a:effectRef>
+          <a:fontRef idx="minor">
+            <a:schemeClr val="lt1"/>
+          </a:fontRef>
+        </p:style>
+        <p:txBody>
+          <a:bodyPr rtlCol="0" anchor="ctr"/>
+          <a:lstStyle/>
+          <a:p>
+            <a:pPr algn="ctr"/>
+            <a:endParaRPr lang="en-US"/>
+          </a:p>
+        </p:txBody>
+      </p:sp>
+      <mc:AlternateContent xmlns:mc="http://schemas.openxmlformats.org/markup-compatibility/2006">
+        <mc:Choice xmlns:a14="http://schemas.microsoft.com/office/drawing/2010/main" Requires="a14">
+          <p:sp>
+            <p:nvSpPr>
+              <p:cNvPr id="23" name="TextBox 22">
+                <a:extLst>
+                  <a:ext uri="{FF2B5EF4-FFF2-40B4-BE49-F238E27FC236}">
+                    <a16:creationId xmlns:a16="http://schemas.microsoft.com/office/drawing/2014/main" id="{E640BBB4-F7EB-FD49-BD4E-DF565194F1B7}"/>
+                  </a:ext>
+                </a:extLst>
+              </p:cNvPr>
+              <p:cNvSpPr txBox="1"/>
+              <p:nvPr/>
+            </p:nvSpPr>
+            <p:spPr>
+              <a:xfrm>
+                <a:off x="1740663" y="3008776"/>
+                <a:ext cx="1983300" cy="622735"/>
+              </a:xfrm>
+              <a:prstGeom prst="rect">
+                <a:avLst/>
+              </a:prstGeom>
+              <a:noFill/>
+            </p:spPr>
+            <p:txBody>
+              <a:bodyPr wrap="none" rtlCol="0">
+                <a:spAutoFit/>
+              </a:bodyPr>
+              <a:lstStyle/>
+              <a:p>
+                <a:pPr/>
+                <a14:m>
+                  <m:oMathPara xmlns:m="http://schemas.openxmlformats.org/officeDocument/2006/math">
+                    <m:oMathParaPr>
+                      <m:jc m:val="centerGroup"/>
+                    </m:oMathParaPr>
+                    <m:oMath xmlns:m="http://schemas.openxmlformats.org/officeDocument/2006/math">
+                      <m:sSub>
+                        <m:sSubPr>
+                          <m:ctrlPr>
+                            <a:rPr lang="en-US" sz="3200" b="0" i="1" smtClean="0">
+                              <a:latin typeface="Cambria Math" panose="02040503050406030204" pitchFamily="18" charset="0"/>
+                            </a:rPr>
+                          </m:ctrlPr>
+                        </m:sSubPr>
+                        <m:e>
+                          <m:r>
+                            <a:rPr lang="en-US" sz="3200" b="0" i="1" smtClean="0">
+                              <a:latin typeface="Cambria Math" panose="02040503050406030204" pitchFamily="18" charset="0"/>
+                            </a:rPr>
+                            <m:t>𝑦</m:t>
+                          </m:r>
+                        </m:e>
+                        <m:sub>
+                          <m:r>
+                            <a:rPr lang="en-US" sz="3200" b="0" i="1" smtClean="0">
+                              <a:latin typeface="Cambria Math" panose="02040503050406030204" pitchFamily="18" charset="0"/>
+                            </a:rPr>
+                            <m:t>𝑝𝑟𝑒𝑑</m:t>
+                          </m:r>
+                        </m:sub>
+                      </m:sSub>
+                      <m:r>
+                        <a:rPr lang="en-US" sz="3200" b="0" i="1" smtClean="0">
+                          <a:latin typeface="Cambria Math" panose="02040503050406030204" pitchFamily="18" charset="0"/>
+                        </a:rPr>
+                        <m:t>=1</m:t>
+                      </m:r>
+                    </m:oMath>
+                  </m:oMathPara>
+                </a14:m>
+                <a:endParaRPr lang="en-US" sz="3200" dirty="0"/>
+              </a:p>
+            </p:txBody>
+          </p:sp>
+        </mc:Choice>
+        <mc:Fallback>
+          <p:sp>
+            <p:nvSpPr>
+              <p:cNvPr id="23" name="TextBox 22">
+                <a:extLst>
+                  <a:ext uri="{FF2B5EF4-FFF2-40B4-BE49-F238E27FC236}">
+                    <a16:creationId xmlns:a16="http://schemas.microsoft.com/office/drawing/2014/main" id="{E640BBB4-F7EB-FD49-BD4E-DF565194F1B7}"/>
+                  </a:ext>
+                </a:extLst>
+              </p:cNvPr>
+              <p:cNvSpPr txBox="1">
+                <a:spLocks noRot="1" noChangeAspect="1" noMove="1" noResize="1" noEditPoints="1" noAdjustHandles="1" noChangeArrowheads="1" noChangeShapeType="1" noTextEdit="1"/>
+              </p:cNvSpPr>
+              <p:nvPr/>
+            </p:nvSpPr>
+            <p:spPr>
+              <a:xfrm>
+                <a:off x="1740663" y="3008776"/>
+                <a:ext cx="1983300" cy="622735"/>
+              </a:xfrm>
+              <a:prstGeom prst="rect">
+                <a:avLst/>
+              </a:prstGeom>
+              <a:blipFill>
+                <a:blip r:embed="rId5"/>
+                <a:stretch>
+                  <a:fillRect b="-12245"/>
+                </a:stretch>
+              </a:blipFill>
+            </p:spPr>
+            <p:txBody>
+              <a:bodyPr/>
+              <a:lstStyle/>
+              <a:p>
+                <a:r>
+                  <a:rPr lang="en-US">
+                    <a:noFill/>
+                  </a:rPr>
+                  <a:t> </a:t>
+                </a:r>
+              </a:p>
+            </p:txBody>
+          </p:sp>
+        </mc:Fallback>
+      </mc:AlternateContent>
+      <p:sp>
+        <p:nvSpPr>
+          <p:cNvPr id="38" name="Freeform 37">
+            <a:extLst>
+              <a:ext uri="{FF2B5EF4-FFF2-40B4-BE49-F238E27FC236}">
+                <a16:creationId xmlns:a16="http://schemas.microsoft.com/office/drawing/2014/main" id="{64DCA136-56C1-AF49-A554-2223DF1444BC}"/>
+              </a:ext>
+            </a:extLst>
+          </p:cNvPr>
+          <p:cNvSpPr/>
+          <p:nvPr/>
+        </p:nvSpPr>
+        <p:spPr>
+          <a:xfrm>
+            <a:off x="7316251" y="3320145"/>
+            <a:ext cx="2481944" cy="1436915"/>
+          </a:xfrm>
+          <a:custGeom>
+            <a:avLst/>
+            <a:gdLst>
+              <a:gd name="connsiteX0" fmla="*/ 0 w 2481944"/>
+              <a:gd name="connsiteY0" fmla="*/ 0 h 1436915"/>
+              <a:gd name="connsiteX1" fmla="*/ 2481944 w 2481944"/>
+              <a:gd name="connsiteY1" fmla="*/ 0 h 1436915"/>
+              <a:gd name="connsiteX2" fmla="*/ 1240972 w 2481944"/>
+              <a:gd name="connsiteY2" fmla="*/ 1436915 h 1436915"/>
+              <a:gd name="connsiteX3" fmla="*/ 0 w 2481944"/>
+              <a:gd name="connsiteY3" fmla="*/ 0 h 1436915"/>
+            </a:gdLst>
+            <a:ahLst/>
+            <a:cxnLst>
+              <a:cxn ang="0">
+                <a:pos x="connsiteX0" y="connsiteY0"/>
+              </a:cxn>
+              <a:cxn ang="0">
+                <a:pos x="connsiteX1" y="connsiteY1"/>
+              </a:cxn>
+              <a:cxn ang="0">
+                <a:pos x="connsiteX2" y="connsiteY2"/>
+              </a:cxn>
+              <a:cxn ang="0">
+                <a:pos x="connsiteX3" y="connsiteY3"/>
+              </a:cxn>
+            </a:cxnLst>
+            <a:rect l="l" t="t" r="r" b="b"/>
+            <a:pathLst>
+              <a:path w="2481944" h="1436915">
+                <a:moveTo>
+                  <a:pt x="0" y="0"/>
+                </a:moveTo>
+                <a:lnTo>
+                  <a:pt x="2481944" y="0"/>
+                </a:lnTo>
+                <a:cubicBezTo>
+                  <a:pt x="2481944" y="793586"/>
+                  <a:pt x="1926342" y="1436915"/>
+                  <a:pt x="1240972" y="1436915"/>
+                </a:cubicBezTo>
+                <a:cubicBezTo>
+                  <a:pt x="555602" y="1436915"/>
+                  <a:pt x="0" y="793586"/>
+                  <a:pt x="0" y="0"/>
+                </a:cubicBezTo>
+                <a:close/>
+              </a:path>
+            </a:pathLst>
+          </a:custGeom>
+          <a:solidFill>
+            <a:srgbClr val="FFB637"/>
+          </a:solidFill>
+          <a:ln>
+            <a:noFill/>
+          </a:ln>
+        </p:spPr>
+        <p:style>
+          <a:lnRef idx="2">
+            <a:schemeClr val="accent2">
+              <a:shade val="50000"/>
+            </a:schemeClr>
+          </a:lnRef>
+          <a:fillRef idx="1">
+            <a:schemeClr val="accent2"/>
+          </a:fillRef>
+          <a:effectRef idx="0">
+            <a:schemeClr val="accent2"/>
+          </a:effectRef>
+          <a:fontRef idx="minor">
+            <a:schemeClr val="lt1"/>
+          </a:fontRef>
+        </p:style>
+        <p:txBody>
+          <a:bodyPr wrap="square" rtlCol="0" anchor="ctr">
+            <a:noAutofit/>
+          </a:bodyPr>
+          <a:lstStyle/>
+          <a:p>
+            <a:pPr algn="ctr"/>
+            <a:endParaRPr lang="en-US" sz="3200"/>
+          </a:p>
+        </p:txBody>
+      </p:sp>
+      <p:sp>
+        <p:nvSpPr>
+          <p:cNvPr id="39" name="Freeform 38">
+            <a:extLst>
+              <a:ext uri="{FF2B5EF4-FFF2-40B4-BE49-F238E27FC236}">
+                <a16:creationId xmlns:a16="http://schemas.microsoft.com/office/drawing/2014/main" id="{59E3BB32-487A-E540-891D-B6F95D63BB5A}"/>
+              </a:ext>
+            </a:extLst>
+          </p:cNvPr>
+          <p:cNvSpPr/>
+          <p:nvPr/>
+        </p:nvSpPr>
+        <p:spPr>
+          <a:xfrm>
+            <a:off x="6663109" y="3320143"/>
+            <a:ext cx="3788228" cy="2628900"/>
+          </a:xfrm>
+          <a:custGeom>
+            <a:avLst/>
+            <a:gdLst>
+              <a:gd name="connsiteX0" fmla="*/ 0 w 3788228"/>
+              <a:gd name="connsiteY0" fmla="*/ 0 h 2628900"/>
+              <a:gd name="connsiteX1" fmla="*/ 3788228 w 3788228"/>
+              <a:gd name="connsiteY1" fmla="*/ 0 h 2628900"/>
+              <a:gd name="connsiteX2" fmla="*/ 3788228 w 3788228"/>
+              <a:gd name="connsiteY2" fmla="*/ 2628900 h 2628900"/>
+              <a:gd name="connsiteX3" fmla="*/ 0 w 3788228"/>
+              <a:gd name="connsiteY3" fmla="*/ 2628900 h 2628900"/>
+              <a:gd name="connsiteX4" fmla="*/ 0 w 3788228"/>
+              <a:gd name="connsiteY4" fmla="*/ 0 h 2628900"/>
+              <a:gd name="connsiteX5" fmla="*/ 653142 w 3788228"/>
+              <a:gd name="connsiteY5" fmla="*/ 1 h 2628900"/>
+              <a:gd name="connsiteX6" fmla="*/ 1894114 w 3788228"/>
+              <a:gd name="connsiteY6" fmla="*/ 1436916 h 2628900"/>
+              <a:gd name="connsiteX7" fmla="*/ 3135086 w 3788228"/>
+              <a:gd name="connsiteY7" fmla="*/ 1 h 2628900"/>
+              <a:gd name="connsiteX8" fmla="*/ 653142 w 3788228"/>
+              <a:gd name="connsiteY8" fmla="*/ 1 h 2628900"/>
+            </a:gdLst>
+            <a:ahLst/>
+            <a:cxnLst>
+              <a:cxn ang="0">
+                <a:pos x="connsiteX0" y="connsiteY0"/>
+              </a:cxn>
+              <a:cxn ang="0">
+                <a:pos x="connsiteX1" y="connsiteY1"/>
+              </a:cxn>
+              <a:cxn ang="0">
+                <a:pos x="connsiteX2" y="connsiteY2"/>
+              </a:cxn>
+              <a:cxn ang="0">
+                <a:pos x="connsiteX3" y="connsiteY3"/>
+              </a:cxn>
+              <a:cxn ang="0">
+                <a:pos x="connsiteX4" y="connsiteY4"/>
+              </a:cxn>
+              <a:cxn ang="0">
+                <a:pos x="connsiteX5" y="connsiteY5"/>
+              </a:cxn>
+              <a:cxn ang="0">
+                <a:pos x="connsiteX6" y="connsiteY6"/>
+              </a:cxn>
+              <a:cxn ang="0">
+                <a:pos x="connsiteX7" y="connsiteY7"/>
+              </a:cxn>
+              <a:cxn ang="0">
+                <a:pos x="connsiteX8" y="connsiteY8"/>
+              </a:cxn>
+            </a:cxnLst>
+            <a:rect l="l" t="t" r="r" b="b"/>
+            <a:pathLst>
+              <a:path w="3788228" h="2628900">
+                <a:moveTo>
+                  <a:pt x="0" y="0"/>
+                </a:moveTo>
+                <a:lnTo>
+                  <a:pt x="3788228" y="0"/>
+                </a:lnTo>
+                <a:lnTo>
+                  <a:pt x="3788228" y="2628900"/>
+                </a:lnTo>
+                <a:lnTo>
+                  <a:pt x="0" y="2628900"/>
+                </a:lnTo>
+                <a:lnTo>
+                  <a:pt x="0" y="0"/>
+                </a:lnTo>
+                <a:close/>
+                <a:moveTo>
+                  <a:pt x="653142" y="1"/>
+                </a:moveTo>
+                <a:cubicBezTo>
+                  <a:pt x="653142" y="793587"/>
+                  <a:pt x="1208744" y="1436916"/>
+                  <a:pt x="1894114" y="1436916"/>
+                </a:cubicBezTo>
+                <a:cubicBezTo>
+                  <a:pt x="2579484" y="1436916"/>
+                  <a:pt x="3135086" y="793587"/>
+                  <a:pt x="3135086" y="1"/>
+                </a:cubicBezTo>
+                <a:lnTo>
+                  <a:pt x="653142" y="1"/>
+                </a:lnTo>
+                <a:close/>
+              </a:path>
+            </a:pathLst>
+          </a:custGeom>
+          <a:ln>
+            <a:noFill/>
+          </a:ln>
+        </p:spPr>
+        <p:style>
+          <a:lnRef idx="2">
+            <a:schemeClr val="accent2">
+              <a:shade val="50000"/>
+            </a:schemeClr>
+          </a:lnRef>
+          <a:fillRef idx="1">
+            <a:schemeClr val="accent2"/>
+          </a:fillRef>
+          <a:effectRef idx="0">
+            <a:schemeClr val="accent2"/>
+          </a:effectRef>
+          <a:fontRef idx="minor">
+            <a:schemeClr val="lt1"/>
+          </a:fontRef>
+        </p:style>
+        <p:txBody>
+          <a:bodyPr wrap="square" rtlCol="0" anchor="ctr">
+            <a:noAutofit/>
+          </a:bodyPr>
+          <a:lstStyle/>
+          <a:p>
+            <a:pPr algn="ctr"/>
+            <a:endParaRPr lang="en-US" sz="3200"/>
+          </a:p>
+        </p:txBody>
+      </p:sp>
+      <mc:AlternateContent xmlns:mc="http://schemas.openxmlformats.org/markup-compatibility/2006">
+        <mc:Choice xmlns:a14="http://schemas.microsoft.com/office/drawing/2010/main" Requires="a14">
+          <p:sp>
+            <p:nvSpPr>
+              <p:cNvPr id="40" name="TextBox 39">
+                <a:extLst>
+                  <a:ext uri="{FF2B5EF4-FFF2-40B4-BE49-F238E27FC236}">
+                    <a16:creationId xmlns:a16="http://schemas.microsoft.com/office/drawing/2014/main" id="{FFC14FBF-57CB-2748-9A7A-D860529F5198}"/>
+                  </a:ext>
+                </a:extLst>
+              </p:cNvPr>
+              <p:cNvSpPr txBox="1"/>
+              <p:nvPr/>
+            </p:nvSpPr>
+            <p:spPr>
+              <a:xfrm>
+                <a:off x="7678421" y="3234792"/>
+                <a:ext cx="3221695" cy="1607620"/>
+              </a:xfrm>
+              <a:prstGeom prst="rect">
+                <a:avLst/>
+              </a:prstGeom>
+              <a:noFill/>
+            </p:spPr>
+            <p:txBody>
+              <a:bodyPr wrap="square" rtlCol="0">
+                <a:spAutoFit/>
+              </a:bodyPr>
+              <a:lstStyle/>
+              <a:p>
+                <a:pPr/>
+                <a:r>
+                  <a:rPr lang="en-US" sz="3200" dirty="0"/>
+                  <a:t>TP</a:t>
+                </a:r>
+                <a:endParaRPr lang="en-US" sz="3200" b="0" dirty="0"/>
+              </a:p>
+              <a:p>
+                <a:pPr/>
+                <a14:m>
+                  <m:oMathPara xmlns:m="http://schemas.openxmlformats.org/officeDocument/2006/math">
+                    <m:oMathParaPr>
+                      <m:jc m:val="left"/>
+                    </m:oMathParaPr>
+                    <m:oMath xmlns:m="http://schemas.openxmlformats.org/officeDocument/2006/math">
+                      <m:sSub>
+                        <m:sSubPr>
+                          <m:ctrlPr>
+                            <a:rPr lang="en-US" sz="3200" b="0" i="1" smtClean="0">
+                              <a:latin typeface="Cambria Math" panose="02040503050406030204" pitchFamily="18" charset="0"/>
+                            </a:rPr>
+                          </m:ctrlPr>
+                        </m:sSubPr>
+                        <m:e>
+                          <m:r>
+                            <a:rPr lang="en-US" sz="3200" b="0" i="1" smtClean="0">
+                              <a:latin typeface="Cambria Math" panose="02040503050406030204" pitchFamily="18" charset="0"/>
+                            </a:rPr>
+                            <m:t>𝑦</m:t>
+                          </m:r>
+                        </m:e>
+                        <m:sub>
+                          <m:r>
+                            <a:rPr lang="en-US" sz="3200" b="0" i="1" smtClean="0">
+                              <a:latin typeface="Cambria Math" panose="02040503050406030204" pitchFamily="18" charset="0"/>
+                            </a:rPr>
+                            <m:t>𝑎𝑐𝑡𝑢𝑎𝑙</m:t>
+                          </m:r>
+                        </m:sub>
+                      </m:sSub>
+                      <m:r>
+                        <a:rPr lang="en-US" sz="3200" b="0" i="1" smtClean="0">
+                          <a:latin typeface="Cambria Math" panose="02040503050406030204" pitchFamily="18" charset="0"/>
+                        </a:rPr>
+                        <m:t>=1</m:t>
+                      </m:r>
+                      <m:r>
+                        <a:rPr lang="en-US" sz="3200" b="0" i="1" smtClean="0">
+                          <a:latin typeface="Cambria Math" panose="02040503050406030204" pitchFamily="18" charset="0"/>
+                        </a:rPr>
+                        <m:t>;</m:t>
+                      </m:r>
+                    </m:oMath>
+                  </m:oMathPara>
+                </a14:m>
+                <a:endParaRPr lang="en-US" sz="3200" dirty="0"/>
+              </a:p>
+              <a:p>
+                <a:pPr/>
+                <a14:m>
+                  <m:oMathPara xmlns:m="http://schemas.openxmlformats.org/officeDocument/2006/math">
+                    <m:oMathParaPr>
+                      <m:jc m:val="left"/>
+                    </m:oMathParaPr>
+                    <m:oMath xmlns:m="http://schemas.openxmlformats.org/officeDocument/2006/math">
+                      <m:sSub>
+                        <m:sSubPr>
+                          <m:ctrlPr>
+                            <a:rPr lang="en-US" sz="3200" i="1" smtClean="0">
+                              <a:latin typeface="Cambria Math" panose="02040503050406030204" pitchFamily="18" charset="0"/>
+                            </a:rPr>
+                          </m:ctrlPr>
+                        </m:sSubPr>
+                        <m:e>
+                          <m:r>
+                            <a:rPr lang="en-US" sz="3200" i="1">
+                              <a:latin typeface="Cambria Math" panose="02040503050406030204" pitchFamily="18" charset="0"/>
+                            </a:rPr>
+                            <m:t>𝑦</m:t>
+                          </m:r>
+                        </m:e>
+                        <m:sub>
+                          <m:r>
+                            <a:rPr lang="en-US" sz="3200" i="1">
+                              <a:latin typeface="Cambria Math" panose="02040503050406030204" pitchFamily="18" charset="0"/>
+                            </a:rPr>
+                            <m:t>𝑝𝑟𝑒𝑑</m:t>
+                          </m:r>
+                        </m:sub>
+                      </m:sSub>
+                      <m:r>
+                        <a:rPr lang="en-US" sz="3200" i="1">
+                          <a:latin typeface="Cambria Math" panose="02040503050406030204" pitchFamily="18" charset="0"/>
+                        </a:rPr>
+                        <m:t>=</m:t>
+                      </m:r>
+                      <m:r>
+                        <a:rPr lang="en-US" sz="3200" b="0" i="1" smtClean="0">
+                          <a:latin typeface="Cambria Math" panose="02040503050406030204" pitchFamily="18" charset="0"/>
+                        </a:rPr>
+                        <m:t>1</m:t>
+                      </m:r>
+                    </m:oMath>
+                  </m:oMathPara>
+                </a14:m>
+                <a:endParaRPr lang="en-US" sz="3200" dirty="0"/>
+              </a:p>
+            </p:txBody>
+          </p:sp>
+        </mc:Choice>
+        <mc:Fallback>
+          <p:sp>
+            <p:nvSpPr>
+              <p:cNvPr id="40" name="TextBox 39">
+                <a:extLst>
+                  <a:ext uri="{FF2B5EF4-FFF2-40B4-BE49-F238E27FC236}">
+                    <a16:creationId xmlns:a16="http://schemas.microsoft.com/office/drawing/2014/main" id="{FFC14FBF-57CB-2748-9A7A-D860529F5198}"/>
+                  </a:ext>
+                </a:extLst>
+              </p:cNvPr>
+              <p:cNvSpPr txBox="1">
+                <a:spLocks noRot="1" noChangeAspect="1" noMove="1" noResize="1" noEditPoints="1" noAdjustHandles="1" noChangeArrowheads="1" noChangeShapeType="1" noTextEdit="1"/>
+              </p:cNvSpPr>
+              <p:nvPr/>
+            </p:nvSpPr>
+            <p:spPr>
+              <a:xfrm>
+                <a:off x="7678421" y="3234792"/>
+                <a:ext cx="3221695" cy="1607620"/>
+              </a:xfrm>
+              <a:prstGeom prst="rect">
+                <a:avLst/>
+              </a:prstGeom>
+              <a:blipFill>
+                <a:blip r:embed="rId6"/>
+                <a:stretch>
+                  <a:fillRect l="-4724" t="-4724" b="-3937"/>
+                </a:stretch>
+              </a:blipFill>
+            </p:spPr>
+            <p:txBody>
+              <a:bodyPr/>
+              <a:lstStyle/>
+              <a:p>
+                <a:r>
+                  <a:rPr lang="en-US">
+                    <a:noFill/>
+                  </a:rPr>
+                  <a:t> </a:t>
+                </a:r>
+              </a:p>
+            </p:txBody>
+          </p:sp>
+        </mc:Fallback>
+      </mc:AlternateContent>
+      <p:sp>
+        <p:nvSpPr>
+          <p:cNvPr id="41" name="Freeform 40">
+            <a:extLst>
+              <a:ext uri="{FF2B5EF4-FFF2-40B4-BE49-F238E27FC236}">
+                <a16:creationId xmlns:a16="http://schemas.microsoft.com/office/drawing/2014/main" id="{E7236E2A-B41B-DD46-B498-56E42D1B6073}"/>
+              </a:ext>
+            </a:extLst>
+          </p:cNvPr>
+          <p:cNvSpPr/>
+          <p:nvPr/>
+        </p:nvSpPr>
+        <p:spPr>
+          <a:xfrm>
+            <a:off x="7316251" y="1883229"/>
+            <a:ext cx="2481944" cy="1436915"/>
+          </a:xfrm>
+          <a:custGeom>
+            <a:avLst/>
+            <a:gdLst>
+              <a:gd name="connsiteX0" fmla="*/ 1240972 w 2481944"/>
+              <a:gd name="connsiteY0" fmla="*/ 0 h 1436915"/>
+              <a:gd name="connsiteX1" fmla="*/ 2481944 w 2481944"/>
+              <a:gd name="connsiteY1" fmla="*/ 1436915 h 1436915"/>
+              <a:gd name="connsiteX2" fmla="*/ 0 w 2481944"/>
+              <a:gd name="connsiteY2" fmla="*/ 1436915 h 1436915"/>
+              <a:gd name="connsiteX3" fmla="*/ 1240972 w 2481944"/>
+              <a:gd name="connsiteY3" fmla="*/ 0 h 1436915"/>
+            </a:gdLst>
+            <a:ahLst/>
+            <a:cxnLst>
+              <a:cxn ang="0">
+                <a:pos x="connsiteX0" y="connsiteY0"/>
+              </a:cxn>
+              <a:cxn ang="0">
+                <a:pos x="connsiteX1" y="connsiteY1"/>
+              </a:cxn>
+              <a:cxn ang="0">
+                <a:pos x="connsiteX2" y="connsiteY2"/>
+              </a:cxn>
+              <a:cxn ang="0">
+                <a:pos x="connsiteX3" y="connsiteY3"/>
+              </a:cxn>
+            </a:cxnLst>
+            <a:rect l="l" t="t" r="r" b="b"/>
+            <a:pathLst>
+              <a:path w="2481944" h="1436915">
+                <a:moveTo>
+                  <a:pt x="1240972" y="0"/>
+                </a:moveTo>
+                <a:cubicBezTo>
+                  <a:pt x="1926342" y="0"/>
+                  <a:pt x="2481944" y="643329"/>
+                  <a:pt x="2481944" y="1436915"/>
+                </a:cubicBezTo>
+                <a:lnTo>
+                  <a:pt x="0" y="1436915"/>
+                </a:lnTo>
+                <a:cubicBezTo>
+                  <a:pt x="0" y="643329"/>
+                  <a:pt x="555602" y="0"/>
+                  <a:pt x="1240972" y="0"/>
+                </a:cubicBezTo>
+                <a:close/>
+              </a:path>
+            </a:pathLst>
+          </a:custGeom>
+          <a:solidFill>
+            <a:srgbClr val="A4FF65"/>
+          </a:solidFill>
+          <a:ln>
+            <a:noFill/>
+          </a:ln>
+        </p:spPr>
+        <p:style>
+          <a:lnRef idx="2">
+            <a:schemeClr val="accent6">
+              <a:shade val="50000"/>
+            </a:schemeClr>
+          </a:lnRef>
+          <a:fillRef idx="1">
+            <a:schemeClr val="accent6"/>
+          </a:fillRef>
+          <a:effectRef idx="0">
+            <a:schemeClr val="accent6"/>
+          </a:effectRef>
+          <a:fontRef idx="minor">
+            <a:schemeClr val="lt1"/>
+          </a:fontRef>
+        </p:style>
+        <p:txBody>
+          <a:bodyPr wrap="square" rtlCol="0" anchor="ctr">
+            <a:noAutofit/>
+          </a:bodyPr>
+          <a:lstStyle/>
+          <a:p>
+            <a:pPr algn="ctr"/>
+            <a:endParaRPr lang="en-US" sz="3200"/>
+          </a:p>
+        </p:txBody>
+      </p:sp>
+      <p:sp>
+        <p:nvSpPr>
+          <p:cNvPr id="42" name="Freeform 41">
+            <a:extLst>
+              <a:ext uri="{FF2B5EF4-FFF2-40B4-BE49-F238E27FC236}">
+                <a16:creationId xmlns:a16="http://schemas.microsoft.com/office/drawing/2014/main" id="{5FAE00EE-3524-E844-B1B1-1060F3B26BE7}"/>
+              </a:ext>
+            </a:extLst>
+          </p:cNvPr>
+          <p:cNvSpPr/>
+          <p:nvPr/>
+        </p:nvSpPr>
+        <p:spPr>
+          <a:xfrm>
+            <a:off x="6663109" y="691243"/>
+            <a:ext cx="3788228" cy="2628900"/>
+          </a:xfrm>
+          <a:custGeom>
+            <a:avLst/>
+            <a:gdLst>
+              <a:gd name="connsiteX0" fmla="*/ 0 w 3788228"/>
+              <a:gd name="connsiteY0" fmla="*/ 0 h 2628900"/>
+              <a:gd name="connsiteX1" fmla="*/ 3788228 w 3788228"/>
+              <a:gd name="connsiteY1" fmla="*/ 0 h 2628900"/>
+              <a:gd name="connsiteX2" fmla="*/ 3788228 w 3788228"/>
+              <a:gd name="connsiteY2" fmla="*/ 2628900 h 2628900"/>
+              <a:gd name="connsiteX3" fmla="*/ 3135086 w 3788228"/>
+              <a:gd name="connsiteY3" fmla="*/ 2628900 h 2628900"/>
+              <a:gd name="connsiteX4" fmla="*/ 1894114 w 3788228"/>
+              <a:gd name="connsiteY4" fmla="*/ 1191985 h 2628900"/>
+              <a:gd name="connsiteX5" fmla="*/ 653142 w 3788228"/>
+              <a:gd name="connsiteY5" fmla="*/ 2628900 h 2628900"/>
+              <a:gd name="connsiteX6" fmla="*/ 0 w 3788228"/>
+              <a:gd name="connsiteY6" fmla="*/ 2628900 h 2628900"/>
+              <a:gd name="connsiteX7" fmla="*/ 0 w 3788228"/>
+              <a:gd name="connsiteY7" fmla="*/ 0 h 2628900"/>
+            </a:gdLst>
+            <a:ahLst/>
+            <a:cxnLst>
+              <a:cxn ang="0">
+                <a:pos x="connsiteX0" y="connsiteY0"/>
+              </a:cxn>
+              <a:cxn ang="0">
+                <a:pos x="connsiteX1" y="connsiteY1"/>
+              </a:cxn>
+              <a:cxn ang="0">
+                <a:pos x="connsiteX2" y="connsiteY2"/>
+              </a:cxn>
+              <a:cxn ang="0">
+                <a:pos x="connsiteX3" y="connsiteY3"/>
+              </a:cxn>
+              <a:cxn ang="0">
+                <a:pos x="connsiteX4" y="connsiteY4"/>
+              </a:cxn>
+              <a:cxn ang="0">
+                <a:pos x="connsiteX5" y="connsiteY5"/>
+              </a:cxn>
+              <a:cxn ang="0">
+                <a:pos x="connsiteX6" y="connsiteY6"/>
+              </a:cxn>
+              <a:cxn ang="0">
+                <a:pos x="connsiteX7" y="connsiteY7"/>
+              </a:cxn>
+            </a:cxnLst>
+            <a:rect l="l" t="t" r="r" b="b"/>
+            <a:pathLst>
+              <a:path w="3788228" h="2628900">
+                <a:moveTo>
+                  <a:pt x="0" y="0"/>
+                </a:moveTo>
+                <a:lnTo>
+                  <a:pt x="3788228" y="0"/>
+                </a:lnTo>
+                <a:lnTo>
+                  <a:pt x="3788228" y="2628900"/>
+                </a:lnTo>
+                <a:lnTo>
+                  <a:pt x="3135086" y="2628900"/>
+                </a:lnTo>
+                <a:cubicBezTo>
+                  <a:pt x="3135086" y="1835314"/>
+                  <a:pt x="2579484" y="1191985"/>
+                  <a:pt x="1894114" y="1191985"/>
+                </a:cubicBezTo>
+                <a:cubicBezTo>
+                  <a:pt x="1208744" y="1191985"/>
+                  <a:pt x="653142" y="1835314"/>
+                  <a:pt x="653142" y="2628900"/>
+                </a:cubicBezTo>
+                <a:lnTo>
+                  <a:pt x="0" y="2628900"/>
+                </a:lnTo>
+                <a:lnTo>
+                  <a:pt x="0" y="0"/>
+                </a:lnTo>
+                <a:close/>
+              </a:path>
+            </a:pathLst>
+          </a:custGeom>
+          <a:ln>
+            <a:noFill/>
+          </a:ln>
+        </p:spPr>
+        <p:style>
+          <a:lnRef idx="2">
+            <a:schemeClr val="accent6">
+              <a:shade val="50000"/>
+            </a:schemeClr>
+          </a:lnRef>
+          <a:fillRef idx="1">
+            <a:schemeClr val="accent6"/>
+          </a:fillRef>
+          <a:effectRef idx="0">
+            <a:schemeClr val="accent6"/>
+          </a:effectRef>
+          <a:fontRef idx="minor">
+            <a:schemeClr val="lt1"/>
+          </a:fontRef>
+        </p:style>
+        <p:txBody>
+          <a:bodyPr wrap="square" rtlCol="0" anchor="ctr">
+            <a:noAutofit/>
+          </a:bodyPr>
+          <a:lstStyle/>
+          <a:p>
+            <a:pPr algn="ctr"/>
+            <a:endParaRPr lang="en-US" sz="3200"/>
+          </a:p>
+        </p:txBody>
+      </p:sp>
+      <p:sp>
+        <p:nvSpPr>
+          <p:cNvPr id="44" name="Rectangle 43">
+            <a:extLst>
+              <a:ext uri="{FF2B5EF4-FFF2-40B4-BE49-F238E27FC236}">
+                <a16:creationId xmlns:a16="http://schemas.microsoft.com/office/drawing/2014/main" id="{C5C2DFD5-421E-9045-8B17-0BD2CCDE2C71}"/>
+              </a:ext>
+            </a:extLst>
+          </p:cNvPr>
+          <p:cNvSpPr/>
+          <p:nvPr/>
+        </p:nvSpPr>
+        <p:spPr>
+          <a:xfrm>
+            <a:off x="6663109" y="691243"/>
+            <a:ext cx="3788228" cy="5257800"/>
+          </a:xfrm>
+          <a:prstGeom prst="rect">
+            <a:avLst/>
+          </a:prstGeom>
+          <a:noFill/>
+          <a:ln w="38100"/>
+        </p:spPr>
+        <p:style>
+          <a:lnRef idx="2">
+            <a:schemeClr val="accent1">
+              <a:shade val="50000"/>
+            </a:schemeClr>
+          </a:lnRef>
+          <a:fillRef idx="1">
+            <a:schemeClr val="accent1"/>
+          </a:fillRef>
+          <a:effectRef idx="0">
+            <a:schemeClr val="accent1"/>
+          </a:effectRef>
+          <a:fontRef idx="minor">
+            <a:schemeClr val="lt1"/>
+          </a:fontRef>
+        </p:style>
+        <p:txBody>
+          <a:bodyPr rtlCol="0" anchor="ctr"/>
+          <a:lstStyle/>
+          <a:p>
+            <a:pPr algn="ctr"/>
+            <a:endParaRPr lang="en-US"/>
+          </a:p>
+        </p:txBody>
+      </p:sp>
+      <mc:AlternateContent xmlns:mc="http://schemas.openxmlformats.org/markup-compatibility/2006">
+        <mc:Choice xmlns:a14="http://schemas.microsoft.com/office/drawing/2010/main" Requires="a14">
+          <p:sp>
+            <p:nvSpPr>
+              <p:cNvPr id="46" name="TextBox 45">
+                <a:extLst>
+                  <a:ext uri="{FF2B5EF4-FFF2-40B4-BE49-F238E27FC236}">
+                    <a16:creationId xmlns:a16="http://schemas.microsoft.com/office/drawing/2014/main" id="{D4C29564-610A-F848-9550-AC8783ED26DB}"/>
+                  </a:ext>
+                </a:extLst>
+              </p:cNvPr>
+              <p:cNvSpPr txBox="1"/>
+              <p:nvPr/>
+            </p:nvSpPr>
+            <p:spPr>
+              <a:xfrm>
+                <a:off x="7683259" y="1943174"/>
+                <a:ext cx="3221695" cy="1607620"/>
+              </a:xfrm>
+              <a:prstGeom prst="rect">
+                <a:avLst/>
+              </a:prstGeom>
+              <a:noFill/>
+            </p:spPr>
+            <p:txBody>
+              <a:bodyPr wrap="square" rtlCol="0">
+                <a:spAutoFit/>
+              </a:bodyPr>
+              <a:lstStyle/>
+              <a:p>
+                <a:pPr/>
+                <a:r>
+                  <a:rPr lang="en-US" sz="3200" dirty="0"/>
+                  <a:t>FP</a:t>
+                </a:r>
+                <a:endParaRPr lang="en-US" sz="3200" b="0" dirty="0"/>
+              </a:p>
+              <a:p>
+                <a:pPr/>
+                <a14:m>
+                  <m:oMathPara xmlns:m="http://schemas.openxmlformats.org/officeDocument/2006/math">
+                    <m:oMathParaPr>
+                      <m:jc m:val="left"/>
+                    </m:oMathParaPr>
+                    <m:oMath xmlns:m="http://schemas.openxmlformats.org/officeDocument/2006/math">
+                      <m:sSub>
+                        <m:sSubPr>
+                          <m:ctrlPr>
+                            <a:rPr lang="en-US" sz="3200" b="0" i="1" smtClean="0">
+                              <a:latin typeface="Cambria Math" panose="02040503050406030204" pitchFamily="18" charset="0"/>
+                            </a:rPr>
+                          </m:ctrlPr>
+                        </m:sSubPr>
+                        <m:e>
+                          <m:r>
+                            <a:rPr lang="en-US" sz="3200" b="0" i="1" smtClean="0">
+                              <a:latin typeface="Cambria Math" panose="02040503050406030204" pitchFamily="18" charset="0"/>
+                            </a:rPr>
+                            <m:t>𝑦</m:t>
+                          </m:r>
+                        </m:e>
+                        <m:sub>
+                          <m:r>
+                            <a:rPr lang="en-US" sz="3200" b="0" i="1" smtClean="0">
+                              <a:latin typeface="Cambria Math" panose="02040503050406030204" pitchFamily="18" charset="0"/>
+                            </a:rPr>
+                            <m:t>𝑎𝑐𝑡𝑢𝑎𝑙</m:t>
+                          </m:r>
+                        </m:sub>
+                      </m:sSub>
+                      <m:r>
+                        <a:rPr lang="en-US" sz="3200" b="0" i="1" smtClean="0">
+                          <a:latin typeface="Cambria Math" panose="02040503050406030204" pitchFamily="18" charset="0"/>
+                        </a:rPr>
+                        <m:t>=</m:t>
+                      </m:r>
+                      <m:r>
+                        <a:rPr lang="en-US" sz="3200" b="0" i="1" smtClean="0">
+                          <a:latin typeface="Cambria Math" panose="02040503050406030204" pitchFamily="18" charset="0"/>
+                        </a:rPr>
+                        <m:t>0;</m:t>
+                      </m:r>
+                    </m:oMath>
+                  </m:oMathPara>
+                </a14:m>
+                <a:endParaRPr lang="en-US" sz="3200" dirty="0"/>
+              </a:p>
+              <a:p>
+                <a:pPr/>
+                <a14:m>
+                  <m:oMathPara xmlns:m="http://schemas.openxmlformats.org/officeDocument/2006/math">
+                    <m:oMathParaPr>
+                      <m:jc m:val="left"/>
+                    </m:oMathParaPr>
+                    <m:oMath xmlns:m="http://schemas.openxmlformats.org/officeDocument/2006/math">
+                      <m:sSub>
+                        <m:sSubPr>
+                          <m:ctrlPr>
+                            <a:rPr lang="en-US" sz="3200" i="1" smtClean="0">
+                              <a:latin typeface="Cambria Math" panose="02040503050406030204" pitchFamily="18" charset="0"/>
+                            </a:rPr>
+                          </m:ctrlPr>
+                        </m:sSubPr>
+                        <m:e>
+                          <m:r>
+                            <a:rPr lang="en-US" sz="3200" i="1">
+                              <a:latin typeface="Cambria Math" panose="02040503050406030204" pitchFamily="18" charset="0"/>
+                            </a:rPr>
+                            <m:t>𝑦</m:t>
+                          </m:r>
+                        </m:e>
+                        <m:sub>
+                          <m:r>
+                            <a:rPr lang="en-US" sz="3200" i="1">
+                              <a:latin typeface="Cambria Math" panose="02040503050406030204" pitchFamily="18" charset="0"/>
+                            </a:rPr>
+                            <m:t>𝑝𝑟𝑒𝑑</m:t>
+                          </m:r>
+                        </m:sub>
+                      </m:sSub>
+                      <m:r>
+                        <a:rPr lang="en-US" sz="3200" i="1">
+                          <a:latin typeface="Cambria Math" panose="02040503050406030204" pitchFamily="18" charset="0"/>
+                        </a:rPr>
+                        <m:t>=</m:t>
+                      </m:r>
+                      <m:r>
+                        <a:rPr lang="en-US" sz="3200" b="0" i="1" smtClean="0">
+                          <a:latin typeface="Cambria Math" panose="02040503050406030204" pitchFamily="18" charset="0"/>
+                        </a:rPr>
+                        <m:t>1</m:t>
+                      </m:r>
+                    </m:oMath>
+                  </m:oMathPara>
+                </a14:m>
+                <a:endParaRPr lang="en-US" sz="3200" dirty="0"/>
+              </a:p>
+            </p:txBody>
+          </p:sp>
+        </mc:Choice>
+        <mc:Fallback>
+          <p:sp>
+            <p:nvSpPr>
+              <p:cNvPr id="46" name="TextBox 45">
+                <a:extLst>
+                  <a:ext uri="{FF2B5EF4-FFF2-40B4-BE49-F238E27FC236}">
+                    <a16:creationId xmlns:a16="http://schemas.microsoft.com/office/drawing/2014/main" id="{D4C29564-610A-F848-9550-AC8783ED26DB}"/>
+                  </a:ext>
+                </a:extLst>
+              </p:cNvPr>
+              <p:cNvSpPr txBox="1">
+                <a:spLocks noRot="1" noChangeAspect="1" noMove="1" noResize="1" noEditPoints="1" noAdjustHandles="1" noChangeArrowheads="1" noChangeShapeType="1" noTextEdit="1"/>
+              </p:cNvSpPr>
+              <p:nvPr/>
+            </p:nvSpPr>
+            <p:spPr>
+              <a:xfrm>
+                <a:off x="7683259" y="1943174"/>
+                <a:ext cx="3221695" cy="1607620"/>
+              </a:xfrm>
+              <a:prstGeom prst="rect">
+                <a:avLst/>
+              </a:prstGeom>
+              <a:blipFill>
+                <a:blip r:embed="rId7"/>
+                <a:stretch>
+                  <a:fillRect l="-4724" t="-5556" b="-4762"/>
+                </a:stretch>
+              </a:blipFill>
+            </p:spPr>
+            <p:txBody>
+              <a:bodyPr/>
+              <a:lstStyle/>
+              <a:p>
+                <a:r>
+                  <a:rPr lang="en-US">
+                    <a:noFill/>
+                  </a:rPr>
+                  <a:t> </a:t>
+                </a:r>
+              </a:p>
+            </p:txBody>
+          </p:sp>
+        </mc:Fallback>
+      </mc:AlternateContent>
+    </p:spTree>
+    <p:extLst>
+      <p:ext uri="{BB962C8B-B14F-4D97-AF65-F5344CB8AC3E}">
+        <p14:creationId xmlns:p14="http://schemas.microsoft.com/office/powerpoint/2010/main" val="2638182701"/>
+      </p:ext>
+    </p:extLst>
+  </p:cSld>
+  <p:clrMapOvr>
+    <a:masterClrMapping/>
+  </p:clrMapOvr>
+</p:sld>
+</file>
+
+<file path=ppt/slides/slide16.xml><?xml version="1.0" encoding="utf-8"?>
+<p:sld xmlns:a="http://schemas.openxmlformats.org/drawingml/2006/main" xmlns:r="http://schemas.openxmlformats.org/officeDocument/2006/relationships" xmlns:p="http://schemas.openxmlformats.org/presentationml/2006/main">
+  <p:cSld>
+    <p:spTree>
+      <p:nvGrpSpPr>
+        <p:cNvPr id="1" name=""/>
+        <p:cNvGrpSpPr/>
+        <p:nvPr/>
+      </p:nvGrpSpPr>
+      <p:grpSpPr>
+        <a:xfrm>
+          <a:off x="0" y="0"/>
+          <a:ext cx="0" cy="0"/>
+          <a:chOff x="0" y="0"/>
+          <a:chExt cx="0" cy="0"/>
+        </a:xfrm>
+      </p:grpSpPr>
+      <p:sp>
+        <p:nvSpPr>
+          <p:cNvPr id="17" name="Freeform 16">
+            <a:extLst>
+              <a:ext uri="{FF2B5EF4-FFF2-40B4-BE49-F238E27FC236}">
+                <a16:creationId xmlns:a16="http://schemas.microsoft.com/office/drawing/2014/main" id="{658BFC2C-E9E2-514F-AB2A-A4A31BBAE868}"/>
+              </a:ext>
+            </a:extLst>
+          </p:cNvPr>
+          <p:cNvSpPr/>
+          <p:nvPr/>
+        </p:nvSpPr>
+        <p:spPr>
+          <a:xfrm>
+            <a:off x="6749142" y="3358828"/>
+            <a:ext cx="2481944" cy="1436915"/>
+          </a:xfrm>
+          <a:custGeom>
+            <a:avLst/>
+            <a:gdLst>
+              <a:gd name="connsiteX0" fmla="*/ 0 w 2481944"/>
+              <a:gd name="connsiteY0" fmla="*/ 0 h 1436915"/>
+              <a:gd name="connsiteX1" fmla="*/ 2481944 w 2481944"/>
+              <a:gd name="connsiteY1" fmla="*/ 0 h 1436915"/>
+              <a:gd name="connsiteX2" fmla="*/ 1240972 w 2481944"/>
+              <a:gd name="connsiteY2" fmla="*/ 1436915 h 1436915"/>
+              <a:gd name="connsiteX3" fmla="*/ 0 w 2481944"/>
+              <a:gd name="connsiteY3" fmla="*/ 0 h 1436915"/>
+            </a:gdLst>
+            <a:ahLst/>
+            <a:cxnLst>
+              <a:cxn ang="0">
+                <a:pos x="connsiteX0" y="connsiteY0"/>
+              </a:cxn>
+              <a:cxn ang="0">
+                <a:pos x="connsiteX1" y="connsiteY1"/>
+              </a:cxn>
+              <a:cxn ang="0">
+                <a:pos x="connsiteX2" y="connsiteY2"/>
+              </a:cxn>
+              <a:cxn ang="0">
+                <a:pos x="connsiteX3" y="connsiteY3"/>
+              </a:cxn>
+            </a:cxnLst>
+            <a:rect l="l" t="t" r="r" b="b"/>
+            <a:pathLst>
+              <a:path w="2481944" h="1436915">
+                <a:moveTo>
+                  <a:pt x="0" y="0"/>
+                </a:moveTo>
+                <a:lnTo>
+                  <a:pt x="2481944" y="0"/>
+                </a:lnTo>
+                <a:cubicBezTo>
+                  <a:pt x="2481944" y="793586"/>
+                  <a:pt x="1926342" y="1436915"/>
+                  <a:pt x="1240972" y="1436915"/>
+                </a:cubicBezTo>
+                <a:cubicBezTo>
+                  <a:pt x="555602" y="1436915"/>
+                  <a:pt x="0" y="793586"/>
+                  <a:pt x="0" y="0"/>
+                </a:cubicBezTo>
+                <a:close/>
+              </a:path>
+            </a:pathLst>
+          </a:custGeom>
+          <a:solidFill>
+            <a:srgbClr val="FFB637"/>
+          </a:solidFill>
+          <a:ln>
+            <a:noFill/>
+          </a:ln>
+        </p:spPr>
+        <p:style>
+          <a:lnRef idx="2">
+            <a:schemeClr val="accent2">
+              <a:shade val="50000"/>
+            </a:schemeClr>
+          </a:lnRef>
+          <a:fillRef idx="1">
+            <a:schemeClr val="accent2"/>
+          </a:fillRef>
+          <a:effectRef idx="0">
+            <a:schemeClr val="accent2"/>
+          </a:effectRef>
+          <a:fontRef idx="minor">
+            <a:schemeClr val="lt1"/>
+          </a:fontRef>
+        </p:style>
+        <p:txBody>
+          <a:bodyPr wrap="square" rtlCol="0" anchor="ctr">
+            <a:noAutofit/>
+          </a:bodyPr>
+          <a:lstStyle/>
+          <a:p>
+            <a:pPr algn="ctr"/>
+            <a:endParaRPr lang="en-US" sz="3200"/>
+          </a:p>
+        </p:txBody>
+      </p:sp>
+      <p:sp>
+        <p:nvSpPr>
+          <p:cNvPr id="20" name="Freeform 19">
+            <a:extLst>
+              <a:ext uri="{FF2B5EF4-FFF2-40B4-BE49-F238E27FC236}">
+                <a16:creationId xmlns:a16="http://schemas.microsoft.com/office/drawing/2014/main" id="{6FBD5116-1B09-AF4D-A5C1-EB4D095D3330}"/>
+              </a:ext>
+            </a:extLst>
+          </p:cNvPr>
+          <p:cNvSpPr/>
+          <p:nvPr/>
+        </p:nvSpPr>
+        <p:spPr>
+          <a:xfrm>
+            <a:off x="6096000" y="3358826"/>
+            <a:ext cx="3788228" cy="2628900"/>
+          </a:xfrm>
+          <a:custGeom>
+            <a:avLst/>
+            <a:gdLst>
+              <a:gd name="connsiteX0" fmla="*/ 0 w 3788228"/>
+              <a:gd name="connsiteY0" fmla="*/ 0 h 2628900"/>
+              <a:gd name="connsiteX1" fmla="*/ 3788228 w 3788228"/>
+              <a:gd name="connsiteY1" fmla="*/ 0 h 2628900"/>
+              <a:gd name="connsiteX2" fmla="*/ 3788228 w 3788228"/>
+              <a:gd name="connsiteY2" fmla="*/ 2628900 h 2628900"/>
+              <a:gd name="connsiteX3" fmla="*/ 0 w 3788228"/>
+              <a:gd name="connsiteY3" fmla="*/ 2628900 h 2628900"/>
+              <a:gd name="connsiteX4" fmla="*/ 0 w 3788228"/>
+              <a:gd name="connsiteY4" fmla="*/ 0 h 2628900"/>
+              <a:gd name="connsiteX5" fmla="*/ 653142 w 3788228"/>
+              <a:gd name="connsiteY5" fmla="*/ 1 h 2628900"/>
+              <a:gd name="connsiteX6" fmla="*/ 1894114 w 3788228"/>
+              <a:gd name="connsiteY6" fmla="*/ 1436916 h 2628900"/>
+              <a:gd name="connsiteX7" fmla="*/ 3135086 w 3788228"/>
+              <a:gd name="connsiteY7" fmla="*/ 1 h 2628900"/>
+              <a:gd name="connsiteX8" fmla="*/ 653142 w 3788228"/>
+              <a:gd name="connsiteY8" fmla="*/ 1 h 2628900"/>
+            </a:gdLst>
+            <a:ahLst/>
+            <a:cxnLst>
+              <a:cxn ang="0">
+                <a:pos x="connsiteX0" y="connsiteY0"/>
+              </a:cxn>
+              <a:cxn ang="0">
+                <a:pos x="connsiteX1" y="connsiteY1"/>
+              </a:cxn>
+              <a:cxn ang="0">
+                <a:pos x="connsiteX2" y="connsiteY2"/>
+              </a:cxn>
+              <a:cxn ang="0">
+                <a:pos x="connsiteX3" y="connsiteY3"/>
+              </a:cxn>
+              <a:cxn ang="0">
+                <a:pos x="connsiteX4" y="connsiteY4"/>
+              </a:cxn>
+              <a:cxn ang="0">
+                <a:pos x="connsiteX5" y="connsiteY5"/>
+              </a:cxn>
+              <a:cxn ang="0">
+                <a:pos x="connsiteX6" y="connsiteY6"/>
+              </a:cxn>
+              <a:cxn ang="0">
+                <a:pos x="connsiteX7" y="connsiteY7"/>
+              </a:cxn>
+              <a:cxn ang="0">
+                <a:pos x="connsiteX8" y="connsiteY8"/>
+              </a:cxn>
+            </a:cxnLst>
+            <a:rect l="l" t="t" r="r" b="b"/>
+            <a:pathLst>
+              <a:path w="3788228" h="2628900">
+                <a:moveTo>
+                  <a:pt x="0" y="0"/>
+                </a:moveTo>
+                <a:lnTo>
+                  <a:pt x="3788228" y="0"/>
+                </a:lnTo>
+                <a:lnTo>
+                  <a:pt x="3788228" y="2628900"/>
+                </a:lnTo>
+                <a:lnTo>
+                  <a:pt x="0" y="2628900"/>
+                </a:lnTo>
+                <a:lnTo>
+                  <a:pt x="0" y="0"/>
+                </a:lnTo>
+                <a:close/>
+                <a:moveTo>
+                  <a:pt x="653142" y="1"/>
+                </a:moveTo>
+                <a:cubicBezTo>
+                  <a:pt x="653142" y="793587"/>
+                  <a:pt x="1208744" y="1436916"/>
+                  <a:pt x="1894114" y="1436916"/>
+                </a:cubicBezTo>
+                <a:cubicBezTo>
+                  <a:pt x="2579484" y="1436916"/>
+                  <a:pt x="3135086" y="793587"/>
+                  <a:pt x="3135086" y="1"/>
+                </a:cubicBezTo>
+                <a:lnTo>
+                  <a:pt x="653142" y="1"/>
+                </a:lnTo>
+                <a:close/>
+              </a:path>
+            </a:pathLst>
+          </a:custGeom>
+          <a:ln>
+            <a:noFill/>
+          </a:ln>
+        </p:spPr>
+        <p:style>
+          <a:lnRef idx="2">
+            <a:schemeClr val="accent2">
+              <a:shade val="50000"/>
+            </a:schemeClr>
+          </a:lnRef>
+          <a:fillRef idx="1">
+            <a:schemeClr val="accent2"/>
+          </a:fillRef>
+          <a:effectRef idx="0">
+            <a:schemeClr val="accent2"/>
+          </a:effectRef>
+          <a:fontRef idx="minor">
+            <a:schemeClr val="lt1"/>
+          </a:fontRef>
+        </p:style>
+        <p:txBody>
+          <a:bodyPr wrap="square" rtlCol="0" anchor="ctr">
+            <a:noAutofit/>
+          </a:bodyPr>
+          <a:lstStyle/>
+          <a:p>
+            <a:pPr algn="ctr"/>
+            <a:endParaRPr lang="en-US" sz="3200"/>
+          </a:p>
+        </p:txBody>
+      </p:sp>
+      <p:sp>
+        <p:nvSpPr>
+          <p:cNvPr id="21" name="Freeform 20">
+            <a:extLst>
+              <a:ext uri="{FF2B5EF4-FFF2-40B4-BE49-F238E27FC236}">
+                <a16:creationId xmlns:a16="http://schemas.microsoft.com/office/drawing/2014/main" id="{29CF7411-634E-AF4A-8B02-DB496EAD46D8}"/>
+              </a:ext>
+            </a:extLst>
+          </p:cNvPr>
+          <p:cNvSpPr/>
+          <p:nvPr/>
+        </p:nvSpPr>
+        <p:spPr>
+          <a:xfrm>
+            <a:off x="6749142" y="1203453"/>
+            <a:ext cx="2481944" cy="1436915"/>
+          </a:xfrm>
+          <a:custGeom>
+            <a:avLst/>
+            <a:gdLst>
+              <a:gd name="connsiteX0" fmla="*/ 0 w 2481944"/>
+              <a:gd name="connsiteY0" fmla="*/ 0 h 1436915"/>
+              <a:gd name="connsiteX1" fmla="*/ 2481944 w 2481944"/>
+              <a:gd name="connsiteY1" fmla="*/ 0 h 1436915"/>
+              <a:gd name="connsiteX2" fmla="*/ 1240972 w 2481944"/>
+              <a:gd name="connsiteY2" fmla="*/ 1436915 h 1436915"/>
+              <a:gd name="connsiteX3" fmla="*/ 0 w 2481944"/>
+              <a:gd name="connsiteY3" fmla="*/ 0 h 1436915"/>
+            </a:gdLst>
+            <a:ahLst/>
+            <a:cxnLst>
+              <a:cxn ang="0">
+                <a:pos x="connsiteX0" y="connsiteY0"/>
+              </a:cxn>
+              <a:cxn ang="0">
+                <a:pos x="connsiteX1" y="connsiteY1"/>
+              </a:cxn>
+              <a:cxn ang="0">
+                <a:pos x="connsiteX2" y="connsiteY2"/>
+              </a:cxn>
+              <a:cxn ang="0">
+                <a:pos x="connsiteX3" y="connsiteY3"/>
+              </a:cxn>
+            </a:cxnLst>
+            <a:rect l="l" t="t" r="r" b="b"/>
+            <a:pathLst>
+              <a:path w="2481944" h="1436915">
+                <a:moveTo>
+                  <a:pt x="0" y="0"/>
+                </a:moveTo>
+                <a:lnTo>
+                  <a:pt x="2481944" y="0"/>
+                </a:lnTo>
+                <a:cubicBezTo>
+                  <a:pt x="2481944" y="793586"/>
+                  <a:pt x="1926342" y="1436915"/>
+                  <a:pt x="1240972" y="1436915"/>
+                </a:cubicBezTo>
+                <a:cubicBezTo>
+                  <a:pt x="555602" y="1436915"/>
+                  <a:pt x="0" y="793586"/>
+                  <a:pt x="0" y="0"/>
+                </a:cubicBezTo>
+                <a:close/>
+              </a:path>
+            </a:pathLst>
+          </a:custGeom>
+          <a:solidFill>
+            <a:srgbClr val="FFB637"/>
+          </a:solidFill>
+          <a:ln>
+            <a:noFill/>
+          </a:ln>
+        </p:spPr>
+        <p:style>
+          <a:lnRef idx="2">
+            <a:schemeClr val="accent2">
+              <a:shade val="50000"/>
+            </a:schemeClr>
+          </a:lnRef>
+          <a:fillRef idx="1">
+            <a:schemeClr val="accent2"/>
+          </a:fillRef>
+          <a:effectRef idx="0">
+            <a:schemeClr val="accent2"/>
+          </a:effectRef>
+          <a:fontRef idx="minor">
+            <a:schemeClr val="lt1"/>
+          </a:fontRef>
+        </p:style>
+        <p:txBody>
+          <a:bodyPr wrap="square" rtlCol="0" anchor="ctr">
+            <a:noAutofit/>
+          </a:bodyPr>
+          <a:lstStyle/>
+          <a:p>
+            <a:pPr algn="ctr"/>
+            <a:endParaRPr lang="en-US" sz="3200"/>
+          </a:p>
+        </p:txBody>
+      </p:sp>
+      <p:cxnSp>
+        <p:nvCxnSpPr>
+          <p:cNvPr id="3" name="Straight Connector 2">
+            <a:extLst>
+              <a:ext uri="{FF2B5EF4-FFF2-40B4-BE49-F238E27FC236}">
+                <a16:creationId xmlns:a16="http://schemas.microsoft.com/office/drawing/2014/main" id="{2A10EFDB-1E44-5140-A429-56F117FBE702}"/>
+              </a:ext>
+            </a:extLst>
+          </p:cNvPr>
+          <p:cNvCxnSpPr/>
+          <p:nvPr/>
+        </p:nvCxnSpPr>
+        <p:spPr>
+          <a:xfrm>
+            <a:off x="6096000" y="2968486"/>
+            <a:ext cx="3788228" cy="0"/>
+          </a:xfrm>
+          <a:prstGeom prst="line">
+            <a:avLst/>
+          </a:prstGeom>
+          <a:ln w="44450">
+            <a:solidFill>
+              <a:schemeClr val="tx1"/>
+            </a:solidFill>
+          </a:ln>
+        </p:spPr>
+        <p:style>
+          <a:lnRef idx="1">
+            <a:schemeClr val="accent1"/>
+          </a:lnRef>
+          <a:fillRef idx="0">
+            <a:schemeClr val="accent1"/>
+          </a:fillRef>
+          <a:effectRef idx="0">
+            <a:schemeClr val="accent1"/>
+          </a:effectRef>
+          <a:fontRef idx="minor">
+            <a:schemeClr val="tx1"/>
+          </a:fontRef>
+        </p:style>
+      </p:cxnSp>
+      <p:sp>
+        <p:nvSpPr>
+          <p:cNvPr id="22" name="Rectangle 21">
+            <a:extLst>
+              <a:ext uri="{FF2B5EF4-FFF2-40B4-BE49-F238E27FC236}">
+                <a16:creationId xmlns:a16="http://schemas.microsoft.com/office/drawing/2014/main" id="{64EBCE0B-934F-8F4C-A4FB-C7DB85A9845D}"/>
+              </a:ext>
+            </a:extLst>
+          </p:cNvPr>
+          <p:cNvSpPr/>
+          <p:nvPr/>
+        </p:nvSpPr>
+        <p:spPr>
+          <a:xfrm>
+            <a:off x="6099409" y="729926"/>
+            <a:ext cx="3788228" cy="5257800"/>
+          </a:xfrm>
+          <a:prstGeom prst="rect">
+            <a:avLst/>
+          </a:prstGeom>
+          <a:noFill/>
+          <a:ln w="38100">
+            <a:solidFill>
+              <a:schemeClr val="bg1"/>
+            </a:solidFill>
+          </a:ln>
+        </p:spPr>
+        <p:style>
+          <a:lnRef idx="2">
+            <a:schemeClr val="accent1">
+              <a:shade val="50000"/>
+            </a:schemeClr>
+          </a:lnRef>
+          <a:fillRef idx="1">
+            <a:schemeClr val="accent1"/>
+          </a:fillRef>
+          <a:effectRef idx="0">
+            <a:schemeClr val="accent1"/>
+          </a:effectRef>
+          <a:fontRef idx="minor">
+            <a:schemeClr val="lt1"/>
+          </a:fontRef>
+        </p:style>
+        <p:txBody>
+          <a:bodyPr rtlCol="0" anchor="ctr"/>
+          <a:lstStyle/>
+          <a:p>
+            <a:pPr algn="ctr"/>
+            <a:endParaRPr lang="en-US"/>
+          </a:p>
+        </p:txBody>
+      </p:sp>
+      <p:sp>
+        <p:nvSpPr>
+          <p:cNvPr id="4" name="TextBox 3">
+            <a:extLst>
+              <a:ext uri="{FF2B5EF4-FFF2-40B4-BE49-F238E27FC236}">
+                <a16:creationId xmlns:a16="http://schemas.microsoft.com/office/drawing/2014/main" id="{6CD2AF88-7E38-0745-A654-00E4CFA52F28}"/>
+              </a:ext>
+            </a:extLst>
+          </p:cNvPr>
+          <p:cNvSpPr txBox="1"/>
+          <p:nvPr/>
+        </p:nvSpPr>
+        <p:spPr>
+          <a:xfrm>
+            <a:off x="1987826" y="2809461"/>
+            <a:ext cx="1284775" cy="369332"/>
+          </a:xfrm>
+          <a:prstGeom prst="rect">
+            <a:avLst/>
+          </a:prstGeom>
+          <a:noFill/>
+        </p:spPr>
+        <p:txBody>
+          <a:bodyPr wrap="none" rtlCol="0">
+            <a:spAutoFit/>
+          </a:bodyPr>
+          <a:lstStyle/>
+          <a:p>
+            <a:r>
+              <a:rPr lang="en-US" dirty="0"/>
+              <a:t>Recall / TPR</a:t>
+            </a:r>
+          </a:p>
+        </p:txBody>
+      </p:sp>
+    </p:spTree>
+    <p:extLst>
+      <p:ext uri="{BB962C8B-B14F-4D97-AF65-F5344CB8AC3E}">
+        <p14:creationId xmlns:p14="http://schemas.microsoft.com/office/powerpoint/2010/main" val="108643188"/>
+      </p:ext>
+    </p:extLst>
+  </p:cSld>
+  <p:clrMapOvr>
+    <a:masterClrMapping/>
+  </p:clrMapOvr>
+</p:sld>
+</file>
+
+<file path=ppt/slides/slide17.xml><?xml version="1.0" encoding="utf-8"?>
+<p:sld xmlns:a="http://schemas.openxmlformats.org/drawingml/2006/main" xmlns:r="http://schemas.openxmlformats.org/officeDocument/2006/relationships" xmlns:p="http://schemas.openxmlformats.org/presentationml/2006/main">
+  <p:cSld>
+    <p:spTree>
+      <p:nvGrpSpPr>
+        <p:cNvPr id="1" name=""/>
+        <p:cNvGrpSpPr/>
+        <p:nvPr/>
+      </p:nvGrpSpPr>
+      <p:grpSpPr>
+        <a:xfrm>
+          <a:off x="0" y="0"/>
+          <a:ext cx="0" cy="0"/>
+          <a:chOff x="0" y="0"/>
+          <a:chExt cx="0" cy="0"/>
+        </a:xfrm>
+      </p:grpSpPr>
+      <p:sp>
+        <p:nvSpPr>
+          <p:cNvPr id="4" name="TextBox 3">
+            <a:extLst>
+              <a:ext uri="{FF2B5EF4-FFF2-40B4-BE49-F238E27FC236}">
+                <a16:creationId xmlns:a16="http://schemas.microsoft.com/office/drawing/2014/main" id="{6CD2AF88-7E38-0745-A654-00E4CFA52F28}"/>
+              </a:ext>
+            </a:extLst>
+          </p:cNvPr>
+          <p:cNvSpPr txBox="1"/>
+          <p:nvPr/>
+        </p:nvSpPr>
+        <p:spPr>
+          <a:xfrm>
+            <a:off x="1987826" y="2809461"/>
+            <a:ext cx="534121" cy="369332"/>
+          </a:xfrm>
+          <a:prstGeom prst="rect">
+            <a:avLst/>
+          </a:prstGeom>
+          <a:noFill/>
+        </p:spPr>
+        <p:txBody>
+          <a:bodyPr wrap="none" rtlCol="0">
+            <a:spAutoFit/>
+          </a:bodyPr>
+          <a:lstStyle/>
+          <a:p>
+            <a:r>
+              <a:rPr lang="en-US" dirty="0"/>
+              <a:t>FPR</a:t>
+            </a:r>
+          </a:p>
+        </p:txBody>
+      </p:sp>
+      <p:sp>
+        <p:nvSpPr>
+          <p:cNvPr id="11" name="Freeform 10">
+            <a:extLst>
+              <a:ext uri="{FF2B5EF4-FFF2-40B4-BE49-F238E27FC236}">
+                <a16:creationId xmlns:a16="http://schemas.microsoft.com/office/drawing/2014/main" id="{F64E5273-13F9-3842-9EED-E7933C0F9504}"/>
+              </a:ext>
+            </a:extLst>
+          </p:cNvPr>
+          <p:cNvSpPr/>
+          <p:nvPr/>
+        </p:nvSpPr>
+        <p:spPr>
+          <a:xfrm>
+            <a:off x="5930820" y="973253"/>
+            <a:ext cx="2481944" cy="1436915"/>
+          </a:xfrm>
+          <a:custGeom>
+            <a:avLst/>
+            <a:gdLst>
+              <a:gd name="connsiteX0" fmla="*/ 1240972 w 2481944"/>
+              <a:gd name="connsiteY0" fmla="*/ 0 h 1436915"/>
+              <a:gd name="connsiteX1" fmla="*/ 2481944 w 2481944"/>
+              <a:gd name="connsiteY1" fmla="*/ 1436915 h 1436915"/>
+              <a:gd name="connsiteX2" fmla="*/ 0 w 2481944"/>
+              <a:gd name="connsiteY2" fmla="*/ 1436915 h 1436915"/>
+              <a:gd name="connsiteX3" fmla="*/ 1240972 w 2481944"/>
+              <a:gd name="connsiteY3" fmla="*/ 0 h 1436915"/>
+            </a:gdLst>
+            <a:ahLst/>
+            <a:cxnLst>
+              <a:cxn ang="0">
+                <a:pos x="connsiteX0" y="connsiteY0"/>
+              </a:cxn>
+              <a:cxn ang="0">
+                <a:pos x="connsiteX1" y="connsiteY1"/>
+              </a:cxn>
+              <a:cxn ang="0">
+                <a:pos x="connsiteX2" y="connsiteY2"/>
+              </a:cxn>
+              <a:cxn ang="0">
+                <a:pos x="connsiteX3" y="connsiteY3"/>
+              </a:cxn>
+            </a:cxnLst>
+            <a:rect l="l" t="t" r="r" b="b"/>
+            <a:pathLst>
+              <a:path w="2481944" h="1436915">
+                <a:moveTo>
+                  <a:pt x="1240972" y="0"/>
+                </a:moveTo>
+                <a:cubicBezTo>
+                  <a:pt x="1926342" y="0"/>
+                  <a:pt x="2481944" y="643329"/>
+                  <a:pt x="2481944" y="1436915"/>
+                </a:cubicBezTo>
+                <a:lnTo>
+                  <a:pt x="0" y="1436915"/>
+                </a:lnTo>
+                <a:cubicBezTo>
+                  <a:pt x="0" y="643329"/>
+                  <a:pt x="555602" y="0"/>
+                  <a:pt x="1240972" y="0"/>
+                </a:cubicBezTo>
+                <a:close/>
+              </a:path>
+            </a:pathLst>
+          </a:custGeom>
+          <a:solidFill>
+            <a:srgbClr val="A4FF65"/>
+          </a:solidFill>
+          <a:ln>
+            <a:noFill/>
+          </a:ln>
+        </p:spPr>
+        <p:style>
+          <a:lnRef idx="2">
+            <a:schemeClr val="accent6">
+              <a:shade val="50000"/>
+            </a:schemeClr>
+          </a:lnRef>
+          <a:fillRef idx="1">
+            <a:schemeClr val="accent6"/>
+          </a:fillRef>
+          <a:effectRef idx="0">
+            <a:schemeClr val="accent6"/>
+          </a:effectRef>
+          <a:fontRef idx="minor">
+            <a:schemeClr val="lt1"/>
+          </a:fontRef>
+        </p:style>
+        <p:txBody>
+          <a:bodyPr wrap="square" rtlCol="0" anchor="ctr">
+            <a:noAutofit/>
+          </a:bodyPr>
+          <a:lstStyle/>
+          <a:p>
+            <a:pPr algn="ctr"/>
+            <a:endParaRPr lang="en-US" sz="3200"/>
+          </a:p>
+        </p:txBody>
+      </p:sp>
+      <p:sp>
+        <p:nvSpPr>
+          <p:cNvPr id="14" name="Rectangle 13">
+            <a:extLst>
+              <a:ext uri="{FF2B5EF4-FFF2-40B4-BE49-F238E27FC236}">
+                <a16:creationId xmlns:a16="http://schemas.microsoft.com/office/drawing/2014/main" id="{8092E3EA-730A-0B4C-8B92-87636E51EB67}"/>
+              </a:ext>
+            </a:extLst>
+          </p:cNvPr>
+          <p:cNvSpPr/>
+          <p:nvPr/>
+        </p:nvSpPr>
+        <p:spPr>
+          <a:xfrm>
+            <a:off x="5277678" y="549893"/>
+            <a:ext cx="3788228" cy="5257800"/>
+          </a:xfrm>
+          <a:prstGeom prst="rect">
+            <a:avLst/>
+          </a:prstGeom>
+          <a:noFill/>
+          <a:ln w="38100">
+            <a:solidFill>
+              <a:schemeClr val="bg1"/>
+            </a:solidFill>
+          </a:ln>
+        </p:spPr>
+        <p:style>
+          <a:lnRef idx="2">
+            <a:schemeClr val="accent1">
+              <a:shade val="50000"/>
+            </a:schemeClr>
+          </a:lnRef>
+          <a:fillRef idx="1">
+            <a:schemeClr val="accent1"/>
+          </a:fillRef>
+          <a:effectRef idx="0">
+            <a:schemeClr val="accent1"/>
+          </a:effectRef>
+          <a:fontRef idx="minor">
+            <a:schemeClr val="lt1"/>
+          </a:fontRef>
+        </p:style>
+        <p:txBody>
+          <a:bodyPr rtlCol="0" anchor="ctr"/>
+          <a:lstStyle/>
+          <a:p>
+            <a:pPr algn="ctr"/>
+            <a:endParaRPr lang="en-US"/>
+          </a:p>
+        </p:txBody>
+      </p:sp>
+      <p:sp>
+        <p:nvSpPr>
+          <p:cNvPr id="16" name="Freeform 15">
+            <a:extLst>
+              <a:ext uri="{FF2B5EF4-FFF2-40B4-BE49-F238E27FC236}">
+                <a16:creationId xmlns:a16="http://schemas.microsoft.com/office/drawing/2014/main" id="{10FB88B1-CE39-DD45-B047-31CAC38B91F7}"/>
+              </a:ext>
+            </a:extLst>
+          </p:cNvPr>
+          <p:cNvSpPr/>
+          <p:nvPr/>
+        </p:nvSpPr>
+        <p:spPr>
+          <a:xfrm>
+            <a:off x="5930820" y="4370778"/>
+            <a:ext cx="2481944" cy="1436915"/>
+          </a:xfrm>
+          <a:custGeom>
+            <a:avLst/>
+            <a:gdLst>
+              <a:gd name="connsiteX0" fmla="*/ 1240972 w 2481944"/>
+              <a:gd name="connsiteY0" fmla="*/ 0 h 1436915"/>
+              <a:gd name="connsiteX1" fmla="*/ 2481944 w 2481944"/>
+              <a:gd name="connsiteY1" fmla="*/ 1436915 h 1436915"/>
+              <a:gd name="connsiteX2" fmla="*/ 0 w 2481944"/>
+              <a:gd name="connsiteY2" fmla="*/ 1436915 h 1436915"/>
+              <a:gd name="connsiteX3" fmla="*/ 1240972 w 2481944"/>
+              <a:gd name="connsiteY3" fmla="*/ 0 h 1436915"/>
+            </a:gdLst>
+            <a:ahLst/>
+            <a:cxnLst>
+              <a:cxn ang="0">
+                <a:pos x="connsiteX0" y="connsiteY0"/>
+              </a:cxn>
+              <a:cxn ang="0">
+                <a:pos x="connsiteX1" y="connsiteY1"/>
+              </a:cxn>
+              <a:cxn ang="0">
+                <a:pos x="connsiteX2" y="connsiteY2"/>
+              </a:cxn>
+              <a:cxn ang="0">
+                <a:pos x="connsiteX3" y="connsiteY3"/>
+              </a:cxn>
+            </a:cxnLst>
+            <a:rect l="l" t="t" r="r" b="b"/>
+            <a:pathLst>
+              <a:path w="2481944" h="1436915">
+                <a:moveTo>
+                  <a:pt x="1240972" y="0"/>
+                </a:moveTo>
+                <a:cubicBezTo>
+                  <a:pt x="1926342" y="0"/>
+                  <a:pt x="2481944" y="643329"/>
+                  <a:pt x="2481944" y="1436915"/>
+                </a:cubicBezTo>
+                <a:lnTo>
+                  <a:pt x="0" y="1436915"/>
+                </a:lnTo>
+                <a:cubicBezTo>
+                  <a:pt x="0" y="643329"/>
+                  <a:pt x="555602" y="0"/>
+                  <a:pt x="1240972" y="0"/>
+                </a:cubicBezTo>
+                <a:close/>
+              </a:path>
+            </a:pathLst>
+          </a:custGeom>
+          <a:solidFill>
+            <a:srgbClr val="A4FF65"/>
+          </a:solidFill>
+          <a:ln>
+            <a:noFill/>
+          </a:ln>
+        </p:spPr>
+        <p:style>
+          <a:lnRef idx="2">
+            <a:schemeClr val="accent6">
+              <a:shade val="50000"/>
+            </a:schemeClr>
+          </a:lnRef>
+          <a:fillRef idx="1">
+            <a:schemeClr val="accent6"/>
+          </a:fillRef>
+          <a:effectRef idx="0">
+            <a:schemeClr val="accent6"/>
+          </a:effectRef>
+          <a:fontRef idx="minor">
+            <a:schemeClr val="lt1"/>
+          </a:fontRef>
+        </p:style>
+        <p:txBody>
+          <a:bodyPr wrap="square" rtlCol="0" anchor="ctr">
+            <a:noAutofit/>
+          </a:bodyPr>
+          <a:lstStyle/>
+          <a:p>
+            <a:pPr algn="ctr"/>
+            <a:endParaRPr lang="en-US" sz="3200"/>
+          </a:p>
+        </p:txBody>
+      </p:sp>
+      <p:sp>
+        <p:nvSpPr>
+          <p:cNvPr id="18" name="Freeform 17">
+            <a:extLst>
+              <a:ext uri="{FF2B5EF4-FFF2-40B4-BE49-F238E27FC236}">
+                <a16:creationId xmlns:a16="http://schemas.microsoft.com/office/drawing/2014/main" id="{EBA8283E-6F35-0041-B6BC-361F8948DED3}"/>
+              </a:ext>
+            </a:extLst>
+          </p:cNvPr>
+          <p:cNvSpPr/>
+          <p:nvPr/>
+        </p:nvSpPr>
+        <p:spPr>
+          <a:xfrm>
+            <a:off x="5277678" y="3178792"/>
+            <a:ext cx="3788228" cy="2628900"/>
+          </a:xfrm>
+          <a:custGeom>
+            <a:avLst/>
+            <a:gdLst>
+              <a:gd name="connsiteX0" fmla="*/ 0 w 3788228"/>
+              <a:gd name="connsiteY0" fmla="*/ 0 h 2628900"/>
+              <a:gd name="connsiteX1" fmla="*/ 3788228 w 3788228"/>
+              <a:gd name="connsiteY1" fmla="*/ 0 h 2628900"/>
+              <a:gd name="connsiteX2" fmla="*/ 3788228 w 3788228"/>
+              <a:gd name="connsiteY2" fmla="*/ 2628900 h 2628900"/>
+              <a:gd name="connsiteX3" fmla="*/ 3135086 w 3788228"/>
+              <a:gd name="connsiteY3" fmla="*/ 2628900 h 2628900"/>
+              <a:gd name="connsiteX4" fmla="*/ 1894114 w 3788228"/>
+              <a:gd name="connsiteY4" fmla="*/ 1191985 h 2628900"/>
+              <a:gd name="connsiteX5" fmla="*/ 653142 w 3788228"/>
+              <a:gd name="connsiteY5" fmla="*/ 2628900 h 2628900"/>
+              <a:gd name="connsiteX6" fmla="*/ 0 w 3788228"/>
+              <a:gd name="connsiteY6" fmla="*/ 2628900 h 2628900"/>
+              <a:gd name="connsiteX7" fmla="*/ 0 w 3788228"/>
+              <a:gd name="connsiteY7" fmla="*/ 0 h 2628900"/>
+            </a:gdLst>
+            <a:ahLst/>
+            <a:cxnLst>
+              <a:cxn ang="0">
+                <a:pos x="connsiteX0" y="connsiteY0"/>
+              </a:cxn>
+              <a:cxn ang="0">
+                <a:pos x="connsiteX1" y="connsiteY1"/>
+              </a:cxn>
+              <a:cxn ang="0">
+                <a:pos x="connsiteX2" y="connsiteY2"/>
+              </a:cxn>
+              <a:cxn ang="0">
+                <a:pos x="connsiteX3" y="connsiteY3"/>
+              </a:cxn>
+              <a:cxn ang="0">
+                <a:pos x="connsiteX4" y="connsiteY4"/>
+              </a:cxn>
+              <a:cxn ang="0">
+                <a:pos x="connsiteX5" y="connsiteY5"/>
+              </a:cxn>
+              <a:cxn ang="0">
+                <a:pos x="connsiteX6" y="connsiteY6"/>
+              </a:cxn>
+              <a:cxn ang="0">
+                <a:pos x="connsiteX7" y="connsiteY7"/>
+              </a:cxn>
+            </a:cxnLst>
+            <a:rect l="l" t="t" r="r" b="b"/>
+            <a:pathLst>
+              <a:path w="3788228" h="2628900">
+                <a:moveTo>
+                  <a:pt x="0" y="0"/>
+                </a:moveTo>
+                <a:lnTo>
+                  <a:pt x="3788228" y="0"/>
+                </a:lnTo>
+                <a:lnTo>
+                  <a:pt x="3788228" y="2628900"/>
+                </a:lnTo>
+                <a:lnTo>
+                  <a:pt x="3135086" y="2628900"/>
+                </a:lnTo>
+                <a:cubicBezTo>
+                  <a:pt x="3135086" y="1835314"/>
+                  <a:pt x="2579484" y="1191985"/>
+                  <a:pt x="1894114" y="1191985"/>
+                </a:cubicBezTo>
+                <a:cubicBezTo>
+                  <a:pt x="1208744" y="1191985"/>
+                  <a:pt x="653142" y="1835314"/>
+                  <a:pt x="653142" y="2628900"/>
+                </a:cubicBezTo>
+                <a:lnTo>
+                  <a:pt x="0" y="2628900"/>
+                </a:lnTo>
+                <a:lnTo>
+                  <a:pt x="0" y="0"/>
+                </a:lnTo>
+                <a:close/>
+              </a:path>
+            </a:pathLst>
+          </a:custGeom>
+          <a:ln>
+            <a:noFill/>
+          </a:ln>
+        </p:spPr>
+        <p:style>
+          <a:lnRef idx="2">
+            <a:schemeClr val="accent6">
+              <a:shade val="50000"/>
+            </a:schemeClr>
+          </a:lnRef>
+          <a:fillRef idx="1">
+            <a:schemeClr val="accent6"/>
+          </a:fillRef>
+          <a:effectRef idx="0">
+            <a:schemeClr val="accent6"/>
+          </a:effectRef>
+          <a:fontRef idx="minor">
+            <a:schemeClr val="lt1"/>
+          </a:fontRef>
+        </p:style>
+        <p:txBody>
+          <a:bodyPr wrap="square" rtlCol="0" anchor="ctr">
+            <a:noAutofit/>
+          </a:bodyPr>
+          <a:lstStyle/>
+          <a:p>
+            <a:pPr algn="ctr"/>
+            <a:endParaRPr lang="en-US" sz="3200"/>
+          </a:p>
+        </p:txBody>
+      </p:sp>
+      <p:cxnSp>
+        <p:nvCxnSpPr>
+          <p:cNvPr id="19" name="Straight Connector 18">
+            <a:extLst>
+              <a:ext uri="{FF2B5EF4-FFF2-40B4-BE49-F238E27FC236}">
+                <a16:creationId xmlns:a16="http://schemas.microsoft.com/office/drawing/2014/main" id="{7D56CB39-DDA8-7B49-8B90-39E993FAA90C}"/>
+              </a:ext>
+            </a:extLst>
+          </p:cNvPr>
+          <p:cNvCxnSpPr/>
+          <p:nvPr/>
+        </p:nvCxnSpPr>
+        <p:spPr>
+          <a:xfrm>
+            <a:off x="5277678" y="2809460"/>
+            <a:ext cx="3788228" cy="0"/>
+          </a:xfrm>
+          <a:prstGeom prst="line">
+            <a:avLst/>
+          </a:prstGeom>
+          <a:ln w="44450">
+            <a:solidFill>
+              <a:schemeClr val="tx1"/>
+            </a:solidFill>
+          </a:ln>
+        </p:spPr>
+        <p:style>
+          <a:lnRef idx="1">
+            <a:schemeClr val="accent1"/>
+          </a:lnRef>
+          <a:fillRef idx="0">
+            <a:schemeClr val="accent1"/>
+          </a:fillRef>
+          <a:effectRef idx="0">
+            <a:schemeClr val="accent1"/>
+          </a:effectRef>
+          <a:fontRef idx="minor">
+            <a:schemeClr val="tx1"/>
+          </a:fontRef>
+        </p:style>
+      </p:cxnSp>
+    </p:spTree>
+    <p:extLst>
+      <p:ext uri="{BB962C8B-B14F-4D97-AF65-F5344CB8AC3E}">
+        <p14:creationId xmlns:p14="http://schemas.microsoft.com/office/powerpoint/2010/main" val="680577327"/>
+      </p:ext>
+    </p:extLst>
+  </p:cSld>
+  <p:clrMapOvr>
+    <a:masterClrMapping/>
+  </p:clrMapOvr>
+</p:sld>
+</file>
+
+<file path=ppt/slides/slide18.xml><?xml version="1.0" encoding="utf-8"?>
+<p:sld xmlns:a="http://schemas.openxmlformats.org/drawingml/2006/main" xmlns:r="http://schemas.openxmlformats.org/officeDocument/2006/relationships" xmlns:p="http://schemas.openxmlformats.org/presentationml/2006/main">
+  <p:cSld>
+    <p:spTree>
+      <p:nvGrpSpPr>
+        <p:cNvPr id="1" name=""/>
+        <p:cNvGrpSpPr/>
+        <p:nvPr/>
+      </p:nvGrpSpPr>
+      <p:grpSpPr>
+        <a:xfrm>
+          <a:off x="0" y="0"/>
+          <a:ext cx="0" cy="0"/>
+          <a:chOff x="0" y="0"/>
+          <a:chExt cx="0" cy="0"/>
+        </a:xfrm>
+      </p:grpSpPr>
+      <p:grpSp>
+        <p:nvGrpSpPr>
+          <p:cNvPr id="2" name="Group 1">
+            <a:extLst>
+              <a:ext uri="{FF2B5EF4-FFF2-40B4-BE49-F238E27FC236}">
+                <a16:creationId xmlns:a16="http://schemas.microsoft.com/office/drawing/2014/main" id="{E86E805A-4979-B840-912E-351302787F30}"/>
+              </a:ext>
+            </a:extLst>
+          </p:cNvPr>
+          <p:cNvGrpSpPr/>
+          <p:nvPr/>
+        </p:nvGrpSpPr>
+        <p:grpSpPr>
+          <a:xfrm>
+            <a:off x="188845" y="685940"/>
+            <a:ext cx="11809469" cy="5276355"/>
+            <a:chOff x="188845" y="685940"/>
+            <a:chExt cx="11809469" cy="5276355"/>
+          </a:xfrm>
+        </p:grpSpPr>
+        <p:sp>
+          <p:nvSpPr>
+            <p:cNvPr id="37" name="Freeform 36">
+              <a:extLst>
+                <a:ext uri="{FF2B5EF4-FFF2-40B4-BE49-F238E27FC236}">
+                  <a16:creationId xmlns:a16="http://schemas.microsoft.com/office/drawing/2014/main" id="{9F8FCFD2-0506-DA48-B22E-6C2E9C6B462E}"/>
+                </a:ext>
+              </a:extLst>
+            </p:cNvPr>
+            <p:cNvSpPr/>
+            <p:nvPr/>
+          </p:nvSpPr>
+          <p:spPr>
+            <a:xfrm>
+              <a:off x="841987" y="3333397"/>
+              <a:ext cx="2481944" cy="1436915"/>
+            </a:xfrm>
+            <a:custGeom>
+              <a:avLst/>
+              <a:gdLst>
+                <a:gd name="connsiteX0" fmla="*/ 0 w 2481944"/>
+                <a:gd name="connsiteY0" fmla="*/ 0 h 1436915"/>
+                <a:gd name="connsiteX1" fmla="*/ 2481944 w 2481944"/>
+                <a:gd name="connsiteY1" fmla="*/ 0 h 1436915"/>
+                <a:gd name="connsiteX2" fmla="*/ 1240972 w 2481944"/>
+                <a:gd name="connsiteY2" fmla="*/ 1436915 h 1436915"/>
+                <a:gd name="connsiteX3" fmla="*/ 0 w 2481944"/>
+                <a:gd name="connsiteY3" fmla="*/ 0 h 1436915"/>
+              </a:gdLst>
+              <a:ahLst/>
+              <a:cxnLst>
+                <a:cxn ang="0">
+                  <a:pos x="connsiteX0" y="connsiteY0"/>
+                </a:cxn>
+                <a:cxn ang="0">
+                  <a:pos x="connsiteX1" y="connsiteY1"/>
+                </a:cxn>
+                <a:cxn ang="0">
+                  <a:pos x="connsiteX2" y="connsiteY2"/>
+                </a:cxn>
+                <a:cxn ang="0">
+                  <a:pos x="connsiteX3" y="connsiteY3"/>
+                </a:cxn>
+              </a:cxnLst>
+              <a:rect l="l" t="t" r="r" b="b"/>
+              <a:pathLst>
+                <a:path w="2481944" h="1436915">
+                  <a:moveTo>
+                    <a:pt x="0" y="0"/>
+                  </a:moveTo>
+                  <a:lnTo>
+                    <a:pt x="2481944" y="0"/>
+                  </a:lnTo>
+                  <a:cubicBezTo>
+                    <a:pt x="2481944" y="793586"/>
+                    <a:pt x="1926342" y="1436915"/>
+                    <a:pt x="1240972" y="1436915"/>
+                  </a:cubicBezTo>
+                  <a:cubicBezTo>
+                    <a:pt x="555602" y="1436915"/>
+                    <a:pt x="0" y="793586"/>
+                    <a:pt x="0" y="0"/>
+                  </a:cubicBezTo>
+                  <a:close/>
+                </a:path>
+              </a:pathLst>
+            </a:custGeom>
+            <a:solidFill>
+              <a:srgbClr val="FFB637"/>
+            </a:solidFill>
+            <a:ln>
+              <a:noFill/>
+            </a:ln>
+          </p:spPr>
+          <p:style>
+            <a:lnRef idx="2">
+              <a:schemeClr val="accent2">
+                <a:shade val="50000"/>
+              </a:schemeClr>
+            </a:lnRef>
+            <a:fillRef idx="1">
+              <a:schemeClr val="accent2"/>
+            </a:fillRef>
+            <a:effectRef idx="0">
+              <a:schemeClr val="accent2"/>
+            </a:effectRef>
+            <a:fontRef idx="minor">
+              <a:schemeClr val="lt1"/>
+            </a:fontRef>
+          </p:style>
+          <p:txBody>
+            <a:bodyPr wrap="square" rtlCol="0" anchor="ctr">
+              <a:noAutofit/>
+            </a:bodyPr>
+            <a:lstStyle/>
+            <a:p>
+              <a:pPr algn="ctr"/>
+              <a:endParaRPr lang="en-US" sz="3200"/>
+            </a:p>
+          </p:txBody>
+        </p:sp>
+        <p:sp>
+          <p:nvSpPr>
+            <p:cNvPr id="36" name="Freeform 35">
+              <a:extLst>
+                <a:ext uri="{FF2B5EF4-FFF2-40B4-BE49-F238E27FC236}">
+                  <a16:creationId xmlns:a16="http://schemas.microsoft.com/office/drawing/2014/main" id="{84AE7645-8464-8545-8CA9-62B88C3A04E9}"/>
+                </a:ext>
+              </a:extLst>
+            </p:cNvPr>
+            <p:cNvSpPr/>
+            <p:nvPr/>
+          </p:nvSpPr>
+          <p:spPr>
+            <a:xfrm>
+              <a:off x="188845" y="3333395"/>
+              <a:ext cx="3788228" cy="2628900"/>
+            </a:xfrm>
+            <a:custGeom>
+              <a:avLst/>
+              <a:gdLst>
+                <a:gd name="connsiteX0" fmla="*/ 0 w 3788228"/>
+                <a:gd name="connsiteY0" fmla="*/ 0 h 2628900"/>
+                <a:gd name="connsiteX1" fmla="*/ 3788228 w 3788228"/>
+                <a:gd name="connsiteY1" fmla="*/ 0 h 2628900"/>
+                <a:gd name="connsiteX2" fmla="*/ 3788228 w 3788228"/>
+                <a:gd name="connsiteY2" fmla="*/ 2628900 h 2628900"/>
+                <a:gd name="connsiteX3" fmla="*/ 0 w 3788228"/>
+                <a:gd name="connsiteY3" fmla="*/ 2628900 h 2628900"/>
+                <a:gd name="connsiteX4" fmla="*/ 0 w 3788228"/>
+                <a:gd name="connsiteY4" fmla="*/ 0 h 2628900"/>
+                <a:gd name="connsiteX5" fmla="*/ 653142 w 3788228"/>
+                <a:gd name="connsiteY5" fmla="*/ 1 h 2628900"/>
+                <a:gd name="connsiteX6" fmla="*/ 1894114 w 3788228"/>
+                <a:gd name="connsiteY6" fmla="*/ 1436916 h 2628900"/>
+                <a:gd name="connsiteX7" fmla="*/ 3135086 w 3788228"/>
+                <a:gd name="connsiteY7" fmla="*/ 1 h 2628900"/>
+                <a:gd name="connsiteX8" fmla="*/ 653142 w 3788228"/>
+                <a:gd name="connsiteY8" fmla="*/ 1 h 2628900"/>
+              </a:gdLst>
+              <a:ahLst/>
+              <a:cxnLst>
+                <a:cxn ang="0">
+                  <a:pos x="connsiteX0" y="connsiteY0"/>
+                </a:cxn>
+                <a:cxn ang="0">
+                  <a:pos x="connsiteX1" y="connsiteY1"/>
+                </a:cxn>
+                <a:cxn ang="0">
+                  <a:pos x="connsiteX2" y="connsiteY2"/>
+                </a:cxn>
+                <a:cxn ang="0">
+                  <a:pos x="connsiteX3" y="connsiteY3"/>
+                </a:cxn>
+                <a:cxn ang="0">
+                  <a:pos x="connsiteX4" y="connsiteY4"/>
+                </a:cxn>
+                <a:cxn ang="0">
+                  <a:pos x="connsiteX5" y="connsiteY5"/>
+                </a:cxn>
+                <a:cxn ang="0">
+                  <a:pos x="connsiteX6" y="connsiteY6"/>
+                </a:cxn>
+                <a:cxn ang="0">
+                  <a:pos x="connsiteX7" y="connsiteY7"/>
+                </a:cxn>
+                <a:cxn ang="0">
+                  <a:pos x="connsiteX8" y="connsiteY8"/>
+                </a:cxn>
+              </a:cxnLst>
+              <a:rect l="l" t="t" r="r" b="b"/>
+              <a:pathLst>
+                <a:path w="3788228" h="2628900">
+                  <a:moveTo>
+                    <a:pt x="0" y="0"/>
+                  </a:moveTo>
+                  <a:lnTo>
+                    <a:pt x="3788228" y="0"/>
+                  </a:lnTo>
+                  <a:lnTo>
+                    <a:pt x="3788228" y="2628900"/>
+                  </a:lnTo>
+                  <a:lnTo>
+                    <a:pt x="0" y="2628900"/>
+                  </a:lnTo>
+                  <a:lnTo>
+                    <a:pt x="0" y="0"/>
+                  </a:lnTo>
+                  <a:close/>
+                  <a:moveTo>
+                    <a:pt x="653142" y="1"/>
+                  </a:moveTo>
+                  <a:cubicBezTo>
+                    <a:pt x="653142" y="793587"/>
+                    <a:pt x="1208744" y="1436916"/>
+                    <a:pt x="1894114" y="1436916"/>
+                  </a:cubicBezTo>
+                  <a:cubicBezTo>
+                    <a:pt x="2579484" y="1436916"/>
+                    <a:pt x="3135086" y="793587"/>
+                    <a:pt x="3135086" y="1"/>
+                  </a:cubicBezTo>
+                  <a:lnTo>
+                    <a:pt x="653142" y="1"/>
+                  </a:lnTo>
+                  <a:close/>
+                </a:path>
+              </a:pathLst>
+            </a:custGeom>
+            <a:ln>
+              <a:noFill/>
+            </a:ln>
+          </p:spPr>
+          <p:style>
+            <a:lnRef idx="2">
+              <a:schemeClr val="accent2">
+                <a:shade val="50000"/>
+              </a:schemeClr>
+            </a:lnRef>
+            <a:fillRef idx="1">
+              <a:schemeClr val="accent2"/>
+            </a:fillRef>
+            <a:effectRef idx="0">
+              <a:schemeClr val="accent2"/>
+            </a:effectRef>
+            <a:fontRef idx="minor">
+              <a:schemeClr val="lt1"/>
+            </a:fontRef>
+          </p:style>
+          <p:txBody>
+            <a:bodyPr wrap="square" rtlCol="0" anchor="ctr">
+              <a:noAutofit/>
+            </a:bodyPr>
+            <a:lstStyle/>
+            <a:p>
+              <a:pPr algn="ctr"/>
+              <a:endParaRPr lang="en-US" sz="3200"/>
+            </a:p>
+          </p:txBody>
+        </p:sp>
+        <p:sp>
+          <p:nvSpPr>
+            <p:cNvPr id="35" name="Freeform 34">
+              <a:extLst>
+                <a:ext uri="{FF2B5EF4-FFF2-40B4-BE49-F238E27FC236}">
+                  <a16:creationId xmlns:a16="http://schemas.microsoft.com/office/drawing/2014/main" id="{D0FB79E9-0D77-2246-BDDC-B92BC134DECE}"/>
+                </a:ext>
+              </a:extLst>
+            </p:cNvPr>
+            <p:cNvSpPr/>
+            <p:nvPr/>
+          </p:nvSpPr>
+          <p:spPr>
+            <a:xfrm>
+              <a:off x="841987" y="1896481"/>
+              <a:ext cx="2481944" cy="1436915"/>
+            </a:xfrm>
+            <a:custGeom>
+              <a:avLst/>
+              <a:gdLst>
+                <a:gd name="connsiteX0" fmla="*/ 1240972 w 2481944"/>
+                <a:gd name="connsiteY0" fmla="*/ 0 h 1436915"/>
+                <a:gd name="connsiteX1" fmla="*/ 2481944 w 2481944"/>
+                <a:gd name="connsiteY1" fmla="*/ 1436915 h 1436915"/>
+                <a:gd name="connsiteX2" fmla="*/ 0 w 2481944"/>
+                <a:gd name="connsiteY2" fmla="*/ 1436915 h 1436915"/>
+                <a:gd name="connsiteX3" fmla="*/ 1240972 w 2481944"/>
+                <a:gd name="connsiteY3" fmla="*/ 0 h 1436915"/>
+              </a:gdLst>
+              <a:ahLst/>
+              <a:cxnLst>
+                <a:cxn ang="0">
+                  <a:pos x="connsiteX0" y="connsiteY0"/>
+                </a:cxn>
+                <a:cxn ang="0">
+                  <a:pos x="connsiteX1" y="connsiteY1"/>
+                </a:cxn>
+                <a:cxn ang="0">
+                  <a:pos x="connsiteX2" y="connsiteY2"/>
+                </a:cxn>
+                <a:cxn ang="0">
+                  <a:pos x="connsiteX3" y="connsiteY3"/>
+                </a:cxn>
+              </a:cxnLst>
+              <a:rect l="l" t="t" r="r" b="b"/>
+              <a:pathLst>
+                <a:path w="2481944" h="1436915">
+                  <a:moveTo>
+                    <a:pt x="1240972" y="0"/>
+                  </a:moveTo>
+                  <a:cubicBezTo>
+                    <a:pt x="1926342" y="0"/>
+                    <a:pt x="2481944" y="643329"/>
+                    <a:pt x="2481944" y="1436915"/>
+                  </a:cubicBezTo>
+                  <a:lnTo>
+                    <a:pt x="0" y="1436915"/>
+                  </a:lnTo>
+                  <a:cubicBezTo>
+                    <a:pt x="0" y="643329"/>
+                    <a:pt x="555602" y="0"/>
+                    <a:pt x="1240972" y="0"/>
+                  </a:cubicBezTo>
+                  <a:close/>
+                </a:path>
+              </a:pathLst>
+            </a:custGeom>
+            <a:solidFill>
+              <a:srgbClr val="A4FF65"/>
+            </a:solidFill>
+            <a:ln>
+              <a:noFill/>
+            </a:ln>
+          </p:spPr>
+          <p:style>
+            <a:lnRef idx="2">
+              <a:schemeClr val="accent6">
+                <a:shade val="50000"/>
+              </a:schemeClr>
+            </a:lnRef>
+            <a:fillRef idx="1">
+              <a:schemeClr val="accent6"/>
+            </a:fillRef>
+            <a:effectRef idx="0">
+              <a:schemeClr val="accent6"/>
+            </a:effectRef>
+            <a:fontRef idx="minor">
+              <a:schemeClr val="lt1"/>
+            </a:fontRef>
+          </p:style>
+          <p:txBody>
+            <a:bodyPr wrap="square" rtlCol="0" anchor="ctr">
+              <a:noAutofit/>
+            </a:bodyPr>
+            <a:lstStyle/>
+            <a:p>
+              <a:pPr algn="ctr"/>
+              <a:endParaRPr lang="en-US" sz="3200"/>
+            </a:p>
+          </p:txBody>
+        </p:sp>
+        <p:sp>
+          <p:nvSpPr>
+            <p:cNvPr id="34" name="Freeform 33">
+              <a:extLst>
+                <a:ext uri="{FF2B5EF4-FFF2-40B4-BE49-F238E27FC236}">
+                  <a16:creationId xmlns:a16="http://schemas.microsoft.com/office/drawing/2014/main" id="{D425CB09-E260-C548-97AD-6E283FCDE461}"/>
+                </a:ext>
+              </a:extLst>
+            </p:cNvPr>
+            <p:cNvSpPr/>
+            <p:nvPr/>
+          </p:nvSpPr>
+          <p:spPr>
+            <a:xfrm>
+              <a:off x="188845" y="704495"/>
+              <a:ext cx="3788228" cy="2628900"/>
+            </a:xfrm>
+            <a:custGeom>
+              <a:avLst/>
+              <a:gdLst>
+                <a:gd name="connsiteX0" fmla="*/ 0 w 3788228"/>
+                <a:gd name="connsiteY0" fmla="*/ 0 h 2628900"/>
+                <a:gd name="connsiteX1" fmla="*/ 3788228 w 3788228"/>
+                <a:gd name="connsiteY1" fmla="*/ 0 h 2628900"/>
+                <a:gd name="connsiteX2" fmla="*/ 3788228 w 3788228"/>
+                <a:gd name="connsiteY2" fmla="*/ 2628900 h 2628900"/>
+                <a:gd name="connsiteX3" fmla="*/ 3135086 w 3788228"/>
+                <a:gd name="connsiteY3" fmla="*/ 2628900 h 2628900"/>
+                <a:gd name="connsiteX4" fmla="*/ 1894114 w 3788228"/>
+                <a:gd name="connsiteY4" fmla="*/ 1191985 h 2628900"/>
+                <a:gd name="connsiteX5" fmla="*/ 653142 w 3788228"/>
+                <a:gd name="connsiteY5" fmla="*/ 2628900 h 2628900"/>
+                <a:gd name="connsiteX6" fmla="*/ 0 w 3788228"/>
+                <a:gd name="connsiteY6" fmla="*/ 2628900 h 2628900"/>
+                <a:gd name="connsiteX7" fmla="*/ 0 w 3788228"/>
+                <a:gd name="connsiteY7" fmla="*/ 0 h 2628900"/>
+              </a:gdLst>
+              <a:ahLst/>
+              <a:cxnLst>
+                <a:cxn ang="0">
+                  <a:pos x="connsiteX0" y="connsiteY0"/>
+                </a:cxn>
+                <a:cxn ang="0">
+                  <a:pos x="connsiteX1" y="connsiteY1"/>
+                </a:cxn>
+                <a:cxn ang="0">
+                  <a:pos x="connsiteX2" y="connsiteY2"/>
+                </a:cxn>
+                <a:cxn ang="0">
+                  <a:pos x="connsiteX3" y="connsiteY3"/>
+                </a:cxn>
+                <a:cxn ang="0">
+                  <a:pos x="connsiteX4" y="connsiteY4"/>
+                </a:cxn>
+                <a:cxn ang="0">
+                  <a:pos x="connsiteX5" y="connsiteY5"/>
+                </a:cxn>
+                <a:cxn ang="0">
+                  <a:pos x="connsiteX6" y="connsiteY6"/>
+                </a:cxn>
+                <a:cxn ang="0">
+                  <a:pos x="connsiteX7" y="connsiteY7"/>
+                </a:cxn>
+              </a:cxnLst>
+              <a:rect l="l" t="t" r="r" b="b"/>
+              <a:pathLst>
+                <a:path w="3788228" h="2628900">
+                  <a:moveTo>
+                    <a:pt x="0" y="0"/>
+                  </a:moveTo>
+                  <a:lnTo>
+                    <a:pt x="3788228" y="0"/>
+                  </a:lnTo>
+                  <a:lnTo>
+                    <a:pt x="3788228" y="2628900"/>
+                  </a:lnTo>
+                  <a:lnTo>
+                    <a:pt x="3135086" y="2628900"/>
+                  </a:lnTo>
+                  <a:cubicBezTo>
+                    <a:pt x="3135086" y="1835314"/>
+                    <a:pt x="2579484" y="1191985"/>
+                    <a:pt x="1894114" y="1191985"/>
+                  </a:cubicBezTo>
+                  <a:cubicBezTo>
+                    <a:pt x="1208744" y="1191985"/>
+                    <a:pt x="653142" y="1835314"/>
+                    <a:pt x="653142" y="2628900"/>
+                  </a:cubicBezTo>
+                  <a:lnTo>
+                    <a:pt x="0" y="2628900"/>
+                  </a:lnTo>
+                  <a:lnTo>
+                    <a:pt x="0" y="0"/>
+                  </a:lnTo>
+                  <a:close/>
+                </a:path>
+              </a:pathLst>
+            </a:custGeom>
+            <a:ln>
+              <a:noFill/>
+            </a:ln>
+          </p:spPr>
+          <p:style>
+            <a:lnRef idx="2">
+              <a:schemeClr val="accent6">
+                <a:shade val="50000"/>
+              </a:schemeClr>
+            </a:lnRef>
+            <a:fillRef idx="1">
+              <a:schemeClr val="accent6"/>
+            </a:fillRef>
+            <a:effectRef idx="0">
+              <a:schemeClr val="accent6"/>
+            </a:effectRef>
+            <a:fontRef idx="minor">
+              <a:schemeClr val="lt1"/>
+            </a:fontRef>
+          </p:style>
+          <p:txBody>
+            <a:bodyPr wrap="square" rtlCol="0" anchor="ctr">
+              <a:noAutofit/>
+            </a:bodyPr>
+            <a:lstStyle/>
+            <a:p>
+              <a:pPr algn="ctr"/>
+              <a:endParaRPr lang="en-US" sz="3200"/>
+            </a:p>
+          </p:txBody>
+        </p:sp>
+        <p:sp>
+          <p:nvSpPr>
+            <p:cNvPr id="29" name="Rectangle 28">
+              <a:extLst>
+                <a:ext uri="{FF2B5EF4-FFF2-40B4-BE49-F238E27FC236}">
+                  <a16:creationId xmlns:a16="http://schemas.microsoft.com/office/drawing/2014/main" id="{022FBC10-3869-7247-B8FB-B3CBC442C216}"/>
+                </a:ext>
+              </a:extLst>
+            </p:cNvPr>
+            <p:cNvSpPr/>
+            <p:nvPr/>
+          </p:nvSpPr>
+          <p:spPr>
+            <a:xfrm>
+              <a:off x="188845" y="704495"/>
+              <a:ext cx="3788228" cy="5257800"/>
+            </a:xfrm>
+            <a:prstGeom prst="rect">
+              <a:avLst/>
+            </a:prstGeom>
+            <a:noFill/>
+            <a:ln w="38100"/>
+          </p:spPr>
+          <p:style>
+            <a:lnRef idx="2">
+              <a:schemeClr val="accent1">
+                <a:shade val="50000"/>
+              </a:schemeClr>
+            </a:lnRef>
+            <a:fillRef idx="1">
+              <a:schemeClr val="accent1"/>
+            </a:fillRef>
+            <a:effectRef idx="0">
+              <a:schemeClr val="accent1"/>
+            </a:effectRef>
+            <a:fontRef idx="minor">
+              <a:schemeClr val="lt1"/>
+            </a:fontRef>
+          </p:style>
+          <p:txBody>
+            <a:bodyPr rtlCol="0" anchor="ctr"/>
+            <a:lstStyle/>
+            <a:p>
+              <a:pPr algn="ctr"/>
+              <a:endParaRPr lang="en-US"/>
+            </a:p>
+          </p:txBody>
+        </p:sp>
+        <p:sp>
+          <p:nvSpPr>
+            <p:cNvPr id="20" name="Rectangle 19">
+              <a:extLst>
+                <a:ext uri="{FF2B5EF4-FFF2-40B4-BE49-F238E27FC236}">
+                  <a16:creationId xmlns:a16="http://schemas.microsoft.com/office/drawing/2014/main" id="{1E9B20D4-35BA-F546-802B-ED89E44F5607}"/>
+                </a:ext>
+              </a:extLst>
+            </p:cNvPr>
+            <p:cNvSpPr/>
+            <p:nvPr/>
+          </p:nvSpPr>
+          <p:spPr>
+            <a:xfrm>
+              <a:off x="4186639" y="3314840"/>
+              <a:ext cx="3788228" cy="2628900"/>
+            </a:xfrm>
+            <a:prstGeom prst="rect">
+              <a:avLst/>
+            </a:prstGeom>
+          </p:spPr>
+          <p:style>
+            <a:lnRef idx="2">
+              <a:schemeClr val="accent2">
+                <a:shade val="50000"/>
+              </a:schemeClr>
+            </a:lnRef>
+            <a:fillRef idx="1">
+              <a:schemeClr val="accent2"/>
+            </a:fillRef>
+            <a:effectRef idx="0">
+              <a:schemeClr val="accent2"/>
+            </a:effectRef>
+            <a:fontRef idx="minor">
+              <a:schemeClr val="lt1"/>
+            </a:fontRef>
+          </p:style>
+          <p:txBody>
+            <a:bodyPr rtlCol="0" anchor="ctr"/>
+            <a:lstStyle/>
+            <a:p>
+              <a:pPr algn="ctr"/>
+              <a:endParaRPr lang="en-US" sz="3200"/>
+            </a:p>
+          </p:txBody>
+        </p:sp>
+        <p:sp>
+          <p:nvSpPr>
+            <p:cNvPr id="54" name="Freeform 53">
+              <a:extLst>
+                <a:ext uri="{FF2B5EF4-FFF2-40B4-BE49-F238E27FC236}">
+                  <a16:creationId xmlns:a16="http://schemas.microsoft.com/office/drawing/2014/main" id="{A0B96EF0-AFEA-584D-A681-0D64151F0C62}"/>
+                </a:ext>
+              </a:extLst>
+            </p:cNvPr>
+            <p:cNvSpPr/>
+            <p:nvPr/>
+          </p:nvSpPr>
+          <p:spPr>
+            <a:xfrm>
+              <a:off x="4954918" y="2479578"/>
+              <a:ext cx="2251670" cy="835263"/>
+            </a:xfrm>
+            <a:custGeom>
+              <a:avLst/>
+              <a:gdLst>
+                <a:gd name="connsiteX0" fmla="*/ 1125835 w 2251670"/>
+                <a:gd name="connsiteY0" fmla="*/ 0 h 835263"/>
+                <a:gd name="connsiteX1" fmla="*/ 2217028 w 2251670"/>
+                <a:gd name="connsiteY1" fmla="*/ 751996 h 835263"/>
+                <a:gd name="connsiteX2" fmla="*/ 2251670 w 2251670"/>
+                <a:gd name="connsiteY2" fmla="*/ 835263 h 835263"/>
+                <a:gd name="connsiteX3" fmla="*/ 0 w 2251670"/>
+                <a:gd name="connsiteY3" fmla="*/ 835263 h 835263"/>
+                <a:gd name="connsiteX4" fmla="*/ 34642 w 2251670"/>
+                <a:gd name="connsiteY4" fmla="*/ 751996 h 835263"/>
+                <a:gd name="connsiteX5" fmla="*/ 1125835 w 2251670"/>
+                <a:gd name="connsiteY5" fmla="*/ 0 h 835263"/>
+              </a:gdLst>
+              <a:ahLst/>
+              <a:cxnLst>
+                <a:cxn ang="0">
+                  <a:pos x="connsiteX0" y="connsiteY0"/>
+                </a:cxn>
+                <a:cxn ang="0">
+                  <a:pos x="connsiteX1" y="connsiteY1"/>
+                </a:cxn>
+                <a:cxn ang="0">
+                  <a:pos x="connsiteX2" y="connsiteY2"/>
+                </a:cxn>
+                <a:cxn ang="0">
+                  <a:pos x="connsiteX3" y="connsiteY3"/>
+                </a:cxn>
+                <a:cxn ang="0">
+                  <a:pos x="connsiteX4" y="connsiteY4"/>
+                </a:cxn>
+                <a:cxn ang="0">
+                  <a:pos x="connsiteX5" y="connsiteY5"/>
+                </a:cxn>
+              </a:cxnLst>
+              <a:rect l="l" t="t" r="r" b="b"/>
+              <a:pathLst>
+                <a:path w="2251670" h="835263">
+                  <a:moveTo>
+                    <a:pt x="1125835" y="0"/>
+                  </a:moveTo>
+                  <a:cubicBezTo>
+                    <a:pt x="1597027" y="0"/>
+                    <a:pt x="2006883" y="304074"/>
+                    <a:pt x="2217028" y="751996"/>
+                  </a:cubicBezTo>
+                  <a:lnTo>
+                    <a:pt x="2251670" y="835263"/>
+                  </a:lnTo>
+                  <a:lnTo>
+                    <a:pt x="0" y="835263"/>
+                  </a:lnTo>
+                  <a:lnTo>
+                    <a:pt x="34642" y="751996"/>
+                  </a:lnTo>
+                  <a:cubicBezTo>
+                    <a:pt x="244787" y="304074"/>
+                    <a:pt x="654643" y="0"/>
+                    <a:pt x="1125835" y="0"/>
+                  </a:cubicBezTo>
+                  <a:close/>
+                </a:path>
+              </a:pathLst>
+            </a:custGeom>
+            <a:solidFill>
+              <a:srgbClr val="A4FF65"/>
+            </a:solidFill>
+            <a:ln>
+              <a:noFill/>
+            </a:ln>
+          </p:spPr>
+          <p:style>
+            <a:lnRef idx="2">
+              <a:schemeClr val="accent6">
+                <a:shade val="50000"/>
+              </a:schemeClr>
+            </a:lnRef>
+            <a:fillRef idx="1">
+              <a:schemeClr val="accent6"/>
+            </a:fillRef>
+            <a:effectRef idx="0">
+              <a:schemeClr val="accent6"/>
+            </a:effectRef>
+            <a:fontRef idx="minor">
+              <a:schemeClr val="lt1"/>
+            </a:fontRef>
+          </p:style>
+          <p:txBody>
+            <a:bodyPr wrap="square" rtlCol="0" anchor="ctr">
+              <a:noAutofit/>
+            </a:bodyPr>
+            <a:lstStyle/>
+            <a:p>
+              <a:pPr algn="ctr"/>
+              <a:endParaRPr lang="en-US" sz="3200"/>
+            </a:p>
+          </p:txBody>
+        </p:sp>
+        <p:sp>
+          <p:nvSpPr>
+            <p:cNvPr id="53" name="Freeform 52">
+              <a:extLst>
+                <a:ext uri="{FF2B5EF4-FFF2-40B4-BE49-F238E27FC236}">
+                  <a16:creationId xmlns:a16="http://schemas.microsoft.com/office/drawing/2014/main" id="{ECA63388-7D9A-5C48-BA6D-E22E49CAB01F}"/>
+                </a:ext>
+              </a:extLst>
+            </p:cNvPr>
+            <p:cNvSpPr/>
+            <p:nvPr/>
+          </p:nvSpPr>
+          <p:spPr>
+            <a:xfrm>
+              <a:off x="4186639" y="685940"/>
+              <a:ext cx="3788228" cy="2628900"/>
+            </a:xfrm>
+            <a:custGeom>
+              <a:avLst/>
+              <a:gdLst>
+                <a:gd name="connsiteX0" fmla="*/ 0 w 3788228"/>
+                <a:gd name="connsiteY0" fmla="*/ 0 h 2628900"/>
+                <a:gd name="connsiteX1" fmla="*/ 3788228 w 3788228"/>
+                <a:gd name="connsiteY1" fmla="*/ 0 h 2628900"/>
+                <a:gd name="connsiteX2" fmla="*/ 3788228 w 3788228"/>
+                <a:gd name="connsiteY2" fmla="*/ 2628900 h 2628900"/>
+                <a:gd name="connsiteX3" fmla="*/ 3019949 w 3788228"/>
+                <a:gd name="connsiteY3" fmla="*/ 2628900 h 2628900"/>
+                <a:gd name="connsiteX4" fmla="*/ 2985307 w 3788228"/>
+                <a:gd name="connsiteY4" fmla="*/ 2545633 h 2628900"/>
+                <a:gd name="connsiteX5" fmla="*/ 1894114 w 3788228"/>
+                <a:gd name="connsiteY5" fmla="*/ 1793637 h 2628900"/>
+                <a:gd name="connsiteX6" fmla="*/ 802921 w 3788228"/>
+                <a:gd name="connsiteY6" fmla="*/ 2545633 h 2628900"/>
+                <a:gd name="connsiteX7" fmla="*/ 768279 w 3788228"/>
+                <a:gd name="connsiteY7" fmla="*/ 2628900 h 2628900"/>
+                <a:gd name="connsiteX8" fmla="*/ 0 w 3788228"/>
+                <a:gd name="connsiteY8" fmla="*/ 2628900 h 2628900"/>
+                <a:gd name="connsiteX9" fmla="*/ 0 w 3788228"/>
+                <a:gd name="connsiteY9" fmla="*/ 0 h 2628900"/>
+              </a:gdLst>
+              <a:ahLst/>
+              <a:cxnLst>
+                <a:cxn ang="0">
+                  <a:pos x="connsiteX0" y="connsiteY0"/>
+                </a:cxn>
+                <a:cxn ang="0">
+                  <a:pos x="connsiteX1" y="connsiteY1"/>
+                </a:cxn>
+                <a:cxn ang="0">
+                  <a:pos x="connsiteX2" y="connsiteY2"/>
+                </a:cxn>
+                <a:cxn ang="0">
+                  <a:pos x="connsiteX3" y="connsiteY3"/>
+                </a:cxn>
+                <a:cxn ang="0">
+                  <a:pos x="connsiteX4" y="connsiteY4"/>
+                </a:cxn>
+                <a:cxn ang="0">
+                  <a:pos x="connsiteX5" y="connsiteY5"/>
+                </a:cxn>
+                <a:cxn ang="0">
+                  <a:pos x="connsiteX6" y="connsiteY6"/>
+                </a:cxn>
+                <a:cxn ang="0">
+                  <a:pos x="connsiteX7" y="connsiteY7"/>
+                </a:cxn>
+                <a:cxn ang="0">
+                  <a:pos x="connsiteX8" y="connsiteY8"/>
+                </a:cxn>
+                <a:cxn ang="0">
+                  <a:pos x="connsiteX9" y="connsiteY9"/>
+                </a:cxn>
+              </a:cxnLst>
+              <a:rect l="l" t="t" r="r" b="b"/>
+              <a:pathLst>
+                <a:path w="3788228" h="2628900">
+                  <a:moveTo>
+                    <a:pt x="0" y="0"/>
+                  </a:moveTo>
+                  <a:lnTo>
+                    <a:pt x="3788228" y="0"/>
+                  </a:lnTo>
+                  <a:lnTo>
+                    <a:pt x="3788228" y="2628900"/>
+                  </a:lnTo>
+                  <a:lnTo>
+                    <a:pt x="3019949" y="2628900"/>
+                  </a:lnTo>
+                  <a:lnTo>
+                    <a:pt x="2985307" y="2545633"/>
+                  </a:lnTo>
+                  <a:cubicBezTo>
+                    <a:pt x="2775162" y="2097711"/>
+                    <a:pt x="2365306" y="1793637"/>
+                    <a:pt x="1894114" y="1793637"/>
+                  </a:cubicBezTo>
+                  <a:cubicBezTo>
+                    <a:pt x="1422922" y="1793637"/>
+                    <a:pt x="1013066" y="2097711"/>
+                    <a:pt x="802921" y="2545633"/>
+                  </a:cubicBezTo>
+                  <a:lnTo>
+                    <a:pt x="768279" y="2628900"/>
+                  </a:lnTo>
+                  <a:lnTo>
+                    <a:pt x="0" y="2628900"/>
+                  </a:lnTo>
+                  <a:lnTo>
+                    <a:pt x="0" y="0"/>
+                  </a:lnTo>
+                  <a:close/>
+                </a:path>
+              </a:pathLst>
+            </a:custGeom>
+          </p:spPr>
+          <p:style>
+            <a:lnRef idx="2">
+              <a:schemeClr val="accent6">
+                <a:shade val="50000"/>
+              </a:schemeClr>
+            </a:lnRef>
+            <a:fillRef idx="1">
+              <a:schemeClr val="accent6"/>
+            </a:fillRef>
+            <a:effectRef idx="0">
+              <a:schemeClr val="accent6"/>
+            </a:effectRef>
+            <a:fontRef idx="minor">
+              <a:schemeClr val="lt1"/>
+            </a:fontRef>
+          </p:style>
+          <p:txBody>
+            <a:bodyPr wrap="square" rtlCol="0" anchor="ctr">
+              <a:noAutofit/>
+            </a:bodyPr>
+            <a:lstStyle/>
+            <a:p>
+              <a:pPr algn="ctr"/>
+              <a:endParaRPr lang="en-US" sz="3200"/>
+            </a:p>
+          </p:txBody>
+        </p:sp>
+        <p:sp>
+          <p:nvSpPr>
+            <p:cNvPr id="52" name="Freeform 51">
+              <a:extLst>
+                <a:ext uri="{FF2B5EF4-FFF2-40B4-BE49-F238E27FC236}">
+                  <a16:creationId xmlns:a16="http://schemas.microsoft.com/office/drawing/2014/main" id="{36F363C9-992D-7040-A046-7300EF0686B7}"/>
+                </a:ext>
+              </a:extLst>
+            </p:cNvPr>
+            <p:cNvSpPr/>
+            <p:nvPr/>
+          </p:nvSpPr>
+          <p:spPr>
+            <a:xfrm>
+              <a:off x="4839781" y="3314841"/>
+              <a:ext cx="2481944" cy="2038567"/>
+            </a:xfrm>
+            <a:custGeom>
+              <a:avLst/>
+              <a:gdLst>
+                <a:gd name="connsiteX0" fmla="*/ 115137 w 2481944"/>
+                <a:gd name="connsiteY0" fmla="*/ 0 h 2038567"/>
+                <a:gd name="connsiteX1" fmla="*/ 2366807 w 2481944"/>
+                <a:gd name="connsiteY1" fmla="*/ 0 h 2038567"/>
+                <a:gd name="connsiteX2" fmla="*/ 2384422 w 2481944"/>
+                <a:gd name="connsiteY2" fmla="*/ 42340 h 2038567"/>
+                <a:gd name="connsiteX3" fmla="*/ 2481944 w 2481944"/>
+                <a:gd name="connsiteY3" fmla="*/ 601652 h 2038567"/>
+                <a:gd name="connsiteX4" fmla="*/ 1240972 w 2481944"/>
+                <a:gd name="connsiteY4" fmla="*/ 2038567 h 2038567"/>
+                <a:gd name="connsiteX5" fmla="*/ 0 w 2481944"/>
+                <a:gd name="connsiteY5" fmla="*/ 601652 h 2038567"/>
+                <a:gd name="connsiteX6" fmla="*/ 97522 w 2481944"/>
+                <a:gd name="connsiteY6" fmla="*/ 42340 h 2038567"/>
+                <a:gd name="connsiteX7" fmla="*/ 115137 w 2481944"/>
+                <a:gd name="connsiteY7" fmla="*/ 0 h 2038567"/>
+              </a:gdLst>
+              <a:ahLst/>
+              <a:cxnLst>
+                <a:cxn ang="0">
+                  <a:pos x="connsiteX0" y="connsiteY0"/>
+                </a:cxn>
+                <a:cxn ang="0">
+                  <a:pos x="connsiteX1" y="connsiteY1"/>
+                </a:cxn>
+                <a:cxn ang="0">
+                  <a:pos x="connsiteX2" y="connsiteY2"/>
+                </a:cxn>
+                <a:cxn ang="0">
+                  <a:pos x="connsiteX3" y="connsiteY3"/>
+                </a:cxn>
+                <a:cxn ang="0">
+                  <a:pos x="connsiteX4" y="connsiteY4"/>
+                </a:cxn>
+                <a:cxn ang="0">
+                  <a:pos x="connsiteX5" y="connsiteY5"/>
+                </a:cxn>
+                <a:cxn ang="0">
+                  <a:pos x="connsiteX6" y="connsiteY6"/>
+                </a:cxn>
+                <a:cxn ang="0">
+                  <a:pos x="connsiteX7" y="connsiteY7"/>
+                </a:cxn>
+              </a:cxnLst>
+              <a:rect l="l" t="t" r="r" b="b"/>
+              <a:pathLst>
+                <a:path w="2481944" h="2038567">
+                  <a:moveTo>
+                    <a:pt x="115137" y="0"/>
+                  </a:moveTo>
+                  <a:lnTo>
+                    <a:pt x="2366807" y="0"/>
+                  </a:lnTo>
+                  <a:lnTo>
+                    <a:pt x="2384422" y="42340"/>
+                  </a:lnTo>
+                  <a:cubicBezTo>
+                    <a:pt x="2447219" y="214250"/>
+                    <a:pt x="2481944" y="403256"/>
+                    <a:pt x="2481944" y="601652"/>
+                  </a:cubicBezTo>
+                  <a:cubicBezTo>
+                    <a:pt x="2481944" y="1395238"/>
+                    <a:pt x="1926342" y="2038567"/>
+                    <a:pt x="1240972" y="2038567"/>
+                  </a:cubicBezTo>
+                  <a:cubicBezTo>
+                    <a:pt x="555602" y="2038567"/>
+                    <a:pt x="0" y="1395238"/>
+                    <a:pt x="0" y="601652"/>
+                  </a:cubicBezTo>
+                  <a:cubicBezTo>
+                    <a:pt x="0" y="403256"/>
+                    <a:pt x="34725" y="214250"/>
+                    <a:pt x="97522" y="42340"/>
+                  </a:cubicBezTo>
+                  <a:lnTo>
+                    <a:pt x="115137" y="0"/>
+                  </a:lnTo>
+                  <a:close/>
+                </a:path>
+              </a:pathLst>
+            </a:custGeom>
+            <a:solidFill>
+              <a:srgbClr val="FFB637"/>
+            </a:solidFill>
+            <a:ln>
+              <a:noFill/>
+            </a:ln>
+          </p:spPr>
+          <p:style>
+            <a:lnRef idx="2">
+              <a:schemeClr val="accent2">
+                <a:shade val="50000"/>
+              </a:schemeClr>
+            </a:lnRef>
+            <a:fillRef idx="1">
+              <a:schemeClr val="accent2"/>
+            </a:fillRef>
+            <a:effectRef idx="0">
+              <a:schemeClr val="accent2"/>
+            </a:effectRef>
+            <a:fontRef idx="minor">
+              <a:schemeClr val="lt1"/>
+            </a:fontRef>
+          </p:style>
+          <p:txBody>
+            <a:bodyPr wrap="square" rtlCol="0" anchor="ctr">
+              <a:noAutofit/>
+            </a:bodyPr>
+            <a:lstStyle/>
+            <a:p>
+              <a:pPr algn="ctr"/>
+              <a:endParaRPr lang="en-US" sz="3200"/>
+            </a:p>
+          </p:txBody>
+        </p:sp>
+        <p:sp>
+          <p:nvSpPr>
+            <p:cNvPr id="26" name="Rectangle 25">
+              <a:extLst>
+                <a:ext uri="{FF2B5EF4-FFF2-40B4-BE49-F238E27FC236}">
+                  <a16:creationId xmlns:a16="http://schemas.microsoft.com/office/drawing/2014/main" id="{937D44AF-227A-D743-B6DA-64F4962C8B60}"/>
+                </a:ext>
+              </a:extLst>
+            </p:cNvPr>
+            <p:cNvSpPr/>
+            <p:nvPr/>
+          </p:nvSpPr>
+          <p:spPr>
+            <a:xfrm>
+              <a:off x="4186639" y="685940"/>
+              <a:ext cx="3788228" cy="5257800"/>
+            </a:xfrm>
+            <a:prstGeom prst="rect">
+              <a:avLst/>
+            </a:prstGeom>
+            <a:noFill/>
+            <a:ln w="38100"/>
+          </p:spPr>
+          <p:style>
+            <a:lnRef idx="2">
+              <a:schemeClr val="accent1">
+                <a:shade val="50000"/>
+              </a:schemeClr>
+            </a:lnRef>
+            <a:fillRef idx="1">
+              <a:schemeClr val="accent1"/>
+            </a:fillRef>
+            <a:effectRef idx="0">
+              <a:schemeClr val="accent1"/>
+            </a:effectRef>
+            <a:fontRef idx="minor">
+              <a:schemeClr val="lt1"/>
+            </a:fontRef>
+          </p:style>
+          <p:txBody>
+            <a:bodyPr rtlCol="0" anchor="ctr"/>
+            <a:lstStyle/>
+            <a:p>
+              <a:pPr algn="ctr"/>
+              <a:endParaRPr lang="en-US"/>
+            </a:p>
+          </p:txBody>
+        </p:sp>
+        <p:sp>
+          <p:nvSpPr>
+            <p:cNvPr id="28" name="Rectangle 27">
+              <a:extLst>
+                <a:ext uri="{FF2B5EF4-FFF2-40B4-BE49-F238E27FC236}">
+                  <a16:creationId xmlns:a16="http://schemas.microsoft.com/office/drawing/2014/main" id="{A5608801-5F36-3446-B082-3AF653FC22A1}"/>
+                </a:ext>
+              </a:extLst>
+            </p:cNvPr>
+            <p:cNvSpPr/>
+            <p:nvPr/>
+          </p:nvSpPr>
+          <p:spPr>
+            <a:xfrm>
+              <a:off x="8210086" y="3333395"/>
+              <a:ext cx="3788228" cy="2628900"/>
+            </a:xfrm>
+            <a:prstGeom prst="rect">
+              <a:avLst/>
+            </a:prstGeom>
+          </p:spPr>
+          <p:style>
+            <a:lnRef idx="2">
+              <a:schemeClr val="accent2">
+                <a:shade val="50000"/>
+              </a:schemeClr>
+            </a:lnRef>
+            <a:fillRef idx="1">
+              <a:schemeClr val="accent2"/>
+            </a:fillRef>
+            <a:effectRef idx="0">
+              <a:schemeClr val="accent2"/>
+            </a:effectRef>
+            <a:fontRef idx="minor">
+              <a:schemeClr val="lt1"/>
+            </a:fontRef>
+          </p:style>
+          <p:txBody>
+            <a:bodyPr rtlCol="0" anchor="ctr"/>
+            <a:lstStyle/>
+            <a:p>
+              <a:pPr algn="ctr"/>
+              <a:endParaRPr lang="en-US" sz="3200"/>
+            </a:p>
+          </p:txBody>
+        </p:sp>
+        <p:sp>
+          <p:nvSpPr>
+            <p:cNvPr id="57" name="Freeform 56">
+              <a:extLst>
+                <a:ext uri="{FF2B5EF4-FFF2-40B4-BE49-F238E27FC236}">
+                  <a16:creationId xmlns:a16="http://schemas.microsoft.com/office/drawing/2014/main" id="{B9D36B79-7594-6C4C-9F28-E4426358D820}"/>
+                </a:ext>
+              </a:extLst>
+            </p:cNvPr>
+            <p:cNvSpPr/>
+            <p:nvPr/>
+          </p:nvSpPr>
+          <p:spPr>
+            <a:xfrm>
+              <a:off x="9263589" y="2951353"/>
+              <a:ext cx="1681222" cy="382043"/>
+            </a:xfrm>
+            <a:custGeom>
+              <a:avLst/>
+              <a:gdLst>
+                <a:gd name="connsiteX0" fmla="*/ 840611 w 1681222"/>
+                <a:gd name="connsiteY0" fmla="*/ 0 h 382043"/>
+                <a:gd name="connsiteX1" fmla="*/ 1629984 w 1681222"/>
+                <a:gd name="connsiteY1" fmla="*/ 328122 h 382043"/>
+                <a:gd name="connsiteX2" fmla="*/ 1681222 w 1681222"/>
+                <a:gd name="connsiteY2" fmla="*/ 382043 h 382043"/>
+                <a:gd name="connsiteX3" fmla="*/ 0 w 1681222"/>
+                <a:gd name="connsiteY3" fmla="*/ 382043 h 382043"/>
+                <a:gd name="connsiteX4" fmla="*/ 51238 w 1681222"/>
+                <a:gd name="connsiteY4" fmla="*/ 328122 h 382043"/>
+                <a:gd name="connsiteX5" fmla="*/ 840611 w 1681222"/>
+                <a:gd name="connsiteY5" fmla="*/ 0 h 382043"/>
+              </a:gdLst>
+              <a:ahLst/>
+              <a:cxnLst>
+                <a:cxn ang="0">
+                  <a:pos x="connsiteX0" y="connsiteY0"/>
+                </a:cxn>
+                <a:cxn ang="0">
+                  <a:pos x="connsiteX1" y="connsiteY1"/>
+                </a:cxn>
+                <a:cxn ang="0">
+                  <a:pos x="connsiteX2" y="connsiteY2"/>
+                </a:cxn>
+                <a:cxn ang="0">
+                  <a:pos x="connsiteX3" y="connsiteY3"/>
+                </a:cxn>
+                <a:cxn ang="0">
+                  <a:pos x="connsiteX4" y="connsiteY4"/>
+                </a:cxn>
+                <a:cxn ang="0">
+                  <a:pos x="connsiteX5" y="connsiteY5"/>
+                </a:cxn>
+              </a:cxnLst>
+              <a:rect l="l" t="t" r="r" b="b"/>
+              <a:pathLst>
+                <a:path w="1681222" h="382043">
+                  <a:moveTo>
+                    <a:pt x="840611" y="0"/>
+                  </a:moveTo>
+                  <a:cubicBezTo>
+                    <a:pt x="1140460" y="0"/>
+                    <a:pt x="1415471" y="123137"/>
+                    <a:pt x="1629984" y="328122"/>
+                  </a:cubicBezTo>
+                  <a:lnTo>
+                    <a:pt x="1681222" y="382043"/>
+                  </a:lnTo>
+                  <a:lnTo>
+                    <a:pt x="0" y="382043"/>
+                  </a:lnTo>
+                  <a:lnTo>
+                    <a:pt x="51238" y="328122"/>
+                  </a:lnTo>
+                  <a:cubicBezTo>
+                    <a:pt x="265751" y="123137"/>
+                    <a:pt x="540762" y="0"/>
+                    <a:pt x="840611" y="0"/>
+                  </a:cubicBezTo>
+                  <a:close/>
+                </a:path>
+              </a:pathLst>
+            </a:custGeom>
+            <a:solidFill>
+              <a:srgbClr val="A4FF65"/>
+            </a:solidFill>
+            <a:ln>
+              <a:noFill/>
+            </a:ln>
+          </p:spPr>
+          <p:style>
+            <a:lnRef idx="2">
+              <a:schemeClr val="accent6">
+                <a:shade val="50000"/>
+              </a:schemeClr>
+            </a:lnRef>
+            <a:fillRef idx="1">
+              <a:schemeClr val="accent6"/>
+            </a:fillRef>
+            <a:effectRef idx="0">
+              <a:schemeClr val="accent6"/>
+            </a:effectRef>
+            <a:fontRef idx="minor">
+              <a:schemeClr val="lt1"/>
+            </a:fontRef>
+          </p:style>
+          <p:txBody>
+            <a:bodyPr wrap="square" rtlCol="0" anchor="ctr">
+              <a:noAutofit/>
+            </a:bodyPr>
+            <a:lstStyle/>
+            <a:p>
+              <a:pPr algn="ctr"/>
+              <a:endParaRPr lang="en-US" sz="3200"/>
+            </a:p>
+          </p:txBody>
+        </p:sp>
+        <p:sp>
+          <p:nvSpPr>
+            <p:cNvPr id="56" name="Freeform 55">
+              <a:extLst>
+                <a:ext uri="{FF2B5EF4-FFF2-40B4-BE49-F238E27FC236}">
+                  <a16:creationId xmlns:a16="http://schemas.microsoft.com/office/drawing/2014/main" id="{F371BDE1-A145-6448-8B00-A60DC89BBDA3}"/>
+                </a:ext>
+              </a:extLst>
+            </p:cNvPr>
+            <p:cNvSpPr/>
+            <p:nvPr/>
+          </p:nvSpPr>
+          <p:spPr>
+            <a:xfrm>
+              <a:off x="8210086" y="704495"/>
+              <a:ext cx="3788228" cy="2628900"/>
+            </a:xfrm>
+            <a:custGeom>
+              <a:avLst/>
+              <a:gdLst>
+                <a:gd name="connsiteX0" fmla="*/ 0 w 3788228"/>
+                <a:gd name="connsiteY0" fmla="*/ 0 h 2628900"/>
+                <a:gd name="connsiteX1" fmla="*/ 3788228 w 3788228"/>
+                <a:gd name="connsiteY1" fmla="*/ 0 h 2628900"/>
+                <a:gd name="connsiteX2" fmla="*/ 3788228 w 3788228"/>
+                <a:gd name="connsiteY2" fmla="*/ 2628900 h 2628900"/>
+                <a:gd name="connsiteX3" fmla="*/ 2734725 w 3788228"/>
+                <a:gd name="connsiteY3" fmla="*/ 2628900 h 2628900"/>
+                <a:gd name="connsiteX4" fmla="*/ 2683487 w 3788228"/>
+                <a:gd name="connsiteY4" fmla="*/ 2574979 h 2628900"/>
+                <a:gd name="connsiteX5" fmla="*/ 1894114 w 3788228"/>
+                <a:gd name="connsiteY5" fmla="*/ 2246857 h 2628900"/>
+                <a:gd name="connsiteX6" fmla="*/ 1104741 w 3788228"/>
+                <a:gd name="connsiteY6" fmla="*/ 2574979 h 2628900"/>
+                <a:gd name="connsiteX7" fmla="*/ 1053503 w 3788228"/>
+                <a:gd name="connsiteY7" fmla="*/ 2628900 h 2628900"/>
+                <a:gd name="connsiteX8" fmla="*/ 0 w 3788228"/>
+                <a:gd name="connsiteY8" fmla="*/ 2628900 h 2628900"/>
+                <a:gd name="connsiteX9" fmla="*/ 0 w 3788228"/>
+                <a:gd name="connsiteY9" fmla="*/ 0 h 2628900"/>
+              </a:gdLst>
+              <a:ahLst/>
+              <a:cxnLst>
+                <a:cxn ang="0">
+                  <a:pos x="connsiteX0" y="connsiteY0"/>
+                </a:cxn>
+                <a:cxn ang="0">
+                  <a:pos x="connsiteX1" y="connsiteY1"/>
+                </a:cxn>
+                <a:cxn ang="0">
+                  <a:pos x="connsiteX2" y="connsiteY2"/>
+                </a:cxn>
+                <a:cxn ang="0">
+                  <a:pos x="connsiteX3" y="connsiteY3"/>
+                </a:cxn>
+                <a:cxn ang="0">
+                  <a:pos x="connsiteX4" y="connsiteY4"/>
+                </a:cxn>
+                <a:cxn ang="0">
+                  <a:pos x="connsiteX5" y="connsiteY5"/>
+                </a:cxn>
+                <a:cxn ang="0">
+                  <a:pos x="connsiteX6" y="connsiteY6"/>
+                </a:cxn>
+                <a:cxn ang="0">
+                  <a:pos x="connsiteX7" y="connsiteY7"/>
+                </a:cxn>
+                <a:cxn ang="0">
+                  <a:pos x="connsiteX8" y="connsiteY8"/>
+                </a:cxn>
+                <a:cxn ang="0">
+                  <a:pos x="connsiteX9" y="connsiteY9"/>
+                </a:cxn>
+              </a:cxnLst>
+              <a:rect l="l" t="t" r="r" b="b"/>
+              <a:pathLst>
+                <a:path w="3788228" h="2628900">
+                  <a:moveTo>
+                    <a:pt x="0" y="0"/>
+                  </a:moveTo>
+                  <a:lnTo>
+                    <a:pt x="3788228" y="0"/>
+                  </a:lnTo>
+                  <a:lnTo>
+                    <a:pt x="3788228" y="2628900"/>
+                  </a:lnTo>
+                  <a:lnTo>
+                    <a:pt x="2734725" y="2628900"/>
+                  </a:lnTo>
+                  <a:lnTo>
+                    <a:pt x="2683487" y="2574979"/>
+                  </a:lnTo>
+                  <a:cubicBezTo>
+                    <a:pt x="2468974" y="2369994"/>
+                    <a:pt x="2193963" y="2246857"/>
+                    <a:pt x="1894114" y="2246857"/>
+                  </a:cubicBezTo>
+                  <a:cubicBezTo>
+                    <a:pt x="1594265" y="2246857"/>
+                    <a:pt x="1319254" y="2369994"/>
+                    <a:pt x="1104741" y="2574979"/>
+                  </a:cubicBezTo>
+                  <a:lnTo>
+                    <a:pt x="1053503" y="2628900"/>
+                  </a:lnTo>
+                  <a:lnTo>
+                    <a:pt x="0" y="2628900"/>
+                  </a:lnTo>
+                  <a:lnTo>
+                    <a:pt x="0" y="0"/>
+                  </a:lnTo>
+                  <a:close/>
+                </a:path>
+              </a:pathLst>
+            </a:custGeom>
+          </p:spPr>
+          <p:style>
+            <a:lnRef idx="2">
+              <a:schemeClr val="accent6">
+                <a:shade val="50000"/>
+              </a:schemeClr>
+            </a:lnRef>
+            <a:fillRef idx="1">
+              <a:schemeClr val="accent6"/>
+            </a:fillRef>
+            <a:effectRef idx="0">
+              <a:schemeClr val="accent6"/>
+            </a:effectRef>
+            <a:fontRef idx="minor">
+              <a:schemeClr val="lt1"/>
+            </a:fontRef>
+          </p:style>
+          <p:txBody>
+            <a:bodyPr wrap="square" rtlCol="0" anchor="ctr">
+              <a:noAutofit/>
+            </a:bodyPr>
+            <a:lstStyle/>
+            <a:p>
+              <a:pPr algn="ctr"/>
+              <a:endParaRPr lang="en-US" sz="3200"/>
+            </a:p>
+          </p:txBody>
+        </p:sp>
+        <p:sp>
+          <p:nvSpPr>
+            <p:cNvPr id="55" name="Freeform 54">
+              <a:extLst>
+                <a:ext uri="{FF2B5EF4-FFF2-40B4-BE49-F238E27FC236}">
+                  <a16:creationId xmlns:a16="http://schemas.microsoft.com/office/drawing/2014/main" id="{7807E519-284F-374A-A451-B03E6F639D22}"/>
+                </a:ext>
+              </a:extLst>
+            </p:cNvPr>
+            <p:cNvSpPr/>
+            <p:nvPr/>
+          </p:nvSpPr>
+          <p:spPr>
+            <a:xfrm>
+              <a:off x="8863228" y="3333396"/>
+              <a:ext cx="2481944" cy="2491787"/>
+            </a:xfrm>
+            <a:custGeom>
+              <a:avLst/>
+              <a:gdLst>
+                <a:gd name="connsiteX0" fmla="*/ 400361 w 2481944"/>
+                <a:gd name="connsiteY0" fmla="*/ 0 h 2491787"/>
+                <a:gd name="connsiteX1" fmla="*/ 2081583 w 2481944"/>
+                <a:gd name="connsiteY1" fmla="*/ 0 h 2491787"/>
+                <a:gd name="connsiteX2" fmla="*/ 2118472 w 2481944"/>
+                <a:gd name="connsiteY2" fmla="*/ 38820 h 2491787"/>
+                <a:gd name="connsiteX3" fmla="*/ 2481944 w 2481944"/>
+                <a:gd name="connsiteY3" fmla="*/ 1054872 h 2491787"/>
+                <a:gd name="connsiteX4" fmla="*/ 1240972 w 2481944"/>
+                <a:gd name="connsiteY4" fmla="*/ 2491787 h 2491787"/>
+                <a:gd name="connsiteX5" fmla="*/ 0 w 2481944"/>
+                <a:gd name="connsiteY5" fmla="*/ 1054872 h 2491787"/>
+                <a:gd name="connsiteX6" fmla="*/ 363472 w 2481944"/>
+                <a:gd name="connsiteY6" fmla="*/ 38820 h 2491787"/>
+                <a:gd name="connsiteX7" fmla="*/ 400361 w 2481944"/>
+                <a:gd name="connsiteY7" fmla="*/ 0 h 2491787"/>
+              </a:gdLst>
+              <a:ahLst/>
+              <a:cxnLst>
+                <a:cxn ang="0">
+                  <a:pos x="connsiteX0" y="connsiteY0"/>
+                </a:cxn>
+                <a:cxn ang="0">
+                  <a:pos x="connsiteX1" y="connsiteY1"/>
+                </a:cxn>
+                <a:cxn ang="0">
+                  <a:pos x="connsiteX2" y="connsiteY2"/>
+                </a:cxn>
+                <a:cxn ang="0">
+                  <a:pos x="connsiteX3" y="connsiteY3"/>
+                </a:cxn>
+                <a:cxn ang="0">
+                  <a:pos x="connsiteX4" y="connsiteY4"/>
+                </a:cxn>
+                <a:cxn ang="0">
+                  <a:pos x="connsiteX5" y="connsiteY5"/>
+                </a:cxn>
+                <a:cxn ang="0">
+                  <a:pos x="connsiteX6" y="connsiteY6"/>
+                </a:cxn>
+                <a:cxn ang="0">
+                  <a:pos x="connsiteX7" y="connsiteY7"/>
+                </a:cxn>
+              </a:cxnLst>
+              <a:rect l="l" t="t" r="r" b="b"/>
+              <a:pathLst>
+                <a:path w="2481944" h="2491787">
+                  <a:moveTo>
+                    <a:pt x="400361" y="0"/>
+                  </a:moveTo>
+                  <a:lnTo>
+                    <a:pt x="2081583" y="0"/>
+                  </a:lnTo>
+                  <a:lnTo>
+                    <a:pt x="2118472" y="38820"/>
+                  </a:lnTo>
+                  <a:cubicBezTo>
+                    <a:pt x="2343044" y="298850"/>
+                    <a:pt x="2481944" y="658079"/>
+                    <a:pt x="2481944" y="1054872"/>
+                  </a:cubicBezTo>
+                  <a:cubicBezTo>
+                    <a:pt x="2481944" y="1848458"/>
+                    <a:pt x="1926342" y="2491787"/>
+                    <a:pt x="1240972" y="2491787"/>
+                  </a:cubicBezTo>
+                  <a:cubicBezTo>
+                    <a:pt x="555602" y="2491787"/>
+                    <a:pt x="0" y="1848458"/>
+                    <a:pt x="0" y="1054872"/>
+                  </a:cubicBezTo>
+                  <a:cubicBezTo>
+                    <a:pt x="0" y="658079"/>
+                    <a:pt x="138900" y="298850"/>
+                    <a:pt x="363472" y="38820"/>
+                  </a:cubicBezTo>
+                  <a:lnTo>
+                    <a:pt x="400361" y="0"/>
+                  </a:lnTo>
+                  <a:close/>
+                </a:path>
+              </a:pathLst>
+            </a:custGeom>
+            <a:solidFill>
+              <a:srgbClr val="FFB637"/>
+            </a:solidFill>
+            <a:ln>
+              <a:noFill/>
+            </a:ln>
+          </p:spPr>
+          <p:style>
+            <a:lnRef idx="2">
+              <a:schemeClr val="accent2">
+                <a:shade val="50000"/>
+              </a:schemeClr>
+            </a:lnRef>
+            <a:fillRef idx="1">
+              <a:schemeClr val="accent2"/>
+            </a:fillRef>
+            <a:effectRef idx="0">
+              <a:schemeClr val="accent2"/>
+            </a:effectRef>
+            <a:fontRef idx="minor">
+              <a:schemeClr val="lt1"/>
+            </a:fontRef>
+          </p:style>
+          <p:txBody>
+            <a:bodyPr wrap="square" rtlCol="0" anchor="ctr">
+              <a:noAutofit/>
+            </a:bodyPr>
+            <a:lstStyle/>
+            <a:p>
+              <a:pPr algn="ctr"/>
+              <a:endParaRPr lang="en-US" sz="3200"/>
+            </a:p>
+          </p:txBody>
+        </p:sp>
+        <p:sp>
+          <p:nvSpPr>
+            <p:cNvPr id="43" name="Rectangle 42">
+              <a:extLst>
+                <a:ext uri="{FF2B5EF4-FFF2-40B4-BE49-F238E27FC236}">
+                  <a16:creationId xmlns:a16="http://schemas.microsoft.com/office/drawing/2014/main" id="{DA3E081C-881C-5248-BCD4-8BD38C784BE8}"/>
+                </a:ext>
+              </a:extLst>
+            </p:cNvPr>
+            <p:cNvSpPr/>
+            <p:nvPr/>
+          </p:nvSpPr>
+          <p:spPr>
+            <a:xfrm>
+              <a:off x="8210086" y="704495"/>
+              <a:ext cx="3788228" cy="5257800"/>
+            </a:xfrm>
+            <a:prstGeom prst="rect">
+              <a:avLst/>
+            </a:prstGeom>
+            <a:noFill/>
+            <a:ln w="38100"/>
+          </p:spPr>
+          <p:style>
+            <a:lnRef idx="2">
+              <a:schemeClr val="accent1">
+                <a:shade val="50000"/>
+              </a:schemeClr>
+            </a:lnRef>
+            <a:fillRef idx="1">
+              <a:schemeClr val="accent1"/>
+            </a:fillRef>
+            <a:effectRef idx="0">
+              <a:schemeClr val="accent1"/>
+            </a:effectRef>
+            <a:fontRef idx="minor">
+              <a:schemeClr val="lt1"/>
+            </a:fontRef>
+          </p:style>
+          <p:txBody>
+            <a:bodyPr rtlCol="0" anchor="ctr"/>
+            <a:lstStyle/>
+            <a:p>
+              <a:pPr algn="ctr"/>
+              <a:endParaRPr lang="en-US"/>
+            </a:p>
+          </p:txBody>
+        </p:sp>
+        <p:sp>
+          <p:nvSpPr>
+            <p:cNvPr id="59" name="Freeform 58">
+              <a:extLst>
+                <a:ext uri="{FF2B5EF4-FFF2-40B4-BE49-F238E27FC236}">
+                  <a16:creationId xmlns:a16="http://schemas.microsoft.com/office/drawing/2014/main" id="{72344801-CA55-E941-A640-D81C0026E8FC}"/>
+                </a:ext>
+              </a:extLst>
+            </p:cNvPr>
+            <p:cNvSpPr/>
+            <p:nvPr/>
+          </p:nvSpPr>
+          <p:spPr>
+            <a:xfrm>
+              <a:off x="829161" y="1877925"/>
+              <a:ext cx="2481944" cy="2873830"/>
+            </a:xfrm>
+            <a:custGeom>
+              <a:avLst/>
+              <a:gdLst>
+                <a:gd name="connsiteX0" fmla="*/ 1240972 w 2481944"/>
+                <a:gd name="connsiteY0" fmla="*/ 0 h 2873830"/>
+                <a:gd name="connsiteX1" fmla="*/ 2481944 w 2481944"/>
+                <a:gd name="connsiteY1" fmla="*/ 1436915 h 2873830"/>
+                <a:gd name="connsiteX2" fmla="*/ 1240972 w 2481944"/>
+                <a:gd name="connsiteY2" fmla="*/ 2873830 h 2873830"/>
+                <a:gd name="connsiteX3" fmla="*/ 0 w 2481944"/>
+                <a:gd name="connsiteY3" fmla="*/ 1436915 h 2873830"/>
+                <a:gd name="connsiteX4" fmla="*/ 1240972 w 2481944"/>
+                <a:gd name="connsiteY4" fmla="*/ 0 h 2873830"/>
+              </a:gdLst>
+              <a:ahLst/>
+              <a:cxnLst>
+                <a:cxn ang="0">
+                  <a:pos x="connsiteX0" y="connsiteY0"/>
+                </a:cxn>
+                <a:cxn ang="0">
+                  <a:pos x="connsiteX1" y="connsiteY1"/>
+                </a:cxn>
+                <a:cxn ang="0">
+                  <a:pos x="connsiteX2" y="connsiteY2"/>
+                </a:cxn>
+                <a:cxn ang="0">
+                  <a:pos x="connsiteX3" y="connsiteY3"/>
+                </a:cxn>
+                <a:cxn ang="0">
+                  <a:pos x="connsiteX4" y="connsiteY4"/>
+                </a:cxn>
+              </a:cxnLst>
+              <a:rect l="l" t="t" r="r" b="b"/>
+              <a:pathLst>
+                <a:path w="2481944" h="2873830">
+                  <a:moveTo>
+                    <a:pt x="1240972" y="0"/>
+                  </a:moveTo>
+                  <a:cubicBezTo>
+                    <a:pt x="1926342" y="0"/>
+                    <a:pt x="2481944" y="643329"/>
+                    <a:pt x="2481944" y="1436915"/>
+                  </a:cubicBezTo>
+                  <a:cubicBezTo>
+                    <a:pt x="2481944" y="2230501"/>
+                    <a:pt x="1926342" y="2873830"/>
+                    <a:pt x="1240972" y="2873830"/>
+                  </a:cubicBezTo>
+                  <a:cubicBezTo>
+                    <a:pt x="555602" y="2873830"/>
+                    <a:pt x="0" y="2230501"/>
+                    <a:pt x="0" y="1436915"/>
+                  </a:cubicBezTo>
+                  <a:cubicBezTo>
+                    <a:pt x="0" y="643329"/>
+                    <a:pt x="555602" y="0"/>
+                    <a:pt x="1240972" y="0"/>
+                  </a:cubicBezTo>
+                  <a:close/>
+                </a:path>
+              </a:pathLst>
+            </a:custGeom>
+            <a:noFill/>
+            <a:ln w="63500"/>
+          </p:spPr>
+          <p:style>
+            <a:lnRef idx="2">
+              <a:schemeClr val="accent1">
+                <a:shade val="50000"/>
+              </a:schemeClr>
+            </a:lnRef>
+            <a:fillRef idx="1">
+              <a:schemeClr val="accent1"/>
+            </a:fillRef>
+            <a:effectRef idx="0">
+              <a:schemeClr val="accent1"/>
+            </a:effectRef>
+            <a:fontRef idx="minor">
+              <a:schemeClr val="lt1"/>
+            </a:fontRef>
+          </p:style>
+          <p:txBody>
+            <a:bodyPr wrap="square" rtlCol="0" anchor="ctr">
+              <a:noAutofit/>
+            </a:bodyPr>
+            <a:lstStyle/>
+            <a:p>
+              <a:pPr algn="ctr"/>
+              <a:endParaRPr lang="en-US" sz="3200"/>
+            </a:p>
+          </p:txBody>
+        </p:sp>
+        <p:sp>
+          <p:nvSpPr>
+            <p:cNvPr id="61" name="Freeform 60">
+              <a:extLst>
+                <a:ext uri="{FF2B5EF4-FFF2-40B4-BE49-F238E27FC236}">
+                  <a16:creationId xmlns:a16="http://schemas.microsoft.com/office/drawing/2014/main" id="{049529F9-999E-5C47-B33F-3A994557D761}"/>
+                </a:ext>
+              </a:extLst>
+            </p:cNvPr>
+            <p:cNvSpPr/>
+            <p:nvPr/>
+          </p:nvSpPr>
+          <p:spPr>
+            <a:xfrm>
+              <a:off x="4852607" y="2479578"/>
+              <a:ext cx="2481944" cy="2873830"/>
+            </a:xfrm>
+            <a:custGeom>
+              <a:avLst/>
+              <a:gdLst>
+                <a:gd name="connsiteX0" fmla="*/ 1240972 w 2481944"/>
+                <a:gd name="connsiteY0" fmla="*/ 0 h 2873830"/>
+                <a:gd name="connsiteX1" fmla="*/ 2481944 w 2481944"/>
+                <a:gd name="connsiteY1" fmla="*/ 1436915 h 2873830"/>
+                <a:gd name="connsiteX2" fmla="*/ 1240972 w 2481944"/>
+                <a:gd name="connsiteY2" fmla="*/ 2873830 h 2873830"/>
+                <a:gd name="connsiteX3" fmla="*/ 0 w 2481944"/>
+                <a:gd name="connsiteY3" fmla="*/ 1436915 h 2873830"/>
+                <a:gd name="connsiteX4" fmla="*/ 1240972 w 2481944"/>
+                <a:gd name="connsiteY4" fmla="*/ 0 h 2873830"/>
+              </a:gdLst>
+              <a:ahLst/>
+              <a:cxnLst>
+                <a:cxn ang="0">
+                  <a:pos x="connsiteX0" y="connsiteY0"/>
+                </a:cxn>
+                <a:cxn ang="0">
+                  <a:pos x="connsiteX1" y="connsiteY1"/>
+                </a:cxn>
+                <a:cxn ang="0">
+                  <a:pos x="connsiteX2" y="connsiteY2"/>
+                </a:cxn>
+                <a:cxn ang="0">
+                  <a:pos x="connsiteX3" y="connsiteY3"/>
+                </a:cxn>
+                <a:cxn ang="0">
+                  <a:pos x="connsiteX4" y="connsiteY4"/>
+                </a:cxn>
+              </a:cxnLst>
+              <a:rect l="l" t="t" r="r" b="b"/>
+              <a:pathLst>
+                <a:path w="2481944" h="2873830">
+                  <a:moveTo>
+                    <a:pt x="1240972" y="0"/>
+                  </a:moveTo>
+                  <a:cubicBezTo>
+                    <a:pt x="1926342" y="0"/>
+                    <a:pt x="2481944" y="643329"/>
+                    <a:pt x="2481944" y="1436915"/>
+                  </a:cubicBezTo>
+                  <a:cubicBezTo>
+                    <a:pt x="2481944" y="2230501"/>
+                    <a:pt x="1926342" y="2873830"/>
+                    <a:pt x="1240972" y="2873830"/>
+                  </a:cubicBezTo>
+                  <a:cubicBezTo>
+                    <a:pt x="555602" y="2873830"/>
+                    <a:pt x="0" y="2230501"/>
+                    <a:pt x="0" y="1436915"/>
+                  </a:cubicBezTo>
+                  <a:cubicBezTo>
+                    <a:pt x="0" y="643329"/>
+                    <a:pt x="555602" y="0"/>
+                    <a:pt x="1240972" y="0"/>
+                  </a:cubicBezTo>
+                  <a:close/>
+                </a:path>
+              </a:pathLst>
+            </a:custGeom>
+            <a:noFill/>
+            <a:ln w="63500">
+              <a:solidFill>
+                <a:srgbClr val="FF40FF"/>
+              </a:solidFill>
+            </a:ln>
+          </p:spPr>
+          <p:style>
+            <a:lnRef idx="2">
+              <a:schemeClr val="accent1">
+                <a:shade val="50000"/>
+              </a:schemeClr>
+            </a:lnRef>
+            <a:fillRef idx="1">
+              <a:schemeClr val="accent1"/>
+            </a:fillRef>
+            <a:effectRef idx="0">
+              <a:schemeClr val="accent1"/>
+            </a:effectRef>
+            <a:fontRef idx="minor">
+              <a:schemeClr val="lt1"/>
+            </a:fontRef>
+          </p:style>
+          <p:txBody>
+            <a:bodyPr wrap="square" rtlCol="0" anchor="ctr">
+              <a:noAutofit/>
+            </a:bodyPr>
+            <a:lstStyle/>
+            <a:p>
+              <a:pPr algn="ctr"/>
+              <a:endParaRPr lang="en-US" sz="3200"/>
+            </a:p>
+          </p:txBody>
+        </p:sp>
+        <p:sp>
+          <p:nvSpPr>
+            <p:cNvPr id="62" name="Freeform 61">
+              <a:extLst>
+                <a:ext uri="{FF2B5EF4-FFF2-40B4-BE49-F238E27FC236}">
+                  <a16:creationId xmlns:a16="http://schemas.microsoft.com/office/drawing/2014/main" id="{BABC4DE8-4D1B-8C44-88B9-45EA79F408DF}"/>
+                </a:ext>
+              </a:extLst>
+            </p:cNvPr>
+            <p:cNvSpPr/>
+            <p:nvPr/>
+          </p:nvSpPr>
+          <p:spPr>
+            <a:xfrm>
+              <a:off x="8903278" y="2951353"/>
+              <a:ext cx="2481944" cy="2873830"/>
+            </a:xfrm>
+            <a:custGeom>
+              <a:avLst/>
+              <a:gdLst>
+                <a:gd name="connsiteX0" fmla="*/ 1240972 w 2481944"/>
+                <a:gd name="connsiteY0" fmla="*/ 0 h 2873830"/>
+                <a:gd name="connsiteX1" fmla="*/ 2481944 w 2481944"/>
+                <a:gd name="connsiteY1" fmla="*/ 1436915 h 2873830"/>
+                <a:gd name="connsiteX2" fmla="*/ 1240972 w 2481944"/>
+                <a:gd name="connsiteY2" fmla="*/ 2873830 h 2873830"/>
+                <a:gd name="connsiteX3" fmla="*/ 0 w 2481944"/>
+                <a:gd name="connsiteY3" fmla="*/ 1436915 h 2873830"/>
+                <a:gd name="connsiteX4" fmla="*/ 1240972 w 2481944"/>
+                <a:gd name="connsiteY4" fmla="*/ 0 h 2873830"/>
+              </a:gdLst>
+              <a:ahLst/>
+              <a:cxnLst>
+                <a:cxn ang="0">
+                  <a:pos x="connsiteX0" y="connsiteY0"/>
+                </a:cxn>
+                <a:cxn ang="0">
+                  <a:pos x="connsiteX1" y="connsiteY1"/>
+                </a:cxn>
+                <a:cxn ang="0">
+                  <a:pos x="connsiteX2" y="connsiteY2"/>
+                </a:cxn>
+                <a:cxn ang="0">
+                  <a:pos x="connsiteX3" y="connsiteY3"/>
+                </a:cxn>
+                <a:cxn ang="0">
+                  <a:pos x="connsiteX4" y="connsiteY4"/>
+                </a:cxn>
+              </a:cxnLst>
+              <a:rect l="l" t="t" r="r" b="b"/>
+              <a:pathLst>
+                <a:path w="2481944" h="2873830">
+                  <a:moveTo>
+                    <a:pt x="1240972" y="0"/>
+                  </a:moveTo>
+                  <a:cubicBezTo>
+                    <a:pt x="1926342" y="0"/>
+                    <a:pt x="2481944" y="643329"/>
+                    <a:pt x="2481944" y="1436915"/>
+                  </a:cubicBezTo>
+                  <a:cubicBezTo>
+                    <a:pt x="2481944" y="2230501"/>
+                    <a:pt x="1926342" y="2873830"/>
+                    <a:pt x="1240972" y="2873830"/>
+                  </a:cubicBezTo>
+                  <a:cubicBezTo>
+                    <a:pt x="555602" y="2873830"/>
+                    <a:pt x="0" y="2230501"/>
+                    <a:pt x="0" y="1436915"/>
+                  </a:cubicBezTo>
+                  <a:cubicBezTo>
+                    <a:pt x="0" y="643329"/>
+                    <a:pt x="555602" y="0"/>
+                    <a:pt x="1240972" y="0"/>
+                  </a:cubicBezTo>
+                  <a:close/>
+                </a:path>
+              </a:pathLst>
+            </a:custGeom>
+            <a:noFill/>
+            <a:ln w="63500">
+              <a:solidFill>
+                <a:srgbClr val="FFFF00"/>
+              </a:solidFill>
+            </a:ln>
+          </p:spPr>
+          <p:style>
+            <a:lnRef idx="2">
+              <a:schemeClr val="accent1">
+                <a:shade val="50000"/>
+              </a:schemeClr>
+            </a:lnRef>
+            <a:fillRef idx="1">
+              <a:schemeClr val="accent1"/>
+            </a:fillRef>
+            <a:effectRef idx="0">
+              <a:schemeClr val="accent1"/>
+            </a:effectRef>
+            <a:fontRef idx="minor">
+              <a:schemeClr val="lt1"/>
+            </a:fontRef>
+          </p:style>
+          <p:txBody>
+            <a:bodyPr wrap="square" rtlCol="0" anchor="ctr">
+              <a:noAutofit/>
+            </a:bodyPr>
+            <a:lstStyle/>
+            <a:p>
+              <a:pPr algn="ctr"/>
+              <a:endParaRPr lang="en-US" sz="3200"/>
+            </a:p>
+          </p:txBody>
+        </p:sp>
+      </p:grpSp>
+    </p:spTree>
+    <p:extLst>
+      <p:ext uri="{BB962C8B-B14F-4D97-AF65-F5344CB8AC3E}">
+        <p14:creationId xmlns:p14="http://schemas.microsoft.com/office/powerpoint/2010/main" val="1484953408"/>
+      </p:ext>
+    </p:extLst>
+  </p:cSld>
+  <p:clrMapOvr>
+    <a:masterClrMapping/>
+  </p:clrMapOvr>
+</p:sld>
+</file>
+
+<file path=ppt/slides/slide19.xml><?xml version="1.0" encoding="utf-8"?>
+<p:sld xmlns:a="http://schemas.openxmlformats.org/drawingml/2006/main" xmlns:r="http://schemas.openxmlformats.org/officeDocument/2006/relationships" xmlns:p="http://schemas.openxmlformats.org/presentationml/2006/main">
+  <p:cSld>
+    <p:spTree>
+      <p:nvGrpSpPr>
+        <p:cNvPr id="1" name=""/>
+        <p:cNvGrpSpPr/>
+        <p:nvPr/>
+      </p:nvGrpSpPr>
+      <p:grpSpPr>
+        <a:xfrm>
+          <a:off x="0" y="0"/>
+          <a:ext cx="0" cy="0"/>
+          <a:chOff x="0" y="0"/>
+          <a:chExt cx="0" cy="0"/>
+        </a:xfrm>
+      </p:grpSpPr>
+    </p:spTree>
+    <p:extLst>
+      <p:ext uri="{BB962C8B-B14F-4D97-AF65-F5344CB8AC3E}">
+        <p14:creationId xmlns:p14="http://schemas.microsoft.com/office/powerpoint/2010/main" val="881704746"/>
+      </p:ext>
+    </p:extLst>
+  </p:cSld>
+  <p:clrMapOvr>
+    <a:masterClrMapping/>
+  </p:clrMapOvr>
+</p:sld>
+</file>
+
 <file path=ppt/slides/slide2.xml><?xml version="1.0" encoding="utf-8"?>
 <p:sld xmlns:a="http://schemas.openxmlformats.org/drawingml/2006/main" xmlns:r="http://schemas.openxmlformats.org/officeDocument/2006/relationships" xmlns:p="http://schemas.openxmlformats.org/presentationml/2006/main">
   <p:cSld>

--- a/model_evaluation/confusion_matrix/images/visualization_of_confusion_matrix.pptx
+++ b/model_evaluation/confusion_matrix/images/visualization_of_confusion_matrix.pptx
@@ -5,7 +5,7 @@
     <p:sldMasterId id="2147483648" r:id="rId1"/>
   </p:sldMasterIdLst>
   <p:notesMasterIdLst>
-    <p:notesMasterId r:id="rId21"/>
+    <p:notesMasterId r:id="rId22"/>
   </p:notesMasterIdLst>
   <p:sldIdLst>
     <p:sldId id="257" r:id="rId2"/>
@@ -26,7 +26,8 @@
     <p:sldId id="273" r:id="rId17"/>
     <p:sldId id="274" r:id="rId18"/>
     <p:sldId id="275" r:id="rId19"/>
-    <p:sldId id="272" r:id="rId20"/>
+    <p:sldId id="276" r:id="rId20"/>
+    <p:sldId id="272" r:id="rId21"/>
   </p:sldIdLst>
   <p:sldSz cx="12192000" cy="6858000"/>
   <p:notesSz cx="6858000" cy="9144000"/>
@@ -995,6 +996,93 @@
     <p:extLst>
       <p:ext uri="{BB962C8B-B14F-4D97-AF65-F5344CB8AC3E}">
         <p14:creationId xmlns:p14="http://schemas.microsoft.com/office/powerpoint/2010/main" val="3864839524"/>
+      </p:ext>
+    </p:extLst>
+  </p:cSld>
+  <p:clrMapOvr>
+    <a:masterClrMapping/>
+  </p:clrMapOvr>
+</p:notes>
+</file>
+
+<file path=ppt/notesSlides/notesSlide7.xml><?xml version="1.0" encoding="utf-8"?>
+<p:notes xmlns:a="http://schemas.openxmlformats.org/drawingml/2006/main" xmlns:r="http://schemas.openxmlformats.org/officeDocument/2006/relationships" xmlns:p="http://schemas.openxmlformats.org/presentationml/2006/main">
+  <p:cSld>
+    <p:spTree>
+      <p:nvGrpSpPr>
+        <p:cNvPr id="1" name=""/>
+        <p:cNvGrpSpPr/>
+        <p:nvPr/>
+      </p:nvGrpSpPr>
+      <p:grpSpPr>
+        <a:xfrm>
+          <a:off x="0" y="0"/>
+          <a:ext cx="0" cy="0"/>
+          <a:chOff x="0" y="0"/>
+          <a:chExt cx="0" cy="0"/>
+        </a:xfrm>
+      </p:grpSpPr>
+      <p:sp>
+        <p:nvSpPr>
+          <p:cNvPr id="2" name="Slide Image Placeholder 1"/>
+          <p:cNvSpPr>
+            <a:spLocks noGrp="1" noRot="1" noChangeAspect="1"/>
+          </p:cNvSpPr>
+          <p:nvPr>
+            <p:ph type="sldImg"/>
+          </p:nvPr>
+        </p:nvSpPr>
+        <p:spPr/>
+      </p:sp>
+      <p:sp>
+        <p:nvSpPr>
+          <p:cNvPr id="3" name="Notes Placeholder 2"/>
+          <p:cNvSpPr>
+            <a:spLocks noGrp="1"/>
+          </p:cNvSpPr>
+          <p:nvPr>
+            <p:ph type="body" idx="1"/>
+          </p:nvPr>
+        </p:nvSpPr>
+        <p:spPr/>
+        <p:txBody>
+          <a:bodyPr/>
+          <a:lstStyle/>
+          <a:p>
+            <a:r>
+              <a:rPr lang="en-US"/>
+              <a:t>Daniel Yang @ 2020</a:t>
+            </a:r>
+          </a:p>
+        </p:txBody>
+      </p:sp>
+      <p:sp>
+        <p:nvSpPr>
+          <p:cNvPr id="4" name="Slide Number Placeholder 3"/>
+          <p:cNvSpPr>
+            <a:spLocks noGrp="1"/>
+          </p:cNvSpPr>
+          <p:nvPr>
+            <p:ph type="sldNum" sz="quarter" idx="5"/>
+          </p:nvPr>
+        </p:nvSpPr>
+        <p:spPr/>
+        <p:txBody>
+          <a:bodyPr/>
+          <a:lstStyle/>
+          <a:p>
+            <a:fld id="{FA3E08DF-40C4-9C44-98B2-5E585ECF122C}" type="slidenum">
+              <a:rPr lang="en-US" smtClean="0"/>
+              <a:t>19</a:t>
+            </a:fld>
+            <a:endParaRPr lang="en-US"/>
+          </a:p>
+        </p:txBody>
+      </p:sp>
+    </p:spTree>
+    <p:extLst>
+      <p:ext uri="{BB962C8B-B14F-4D97-AF65-F5344CB8AC3E}">
+        <p14:creationId xmlns:p14="http://schemas.microsoft.com/office/powerpoint/2010/main" val="1901533212"/>
       </p:ext>
     </p:extLst>
   </p:cSld>
@@ -12783,8 +12871,8 @@
           </a:p>
         </p:txBody>
       </p:sp>
-      <mc:AlternateContent xmlns:mc="http://schemas.openxmlformats.org/markup-compatibility/2006">
-        <mc:Choice xmlns:a14="http://schemas.microsoft.com/office/drawing/2010/main" Requires="a14">
+      <mc:AlternateContent xmlns:mc="http://schemas.openxmlformats.org/markup-compatibility/2006" xmlns:a14="http://schemas.microsoft.com/office/drawing/2010/main">
+        <mc:Choice Requires="a14">
           <p:sp>
             <p:nvSpPr>
               <p:cNvPr id="18" name="TextBox 17">
@@ -12813,7 +12901,6 @@
               </a:bodyPr>
               <a:lstStyle/>
               <a:p>
-                <a:pPr/>
                 <a:r>
                   <a:rPr lang="en-US" sz="3200" b="0" dirty="0"/>
                   <a:t>FN</a:t>
@@ -12856,13 +12943,7 @@
                         <a:rPr lang="en-US" sz="3200" b="0" i="1" smtClean="0">
                           <a:latin typeface="Cambria Math" panose="02040503050406030204" pitchFamily="18" charset="0"/>
                         </a:rPr>
-                        <m:t>=1</m:t>
-                      </m:r>
-                      <m:r>
-                        <a:rPr lang="en-US" sz="3200" b="0" i="1" smtClean="0">
-                          <a:latin typeface="Cambria Math" panose="02040503050406030204" pitchFamily="18" charset="0"/>
-                        </a:rPr>
-                        <m:t>;</m:t>
+                        <m:t>=1;</m:t>
                       </m:r>
                     </m:oMath>
                   </m:oMathPara>
@@ -12916,7 +12997,7 @@
             </p:txBody>
           </p:sp>
         </mc:Choice>
-        <mc:Fallback>
+        <mc:Fallback xmlns="">
           <p:sp>
             <p:nvSpPr>
               <p:cNvPr id="18" name="TextBox 17">
@@ -13192,8 +13273,8 @@
           </a:p>
         </p:txBody>
       </p:sp>
-      <mc:AlternateContent xmlns:mc="http://schemas.openxmlformats.org/markup-compatibility/2006">
-        <mc:Choice xmlns:a14="http://schemas.microsoft.com/office/drawing/2010/main" Requires="a14">
+      <mc:AlternateContent xmlns:mc="http://schemas.openxmlformats.org/markup-compatibility/2006" xmlns:a14="http://schemas.microsoft.com/office/drawing/2010/main">
+        <mc:Choice Requires="a14">
           <p:sp>
             <p:nvSpPr>
               <p:cNvPr id="19" name="TextBox 18">
@@ -13222,14 +13303,12 @@
               </a:bodyPr>
               <a:lstStyle/>
               <a:p>
-                <a:pPr/>
                 <a:r>
                   <a:rPr lang="en-US" sz="3200" b="0" dirty="0"/>
                   <a:t>TN</a:t>
                 </a:r>
               </a:p>
               <a:p>
-                <a:pPr/>
                 <a14:m>
                   <m:oMath xmlns:m="http://schemas.openxmlformats.org/officeDocument/2006/math">
                     <m:sSub>
@@ -13317,7 +13396,7 @@
             </p:txBody>
           </p:sp>
         </mc:Choice>
-        <mc:Fallback>
+        <mc:Fallback xmlns="">
           <p:sp>
             <p:nvSpPr>
               <p:cNvPr id="19" name="TextBox 18">
@@ -13410,8 +13489,8 @@
           </a:p>
         </p:txBody>
       </p:sp>
-      <mc:AlternateContent xmlns:mc="http://schemas.openxmlformats.org/markup-compatibility/2006">
-        <mc:Choice xmlns:a14="http://schemas.microsoft.com/office/drawing/2010/main" Requires="a14">
+      <mc:AlternateContent xmlns:mc="http://schemas.openxmlformats.org/markup-compatibility/2006" xmlns:a14="http://schemas.microsoft.com/office/drawing/2010/main">
+        <mc:Choice Requires="a14">
           <p:sp>
             <p:nvSpPr>
               <p:cNvPr id="23" name="TextBox 22">
@@ -13486,7 +13565,7 @@
             </p:txBody>
           </p:sp>
         </mc:Choice>
-        <mc:Fallback>
+        <mc:Fallback xmlns="">
           <p:sp>
             <p:nvSpPr>
               <p:cNvPr id="23" name="TextBox 22">
@@ -13771,8 +13850,8 @@
           </a:p>
         </p:txBody>
       </p:sp>
-      <mc:AlternateContent xmlns:mc="http://schemas.openxmlformats.org/markup-compatibility/2006">
-        <mc:Choice xmlns:a14="http://schemas.microsoft.com/office/drawing/2010/main" Requires="a14">
+      <mc:AlternateContent xmlns:mc="http://schemas.openxmlformats.org/markup-compatibility/2006" xmlns:a14="http://schemas.microsoft.com/office/drawing/2010/main">
+        <mc:Choice Requires="a14">
           <p:sp>
             <p:nvSpPr>
               <p:cNvPr id="40" name="TextBox 39">
@@ -13801,7 +13880,6 @@
               </a:bodyPr>
               <a:lstStyle/>
               <a:p>
-                <a:pPr/>
                 <a:r>
                   <a:rPr lang="en-US" sz="3200" dirty="0"/>
                   <a:t>TP</a:t>
@@ -13845,13 +13923,7 @@
                         <a:rPr lang="en-US" sz="3200" b="0" i="1" smtClean="0">
                           <a:latin typeface="Cambria Math" panose="02040503050406030204" pitchFamily="18" charset="0"/>
                         </a:rPr>
-                        <m:t>=1</m:t>
-                      </m:r>
-                      <m:r>
-                        <a:rPr lang="en-US" sz="3200" b="0" i="1" smtClean="0">
-                          <a:latin typeface="Cambria Math" panose="02040503050406030204" pitchFamily="18" charset="0"/>
-                        </a:rPr>
-                        <m:t>;</m:t>
+                        <m:t>=1;</m:t>
                       </m:r>
                     </m:oMath>
                   </m:oMathPara>
@@ -13911,7 +13983,7 @@
             </p:txBody>
           </p:sp>
         </mc:Choice>
-        <mc:Fallback>
+        <mc:Fallback xmlns="">
           <p:sp>
             <p:nvSpPr>
               <p:cNvPr id="40" name="TextBox 39">
@@ -14235,8 +14307,8 @@
           </a:p>
         </p:txBody>
       </p:sp>
-      <mc:AlternateContent xmlns:mc="http://schemas.openxmlformats.org/markup-compatibility/2006">
-        <mc:Choice xmlns:a14="http://schemas.microsoft.com/office/drawing/2010/main" Requires="a14">
+      <mc:AlternateContent xmlns:mc="http://schemas.openxmlformats.org/markup-compatibility/2006" xmlns:a14="http://schemas.microsoft.com/office/drawing/2010/main">
+        <mc:Choice Requires="a14">
           <p:sp>
             <p:nvSpPr>
               <p:cNvPr id="46" name="TextBox 45">
@@ -14265,7 +14337,6 @@
               </a:bodyPr>
               <a:lstStyle/>
               <a:p>
-                <a:pPr/>
                 <a:r>
                   <a:rPr lang="en-US" sz="3200" dirty="0"/>
                   <a:t>FP</a:t>
@@ -14309,13 +14380,7 @@
                         <a:rPr lang="en-US" sz="3200" b="0" i="1" smtClean="0">
                           <a:latin typeface="Cambria Math" panose="02040503050406030204" pitchFamily="18" charset="0"/>
                         </a:rPr>
-                        <m:t>=</m:t>
-                      </m:r>
-                      <m:r>
-                        <a:rPr lang="en-US" sz="3200" b="0" i="1" smtClean="0">
-                          <a:latin typeface="Cambria Math" panose="02040503050406030204" pitchFamily="18" charset="0"/>
-                        </a:rPr>
-                        <m:t>0;</m:t>
+                        <m:t>=0;</m:t>
                       </m:r>
                     </m:oMath>
                   </m:oMathPara>
@@ -14375,7 +14440,7 @@
             </p:txBody>
           </p:sp>
         </mc:Choice>
-        <mc:Fallback>
+        <mc:Fallback xmlns="">
           <p:sp>
             <p:nvSpPr>
               <p:cNvPr id="46" name="TextBox 45">
@@ -17326,10 +17391,1334 @@
           <a:chExt cx="0" cy="0"/>
         </a:xfrm>
       </p:grpSpPr>
+      <p:sp>
+        <p:nvSpPr>
+          <p:cNvPr id="37" name="Freeform 36">
+            <a:extLst>
+              <a:ext uri="{FF2B5EF4-FFF2-40B4-BE49-F238E27FC236}">
+                <a16:creationId xmlns:a16="http://schemas.microsoft.com/office/drawing/2014/main" id="{9F8FCFD2-0506-DA48-B22E-6C2E9C6B462E}"/>
+              </a:ext>
+            </a:extLst>
+          </p:cNvPr>
+          <p:cNvSpPr/>
+          <p:nvPr/>
+        </p:nvSpPr>
+        <p:spPr>
+          <a:xfrm>
+            <a:off x="2540159" y="3289854"/>
+            <a:ext cx="2481944" cy="1436915"/>
+          </a:xfrm>
+          <a:custGeom>
+            <a:avLst/>
+            <a:gdLst>
+              <a:gd name="connsiteX0" fmla="*/ 0 w 2481944"/>
+              <a:gd name="connsiteY0" fmla="*/ 0 h 1436915"/>
+              <a:gd name="connsiteX1" fmla="*/ 2481944 w 2481944"/>
+              <a:gd name="connsiteY1" fmla="*/ 0 h 1436915"/>
+              <a:gd name="connsiteX2" fmla="*/ 1240972 w 2481944"/>
+              <a:gd name="connsiteY2" fmla="*/ 1436915 h 1436915"/>
+              <a:gd name="connsiteX3" fmla="*/ 0 w 2481944"/>
+              <a:gd name="connsiteY3" fmla="*/ 0 h 1436915"/>
+            </a:gdLst>
+            <a:ahLst/>
+            <a:cxnLst>
+              <a:cxn ang="0">
+                <a:pos x="connsiteX0" y="connsiteY0"/>
+              </a:cxn>
+              <a:cxn ang="0">
+                <a:pos x="connsiteX1" y="connsiteY1"/>
+              </a:cxn>
+              <a:cxn ang="0">
+                <a:pos x="connsiteX2" y="connsiteY2"/>
+              </a:cxn>
+              <a:cxn ang="0">
+                <a:pos x="connsiteX3" y="connsiteY3"/>
+              </a:cxn>
+            </a:cxnLst>
+            <a:rect l="l" t="t" r="r" b="b"/>
+            <a:pathLst>
+              <a:path w="2481944" h="1436915">
+                <a:moveTo>
+                  <a:pt x="0" y="0"/>
+                </a:moveTo>
+                <a:lnTo>
+                  <a:pt x="2481944" y="0"/>
+                </a:lnTo>
+                <a:cubicBezTo>
+                  <a:pt x="2481944" y="793586"/>
+                  <a:pt x="1926342" y="1436915"/>
+                  <a:pt x="1240972" y="1436915"/>
+                </a:cubicBezTo>
+                <a:cubicBezTo>
+                  <a:pt x="555602" y="1436915"/>
+                  <a:pt x="0" y="793586"/>
+                  <a:pt x="0" y="0"/>
+                </a:cubicBezTo>
+                <a:close/>
+              </a:path>
+            </a:pathLst>
+          </a:custGeom>
+          <a:solidFill>
+            <a:srgbClr val="FFB637"/>
+          </a:solidFill>
+          <a:ln>
+            <a:noFill/>
+          </a:ln>
+        </p:spPr>
+        <p:style>
+          <a:lnRef idx="2">
+            <a:schemeClr val="accent2">
+              <a:shade val="50000"/>
+            </a:schemeClr>
+          </a:lnRef>
+          <a:fillRef idx="1">
+            <a:schemeClr val="accent2"/>
+          </a:fillRef>
+          <a:effectRef idx="0">
+            <a:schemeClr val="accent2"/>
+          </a:effectRef>
+          <a:fontRef idx="minor">
+            <a:schemeClr val="lt1"/>
+          </a:fontRef>
+        </p:style>
+        <p:txBody>
+          <a:bodyPr wrap="square" rtlCol="0" anchor="ctr">
+            <a:noAutofit/>
+          </a:bodyPr>
+          <a:lstStyle/>
+          <a:p>
+            <a:pPr algn="ctr"/>
+            <a:endParaRPr lang="en-US" sz="3200"/>
+          </a:p>
+        </p:txBody>
+      </p:sp>
+      <p:sp>
+        <p:nvSpPr>
+          <p:cNvPr id="36" name="Freeform 35">
+            <a:extLst>
+              <a:ext uri="{FF2B5EF4-FFF2-40B4-BE49-F238E27FC236}">
+                <a16:creationId xmlns:a16="http://schemas.microsoft.com/office/drawing/2014/main" id="{84AE7645-8464-8545-8CA9-62B88C3A04E9}"/>
+              </a:ext>
+            </a:extLst>
+          </p:cNvPr>
+          <p:cNvSpPr/>
+          <p:nvPr/>
+        </p:nvSpPr>
+        <p:spPr>
+          <a:xfrm>
+            <a:off x="1887017" y="3289852"/>
+            <a:ext cx="3788228" cy="2628900"/>
+          </a:xfrm>
+          <a:custGeom>
+            <a:avLst/>
+            <a:gdLst>
+              <a:gd name="connsiteX0" fmla="*/ 0 w 3788228"/>
+              <a:gd name="connsiteY0" fmla="*/ 0 h 2628900"/>
+              <a:gd name="connsiteX1" fmla="*/ 3788228 w 3788228"/>
+              <a:gd name="connsiteY1" fmla="*/ 0 h 2628900"/>
+              <a:gd name="connsiteX2" fmla="*/ 3788228 w 3788228"/>
+              <a:gd name="connsiteY2" fmla="*/ 2628900 h 2628900"/>
+              <a:gd name="connsiteX3" fmla="*/ 0 w 3788228"/>
+              <a:gd name="connsiteY3" fmla="*/ 2628900 h 2628900"/>
+              <a:gd name="connsiteX4" fmla="*/ 0 w 3788228"/>
+              <a:gd name="connsiteY4" fmla="*/ 0 h 2628900"/>
+              <a:gd name="connsiteX5" fmla="*/ 653142 w 3788228"/>
+              <a:gd name="connsiteY5" fmla="*/ 1 h 2628900"/>
+              <a:gd name="connsiteX6" fmla="*/ 1894114 w 3788228"/>
+              <a:gd name="connsiteY6" fmla="*/ 1436916 h 2628900"/>
+              <a:gd name="connsiteX7" fmla="*/ 3135086 w 3788228"/>
+              <a:gd name="connsiteY7" fmla="*/ 1 h 2628900"/>
+              <a:gd name="connsiteX8" fmla="*/ 653142 w 3788228"/>
+              <a:gd name="connsiteY8" fmla="*/ 1 h 2628900"/>
+            </a:gdLst>
+            <a:ahLst/>
+            <a:cxnLst>
+              <a:cxn ang="0">
+                <a:pos x="connsiteX0" y="connsiteY0"/>
+              </a:cxn>
+              <a:cxn ang="0">
+                <a:pos x="connsiteX1" y="connsiteY1"/>
+              </a:cxn>
+              <a:cxn ang="0">
+                <a:pos x="connsiteX2" y="connsiteY2"/>
+              </a:cxn>
+              <a:cxn ang="0">
+                <a:pos x="connsiteX3" y="connsiteY3"/>
+              </a:cxn>
+              <a:cxn ang="0">
+                <a:pos x="connsiteX4" y="connsiteY4"/>
+              </a:cxn>
+              <a:cxn ang="0">
+                <a:pos x="connsiteX5" y="connsiteY5"/>
+              </a:cxn>
+              <a:cxn ang="0">
+                <a:pos x="connsiteX6" y="connsiteY6"/>
+              </a:cxn>
+              <a:cxn ang="0">
+                <a:pos x="connsiteX7" y="connsiteY7"/>
+              </a:cxn>
+              <a:cxn ang="0">
+                <a:pos x="connsiteX8" y="connsiteY8"/>
+              </a:cxn>
+            </a:cxnLst>
+            <a:rect l="l" t="t" r="r" b="b"/>
+            <a:pathLst>
+              <a:path w="3788228" h="2628900">
+                <a:moveTo>
+                  <a:pt x="0" y="0"/>
+                </a:moveTo>
+                <a:lnTo>
+                  <a:pt x="3788228" y="0"/>
+                </a:lnTo>
+                <a:lnTo>
+                  <a:pt x="3788228" y="2628900"/>
+                </a:lnTo>
+                <a:lnTo>
+                  <a:pt x="0" y="2628900"/>
+                </a:lnTo>
+                <a:lnTo>
+                  <a:pt x="0" y="0"/>
+                </a:lnTo>
+                <a:close/>
+                <a:moveTo>
+                  <a:pt x="653142" y="1"/>
+                </a:moveTo>
+                <a:cubicBezTo>
+                  <a:pt x="653142" y="793587"/>
+                  <a:pt x="1208744" y="1436916"/>
+                  <a:pt x="1894114" y="1436916"/>
+                </a:cubicBezTo>
+                <a:cubicBezTo>
+                  <a:pt x="2579484" y="1436916"/>
+                  <a:pt x="3135086" y="793587"/>
+                  <a:pt x="3135086" y="1"/>
+                </a:cubicBezTo>
+                <a:lnTo>
+                  <a:pt x="653142" y="1"/>
+                </a:lnTo>
+                <a:close/>
+              </a:path>
+            </a:pathLst>
+          </a:custGeom>
+          <a:ln>
+            <a:noFill/>
+          </a:ln>
+        </p:spPr>
+        <p:style>
+          <a:lnRef idx="2">
+            <a:schemeClr val="accent2">
+              <a:shade val="50000"/>
+            </a:schemeClr>
+          </a:lnRef>
+          <a:fillRef idx="1">
+            <a:schemeClr val="accent2"/>
+          </a:fillRef>
+          <a:effectRef idx="0">
+            <a:schemeClr val="accent2"/>
+          </a:effectRef>
+          <a:fontRef idx="minor">
+            <a:schemeClr val="lt1"/>
+          </a:fontRef>
+        </p:style>
+        <p:txBody>
+          <a:bodyPr wrap="square" rtlCol="0" anchor="ctr">
+            <a:noAutofit/>
+          </a:bodyPr>
+          <a:lstStyle/>
+          <a:p>
+            <a:pPr algn="ctr"/>
+            <a:endParaRPr lang="en-US" sz="3200"/>
+          </a:p>
+        </p:txBody>
+      </p:sp>
+      <p:sp>
+        <p:nvSpPr>
+          <p:cNvPr id="35" name="Freeform 34">
+            <a:extLst>
+              <a:ext uri="{FF2B5EF4-FFF2-40B4-BE49-F238E27FC236}">
+                <a16:creationId xmlns:a16="http://schemas.microsoft.com/office/drawing/2014/main" id="{D0FB79E9-0D77-2246-BDDC-B92BC134DECE}"/>
+              </a:ext>
+            </a:extLst>
+          </p:cNvPr>
+          <p:cNvSpPr/>
+          <p:nvPr/>
+        </p:nvSpPr>
+        <p:spPr>
+          <a:xfrm>
+            <a:off x="2540159" y="1852938"/>
+            <a:ext cx="2481944" cy="1436915"/>
+          </a:xfrm>
+          <a:custGeom>
+            <a:avLst/>
+            <a:gdLst>
+              <a:gd name="connsiteX0" fmla="*/ 1240972 w 2481944"/>
+              <a:gd name="connsiteY0" fmla="*/ 0 h 1436915"/>
+              <a:gd name="connsiteX1" fmla="*/ 2481944 w 2481944"/>
+              <a:gd name="connsiteY1" fmla="*/ 1436915 h 1436915"/>
+              <a:gd name="connsiteX2" fmla="*/ 0 w 2481944"/>
+              <a:gd name="connsiteY2" fmla="*/ 1436915 h 1436915"/>
+              <a:gd name="connsiteX3" fmla="*/ 1240972 w 2481944"/>
+              <a:gd name="connsiteY3" fmla="*/ 0 h 1436915"/>
+            </a:gdLst>
+            <a:ahLst/>
+            <a:cxnLst>
+              <a:cxn ang="0">
+                <a:pos x="connsiteX0" y="connsiteY0"/>
+              </a:cxn>
+              <a:cxn ang="0">
+                <a:pos x="connsiteX1" y="connsiteY1"/>
+              </a:cxn>
+              <a:cxn ang="0">
+                <a:pos x="connsiteX2" y="connsiteY2"/>
+              </a:cxn>
+              <a:cxn ang="0">
+                <a:pos x="connsiteX3" y="connsiteY3"/>
+              </a:cxn>
+            </a:cxnLst>
+            <a:rect l="l" t="t" r="r" b="b"/>
+            <a:pathLst>
+              <a:path w="2481944" h="1436915">
+                <a:moveTo>
+                  <a:pt x="1240972" y="0"/>
+                </a:moveTo>
+                <a:cubicBezTo>
+                  <a:pt x="1926342" y="0"/>
+                  <a:pt x="2481944" y="643329"/>
+                  <a:pt x="2481944" y="1436915"/>
+                </a:cubicBezTo>
+                <a:lnTo>
+                  <a:pt x="0" y="1436915"/>
+                </a:lnTo>
+                <a:cubicBezTo>
+                  <a:pt x="0" y="643329"/>
+                  <a:pt x="555602" y="0"/>
+                  <a:pt x="1240972" y="0"/>
+                </a:cubicBezTo>
+                <a:close/>
+              </a:path>
+            </a:pathLst>
+          </a:custGeom>
+          <a:solidFill>
+            <a:srgbClr val="A4FF65"/>
+          </a:solidFill>
+          <a:ln>
+            <a:noFill/>
+          </a:ln>
+        </p:spPr>
+        <p:style>
+          <a:lnRef idx="2">
+            <a:schemeClr val="accent6">
+              <a:shade val="50000"/>
+            </a:schemeClr>
+          </a:lnRef>
+          <a:fillRef idx="1">
+            <a:schemeClr val="accent6"/>
+          </a:fillRef>
+          <a:effectRef idx="0">
+            <a:schemeClr val="accent6"/>
+          </a:effectRef>
+          <a:fontRef idx="minor">
+            <a:schemeClr val="lt1"/>
+          </a:fontRef>
+        </p:style>
+        <p:txBody>
+          <a:bodyPr wrap="square" rtlCol="0" anchor="ctr">
+            <a:noAutofit/>
+          </a:bodyPr>
+          <a:lstStyle/>
+          <a:p>
+            <a:pPr algn="ctr"/>
+            <a:endParaRPr lang="en-US" sz="3200"/>
+          </a:p>
+        </p:txBody>
+      </p:sp>
+      <p:sp>
+        <p:nvSpPr>
+          <p:cNvPr id="34" name="Freeform 33">
+            <a:extLst>
+              <a:ext uri="{FF2B5EF4-FFF2-40B4-BE49-F238E27FC236}">
+                <a16:creationId xmlns:a16="http://schemas.microsoft.com/office/drawing/2014/main" id="{D425CB09-E260-C548-97AD-6E283FCDE461}"/>
+              </a:ext>
+            </a:extLst>
+          </p:cNvPr>
+          <p:cNvSpPr/>
+          <p:nvPr/>
+        </p:nvSpPr>
+        <p:spPr>
+          <a:xfrm>
+            <a:off x="1887017" y="660952"/>
+            <a:ext cx="3788228" cy="2628900"/>
+          </a:xfrm>
+          <a:custGeom>
+            <a:avLst/>
+            <a:gdLst>
+              <a:gd name="connsiteX0" fmla="*/ 0 w 3788228"/>
+              <a:gd name="connsiteY0" fmla="*/ 0 h 2628900"/>
+              <a:gd name="connsiteX1" fmla="*/ 3788228 w 3788228"/>
+              <a:gd name="connsiteY1" fmla="*/ 0 h 2628900"/>
+              <a:gd name="connsiteX2" fmla="*/ 3788228 w 3788228"/>
+              <a:gd name="connsiteY2" fmla="*/ 2628900 h 2628900"/>
+              <a:gd name="connsiteX3" fmla="*/ 3135086 w 3788228"/>
+              <a:gd name="connsiteY3" fmla="*/ 2628900 h 2628900"/>
+              <a:gd name="connsiteX4" fmla="*/ 1894114 w 3788228"/>
+              <a:gd name="connsiteY4" fmla="*/ 1191985 h 2628900"/>
+              <a:gd name="connsiteX5" fmla="*/ 653142 w 3788228"/>
+              <a:gd name="connsiteY5" fmla="*/ 2628900 h 2628900"/>
+              <a:gd name="connsiteX6" fmla="*/ 0 w 3788228"/>
+              <a:gd name="connsiteY6" fmla="*/ 2628900 h 2628900"/>
+              <a:gd name="connsiteX7" fmla="*/ 0 w 3788228"/>
+              <a:gd name="connsiteY7" fmla="*/ 0 h 2628900"/>
+            </a:gdLst>
+            <a:ahLst/>
+            <a:cxnLst>
+              <a:cxn ang="0">
+                <a:pos x="connsiteX0" y="connsiteY0"/>
+              </a:cxn>
+              <a:cxn ang="0">
+                <a:pos x="connsiteX1" y="connsiteY1"/>
+              </a:cxn>
+              <a:cxn ang="0">
+                <a:pos x="connsiteX2" y="connsiteY2"/>
+              </a:cxn>
+              <a:cxn ang="0">
+                <a:pos x="connsiteX3" y="connsiteY3"/>
+              </a:cxn>
+              <a:cxn ang="0">
+                <a:pos x="connsiteX4" y="connsiteY4"/>
+              </a:cxn>
+              <a:cxn ang="0">
+                <a:pos x="connsiteX5" y="connsiteY5"/>
+              </a:cxn>
+              <a:cxn ang="0">
+                <a:pos x="connsiteX6" y="connsiteY6"/>
+              </a:cxn>
+              <a:cxn ang="0">
+                <a:pos x="connsiteX7" y="connsiteY7"/>
+              </a:cxn>
+            </a:cxnLst>
+            <a:rect l="l" t="t" r="r" b="b"/>
+            <a:pathLst>
+              <a:path w="3788228" h="2628900">
+                <a:moveTo>
+                  <a:pt x="0" y="0"/>
+                </a:moveTo>
+                <a:lnTo>
+                  <a:pt x="3788228" y="0"/>
+                </a:lnTo>
+                <a:lnTo>
+                  <a:pt x="3788228" y="2628900"/>
+                </a:lnTo>
+                <a:lnTo>
+                  <a:pt x="3135086" y="2628900"/>
+                </a:lnTo>
+                <a:cubicBezTo>
+                  <a:pt x="3135086" y="1835314"/>
+                  <a:pt x="2579484" y="1191985"/>
+                  <a:pt x="1894114" y="1191985"/>
+                </a:cubicBezTo>
+                <a:cubicBezTo>
+                  <a:pt x="1208744" y="1191985"/>
+                  <a:pt x="653142" y="1835314"/>
+                  <a:pt x="653142" y="2628900"/>
+                </a:cubicBezTo>
+                <a:lnTo>
+                  <a:pt x="0" y="2628900"/>
+                </a:lnTo>
+                <a:lnTo>
+                  <a:pt x="0" y="0"/>
+                </a:lnTo>
+                <a:close/>
+              </a:path>
+            </a:pathLst>
+          </a:custGeom>
+          <a:ln>
+            <a:noFill/>
+          </a:ln>
+        </p:spPr>
+        <p:style>
+          <a:lnRef idx="2">
+            <a:schemeClr val="accent6">
+              <a:shade val="50000"/>
+            </a:schemeClr>
+          </a:lnRef>
+          <a:fillRef idx="1">
+            <a:schemeClr val="accent6"/>
+          </a:fillRef>
+          <a:effectRef idx="0">
+            <a:schemeClr val="accent6"/>
+          </a:effectRef>
+          <a:fontRef idx="minor">
+            <a:schemeClr val="lt1"/>
+          </a:fontRef>
+        </p:style>
+        <p:txBody>
+          <a:bodyPr wrap="square" rtlCol="0" anchor="ctr">
+            <a:noAutofit/>
+          </a:bodyPr>
+          <a:lstStyle/>
+          <a:p>
+            <a:pPr algn="ctr"/>
+            <a:endParaRPr lang="en-US" sz="3200"/>
+          </a:p>
+        </p:txBody>
+      </p:sp>
+      <p:sp>
+        <p:nvSpPr>
+          <p:cNvPr id="29" name="Rectangle 28">
+            <a:extLst>
+              <a:ext uri="{FF2B5EF4-FFF2-40B4-BE49-F238E27FC236}">
+                <a16:creationId xmlns:a16="http://schemas.microsoft.com/office/drawing/2014/main" id="{022FBC10-3869-7247-B8FB-B3CBC442C216}"/>
+              </a:ext>
+            </a:extLst>
+          </p:cNvPr>
+          <p:cNvSpPr/>
+          <p:nvPr/>
+        </p:nvSpPr>
+        <p:spPr>
+          <a:xfrm>
+            <a:off x="1887017" y="660952"/>
+            <a:ext cx="3788228" cy="5257800"/>
+          </a:xfrm>
+          <a:prstGeom prst="rect">
+            <a:avLst/>
+          </a:prstGeom>
+          <a:noFill/>
+          <a:ln w="38100"/>
+        </p:spPr>
+        <p:style>
+          <a:lnRef idx="2">
+            <a:schemeClr val="accent1">
+              <a:shade val="50000"/>
+            </a:schemeClr>
+          </a:lnRef>
+          <a:fillRef idx="1">
+            <a:schemeClr val="accent1"/>
+          </a:fillRef>
+          <a:effectRef idx="0">
+            <a:schemeClr val="accent1"/>
+          </a:effectRef>
+          <a:fontRef idx="minor">
+            <a:schemeClr val="lt1"/>
+          </a:fontRef>
+        </p:style>
+        <p:txBody>
+          <a:bodyPr rtlCol="0" anchor="ctr"/>
+          <a:lstStyle/>
+          <a:p>
+            <a:pPr algn="ctr"/>
+            <a:endParaRPr lang="en-US"/>
+          </a:p>
+        </p:txBody>
+      </p:sp>
+      <p:sp>
+        <p:nvSpPr>
+          <p:cNvPr id="59" name="Freeform 58">
+            <a:extLst>
+              <a:ext uri="{FF2B5EF4-FFF2-40B4-BE49-F238E27FC236}">
+                <a16:creationId xmlns:a16="http://schemas.microsoft.com/office/drawing/2014/main" id="{72344801-CA55-E941-A640-D81C0026E8FC}"/>
+              </a:ext>
+            </a:extLst>
+          </p:cNvPr>
+          <p:cNvSpPr/>
+          <p:nvPr/>
+        </p:nvSpPr>
+        <p:spPr>
+          <a:xfrm>
+            <a:off x="2527333" y="1834382"/>
+            <a:ext cx="2481944" cy="2873830"/>
+          </a:xfrm>
+          <a:custGeom>
+            <a:avLst/>
+            <a:gdLst>
+              <a:gd name="connsiteX0" fmla="*/ 1240972 w 2481944"/>
+              <a:gd name="connsiteY0" fmla="*/ 0 h 2873830"/>
+              <a:gd name="connsiteX1" fmla="*/ 2481944 w 2481944"/>
+              <a:gd name="connsiteY1" fmla="*/ 1436915 h 2873830"/>
+              <a:gd name="connsiteX2" fmla="*/ 1240972 w 2481944"/>
+              <a:gd name="connsiteY2" fmla="*/ 2873830 h 2873830"/>
+              <a:gd name="connsiteX3" fmla="*/ 0 w 2481944"/>
+              <a:gd name="connsiteY3" fmla="*/ 1436915 h 2873830"/>
+              <a:gd name="connsiteX4" fmla="*/ 1240972 w 2481944"/>
+              <a:gd name="connsiteY4" fmla="*/ 0 h 2873830"/>
+            </a:gdLst>
+            <a:ahLst/>
+            <a:cxnLst>
+              <a:cxn ang="0">
+                <a:pos x="connsiteX0" y="connsiteY0"/>
+              </a:cxn>
+              <a:cxn ang="0">
+                <a:pos x="connsiteX1" y="connsiteY1"/>
+              </a:cxn>
+              <a:cxn ang="0">
+                <a:pos x="connsiteX2" y="connsiteY2"/>
+              </a:cxn>
+              <a:cxn ang="0">
+                <a:pos x="connsiteX3" y="connsiteY3"/>
+              </a:cxn>
+              <a:cxn ang="0">
+                <a:pos x="connsiteX4" y="connsiteY4"/>
+              </a:cxn>
+            </a:cxnLst>
+            <a:rect l="l" t="t" r="r" b="b"/>
+            <a:pathLst>
+              <a:path w="2481944" h="2873830">
+                <a:moveTo>
+                  <a:pt x="1240972" y="0"/>
+                </a:moveTo>
+                <a:cubicBezTo>
+                  <a:pt x="1926342" y="0"/>
+                  <a:pt x="2481944" y="643329"/>
+                  <a:pt x="2481944" y="1436915"/>
+                </a:cubicBezTo>
+                <a:cubicBezTo>
+                  <a:pt x="2481944" y="2230501"/>
+                  <a:pt x="1926342" y="2873830"/>
+                  <a:pt x="1240972" y="2873830"/>
+                </a:cubicBezTo>
+                <a:cubicBezTo>
+                  <a:pt x="555602" y="2873830"/>
+                  <a:pt x="0" y="2230501"/>
+                  <a:pt x="0" y="1436915"/>
+                </a:cubicBezTo>
+                <a:cubicBezTo>
+                  <a:pt x="0" y="643329"/>
+                  <a:pt x="555602" y="0"/>
+                  <a:pt x="1240972" y="0"/>
+                </a:cubicBezTo>
+                <a:close/>
+              </a:path>
+            </a:pathLst>
+          </a:custGeom>
+          <a:noFill/>
+          <a:ln w="63500"/>
+        </p:spPr>
+        <p:style>
+          <a:lnRef idx="2">
+            <a:schemeClr val="accent1">
+              <a:shade val="50000"/>
+            </a:schemeClr>
+          </a:lnRef>
+          <a:fillRef idx="1">
+            <a:schemeClr val="accent1"/>
+          </a:fillRef>
+          <a:effectRef idx="0">
+            <a:schemeClr val="accent1"/>
+          </a:effectRef>
+          <a:fontRef idx="minor">
+            <a:schemeClr val="lt1"/>
+          </a:fontRef>
+        </p:style>
+        <p:txBody>
+          <a:bodyPr wrap="square" rtlCol="0" anchor="ctr">
+            <a:noAutofit/>
+          </a:bodyPr>
+          <a:lstStyle/>
+          <a:p>
+            <a:pPr algn="ctr"/>
+            <a:endParaRPr lang="en-US" sz="3200"/>
+          </a:p>
+        </p:txBody>
+      </p:sp>
+      <p:sp>
+        <p:nvSpPr>
+          <p:cNvPr id="22" name="Rectangle 21">
+            <a:extLst>
+              <a:ext uri="{FF2B5EF4-FFF2-40B4-BE49-F238E27FC236}">
+                <a16:creationId xmlns:a16="http://schemas.microsoft.com/office/drawing/2014/main" id="{BFE2C7F4-4A5B-5444-AFDB-62803614B34D}"/>
+              </a:ext>
+            </a:extLst>
+          </p:cNvPr>
+          <p:cNvSpPr/>
+          <p:nvPr/>
+        </p:nvSpPr>
+        <p:spPr>
+          <a:xfrm>
+            <a:off x="6516757" y="3289852"/>
+            <a:ext cx="3788228" cy="2628900"/>
+          </a:xfrm>
+          <a:prstGeom prst="rect">
+            <a:avLst/>
+          </a:prstGeom>
+        </p:spPr>
+        <p:style>
+          <a:lnRef idx="2">
+            <a:schemeClr val="accent2">
+              <a:shade val="50000"/>
+            </a:schemeClr>
+          </a:lnRef>
+          <a:fillRef idx="1">
+            <a:schemeClr val="accent2"/>
+          </a:fillRef>
+          <a:effectRef idx="0">
+            <a:schemeClr val="accent2"/>
+          </a:effectRef>
+          <a:fontRef idx="minor">
+            <a:schemeClr val="lt1"/>
+          </a:fontRef>
+        </p:style>
+        <p:txBody>
+          <a:bodyPr rtlCol="0" anchor="ctr"/>
+          <a:lstStyle/>
+          <a:p>
+            <a:pPr algn="ctr"/>
+            <a:endParaRPr lang="en-US" sz="3200"/>
+          </a:p>
+        </p:txBody>
+      </p:sp>
+      <p:sp>
+        <p:nvSpPr>
+          <p:cNvPr id="38" name="Freeform 37">
+            <a:extLst>
+              <a:ext uri="{FF2B5EF4-FFF2-40B4-BE49-F238E27FC236}">
+                <a16:creationId xmlns:a16="http://schemas.microsoft.com/office/drawing/2014/main" id="{71207C74-BD0A-7748-9B2E-24CC34BE5E0E}"/>
+              </a:ext>
+            </a:extLst>
+          </p:cNvPr>
+          <p:cNvSpPr/>
+          <p:nvPr/>
+        </p:nvSpPr>
+        <p:spPr>
+          <a:xfrm>
+            <a:off x="7603434" y="2354926"/>
+            <a:ext cx="1614874" cy="934927"/>
+          </a:xfrm>
+          <a:custGeom>
+            <a:avLst/>
+            <a:gdLst>
+              <a:gd name="connsiteX0" fmla="*/ 807437 w 1614874"/>
+              <a:gd name="connsiteY0" fmla="*/ 0 h 934927"/>
+              <a:gd name="connsiteX1" fmla="*/ 1614874 w 1614874"/>
+              <a:gd name="connsiteY1" fmla="*/ 934927 h 934927"/>
+              <a:gd name="connsiteX2" fmla="*/ 0 w 1614874"/>
+              <a:gd name="connsiteY2" fmla="*/ 934927 h 934927"/>
+              <a:gd name="connsiteX3" fmla="*/ 807437 w 1614874"/>
+              <a:gd name="connsiteY3" fmla="*/ 0 h 934927"/>
+            </a:gdLst>
+            <a:ahLst/>
+            <a:cxnLst>
+              <a:cxn ang="0">
+                <a:pos x="connsiteX0" y="connsiteY0"/>
+              </a:cxn>
+              <a:cxn ang="0">
+                <a:pos x="connsiteX1" y="connsiteY1"/>
+              </a:cxn>
+              <a:cxn ang="0">
+                <a:pos x="connsiteX2" y="connsiteY2"/>
+              </a:cxn>
+              <a:cxn ang="0">
+                <a:pos x="connsiteX3" y="connsiteY3"/>
+              </a:cxn>
+            </a:cxnLst>
+            <a:rect l="l" t="t" r="r" b="b"/>
+            <a:pathLst>
+              <a:path w="1614874" h="934927">
+                <a:moveTo>
+                  <a:pt x="807437" y="0"/>
+                </a:moveTo>
+                <a:cubicBezTo>
+                  <a:pt x="1253372" y="0"/>
+                  <a:pt x="1614874" y="418581"/>
+                  <a:pt x="1614874" y="934927"/>
+                </a:cubicBezTo>
+                <a:lnTo>
+                  <a:pt x="0" y="934927"/>
+                </a:lnTo>
+                <a:cubicBezTo>
+                  <a:pt x="0" y="418581"/>
+                  <a:pt x="361502" y="0"/>
+                  <a:pt x="807437" y="0"/>
+                </a:cubicBezTo>
+                <a:close/>
+              </a:path>
+            </a:pathLst>
+          </a:custGeom>
+          <a:solidFill>
+            <a:srgbClr val="A4FF65"/>
+          </a:solidFill>
+          <a:ln>
+            <a:noFill/>
+          </a:ln>
+        </p:spPr>
+        <p:style>
+          <a:lnRef idx="2">
+            <a:schemeClr val="accent6">
+              <a:shade val="50000"/>
+            </a:schemeClr>
+          </a:lnRef>
+          <a:fillRef idx="1">
+            <a:schemeClr val="accent6"/>
+          </a:fillRef>
+          <a:effectRef idx="0">
+            <a:schemeClr val="accent6"/>
+          </a:effectRef>
+          <a:fontRef idx="minor">
+            <a:schemeClr val="lt1"/>
+          </a:fontRef>
+        </p:style>
+        <p:txBody>
+          <a:bodyPr wrap="square" rtlCol="0" anchor="ctr">
+            <a:noAutofit/>
+          </a:bodyPr>
+          <a:lstStyle/>
+          <a:p>
+            <a:pPr algn="ctr"/>
+            <a:endParaRPr lang="en-US" sz="3200"/>
+          </a:p>
+        </p:txBody>
+      </p:sp>
+      <p:sp>
+        <p:nvSpPr>
+          <p:cNvPr id="33" name="Freeform 32">
+            <a:extLst>
+              <a:ext uri="{FF2B5EF4-FFF2-40B4-BE49-F238E27FC236}">
+                <a16:creationId xmlns:a16="http://schemas.microsoft.com/office/drawing/2014/main" id="{D057C5F5-0387-2C44-86D4-190F4A72931A}"/>
+              </a:ext>
+            </a:extLst>
+          </p:cNvPr>
+          <p:cNvSpPr/>
+          <p:nvPr/>
+        </p:nvSpPr>
+        <p:spPr>
+          <a:xfrm>
+            <a:off x="6516757" y="660952"/>
+            <a:ext cx="3788228" cy="2628900"/>
+          </a:xfrm>
+          <a:custGeom>
+            <a:avLst/>
+            <a:gdLst>
+              <a:gd name="connsiteX0" fmla="*/ 0 w 3788228"/>
+              <a:gd name="connsiteY0" fmla="*/ 0 h 2628900"/>
+              <a:gd name="connsiteX1" fmla="*/ 3788228 w 3788228"/>
+              <a:gd name="connsiteY1" fmla="*/ 0 h 2628900"/>
+              <a:gd name="connsiteX2" fmla="*/ 3788228 w 3788228"/>
+              <a:gd name="connsiteY2" fmla="*/ 2628900 h 2628900"/>
+              <a:gd name="connsiteX3" fmla="*/ 2701551 w 3788228"/>
+              <a:gd name="connsiteY3" fmla="*/ 2628900 h 2628900"/>
+              <a:gd name="connsiteX4" fmla="*/ 1894114 w 3788228"/>
+              <a:gd name="connsiteY4" fmla="*/ 1693973 h 2628900"/>
+              <a:gd name="connsiteX5" fmla="*/ 1086677 w 3788228"/>
+              <a:gd name="connsiteY5" fmla="*/ 2628900 h 2628900"/>
+              <a:gd name="connsiteX6" fmla="*/ 0 w 3788228"/>
+              <a:gd name="connsiteY6" fmla="*/ 2628900 h 2628900"/>
+              <a:gd name="connsiteX7" fmla="*/ 0 w 3788228"/>
+              <a:gd name="connsiteY7" fmla="*/ 0 h 2628900"/>
+            </a:gdLst>
+            <a:ahLst/>
+            <a:cxnLst>
+              <a:cxn ang="0">
+                <a:pos x="connsiteX0" y="connsiteY0"/>
+              </a:cxn>
+              <a:cxn ang="0">
+                <a:pos x="connsiteX1" y="connsiteY1"/>
+              </a:cxn>
+              <a:cxn ang="0">
+                <a:pos x="connsiteX2" y="connsiteY2"/>
+              </a:cxn>
+              <a:cxn ang="0">
+                <a:pos x="connsiteX3" y="connsiteY3"/>
+              </a:cxn>
+              <a:cxn ang="0">
+                <a:pos x="connsiteX4" y="connsiteY4"/>
+              </a:cxn>
+              <a:cxn ang="0">
+                <a:pos x="connsiteX5" y="connsiteY5"/>
+              </a:cxn>
+              <a:cxn ang="0">
+                <a:pos x="connsiteX6" y="connsiteY6"/>
+              </a:cxn>
+              <a:cxn ang="0">
+                <a:pos x="connsiteX7" y="connsiteY7"/>
+              </a:cxn>
+            </a:cxnLst>
+            <a:rect l="l" t="t" r="r" b="b"/>
+            <a:pathLst>
+              <a:path w="3788228" h="2628900">
+                <a:moveTo>
+                  <a:pt x="0" y="0"/>
+                </a:moveTo>
+                <a:lnTo>
+                  <a:pt x="3788228" y="0"/>
+                </a:lnTo>
+                <a:lnTo>
+                  <a:pt x="3788228" y="2628900"/>
+                </a:lnTo>
+                <a:lnTo>
+                  <a:pt x="2701551" y="2628900"/>
+                </a:lnTo>
+                <a:cubicBezTo>
+                  <a:pt x="2701551" y="2112554"/>
+                  <a:pt x="2340049" y="1693973"/>
+                  <a:pt x="1894114" y="1693973"/>
+                </a:cubicBezTo>
+                <a:cubicBezTo>
+                  <a:pt x="1448179" y="1693973"/>
+                  <a:pt x="1086677" y="2112554"/>
+                  <a:pt x="1086677" y="2628900"/>
+                </a:cubicBezTo>
+                <a:lnTo>
+                  <a:pt x="0" y="2628900"/>
+                </a:lnTo>
+                <a:lnTo>
+                  <a:pt x="0" y="0"/>
+                </a:lnTo>
+                <a:close/>
+              </a:path>
+            </a:pathLst>
+          </a:custGeom>
+        </p:spPr>
+        <p:style>
+          <a:lnRef idx="2">
+            <a:schemeClr val="accent6">
+              <a:shade val="50000"/>
+            </a:schemeClr>
+          </a:lnRef>
+          <a:fillRef idx="1">
+            <a:schemeClr val="accent6"/>
+          </a:fillRef>
+          <a:effectRef idx="0">
+            <a:schemeClr val="accent6"/>
+          </a:effectRef>
+          <a:fontRef idx="minor">
+            <a:schemeClr val="lt1"/>
+          </a:fontRef>
+        </p:style>
+        <p:txBody>
+          <a:bodyPr wrap="square" rtlCol="0" anchor="ctr">
+            <a:noAutofit/>
+          </a:bodyPr>
+          <a:lstStyle/>
+          <a:p>
+            <a:pPr algn="ctr"/>
+            <a:endParaRPr lang="en-US" sz="3200"/>
+          </a:p>
+        </p:txBody>
+      </p:sp>
+      <p:sp>
+        <p:nvSpPr>
+          <p:cNvPr id="32" name="Freeform 31">
+            <a:extLst>
+              <a:ext uri="{FF2B5EF4-FFF2-40B4-BE49-F238E27FC236}">
+                <a16:creationId xmlns:a16="http://schemas.microsoft.com/office/drawing/2014/main" id="{64C61653-B586-CA48-97B8-94B2B39F1F69}"/>
+              </a:ext>
+            </a:extLst>
+          </p:cNvPr>
+          <p:cNvSpPr/>
+          <p:nvPr/>
+        </p:nvSpPr>
+        <p:spPr>
+          <a:xfrm>
+            <a:off x="7603434" y="3289853"/>
+            <a:ext cx="1614874" cy="934927"/>
+          </a:xfrm>
+          <a:custGeom>
+            <a:avLst/>
+            <a:gdLst>
+              <a:gd name="connsiteX0" fmla="*/ 0 w 1614874"/>
+              <a:gd name="connsiteY0" fmla="*/ 0 h 934927"/>
+              <a:gd name="connsiteX1" fmla="*/ 1614874 w 1614874"/>
+              <a:gd name="connsiteY1" fmla="*/ 0 h 934927"/>
+              <a:gd name="connsiteX2" fmla="*/ 807437 w 1614874"/>
+              <a:gd name="connsiteY2" fmla="*/ 934927 h 934927"/>
+              <a:gd name="connsiteX3" fmla="*/ 0 w 1614874"/>
+              <a:gd name="connsiteY3" fmla="*/ 0 h 934927"/>
+            </a:gdLst>
+            <a:ahLst/>
+            <a:cxnLst>
+              <a:cxn ang="0">
+                <a:pos x="connsiteX0" y="connsiteY0"/>
+              </a:cxn>
+              <a:cxn ang="0">
+                <a:pos x="connsiteX1" y="connsiteY1"/>
+              </a:cxn>
+              <a:cxn ang="0">
+                <a:pos x="connsiteX2" y="connsiteY2"/>
+              </a:cxn>
+              <a:cxn ang="0">
+                <a:pos x="connsiteX3" y="connsiteY3"/>
+              </a:cxn>
+            </a:cxnLst>
+            <a:rect l="l" t="t" r="r" b="b"/>
+            <a:pathLst>
+              <a:path w="1614874" h="934927">
+                <a:moveTo>
+                  <a:pt x="0" y="0"/>
+                </a:moveTo>
+                <a:lnTo>
+                  <a:pt x="1614874" y="0"/>
+                </a:lnTo>
+                <a:cubicBezTo>
+                  <a:pt x="1614874" y="516346"/>
+                  <a:pt x="1253372" y="934927"/>
+                  <a:pt x="807437" y="934927"/>
+                </a:cubicBezTo>
+                <a:cubicBezTo>
+                  <a:pt x="361502" y="934927"/>
+                  <a:pt x="0" y="516346"/>
+                  <a:pt x="0" y="0"/>
+                </a:cubicBezTo>
+                <a:close/>
+              </a:path>
+            </a:pathLst>
+          </a:custGeom>
+          <a:solidFill>
+            <a:srgbClr val="FFB637"/>
+          </a:solidFill>
+          <a:ln>
+            <a:noFill/>
+          </a:ln>
+        </p:spPr>
+        <p:style>
+          <a:lnRef idx="2">
+            <a:schemeClr val="accent2">
+              <a:shade val="50000"/>
+            </a:schemeClr>
+          </a:lnRef>
+          <a:fillRef idx="1">
+            <a:schemeClr val="accent2"/>
+          </a:fillRef>
+          <a:effectRef idx="0">
+            <a:schemeClr val="accent2"/>
+          </a:effectRef>
+          <a:fontRef idx="minor">
+            <a:schemeClr val="lt1"/>
+          </a:fontRef>
+        </p:style>
+        <p:txBody>
+          <a:bodyPr wrap="square" rtlCol="0" anchor="ctr">
+            <a:noAutofit/>
+          </a:bodyPr>
+          <a:lstStyle/>
+          <a:p>
+            <a:pPr algn="ctr"/>
+            <a:endParaRPr lang="en-US" sz="3200"/>
+          </a:p>
+        </p:txBody>
+      </p:sp>
+      <p:sp>
+        <p:nvSpPr>
+          <p:cNvPr id="30" name="Rectangle 29">
+            <a:extLst>
+              <a:ext uri="{FF2B5EF4-FFF2-40B4-BE49-F238E27FC236}">
+                <a16:creationId xmlns:a16="http://schemas.microsoft.com/office/drawing/2014/main" id="{F69162B9-83FF-444F-AF9F-FB7BB414C536}"/>
+              </a:ext>
+            </a:extLst>
+          </p:cNvPr>
+          <p:cNvSpPr/>
+          <p:nvPr/>
+        </p:nvSpPr>
+        <p:spPr>
+          <a:xfrm>
+            <a:off x="6516757" y="660952"/>
+            <a:ext cx="3788228" cy="5257800"/>
+          </a:xfrm>
+          <a:prstGeom prst="rect">
+            <a:avLst/>
+          </a:prstGeom>
+          <a:noFill/>
+          <a:ln w="38100"/>
+        </p:spPr>
+        <p:style>
+          <a:lnRef idx="2">
+            <a:schemeClr val="accent1">
+              <a:shade val="50000"/>
+            </a:schemeClr>
+          </a:lnRef>
+          <a:fillRef idx="1">
+            <a:schemeClr val="accent1"/>
+          </a:fillRef>
+          <a:effectRef idx="0">
+            <a:schemeClr val="accent1"/>
+          </a:effectRef>
+          <a:fontRef idx="minor">
+            <a:schemeClr val="lt1"/>
+          </a:fontRef>
+        </p:style>
+        <p:txBody>
+          <a:bodyPr rtlCol="0" anchor="ctr"/>
+          <a:lstStyle/>
+          <a:p>
+            <a:pPr algn="ctr"/>
+            <a:endParaRPr lang="en-US"/>
+          </a:p>
+        </p:txBody>
+      </p:sp>
+      <p:sp>
+        <p:nvSpPr>
+          <p:cNvPr id="39" name="Freeform 38">
+            <a:extLst>
+              <a:ext uri="{FF2B5EF4-FFF2-40B4-BE49-F238E27FC236}">
+                <a16:creationId xmlns:a16="http://schemas.microsoft.com/office/drawing/2014/main" id="{8C46479A-E2D1-7048-BE61-4ADFB27826CA}"/>
+              </a:ext>
+            </a:extLst>
+          </p:cNvPr>
+          <p:cNvSpPr/>
+          <p:nvPr/>
+        </p:nvSpPr>
+        <p:spPr>
+          <a:xfrm>
+            <a:off x="7603435" y="2354924"/>
+            <a:ext cx="1614873" cy="1869853"/>
+          </a:xfrm>
+          <a:custGeom>
+            <a:avLst/>
+            <a:gdLst>
+              <a:gd name="connsiteX0" fmla="*/ 1240972 w 2481944"/>
+              <a:gd name="connsiteY0" fmla="*/ 0 h 2873830"/>
+              <a:gd name="connsiteX1" fmla="*/ 2481944 w 2481944"/>
+              <a:gd name="connsiteY1" fmla="*/ 1436915 h 2873830"/>
+              <a:gd name="connsiteX2" fmla="*/ 1240972 w 2481944"/>
+              <a:gd name="connsiteY2" fmla="*/ 2873830 h 2873830"/>
+              <a:gd name="connsiteX3" fmla="*/ 0 w 2481944"/>
+              <a:gd name="connsiteY3" fmla="*/ 1436915 h 2873830"/>
+              <a:gd name="connsiteX4" fmla="*/ 1240972 w 2481944"/>
+              <a:gd name="connsiteY4" fmla="*/ 0 h 2873830"/>
+            </a:gdLst>
+            <a:ahLst/>
+            <a:cxnLst>
+              <a:cxn ang="0">
+                <a:pos x="connsiteX0" y="connsiteY0"/>
+              </a:cxn>
+              <a:cxn ang="0">
+                <a:pos x="connsiteX1" y="connsiteY1"/>
+              </a:cxn>
+              <a:cxn ang="0">
+                <a:pos x="connsiteX2" y="connsiteY2"/>
+              </a:cxn>
+              <a:cxn ang="0">
+                <a:pos x="connsiteX3" y="connsiteY3"/>
+              </a:cxn>
+              <a:cxn ang="0">
+                <a:pos x="connsiteX4" y="connsiteY4"/>
+              </a:cxn>
+            </a:cxnLst>
+            <a:rect l="l" t="t" r="r" b="b"/>
+            <a:pathLst>
+              <a:path w="2481944" h="2873830">
+                <a:moveTo>
+                  <a:pt x="1240972" y="0"/>
+                </a:moveTo>
+                <a:cubicBezTo>
+                  <a:pt x="1926342" y="0"/>
+                  <a:pt x="2481944" y="643329"/>
+                  <a:pt x="2481944" y="1436915"/>
+                </a:cubicBezTo>
+                <a:cubicBezTo>
+                  <a:pt x="2481944" y="2230501"/>
+                  <a:pt x="1926342" y="2873830"/>
+                  <a:pt x="1240972" y="2873830"/>
+                </a:cubicBezTo>
+                <a:cubicBezTo>
+                  <a:pt x="555602" y="2873830"/>
+                  <a:pt x="0" y="2230501"/>
+                  <a:pt x="0" y="1436915"/>
+                </a:cubicBezTo>
+                <a:cubicBezTo>
+                  <a:pt x="0" y="643329"/>
+                  <a:pt x="555602" y="0"/>
+                  <a:pt x="1240972" y="0"/>
+                </a:cubicBezTo>
+                <a:close/>
+              </a:path>
+            </a:pathLst>
+          </a:custGeom>
+          <a:noFill/>
+          <a:ln w="63500"/>
+        </p:spPr>
+        <p:style>
+          <a:lnRef idx="2">
+            <a:schemeClr val="accent1">
+              <a:shade val="50000"/>
+            </a:schemeClr>
+          </a:lnRef>
+          <a:fillRef idx="1">
+            <a:schemeClr val="accent1"/>
+          </a:fillRef>
+          <a:effectRef idx="0">
+            <a:schemeClr val="accent1"/>
+          </a:effectRef>
+          <a:fontRef idx="minor">
+            <a:schemeClr val="lt1"/>
+          </a:fontRef>
+        </p:style>
+        <p:txBody>
+          <a:bodyPr wrap="square" rtlCol="0" anchor="ctr">
+            <a:noAutofit/>
+          </a:bodyPr>
+          <a:lstStyle/>
+          <a:p>
+            <a:pPr algn="ctr"/>
+            <a:endParaRPr lang="en-US" sz="3200"/>
+          </a:p>
+        </p:txBody>
+      </p:sp>
+      <p:cxnSp>
+        <p:nvCxnSpPr>
+          <p:cNvPr id="4" name="Straight Arrow Connector 3">
+            <a:extLst>
+              <a:ext uri="{FF2B5EF4-FFF2-40B4-BE49-F238E27FC236}">
+                <a16:creationId xmlns:a16="http://schemas.microsoft.com/office/drawing/2014/main" id="{B5FBB1E2-ECA8-304B-A3DC-16E8DC5FE177}"/>
+              </a:ext>
+            </a:extLst>
+          </p:cNvPr>
+          <p:cNvCxnSpPr>
+            <a:cxnSpLocks/>
+          </p:cNvCxnSpPr>
+          <p:nvPr/>
+        </p:nvCxnSpPr>
+        <p:spPr>
+          <a:xfrm>
+            <a:off x="3200400" y="2055864"/>
+            <a:ext cx="174171" cy="185057"/>
+          </a:xfrm>
+          <a:prstGeom prst="straightConnector1">
+            <a:avLst/>
+          </a:prstGeom>
+          <a:ln>
+            <a:tailEnd type="triangle"/>
+          </a:ln>
+        </p:spPr>
+        <p:style>
+          <a:lnRef idx="1">
+            <a:schemeClr val="accent1"/>
+          </a:lnRef>
+          <a:fillRef idx="0">
+            <a:schemeClr val="accent1"/>
+          </a:fillRef>
+          <a:effectRef idx="0">
+            <a:schemeClr val="accent1"/>
+          </a:effectRef>
+          <a:fontRef idx="minor">
+            <a:schemeClr val="tx1"/>
+          </a:fontRef>
+        </p:style>
+      </p:cxnSp>
+      <p:cxnSp>
+        <p:nvCxnSpPr>
+          <p:cNvPr id="41" name="Straight Arrow Connector 40">
+            <a:extLst>
+              <a:ext uri="{FF2B5EF4-FFF2-40B4-BE49-F238E27FC236}">
+                <a16:creationId xmlns:a16="http://schemas.microsoft.com/office/drawing/2014/main" id="{E8C288EC-25B6-7948-B7C6-49D29F5583F5}"/>
+              </a:ext>
+            </a:extLst>
+          </p:cNvPr>
+          <p:cNvCxnSpPr>
+            <a:cxnSpLocks/>
+          </p:cNvCxnSpPr>
+          <p:nvPr/>
+        </p:nvCxnSpPr>
+        <p:spPr>
+          <a:xfrm flipH="1">
+            <a:off x="4128997" y="2055864"/>
+            <a:ext cx="174171" cy="185057"/>
+          </a:xfrm>
+          <a:prstGeom prst="straightConnector1">
+            <a:avLst/>
+          </a:prstGeom>
+          <a:ln>
+            <a:tailEnd type="triangle"/>
+          </a:ln>
+        </p:spPr>
+        <p:style>
+          <a:lnRef idx="1">
+            <a:schemeClr val="accent1"/>
+          </a:lnRef>
+          <a:fillRef idx="0">
+            <a:schemeClr val="accent1"/>
+          </a:fillRef>
+          <a:effectRef idx="0">
+            <a:schemeClr val="accent1"/>
+          </a:effectRef>
+          <a:fontRef idx="minor">
+            <a:schemeClr val="tx1"/>
+          </a:fontRef>
+        </p:style>
+      </p:cxnSp>
+      <p:cxnSp>
+        <p:nvCxnSpPr>
+          <p:cNvPr id="42" name="Straight Arrow Connector 41">
+            <a:extLst>
+              <a:ext uri="{FF2B5EF4-FFF2-40B4-BE49-F238E27FC236}">
+                <a16:creationId xmlns:a16="http://schemas.microsoft.com/office/drawing/2014/main" id="{05F0DB26-9B5E-B64C-B9B8-AC40D31E67CE}"/>
+              </a:ext>
+            </a:extLst>
+          </p:cNvPr>
+          <p:cNvCxnSpPr>
+            <a:cxnSpLocks/>
+          </p:cNvCxnSpPr>
+          <p:nvPr/>
+        </p:nvCxnSpPr>
+        <p:spPr>
+          <a:xfrm flipV="1">
+            <a:off x="3211286" y="4278225"/>
+            <a:ext cx="174171" cy="185057"/>
+          </a:xfrm>
+          <a:prstGeom prst="straightConnector1">
+            <a:avLst/>
+          </a:prstGeom>
+          <a:ln>
+            <a:tailEnd type="triangle"/>
+          </a:ln>
+        </p:spPr>
+        <p:style>
+          <a:lnRef idx="1">
+            <a:schemeClr val="accent1"/>
+          </a:lnRef>
+          <a:fillRef idx="0">
+            <a:schemeClr val="accent1"/>
+          </a:fillRef>
+          <a:effectRef idx="0">
+            <a:schemeClr val="accent1"/>
+          </a:effectRef>
+          <a:fontRef idx="minor">
+            <a:schemeClr val="tx1"/>
+          </a:fontRef>
+        </p:style>
+      </p:cxnSp>
+      <p:cxnSp>
+        <p:nvCxnSpPr>
+          <p:cNvPr id="44" name="Straight Arrow Connector 43">
+            <a:extLst>
+              <a:ext uri="{FF2B5EF4-FFF2-40B4-BE49-F238E27FC236}">
+                <a16:creationId xmlns:a16="http://schemas.microsoft.com/office/drawing/2014/main" id="{FA20866F-63E3-DE46-BE1F-8F209456CF29}"/>
+              </a:ext>
+            </a:extLst>
+          </p:cNvPr>
+          <p:cNvCxnSpPr>
+            <a:cxnSpLocks/>
+          </p:cNvCxnSpPr>
+          <p:nvPr/>
+        </p:nvCxnSpPr>
+        <p:spPr>
+          <a:xfrm flipH="1" flipV="1">
+            <a:off x="4139883" y="4278225"/>
+            <a:ext cx="174171" cy="185057"/>
+          </a:xfrm>
+          <a:prstGeom prst="straightConnector1">
+            <a:avLst/>
+          </a:prstGeom>
+          <a:ln>
+            <a:tailEnd type="triangle"/>
+          </a:ln>
+        </p:spPr>
+        <p:style>
+          <a:lnRef idx="1">
+            <a:schemeClr val="accent1"/>
+          </a:lnRef>
+          <a:fillRef idx="0">
+            <a:schemeClr val="accent1"/>
+          </a:fillRef>
+          <a:effectRef idx="0">
+            <a:schemeClr val="accent1"/>
+          </a:effectRef>
+          <a:fontRef idx="minor">
+            <a:schemeClr val="tx1"/>
+          </a:fontRef>
+        </p:style>
+      </p:cxnSp>
     </p:spTree>
     <p:extLst>
       <p:ext uri="{BB962C8B-B14F-4D97-AF65-F5344CB8AC3E}">
-        <p14:creationId xmlns:p14="http://schemas.microsoft.com/office/powerpoint/2010/main" val="881704746"/>
+        <p14:creationId xmlns:p14="http://schemas.microsoft.com/office/powerpoint/2010/main" val="3452820171"/>
       </p:ext>
     </p:extLst>
   </p:cSld>
@@ -19529,6 +20918,36 @@
     <p:extLst>
       <p:ext uri="{BB962C8B-B14F-4D97-AF65-F5344CB8AC3E}">
         <p14:creationId xmlns:p14="http://schemas.microsoft.com/office/powerpoint/2010/main" val="3242185535"/>
+      </p:ext>
+    </p:extLst>
+  </p:cSld>
+  <p:clrMapOvr>
+    <a:masterClrMapping/>
+  </p:clrMapOvr>
+</p:sld>
+</file>
+
+<file path=ppt/slides/slide20.xml><?xml version="1.0" encoding="utf-8"?>
+<p:sld xmlns:a="http://schemas.openxmlformats.org/drawingml/2006/main" xmlns:r="http://schemas.openxmlformats.org/officeDocument/2006/relationships" xmlns:p="http://schemas.openxmlformats.org/presentationml/2006/main">
+  <p:cSld>
+    <p:spTree>
+      <p:nvGrpSpPr>
+        <p:cNvPr id="1" name=""/>
+        <p:cNvGrpSpPr/>
+        <p:nvPr/>
+      </p:nvGrpSpPr>
+      <p:grpSpPr>
+        <a:xfrm>
+          <a:off x="0" y="0"/>
+          <a:ext cx="0" cy="0"/>
+          <a:chOff x="0" y="0"/>
+          <a:chExt cx="0" cy="0"/>
+        </a:xfrm>
+      </p:grpSpPr>
+    </p:spTree>
+    <p:extLst>
+      <p:ext uri="{BB962C8B-B14F-4D97-AF65-F5344CB8AC3E}">
+        <p14:creationId xmlns:p14="http://schemas.microsoft.com/office/powerpoint/2010/main" val="881704746"/>
       </p:ext>
     </p:extLst>
   </p:cSld>

--- a/model_evaluation/confusion_matrix/images/visualization_of_confusion_matrix.pptx
+++ b/model_evaluation/confusion_matrix/images/visualization_of_confusion_matrix.pptx
@@ -18033,7 +18033,7 @@
         </p:nvSpPr>
         <p:spPr>
           <a:xfrm>
-            <a:off x="6516757" y="3289852"/>
+            <a:off x="7703301" y="3289852"/>
             <a:ext cx="3788228" cy="2628900"/>
           </a:xfrm>
           <a:prstGeom prst="rect">
@@ -18079,7 +18079,7 @@
         </p:nvSpPr>
         <p:spPr>
           <a:xfrm>
-            <a:off x="7603434" y="2354926"/>
+            <a:off x="8789978" y="2354926"/>
             <a:ext cx="1614874" cy="934927"/>
           </a:xfrm>
           <a:custGeom>
@@ -18180,7 +18180,7 @@
         </p:nvSpPr>
         <p:spPr>
           <a:xfrm>
-            <a:off x="6516757" y="660952"/>
+            <a:off x="7703301" y="660952"/>
             <a:ext cx="3788228" cy="2628900"/>
           </a:xfrm>
           <a:custGeom>
@@ -18307,7 +18307,7 @@
         </p:nvSpPr>
         <p:spPr>
           <a:xfrm>
-            <a:off x="7603434" y="3289853"/>
+            <a:off x="8789978" y="3289853"/>
             <a:ext cx="1614874" cy="934927"/>
           </a:xfrm>
           <a:custGeom>
@@ -18408,7 +18408,7 @@
         </p:nvSpPr>
         <p:spPr>
           <a:xfrm>
-            <a:off x="6516757" y="660952"/>
+            <a:off x="7703301" y="660952"/>
             <a:ext cx="3788228" cy="5257800"/>
           </a:xfrm>
           <a:prstGeom prst="rect">
@@ -18456,7 +18456,7 @@
         </p:nvSpPr>
         <p:spPr>
           <a:xfrm>
-            <a:off x="7603435" y="2354924"/>
+            <a:off x="8789979" y="2354924"/>
             <a:ext cx="1614873" cy="1869853"/>
           </a:xfrm>
           <a:custGeom>
@@ -18715,6 +18715,52 @@
           </a:fontRef>
         </p:style>
       </p:cxnSp>
+      <p:sp>
+        <p:nvSpPr>
+          <p:cNvPr id="2" name="Right Arrow 1">
+            <a:extLst>
+              <a:ext uri="{FF2B5EF4-FFF2-40B4-BE49-F238E27FC236}">
+                <a16:creationId xmlns:a16="http://schemas.microsoft.com/office/drawing/2014/main" id="{094F64A0-A97A-8143-883F-A730C00B8BB1}"/>
+              </a:ext>
+            </a:extLst>
+          </p:cNvPr>
+          <p:cNvSpPr/>
+          <p:nvPr/>
+        </p:nvSpPr>
+        <p:spPr>
+          <a:xfrm>
+            <a:off x="6193973" y="3034035"/>
+            <a:ext cx="990600" cy="511629"/>
+          </a:xfrm>
+          <a:prstGeom prst="rightArrow">
+            <a:avLst/>
+          </a:prstGeom>
+        </p:spPr>
+        <p:style>
+          <a:lnRef idx="2">
+            <a:schemeClr val="accent1">
+              <a:shade val="50000"/>
+            </a:schemeClr>
+          </a:lnRef>
+          <a:fillRef idx="1">
+            <a:schemeClr val="accent1"/>
+          </a:fillRef>
+          <a:effectRef idx="0">
+            <a:schemeClr val="accent1"/>
+          </a:effectRef>
+          <a:fontRef idx="minor">
+            <a:schemeClr val="lt1"/>
+          </a:fontRef>
+        </p:style>
+        <p:txBody>
+          <a:bodyPr rtlCol="0" anchor="ctr"/>
+          <a:lstStyle/>
+          <a:p>
+            <a:pPr algn="ctr"/>
+            <a:endParaRPr lang="en-US"/>
+          </a:p>
+        </p:txBody>
+      </p:sp>
     </p:spTree>
     <p:extLst>
       <p:ext uri="{BB962C8B-B14F-4D97-AF65-F5344CB8AC3E}">

--- a/model_evaluation/confusion_matrix/images/visualization_of_confusion_matrix.pptx
+++ b/model_evaluation/confusion_matrix/images/visualization_of_confusion_matrix.pptx
@@ -20990,6 +20990,437 @@
           <a:chExt cx="0" cy="0"/>
         </a:xfrm>
       </p:grpSpPr>
+      <p:sp>
+        <p:nvSpPr>
+          <p:cNvPr id="2" name="TextBox 1">
+            <a:extLst>
+              <a:ext uri="{FF2B5EF4-FFF2-40B4-BE49-F238E27FC236}">
+                <a16:creationId xmlns:a16="http://schemas.microsoft.com/office/drawing/2014/main" id="{3214BB8F-137B-1940-9A35-7BECA9BEB245}"/>
+              </a:ext>
+            </a:extLst>
+          </p:cNvPr>
+          <p:cNvSpPr txBox="1"/>
+          <p:nvPr/>
+        </p:nvSpPr>
+        <p:spPr>
+          <a:xfrm>
+            <a:off x="3537857" y="2564946"/>
+            <a:ext cx="1254061" cy="369332"/>
+          </a:xfrm>
+          <a:prstGeom prst="rect">
+            <a:avLst/>
+          </a:prstGeom>
+          <a:noFill/>
+        </p:spPr>
+        <p:txBody>
+          <a:bodyPr wrap="none" rtlCol="0">
+            <a:spAutoFit/>
+          </a:bodyPr>
+          <a:lstStyle/>
+          <a:p>
+            <a:r>
+              <a:rPr lang="en-US" dirty="0"/>
+              <a:t>Precision = </a:t>
+            </a:r>
+          </a:p>
+        </p:txBody>
+      </p:sp>
+      <p:sp>
+        <p:nvSpPr>
+          <p:cNvPr id="3" name="Freeform 2">
+            <a:extLst>
+              <a:ext uri="{FF2B5EF4-FFF2-40B4-BE49-F238E27FC236}">
+                <a16:creationId xmlns:a16="http://schemas.microsoft.com/office/drawing/2014/main" id="{478D7F0F-AA66-6A42-A3FE-220B18D90AF1}"/>
+              </a:ext>
+            </a:extLst>
+          </p:cNvPr>
+          <p:cNvSpPr/>
+          <p:nvPr/>
+        </p:nvSpPr>
+        <p:spPr>
+          <a:xfrm>
+            <a:off x="5930820" y="973253"/>
+            <a:ext cx="2481944" cy="1436915"/>
+          </a:xfrm>
+          <a:custGeom>
+            <a:avLst/>
+            <a:gdLst>
+              <a:gd name="connsiteX0" fmla="*/ 1240972 w 2481944"/>
+              <a:gd name="connsiteY0" fmla="*/ 0 h 1436915"/>
+              <a:gd name="connsiteX1" fmla="*/ 2481944 w 2481944"/>
+              <a:gd name="connsiteY1" fmla="*/ 1436915 h 1436915"/>
+              <a:gd name="connsiteX2" fmla="*/ 0 w 2481944"/>
+              <a:gd name="connsiteY2" fmla="*/ 1436915 h 1436915"/>
+              <a:gd name="connsiteX3" fmla="*/ 1240972 w 2481944"/>
+              <a:gd name="connsiteY3" fmla="*/ 0 h 1436915"/>
+            </a:gdLst>
+            <a:ahLst/>
+            <a:cxnLst>
+              <a:cxn ang="0">
+                <a:pos x="connsiteX0" y="connsiteY0"/>
+              </a:cxn>
+              <a:cxn ang="0">
+                <a:pos x="connsiteX1" y="connsiteY1"/>
+              </a:cxn>
+              <a:cxn ang="0">
+                <a:pos x="connsiteX2" y="connsiteY2"/>
+              </a:cxn>
+              <a:cxn ang="0">
+                <a:pos x="connsiteX3" y="connsiteY3"/>
+              </a:cxn>
+            </a:cxnLst>
+            <a:rect l="l" t="t" r="r" b="b"/>
+            <a:pathLst>
+              <a:path w="2481944" h="1436915">
+                <a:moveTo>
+                  <a:pt x="1240972" y="0"/>
+                </a:moveTo>
+                <a:cubicBezTo>
+                  <a:pt x="1926342" y="0"/>
+                  <a:pt x="2481944" y="643329"/>
+                  <a:pt x="2481944" y="1436915"/>
+                </a:cubicBezTo>
+                <a:lnTo>
+                  <a:pt x="0" y="1436915"/>
+                </a:lnTo>
+                <a:cubicBezTo>
+                  <a:pt x="0" y="643329"/>
+                  <a:pt x="555602" y="0"/>
+                  <a:pt x="1240972" y="0"/>
+                </a:cubicBezTo>
+                <a:close/>
+              </a:path>
+            </a:pathLst>
+          </a:custGeom>
+          <a:solidFill>
+            <a:srgbClr val="A4FF65"/>
+          </a:solidFill>
+          <a:ln>
+            <a:noFill/>
+          </a:ln>
+        </p:spPr>
+        <p:style>
+          <a:lnRef idx="2">
+            <a:schemeClr val="accent6">
+              <a:shade val="50000"/>
+            </a:schemeClr>
+          </a:lnRef>
+          <a:fillRef idx="1">
+            <a:schemeClr val="accent6"/>
+          </a:fillRef>
+          <a:effectRef idx="0">
+            <a:schemeClr val="accent6"/>
+          </a:effectRef>
+          <a:fontRef idx="minor">
+            <a:schemeClr val="lt1"/>
+          </a:fontRef>
+        </p:style>
+        <p:txBody>
+          <a:bodyPr wrap="square" rtlCol="0" anchor="ctr">
+            <a:noAutofit/>
+          </a:bodyPr>
+          <a:lstStyle/>
+          <a:p>
+            <a:pPr algn="ctr"/>
+            <a:endParaRPr lang="en-US" sz="3200"/>
+          </a:p>
+        </p:txBody>
+      </p:sp>
+      <p:sp>
+        <p:nvSpPr>
+          <p:cNvPr id="4" name="Rectangle 3">
+            <a:extLst>
+              <a:ext uri="{FF2B5EF4-FFF2-40B4-BE49-F238E27FC236}">
+                <a16:creationId xmlns:a16="http://schemas.microsoft.com/office/drawing/2014/main" id="{273E83F5-A9CC-B141-A185-6A02BF4250AB}"/>
+              </a:ext>
+            </a:extLst>
+          </p:cNvPr>
+          <p:cNvSpPr/>
+          <p:nvPr/>
+        </p:nvSpPr>
+        <p:spPr>
+          <a:xfrm>
+            <a:off x="5277678" y="549893"/>
+            <a:ext cx="3788228" cy="5257800"/>
+          </a:xfrm>
+          <a:prstGeom prst="rect">
+            <a:avLst/>
+          </a:prstGeom>
+          <a:noFill/>
+          <a:ln w="38100">
+            <a:solidFill>
+              <a:schemeClr val="bg1"/>
+            </a:solidFill>
+          </a:ln>
+        </p:spPr>
+        <p:style>
+          <a:lnRef idx="2">
+            <a:schemeClr val="accent1">
+              <a:shade val="50000"/>
+            </a:schemeClr>
+          </a:lnRef>
+          <a:fillRef idx="1">
+            <a:schemeClr val="accent1"/>
+          </a:fillRef>
+          <a:effectRef idx="0">
+            <a:schemeClr val="accent1"/>
+          </a:effectRef>
+          <a:fontRef idx="minor">
+            <a:schemeClr val="lt1"/>
+          </a:fontRef>
+        </p:style>
+        <p:txBody>
+          <a:bodyPr rtlCol="0" anchor="ctr"/>
+          <a:lstStyle/>
+          <a:p>
+            <a:pPr algn="ctr"/>
+            <a:endParaRPr lang="en-US"/>
+          </a:p>
+        </p:txBody>
+      </p:sp>
+      <p:sp>
+        <p:nvSpPr>
+          <p:cNvPr id="5" name="Freeform 4">
+            <a:extLst>
+              <a:ext uri="{FF2B5EF4-FFF2-40B4-BE49-F238E27FC236}">
+                <a16:creationId xmlns:a16="http://schemas.microsoft.com/office/drawing/2014/main" id="{75505B4E-8D8D-664F-ACA1-F99AB70F69D3}"/>
+              </a:ext>
+            </a:extLst>
+          </p:cNvPr>
+          <p:cNvSpPr/>
+          <p:nvPr/>
+        </p:nvSpPr>
+        <p:spPr>
+          <a:xfrm>
+            <a:off x="5930820" y="2814535"/>
+            <a:ext cx="2481944" cy="1436915"/>
+          </a:xfrm>
+          <a:custGeom>
+            <a:avLst/>
+            <a:gdLst>
+              <a:gd name="connsiteX0" fmla="*/ 1240972 w 2481944"/>
+              <a:gd name="connsiteY0" fmla="*/ 0 h 1436915"/>
+              <a:gd name="connsiteX1" fmla="*/ 2481944 w 2481944"/>
+              <a:gd name="connsiteY1" fmla="*/ 1436915 h 1436915"/>
+              <a:gd name="connsiteX2" fmla="*/ 0 w 2481944"/>
+              <a:gd name="connsiteY2" fmla="*/ 1436915 h 1436915"/>
+              <a:gd name="connsiteX3" fmla="*/ 1240972 w 2481944"/>
+              <a:gd name="connsiteY3" fmla="*/ 0 h 1436915"/>
+            </a:gdLst>
+            <a:ahLst/>
+            <a:cxnLst>
+              <a:cxn ang="0">
+                <a:pos x="connsiteX0" y="connsiteY0"/>
+              </a:cxn>
+              <a:cxn ang="0">
+                <a:pos x="connsiteX1" y="connsiteY1"/>
+              </a:cxn>
+              <a:cxn ang="0">
+                <a:pos x="connsiteX2" y="connsiteY2"/>
+              </a:cxn>
+              <a:cxn ang="0">
+                <a:pos x="connsiteX3" y="connsiteY3"/>
+              </a:cxn>
+            </a:cxnLst>
+            <a:rect l="l" t="t" r="r" b="b"/>
+            <a:pathLst>
+              <a:path w="2481944" h="1436915">
+                <a:moveTo>
+                  <a:pt x="1240972" y="0"/>
+                </a:moveTo>
+                <a:cubicBezTo>
+                  <a:pt x="1926342" y="0"/>
+                  <a:pt x="2481944" y="643329"/>
+                  <a:pt x="2481944" y="1436915"/>
+                </a:cubicBezTo>
+                <a:lnTo>
+                  <a:pt x="0" y="1436915"/>
+                </a:lnTo>
+                <a:cubicBezTo>
+                  <a:pt x="0" y="643329"/>
+                  <a:pt x="555602" y="0"/>
+                  <a:pt x="1240972" y="0"/>
+                </a:cubicBezTo>
+                <a:close/>
+              </a:path>
+            </a:pathLst>
+          </a:custGeom>
+          <a:solidFill>
+            <a:srgbClr val="A4FF65"/>
+          </a:solidFill>
+          <a:ln>
+            <a:noFill/>
+          </a:ln>
+        </p:spPr>
+        <p:style>
+          <a:lnRef idx="2">
+            <a:schemeClr val="accent6">
+              <a:shade val="50000"/>
+            </a:schemeClr>
+          </a:lnRef>
+          <a:fillRef idx="1">
+            <a:schemeClr val="accent6"/>
+          </a:fillRef>
+          <a:effectRef idx="0">
+            <a:schemeClr val="accent6"/>
+          </a:effectRef>
+          <a:fontRef idx="minor">
+            <a:schemeClr val="lt1"/>
+          </a:fontRef>
+        </p:style>
+        <p:txBody>
+          <a:bodyPr wrap="square" rtlCol="0" anchor="ctr">
+            <a:noAutofit/>
+          </a:bodyPr>
+          <a:lstStyle/>
+          <a:p>
+            <a:pPr algn="ctr"/>
+            <a:endParaRPr lang="en-US" sz="3200"/>
+          </a:p>
+        </p:txBody>
+      </p:sp>
+      <p:cxnSp>
+        <p:nvCxnSpPr>
+          <p:cNvPr id="7" name="Straight Connector 6">
+            <a:extLst>
+              <a:ext uri="{FF2B5EF4-FFF2-40B4-BE49-F238E27FC236}">
+                <a16:creationId xmlns:a16="http://schemas.microsoft.com/office/drawing/2014/main" id="{7FBB2FCD-0C2F-C94A-9DD7-5FEA56AB2AE3}"/>
+              </a:ext>
+            </a:extLst>
+          </p:cNvPr>
+          <p:cNvCxnSpPr/>
+          <p:nvPr/>
+        </p:nvCxnSpPr>
+        <p:spPr>
+          <a:xfrm>
+            <a:off x="5277678" y="2613515"/>
+            <a:ext cx="3788228" cy="0"/>
+          </a:xfrm>
+          <a:prstGeom prst="line">
+            <a:avLst/>
+          </a:prstGeom>
+          <a:ln w="44450">
+            <a:solidFill>
+              <a:schemeClr val="tx1"/>
+            </a:solidFill>
+          </a:ln>
+        </p:spPr>
+        <p:style>
+          <a:lnRef idx="1">
+            <a:schemeClr val="accent1"/>
+          </a:lnRef>
+          <a:fillRef idx="0">
+            <a:schemeClr val="accent1"/>
+          </a:fillRef>
+          <a:effectRef idx="0">
+            <a:schemeClr val="accent1"/>
+          </a:effectRef>
+          <a:fontRef idx="minor">
+            <a:schemeClr val="tx1"/>
+          </a:fontRef>
+        </p:style>
+      </p:cxnSp>
+      <p:sp>
+        <p:nvSpPr>
+          <p:cNvPr id="8" name="Freeform 7">
+            <a:extLst>
+              <a:ext uri="{FF2B5EF4-FFF2-40B4-BE49-F238E27FC236}">
+                <a16:creationId xmlns:a16="http://schemas.microsoft.com/office/drawing/2014/main" id="{371114BA-B521-C24A-A7DE-65C318743CD1}"/>
+              </a:ext>
+            </a:extLst>
+          </p:cNvPr>
+          <p:cNvSpPr/>
+          <p:nvPr/>
+        </p:nvSpPr>
+        <p:spPr>
+          <a:xfrm>
+            <a:off x="5930820" y="4251450"/>
+            <a:ext cx="2481944" cy="1436915"/>
+          </a:xfrm>
+          <a:custGeom>
+            <a:avLst/>
+            <a:gdLst>
+              <a:gd name="connsiteX0" fmla="*/ 0 w 2481944"/>
+              <a:gd name="connsiteY0" fmla="*/ 0 h 1436915"/>
+              <a:gd name="connsiteX1" fmla="*/ 2481944 w 2481944"/>
+              <a:gd name="connsiteY1" fmla="*/ 0 h 1436915"/>
+              <a:gd name="connsiteX2" fmla="*/ 1240972 w 2481944"/>
+              <a:gd name="connsiteY2" fmla="*/ 1436915 h 1436915"/>
+              <a:gd name="connsiteX3" fmla="*/ 0 w 2481944"/>
+              <a:gd name="connsiteY3" fmla="*/ 0 h 1436915"/>
+            </a:gdLst>
+            <a:ahLst/>
+            <a:cxnLst>
+              <a:cxn ang="0">
+                <a:pos x="connsiteX0" y="connsiteY0"/>
+              </a:cxn>
+              <a:cxn ang="0">
+                <a:pos x="connsiteX1" y="connsiteY1"/>
+              </a:cxn>
+              <a:cxn ang="0">
+                <a:pos x="connsiteX2" y="connsiteY2"/>
+              </a:cxn>
+              <a:cxn ang="0">
+                <a:pos x="connsiteX3" y="connsiteY3"/>
+              </a:cxn>
+            </a:cxnLst>
+            <a:rect l="l" t="t" r="r" b="b"/>
+            <a:pathLst>
+              <a:path w="2481944" h="1436915">
+                <a:moveTo>
+                  <a:pt x="0" y="0"/>
+                </a:moveTo>
+                <a:lnTo>
+                  <a:pt x="2481944" y="0"/>
+                </a:lnTo>
+                <a:cubicBezTo>
+                  <a:pt x="2481944" y="793586"/>
+                  <a:pt x="1926342" y="1436915"/>
+                  <a:pt x="1240972" y="1436915"/>
+                </a:cubicBezTo>
+                <a:cubicBezTo>
+                  <a:pt x="555602" y="1436915"/>
+                  <a:pt x="0" y="793586"/>
+                  <a:pt x="0" y="0"/>
+                </a:cubicBezTo>
+                <a:close/>
+              </a:path>
+            </a:pathLst>
+          </a:custGeom>
+          <a:solidFill>
+            <a:srgbClr val="FFB637"/>
+          </a:solidFill>
+          <a:ln>
+            <a:noFill/>
+          </a:ln>
+        </p:spPr>
+        <p:style>
+          <a:lnRef idx="2">
+            <a:schemeClr val="accent2">
+              <a:shade val="50000"/>
+            </a:schemeClr>
+          </a:lnRef>
+          <a:fillRef idx="1">
+            <a:schemeClr val="accent2"/>
+          </a:fillRef>
+          <a:effectRef idx="0">
+            <a:schemeClr val="accent2"/>
+          </a:effectRef>
+          <a:fontRef idx="minor">
+            <a:schemeClr val="lt1"/>
+          </a:fontRef>
+        </p:style>
+        <p:txBody>
+          <a:bodyPr wrap="square" rtlCol="0" anchor="ctr">
+            <a:noAutofit/>
+          </a:bodyPr>
+          <a:lstStyle/>
+          <a:p>
+            <a:pPr algn="ctr"/>
+            <a:endParaRPr lang="en-US" sz="3200"/>
+          </a:p>
+        </p:txBody>
+      </p:sp>
     </p:spTree>
     <p:extLst>
       <p:ext uri="{BB962C8B-B14F-4D97-AF65-F5344CB8AC3E}">

--- a/model_evaluation/confusion_matrix/images/visualization_of_confusion_matrix.pptx
+++ b/model_evaluation/confusion_matrix/images/visualization_of_confusion_matrix.pptx
@@ -5,7 +5,7 @@
     <p:sldMasterId id="2147483648" r:id="rId1"/>
   </p:sldMasterIdLst>
   <p:notesMasterIdLst>
-    <p:notesMasterId r:id="rId22"/>
+    <p:notesMasterId r:id="rId23"/>
   </p:notesMasterIdLst>
   <p:sldIdLst>
     <p:sldId id="257" r:id="rId2"/>
@@ -27,7 +27,8 @@
     <p:sldId id="274" r:id="rId18"/>
     <p:sldId id="275" r:id="rId19"/>
     <p:sldId id="276" r:id="rId20"/>
-    <p:sldId id="272" r:id="rId21"/>
+    <p:sldId id="277" r:id="rId21"/>
+    <p:sldId id="272" r:id="rId22"/>
   </p:sldIdLst>
   <p:sldSz cx="12192000" cy="6858000"/>
   <p:notesSz cx="6858000" cy="9144000"/>
@@ -1083,6 +1084,93 @@
     <p:extLst>
       <p:ext uri="{BB962C8B-B14F-4D97-AF65-F5344CB8AC3E}">
         <p14:creationId xmlns:p14="http://schemas.microsoft.com/office/powerpoint/2010/main" val="1901533212"/>
+      </p:ext>
+    </p:extLst>
+  </p:cSld>
+  <p:clrMapOvr>
+    <a:masterClrMapping/>
+  </p:clrMapOvr>
+</p:notes>
+</file>
+
+<file path=ppt/notesSlides/notesSlide8.xml><?xml version="1.0" encoding="utf-8"?>
+<p:notes xmlns:a="http://schemas.openxmlformats.org/drawingml/2006/main" xmlns:r="http://schemas.openxmlformats.org/officeDocument/2006/relationships" xmlns:p="http://schemas.openxmlformats.org/presentationml/2006/main">
+  <p:cSld>
+    <p:spTree>
+      <p:nvGrpSpPr>
+        <p:cNvPr id="1" name=""/>
+        <p:cNvGrpSpPr/>
+        <p:nvPr/>
+      </p:nvGrpSpPr>
+      <p:grpSpPr>
+        <a:xfrm>
+          <a:off x="0" y="0"/>
+          <a:ext cx="0" cy="0"/>
+          <a:chOff x="0" y="0"/>
+          <a:chExt cx="0" cy="0"/>
+        </a:xfrm>
+      </p:grpSpPr>
+      <p:sp>
+        <p:nvSpPr>
+          <p:cNvPr id="2" name="Slide Image Placeholder 1"/>
+          <p:cNvSpPr>
+            <a:spLocks noGrp="1" noRot="1" noChangeAspect="1"/>
+          </p:cNvSpPr>
+          <p:nvPr>
+            <p:ph type="sldImg"/>
+          </p:nvPr>
+        </p:nvSpPr>
+        <p:spPr/>
+      </p:sp>
+      <p:sp>
+        <p:nvSpPr>
+          <p:cNvPr id="3" name="Notes Placeholder 2"/>
+          <p:cNvSpPr>
+            <a:spLocks noGrp="1"/>
+          </p:cNvSpPr>
+          <p:nvPr>
+            <p:ph type="body" idx="1"/>
+          </p:nvPr>
+        </p:nvSpPr>
+        <p:spPr/>
+        <p:txBody>
+          <a:bodyPr/>
+          <a:lstStyle/>
+          <a:p>
+            <a:r>
+              <a:rPr lang="en-US"/>
+              <a:t>Daniel Yang @ 2020</a:t>
+            </a:r>
+          </a:p>
+        </p:txBody>
+      </p:sp>
+      <p:sp>
+        <p:nvSpPr>
+          <p:cNvPr id="4" name="Slide Number Placeholder 3"/>
+          <p:cNvSpPr>
+            <a:spLocks noGrp="1"/>
+          </p:cNvSpPr>
+          <p:nvPr>
+            <p:ph type="sldNum" sz="quarter" idx="5"/>
+          </p:nvPr>
+        </p:nvSpPr>
+        <p:spPr/>
+        <p:txBody>
+          <a:bodyPr/>
+          <a:lstStyle/>
+          <a:p>
+            <a:fld id="{FA3E08DF-40C4-9C44-98B2-5E585ECF122C}" type="slidenum">
+              <a:rPr lang="en-US" smtClean="0"/>
+              <a:t>20</a:t>
+            </a:fld>
+            <a:endParaRPr lang="en-US"/>
+          </a:p>
+        </p:txBody>
+      </p:sp>
+    </p:spTree>
+    <p:extLst>
+      <p:ext uri="{BB962C8B-B14F-4D97-AF65-F5344CB8AC3E}">
+        <p14:creationId xmlns:p14="http://schemas.microsoft.com/office/powerpoint/2010/main" val="2606046552"/>
       </p:ext>
     </p:extLst>
   </p:cSld>
@@ -14529,7 +14617,7 @@
         </p:nvSpPr>
         <p:spPr>
           <a:xfrm>
-            <a:off x="6749142" y="3358828"/>
+            <a:off x="2957505" y="3293513"/>
             <a:ext cx="2481944" cy="1436915"/>
           </a:xfrm>
           <a:custGeom>
@@ -14630,7 +14718,7 @@
         </p:nvSpPr>
         <p:spPr>
           <a:xfrm>
-            <a:off x="6096000" y="3358826"/>
+            <a:off x="2304363" y="3293511"/>
             <a:ext cx="3788228" cy="2628900"/>
           </a:xfrm>
           <a:custGeom>
@@ -14769,7 +14857,7 @@
         </p:nvSpPr>
         <p:spPr>
           <a:xfrm>
-            <a:off x="6749142" y="1203453"/>
+            <a:off x="2957505" y="1138138"/>
             <a:ext cx="2481944" cy="1436915"/>
           </a:xfrm>
           <a:custGeom>
@@ -14870,7 +14958,7 @@
         </p:nvCxnSpPr>
         <p:spPr>
           <a:xfrm>
-            <a:off x="6096000" y="2968486"/>
+            <a:off x="2304363" y="2903171"/>
             <a:ext cx="3788228" cy="0"/>
           </a:xfrm>
           <a:prstGeom prst="line">
@@ -14911,7 +14999,7 @@
         </p:nvSpPr>
         <p:spPr>
           <a:xfrm>
-            <a:off x="6099409" y="729926"/>
+            <a:off x="2307772" y="664611"/>
             <a:ext cx="3788228" cy="5257800"/>
           </a:xfrm>
           <a:prstGeom prst="rect">
@@ -14963,7 +15051,7 @@
         </p:nvSpPr>
         <p:spPr>
           <a:xfrm>
-            <a:off x="1987826" y="2809461"/>
+            <a:off x="191683" y="2783820"/>
             <a:ext cx="1284775" cy="369332"/>
           </a:xfrm>
           <a:prstGeom prst="rect">
@@ -14981,6 +15069,346 @@
               <a:rPr lang="en-US" dirty="0"/>
               <a:t>Recall / TPR</a:t>
             </a:r>
+          </a:p>
+        </p:txBody>
+      </p:sp>
+      <p:sp>
+        <p:nvSpPr>
+          <p:cNvPr id="9" name="Freeform 8">
+            <a:extLst>
+              <a:ext uri="{FF2B5EF4-FFF2-40B4-BE49-F238E27FC236}">
+                <a16:creationId xmlns:a16="http://schemas.microsoft.com/office/drawing/2014/main" id="{F9768B5A-C274-2140-805A-FC9141A9382A}"/>
+              </a:ext>
+            </a:extLst>
+          </p:cNvPr>
+          <p:cNvSpPr/>
+          <p:nvPr/>
+        </p:nvSpPr>
+        <p:spPr>
+          <a:xfrm>
+            <a:off x="7540391" y="3651320"/>
+            <a:ext cx="3788228" cy="2628900"/>
+          </a:xfrm>
+          <a:custGeom>
+            <a:avLst/>
+            <a:gdLst>
+              <a:gd name="connsiteX0" fmla="*/ 0 w 3788228"/>
+              <a:gd name="connsiteY0" fmla="*/ 0 h 2628900"/>
+              <a:gd name="connsiteX1" fmla="*/ 3788228 w 3788228"/>
+              <a:gd name="connsiteY1" fmla="*/ 0 h 2628900"/>
+              <a:gd name="connsiteX2" fmla="*/ 3788228 w 3788228"/>
+              <a:gd name="connsiteY2" fmla="*/ 2628900 h 2628900"/>
+              <a:gd name="connsiteX3" fmla="*/ 0 w 3788228"/>
+              <a:gd name="connsiteY3" fmla="*/ 2628900 h 2628900"/>
+              <a:gd name="connsiteX4" fmla="*/ 0 w 3788228"/>
+              <a:gd name="connsiteY4" fmla="*/ 0 h 2628900"/>
+              <a:gd name="connsiteX5" fmla="*/ 653142 w 3788228"/>
+              <a:gd name="connsiteY5" fmla="*/ 1 h 2628900"/>
+              <a:gd name="connsiteX6" fmla="*/ 1894114 w 3788228"/>
+              <a:gd name="connsiteY6" fmla="*/ 1436916 h 2628900"/>
+              <a:gd name="connsiteX7" fmla="*/ 3135086 w 3788228"/>
+              <a:gd name="connsiteY7" fmla="*/ 1 h 2628900"/>
+              <a:gd name="connsiteX8" fmla="*/ 653142 w 3788228"/>
+              <a:gd name="connsiteY8" fmla="*/ 1 h 2628900"/>
+            </a:gdLst>
+            <a:ahLst/>
+            <a:cxnLst>
+              <a:cxn ang="0">
+                <a:pos x="connsiteX0" y="connsiteY0"/>
+              </a:cxn>
+              <a:cxn ang="0">
+                <a:pos x="connsiteX1" y="connsiteY1"/>
+              </a:cxn>
+              <a:cxn ang="0">
+                <a:pos x="connsiteX2" y="connsiteY2"/>
+              </a:cxn>
+              <a:cxn ang="0">
+                <a:pos x="connsiteX3" y="connsiteY3"/>
+              </a:cxn>
+              <a:cxn ang="0">
+                <a:pos x="connsiteX4" y="connsiteY4"/>
+              </a:cxn>
+              <a:cxn ang="0">
+                <a:pos x="connsiteX5" y="connsiteY5"/>
+              </a:cxn>
+              <a:cxn ang="0">
+                <a:pos x="connsiteX6" y="connsiteY6"/>
+              </a:cxn>
+              <a:cxn ang="0">
+                <a:pos x="connsiteX7" y="connsiteY7"/>
+              </a:cxn>
+              <a:cxn ang="0">
+                <a:pos x="connsiteX8" y="connsiteY8"/>
+              </a:cxn>
+            </a:cxnLst>
+            <a:rect l="l" t="t" r="r" b="b"/>
+            <a:pathLst>
+              <a:path w="3788228" h="2628900">
+                <a:moveTo>
+                  <a:pt x="0" y="0"/>
+                </a:moveTo>
+                <a:lnTo>
+                  <a:pt x="3788228" y="0"/>
+                </a:lnTo>
+                <a:lnTo>
+                  <a:pt x="3788228" y="2628900"/>
+                </a:lnTo>
+                <a:lnTo>
+                  <a:pt x="0" y="2628900"/>
+                </a:lnTo>
+                <a:lnTo>
+                  <a:pt x="0" y="0"/>
+                </a:lnTo>
+                <a:close/>
+                <a:moveTo>
+                  <a:pt x="653142" y="1"/>
+                </a:moveTo>
+                <a:cubicBezTo>
+                  <a:pt x="653142" y="793587"/>
+                  <a:pt x="1208744" y="1436916"/>
+                  <a:pt x="1894114" y="1436916"/>
+                </a:cubicBezTo>
+                <a:cubicBezTo>
+                  <a:pt x="2579484" y="1436916"/>
+                  <a:pt x="3135086" y="793587"/>
+                  <a:pt x="3135086" y="1"/>
+                </a:cubicBezTo>
+                <a:lnTo>
+                  <a:pt x="653142" y="1"/>
+                </a:lnTo>
+                <a:close/>
+              </a:path>
+            </a:pathLst>
+          </a:custGeom>
+          <a:ln>
+            <a:noFill/>
+          </a:ln>
+        </p:spPr>
+        <p:style>
+          <a:lnRef idx="2">
+            <a:schemeClr val="accent2">
+              <a:shade val="50000"/>
+            </a:schemeClr>
+          </a:lnRef>
+          <a:fillRef idx="1">
+            <a:schemeClr val="accent2"/>
+          </a:fillRef>
+          <a:effectRef idx="0">
+            <a:schemeClr val="accent2"/>
+          </a:effectRef>
+          <a:fontRef idx="minor">
+            <a:schemeClr val="lt1"/>
+          </a:fontRef>
+        </p:style>
+        <p:txBody>
+          <a:bodyPr wrap="square" rtlCol="0" anchor="ctr">
+            <a:noAutofit/>
+          </a:bodyPr>
+          <a:lstStyle/>
+          <a:p>
+            <a:pPr algn="ctr"/>
+            <a:endParaRPr lang="en-US" sz="3200"/>
+          </a:p>
+        </p:txBody>
+      </p:sp>
+      <p:cxnSp>
+        <p:nvCxnSpPr>
+          <p:cNvPr id="11" name="Straight Connector 10">
+            <a:extLst>
+              <a:ext uri="{FF2B5EF4-FFF2-40B4-BE49-F238E27FC236}">
+                <a16:creationId xmlns:a16="http://schemas.microsoft.com/office/drawing/2014/main" id="{3DAED02D-173D-924E-BF0B-BFD803C7EAFD}"/>
+              </a:ext>
+            </a:extLst>
+          </p:cNvPr>
+          <p:cNvCxnSpPr/>
+          <p:nvPr/>
+        </p:nvCxnSpPr>
+        <p:spPr>
+          <a:xfrm>
+            <a:off x="7540391" y="3260980"/>
+            <a:ext cx="3788228" cy="0"/>
+          </a:xfrm>
+          <a:prstGeom prst="line">
+            <a:avLst/>
+          </a:prstGeom>
+          <a:ln w="44450">
+            <a:solidFill>
+              <a:schemeClr val="tx1"/>
+            </a:solidFill>
+          </a:ln>
+        </p:spPr>
+        <p:style>
+          <a:lnRef idx="1">
+            <a:schemeClr val="accent1"/>
+          </a:lnRef>
+          <a:fillRef idx="0">
+            <a:schemeClr val="accent1"/>
+          </a:fillRef>
+          <a:effectRef idx="0">
+            <a:schemeClr val="accent1"/>
+          </a:effectRef>
+          <a:fontRef idx="minor">
+            <a:schemeClr val="tx1"/>
+          </a:fontRef>
+        </p:style>
+      </p:cxnSp>
+      <p:sp>
+        <p:nvSpPr>
+          <p:cNvPr id="12" name="Rectangle 11">
+            <a:extLst>
+              <a:ext uri="{FF2B5EF4-FFF2-40B4-BE49-F238E27FC236}">
+                <a16:creationId xmlns:a16="http://schemas.microsoft.com/office/drawing/2014/main" id="{FCB8D56B-BF55-4D4A-8D98-165E4C1F7D05}"/>
+              </a:ext>
+            </a:extLst>
+          </p:cNvPr>
+          <p:cNvSpPr/>
+          <p:nvPr/>
+        </p:nvSpPr>
+        <p:spPr>
+          <a:xfrm>
+            <a:off x="7543800" y="1022420"/>
+            <a:ext cx="3788228" cy="5257800"/>
+          </a:xfrm>
+          <a:prstGeom prst="rect">
+            <a:avLst/>
+          </a:prstGeom>
+          <a:noFill/>
+          <a:ln w="38100">
+            <a:solidFill>
+              <a:schemeClr val="bg1"/>
+            </a:solidFill>
+          </a:ln>
+        </p:spPr>
+        <p:style>
+          <a:lnRef idx="2">
+            <a:schemeClr val="accent1">
+              <a:shade val="50000"/>
+            </a:schemeClr>
+          </a:lnRef>
+          <a:fillRef idx="1">
+            <a:schemeClr val="accent1"/>
+          </a:fillRef>
+          <a:effectRef idx="0">
+            <a:schemeClr val="accent1"/>
+          </a:effectRef>
+          <a:fontRef idx="minor">
+            <a:schemeClr val="lt1"/>
+          </a:fontRef>
+        </p:style>
+        <p:txBody>
+          <a:bodyPr rtlCol="0" anchor="ctr"/>
+          <a:lstStyle/>
+          <a:p>
+            <a:pPr algn="ctr"/>
+            <a:endParaRPr lang="en-US"/>
+          </a:p>
+        </p:txBody>
+      </p:sp>
+      <p:sp>
+        <p:nvSpPr>
+          <p:cNvPr id="14" name="Rectangle 13">
+            <a:extLst>
+              <a:ext uri="{FF2B5EF4-FFF2-40B4-BE49-F238E27FC236}">
+                <a16:creationId xmlns:a16="http://schemas.microsoft.com/office/drawing/2014/main" id="{C943E6BD-7FF0-6F47-87B8-614A2A5BFBEC}"/>
+              </a:ext>
+            </a:extLst>
+          </p:cNvPr>
+          <p:cNvSpPr/>
+          <p:nvPr/>
+        </p:nvSpPr>
+        <p:spPr>
+          <a:xfrm>
+            <a:off x="7547209" y="3651320"/>
+            <a:ext cx="3788228" cy="2628900"/>
+          </a:xfrm>
+          <a:prstGeom prst="rect">
+            <a:avLst/>
+          </a:prstGeom>
+          <a:solidFill>
+            <a:srgbClr val="FFB637"/>
+          </a:solidFill>
+          <a:ln>
+            <a:noFill/>
+          </a:ln>
+        </p:spPr>
+        <p:style>
+          <a:lnRef idx="2">
+            <a:schemeClr val="accent2">
+              <a:shade val="50000"/>
+            </a:schemeClr>
+          </a:lnRef>
+          <a:fillRef idx="1">
+            <a:schemeClr val="accent2"/>
+          </a:fillRef>
+          <a:effectRef idx="0">
+            <a:schemeClr val="accent2"/>
+          </a:effectRef>
+          <a:fontRef idx="minor">
+            <a:schemeClr val="lt1"/>
+          </a:fontRef>
+        </p:style>
+        <p:txBody>
+          <a:bodyPr wrap="square" rtlCol="0" anchor="ctr">
+            <a:noAutofit/>
+          </a:bodyPr>
+          <a:lstStyle/>
+          <a:p>
+            <a:pPr algn="ctr"/>
+            <a:endParaRPr lang="en-US" sz="3200"/>
+          </a:p>
+        </p:txBody>
+      </p:sp>
+      <p:sp>
+        <p:nvSpPr>
+          <p:cNvPr id="16" name="Rectangle 15">
+            <a:extLst>
+              <a:ext uri="{FF2B5EF4-FFF2-40B4-BE49-F238E27FC236}">
+                <a16:creationId xmlns:a16="http://schemas.microsoft.com/office/drawing/2014/main" id="{03A26EFF-41E0-D74C-AFAB-C2FC7AAC36F8}"/>
+              </a:ext>
+            </a:extLst>
+          </p:cNvPr>
+          <p:cNvSpPr/>
+          <p:nvPr/>
+        </p:nvSpPr>
+        <p:spPr>
+          <a:xfrm>
+            <a:off x="7540391" y="357809"/>
+            <a:ext cx="3788228" cy="2628900"/>
+          </a:xfrm>
+          <a:prstGeom prst="rect">
+            <a:avLst/>
+          </a:prstGeom>
+          <a:solidFill>
+            <a:srgbClr val="FFB637"/>
+          </a:solidFill>
+          <a:ln>
+            <a:noFill/>
+          </a:ln>
+        </p:spPr>
+        <p:style>
+          <a:lnRef idx="2">
+            <a:schemeClr val="accent2">
+              <a:shade val="50000"/>
+            </a:schemeClr>
+          </a:lnRef>
+          <a:fillRef idx="1">
+            <a:schemeClr val="accent2"/>
+          </a:fillRef>
+          <a:effectRef idx="0">
+            <a:schemeClr val="accent2"/>
+          </a:effectRef>
+          <a:fontRef idx="minor">
+            <a:schemeClr val="lt1"/>
+          </a:fontRef>
+        </p:style>
+        <p:txBody>
+          <a:bodyPr wrap="square" rtlCol="0" anchor="ctr">
+            <a:noAutofit/>
+          </a:bodyPr>
+          <a:lstStyle/>
+          <a:p>
+            <a:pPr algn="ctr"/>
+            <a:endParaRPr lang="en-US" sz="3200"/>
           </a:p>
         </p:txBody>
       </p:sp>
@@ -15028,7 +15456,7 @@
         </p:nvSpPr>
         <p:spPr>
           <a:xfrm>
-            <a:off x="1987826" y="2809461"/>
+            <a:off x="265043" y="3059669"/>
             <a:ext cx="534121" cy="369332"/>
           </a:xfrm>
           <a:prstGeom prst="rect">
@@ -15063,7 +15491,7 @@
         </p:nvSpPr>
         <p:spPr>
           <a:xfrm>
-            <a:off x="5930820" y="973253"/>
+            <a:off x="2299724" y="1223461"/>
             <a:ext cx="2481944" cy="1436915"/>
           </a:xfrm>
           <a:custGeom>
@@ -15164,7 +15592,7 @@
         </p:nvSpPr>
         <p:spPr>
           <a:xfrm>
-            <a:off x="5277678" y="549893"/>
+            <a:off x="1646582" y="800101"/>
             <a:ext cx="3788228" cy="5257800"/>
           </a:xfrm>
           <a:prstGeom prst="rect">
@@ -15216,7 +15644,7 @@
         </p:nvSpPr>
         <p:spPr>
           <a:xfrm>
-            <a:off x="5930820" y="4370778"/>
+            <a:off x="2299724" y="4620986"/>
             <a:ext cx="2481944" cy="1436915"/>
           </a:xfrm>
           <a:custGeom>
@@ -15317,7 +15745,7 @@
         </p:nvSpPr>
         <p:spPr>
           <a:xfrm>
-            <a:off x="5277678" y="3178792"/>
+            <a:off x="1646582" y="3429000"/>
             <a:ext cx="3788228" cy="2628900"/>
           </a:xfrm>
           <a:custGeom>
@@ -15447,7 +15875,7 @@
         </p:nvCxnSpPr>
         <p:spPr>
           <a:xfrm>
-            <a:off x="5277678" y="2809460"/>
+            <a:off x="1646582" y="3059668"/>
             <a:ext cx="3788228" cy="0"/>
           </a:xfrm>
           <a:prstGeom prst="line">
@@ -15474,42 +15902,270 @@
           </a:fontRef>
         </p:style>
       </p:cxnSp>
-    </p:spTree>
-    <p:extLst>
-      <p:ext uri="{BB962C8B-B14F-4D97-AF65-F5344CB8AC3E}">
-        <p14:creationId xmlns:p14="http://schemas.microsoft.com/office/powerpoint/2010/main" val="680577327"/>
-      </p:ext>
-    </p:extLst>
-  </p:cSld>
-  <p:clrMapOvr>
-    <a:masterClrMapping/>
-  </p:clrMapOvr>
-</p:sld>
-</file>
-
-<file path=ppt/slides/slide18.xml><?xml version="1.0" encoding="utf-8"?>
-<p:sld xmlns:a="http://schemas.openxmlformats.org/drawingml/2006/main" xmlns:r="http://schemas.openxmlformats.org/officeDocument/2006/relationships" xmlns:p="http://schemas.openxmlformats.org/presentationml/2006/main">
-  <p:cSld>
-    <p:spTree>
-      <p:nvGrpSpPr>
-        <p:cNvPr id="1" name=""/>
-        <p:cNvGrpSpPr/>
-        <p:nvPr/>
-      </p:nvGrpSpPr>
-      <p:grpSpPr>
-        <a:xfrm>
-          <a:off x="0" y="0"/>
-          <a:ext cx="0" cy="0"/>
-          <a:chOff x="0" y="0"/>
-          <a:chExt cx="0" cy="0"/>
-        </a:xfrm>
-      </p:grpSpPr>
+      <p:sp>
+        <p:nvSpPr>
+          <p:cNvPr id="9" name="Rectangle 8">
+            <a:extLst>
+              <a:ext uri="{FF2B5EF4-FFF2-40B4-BE49-F238E27FC236}">
+                <a16:creationId xmlns:a16="http://schemas.microsoft.com/office/drawing/2014/main" id="{D3A8DC09-F39C-9B4F-9D70-34C2C49387F6}"/>
+              </a:ext>
+            </a:extLst>
+          </p:cNvPr>
+          <p:cNvSpPr/>
+          <p:nvPr/>
+        </p:nvSpPr>
+        <p:spPr>
+          <a:xfrm>
+            <a:off x="6622773" y="800101"/>
+            <a:ext cx="3788228" cy="5257800"/>
+          </a:xfrm>
+          <a:prstGeom prst="rect">
+            <a:avLst/>
+          </a:prstGeom>
+          <a:noFill/>
+          <a:ln w="38100">
+            <a:solidFill>
+              <a:schemeClr val="bg1"/>
+            </a:solidFill>
+          </a:ln>
+        </p:spPr>
+        <p:style>
+          <a:lnRef idx="2">
+            <a:schemeClr val="accent1">
+              <a:shade val="50000"/>
+            </a:schemeClr>
+          </a:lnRef>
+          <a:fillRef idx="1">
+            <a:schemeClr val="accent1"/>
+          </a:fillRef>
+          <a:effectRef idx="0">
+            <a:schemeClr val="accent1"/>
+          </a:effectRef>
+          <a:fontRef idx="minor">
+            <a:schemeClr val="lt1"/>
+          </a:fontRef>
+        </p:style>
+        <p:txBody>
+          <a:bodyPr rtlCol="0" anchor="ctr"/>
+          <a:lstStyle/>
+          <a:p>
+            <a:pPr algn="ctr"/>
+            <a:endParaRPr lang="en-US"/>
+          </a:p>
+        </p:txBody>
+      </p:sp>
+      <p:sp>
+        <p:nvSpPr>
+          <p:cNvPr id="12" name="Freeform 11">
+            <a:extLst>
+              <a:ext uri="{FF2B5EF4-FFF2-40B4-BE49-F238E27FC236}">
+                <a16:creationId xmlns:a16="http://schemas.microsoft.com/office/drawing/2014/main" id="{C540459A-8677-5A43-B11C-3C9E523497DA}"/>
+              </a:ext>
+            </a:extLst>
+          </p:cNvPr>
+          <p:cNvSpPr/>
+          <p:nvPr/>
+        </p:nvSpPr>
+        <p:spPr>
+          <a:xfrm>
+            <a:off x="6622773" y="3429000"/>
+            <a:ext cx="3788228" cy="2628900"/>
+          </a:xfrm>
+          <a:custGeom>
+            <a:avLst/>
+            <a:gdLst>
+              <a:gd name="connsiteX0" fmla="*/ 0 w 3788228"/>
+              <a:gd name="connsiteY0" fmla="*/ 0 h 2628900"/>
+              <a:gd name="connsiteX1" fmla="*/ 3788228 w 3788228"/>
+              <a:gd name="connsiteY1" fmla="*/ 0 h 2628900"/>
+              <a:gd name="connsiteX2" fmla="*/ 3788228 w 3788228"/>
+              <a:gd name="connsiteY2" fmla="*/ 2628900 h 2628900"/>
+              <a:gd name="connsiteX3" fmla="*/ 3135086 w 3788228"/>
+              <a:gd name="connsiteY3" fmla="*/ 2628900 h 2628900"/>
+              <a:gd name="connsiteX4" fmla="*/ 1894114 w 3788228"/>
+              <a:gd name="connsiteY4" fmla="*/ 1191985 h 2628900"/>
+              <a:gd name="connsiteX5" fmla="*/ 653142 w 3788228"/>
+              <a:gd name="connsiteY5" fmla="*/ 2628900 h 2628900"/>
+              <a:gd name="connsiteX6" fmla="*/ 0 w 3788228"/>
+              <a:gd name="connsiteY6" fmla="*/ 2628900 h 2628900"/>
+              <a:gd name="connsiteX7" fmla="*/ 0 w 3788228"/>
+              <a:gd name="connsiteY7" fmla="*/ 0 h 2628900"/>
+            </a:gdLst>
+            <a:ahLst/>
+            <a:cxnLst>
+              <a:cxn ang="0">
+                <a:pos x="connsiteX0" y="connsiteY0"/>
+              </a:cxn>
+              <a:cxn ang="0">
+                <a:pos x="connsiteX1" y="connsiteY1"/>
+              </a:cxn>
+              <a:cxn ang="0">
+                <a:pos x="connsiteX2" y="connsiteY2"/>
+              </a:cxn>
+              <a:cxn ang="0">
+                <a:pos x="connsiteX3" y="connsiteY3"/>
+              </a:cxn>
+              <a:cxn ang="0">
+                <a:pos x="connsiteX4" y="connsiteY4"/>
+              </a:cxn>
+              <a:cxn ang="0">
+                <a:pos x="connsiteX5" y="connsiteY5"/>
+              </a:cxn>
+              <a:cxn ang="0">
+                <a:pos x="connsiteX6" y="connsiteY6"/>
+              </a:cxn>
+              <a:cxn ang="0">
+                <a:pos x="connsiteX7" y="connsiteY7"/>
+              </a:cxn>
+            </a:cxnLst>
+            <a:rect l="l" t="t" r="r" b="b"/>
+            <a:pathLst>
+              <a:path w="3788228" h="2628900">
+                <a:moveTo>
+                  <a:pt x="0" y="0"/>
+                </a:moveTo>
+                <a:lnTo>
+                  <a:pt x="3788228" y="0"/>
+                </a:lnTo>
+                <a:lnTo>
+                  <a:pt x="3788228" y="2628900"/>
+                </a:lnTo>
+                <a:lnTo>
+                  <a:pt x="3135086" y="2628900"/>
+                </a:lnTo>
+                <a:cubicBezTo>
+                  <a:pt x="3135086" y="1835314"/>
+                  <a:pt x="2579484" y="1191985"/>
+                  <a:pt x="1894114" y="1191985"/>
+                </a:cubicBezTo>
+                <a:cubicBezTo>
+                  <a:pt x="1208744" y="1191985"/>
+                  <a:pt x="653142" y="1835314"/>
+                  <a:pt x="653142" y="2628900"/>
+                </a:cubicBezTo>
+                <a:lnTo>
+                  <a:pt x="0" y="2628900"/>
+                </a:lnTo>
+                <a:lnTo>
+                  <a:pt x="0" y="0"/>
+                </a:lnTo>
+                <a:close/>
+              </a:path>
+            </a:pathLst>
+          </a:custGeom>
+          <a:ln>
+            <a:noFill/>
+          </a:ln>
+        </p:spPr>
+        <p:style>
+          <a:lnRef idx="2">
+            <a:schemeClr val="accent6">
+              <a:shade val="50000"/>
+            </a:schemeClr>
+          </a:lnRef>
+          <a:fillRef idx="1">
+            <a:schemeClr val="accent6"/>
+          </a:fillRef>
+          <a:effectRef idx="0">
+            <a:schemeClr val="accent6"/>
+          </a:effectRef>
+          <a:fontRef idx="minor">
+            <a:schemeClr val="lt1"/>
+          </a:fontRef>
+        </p:style>
+        <p:txBody>
+          <a:bodyPr wrap="square" rtlCol="0" anchor="ctr">
+            <a:noAutofit/>
+          </a:bodyPr>
+          <a:lstStyle/>
+          <a:p>
+            <a:pPr algn="ctr"/>
+            <a:endParaRPr lang="en-US" sz="3200"/>
+          </a:p>
+        </p:txBody>
+      </p:sp>
+      <p:cxnSp>
+        <p:nvCxnSpPr>
+          <p:cNvPr id="13" name="Straight Connector 12">
+            <a:extLst>
+              <a:ext uri="{FF2B5EF4-FFF2-40B4-BE49-F238E27FC236}">
+                <a16:creationId xmlns:a16="http://schemas.microsoft.com/office/drawing/2014/main" id="{52F82559-9E02-6442-BDC2-794CA22A725E}"/>
+              </a:ext>
+            </a:extLst>
+          </p:cNvPr>
+          <p:cNvCxnSpPr/>
+          <p:nvPr/>
+        </p:nvCxnSpPr>
+        <p:spPr>
+          <a:xfrm>
+            <a:off x="6622773" y="3059668"/>
+            <a:ext cx="3788228" cy="0"/>
+          </a:xfrm>
+          <a:prstGeom prst="line">
+            <a:avLst/>
+          </a:prstGeom>
+          <a:ln w="44450">
+            <a:solidFill>
+              <a:schemeClr val="tx1"/>
+            </a:solidFill>
+          </a:ln>
+        </p:spPr>
+        <p:style>
+          <a:lnRef idx="1">
+            <a:schemeClr val="accent1"/>
+          </a:lnRef>
+          <a:fillRef idx="0">
+            <a:schemeClr val="accent1"/>
+          </a:fillRef>
+          <a:effectRef idx="0">
+            <a:schemeClr val="accent1"/>
+          </a:effectRef>
+          <a:fontRef idx="minor">
+            <a:schemeClr val="tx1"/>
+          </a:fontRef>
+        </p:style>
+      </p:cxnSp>
+      <p:sp>
+        <p:nvSpPr>
+          <p:cNvPr id="2" name="TextBox 1">
+            <a:extLst>
+              <a:ext uri="{FF2B5EF4-FFF2-40B4-BE49-F238E27FC236}">
+                <a16:creationId xmlns:a16="http://schemas.microsoft.com/office/drawing/2014/main" id="{CF28F107-FF14-B941-A60D-7A358DB90691}"/>
+              </a:ext>
+            </a:extLst>
+          </p:cNvPr>
+          <p:cNvSpPr txBox="1"/>
+          <p:nvPr/>
+        </p:nvSpPr>
+        <p:spPr>
+          <a:xfrm>
+            <a:off x="8322366" y="1586513"/>
+            <a:ext cx="393056" cy="584775"/>
+          </a:xfrm>
+          <a:prstGeom prst="rect">
+            <a:avLst/>
+          </a:prstGeom>
+          <a:noFill/>
+        </p:spPr>
+        <p:txBody>
+          <a:bodyPr wrap="none" rtlCol="0">
+            <a:spAutoFit/>
+          </a:bodyPr>
+          <a:lstStyle/>
+          <a:p>
+            <a:r>
+              <a:rPr lang="en-US" sz="3200" dirty="0"/>
+              <a:t>0</a:t>
+            </a:r>
+          </a:p>
+        </p:txBody>
+      </p:sp>
       <p:grpSp>
         <p:nvGrpSpPr>
-          <p:cNvPr id="2" name="Group 1">
+          <p:cNvPr id="15" name="Group 14">
             <a:extLst>
               <a:ext uri="{FF2B5EF4-FFF2-40B4-BE49-F238E27FC236}">
-                <a16:creationId xmlns:a16="http://schemas.microsoft.com/office/drawing/2014/main" id="{E86E805A-4979-B840-912E-351302787F30}"/>
+                <a16:creationId xmlns:a16="http://schemas.microsoft.com/office/drawing/2014/main" id="{7C9E0C36-2E01-5447-920F-F8E6925D34F8}"/>
               </a:ext>
             </a:extLst>
           </p:cNvPr>
@@ -15518,18 +16174,18 @@
         </p:nvGrpSpPr>
         <p:grpSpPr>
           <a:xfrm>
-            <a:off x="188845" y="685940"/>
-            <a:ext cx="11809469" cy="5276355"/>
-            <a:chOff x="188845" y="685940"/>
-            <a:chExt cx="11809469" cy="5276355"/>
+            <a:off x="6622773" y="3429000"/>
+            <a:ext cx="3788228" cy="2628900"/>
+            <a:chOff x="838199" y="691243"/>
+            <a:chExt cx="3788228" cy="2628900"/>
           </a:xfrm>
         </p:grpSpPr>
         <p:sp>
           <p:nvSpPr>
-            <p:cNvPr id="37" name="Freeform 36">
+            <p:cNvPr id="17" name="Rectangle 16">
               <a:extLst>
                 <a:ext uri="{FF2B5EF4-FFF2-40B4-BE49-F238E27FC236}">
-                  <a16:creationId xmlns:a16="http://schemas.microsoft.com/office/drawing/2014/main" id="{9F8FCFD2-0506-DA48-B22E-6C2E9C6B462E}"/>
+                  <a16:creationId xmlns:a16="http://schemas.microsoft.com/office/drawing/2014/main" id="{5BEEA671-42A9-8F4A-9D0E-CA52B090CF10}"/>
                 </a:ext>
               </a:extLst>
             </p:cNvPr>
@@ -15538,299 +16194,12 @@
           </p:nvSpPr>
           <p:spPr>
             <a:xfrm>
-              <a:off x="841987" y="3333397"/>
-              <a:ext cx="2481944" cy="1436915"/>
-            </a:xfrm>
-            <a:custGeom>
-              <a:avLst/>
-              <a:gdLst>
-                <a:gd name="connsiteX0" fmla="*/ 0 w 2481944"/>
-                <a:gd name="connsiteY0" fmla="*/ 0 h 1436915"/>
-                <a:gd name="connsiteX1" fmla="*/ 2481944 w 2481944"/>
-                <a:gd name="connsiteY1" fmla="*/ 0 h 1436915"/>
-                <a:gd name="connsiteX2" fmla="*/ 1240972 w 2481944"/>
-                <a:gd name="connsiteY2" fmla="*/ 1436915 h 1436915"/>
-                <a:gd name="connsiteX3" fmla="*/ 0 w 2481944"/>
-                <a:gd name="connsiteY3" fmla="*/ 0 h 1436915"/>
-              </a:gdLst>
-              <a:ahLst/>
-              <a:cxnLst>
-                <a:cxn ang="0">
-                  <a:pos x="connsiteX0" y="connsiteY0"/>
-                </a:cxn>
-                <a:cxn ang="0">
-                  <a:pos x="connsiteX1" y="connsiteY1"/>
-                </a:cxn>
-                <a:cxn ang="0">
-                  <a:pos x="connsiteX2" y="connsiteY2"/>
-                </a:cxn>
-                <a:cxn ang="0">
-                  <a:pos x="connsiteX3" y="connsiteY3"/>
-                </a:cxn>
-              </a:cxnLst>
-              <a:rect l="l" t="t" r="r" b="b"/>
-              <a:pathLst>
-                <a:path w="2481944" h="1436915">
-                  <a:moveTo>
-                    <a:pt x="0" y="0"/>
-                  </a:moveTo>
-                  <a:lnTo>
-                    <a:pt x="2481944" y="0"/>
-                  </a:lnTo>
-                  <a:cubicBezTo>
-                    <a:pt x="2481944" y="793586"/>
-                    <a:pt x="1926342" y="1436915"/>
-                    <a:pt x="1240972" y="1436915"/>
-                  </a:cubicBezTo>
-                  <a:cubicBezTo>
-                    <a:pt x="555602" y="1436915"/>
-                    <a:pt x="0" y="793586"/>
-                    <a:pt x="0" y="0"/>
-                  </a:cubicBezTo>
-                  <a:close/>
-                </a:path>
-              </a:pathLst>
-            </a:custGeom>
-            <a:solidFill>
-              <a:srgbClr val="FFB637"/>
-            </a:solidFill>
-            <a:ln>
-              <a:noFill/>
-            </a:ln>
-          </p:spPr>
-          <p:style>
-            <a:lnRef idx="2">
-              <a:schemeClr val="accent2">
-                <a:shade val="50000"/>
-              </a:schemeClr>
-            </a:lnRef>
-            <a:fillRef idx="1">
-              <a:schemeClr val="accent2"/>
-            </a:fillRef>
-            <a:effectRef idx="0">
-              <a:schemeClr val="accent2"/>
-            </a:effectRef>
-            <a:fontRef idx="minor">
-              <a:schemeClr val="lt1"/>
-            </a:fontRef>
-          </p:style>
-          <p:txBody>
-            <a:bodyPr wrap="square" rtlCol="0" anchor="ctr">
-              <a:noAutofit/>
-            </a:bodyPr>
-            <a:lstStyle/>
-            <a:p>
-              <a:pPr algn="ctr"/>
-              <a:endParaRPr lang="en-US" sz="3200"/>
-            </a:p>
-          </p:txBody>
-        </p:sp>
-        <p:sp>
-          <p:nvSpPr>
-            <p:cNvPr id="36" name="Freeform 35">
-              <a:extLst>
-                <a:ext uri="{FF2B5EF4-FFF2-40B4-BE49-F238E27FC236}">
-                  <a16:creationId xmlns:a16="http://schemas.microsoft.com/office/drawing/2014/main" id="{84AE7645-8464-8545-8CA9-62B88C3A04E9}"/>
-                </a:ext>
-              </a:extLst>
-            </p:cNvPr>
-            <p:cNvSpPr/>
-            <p:nvPr/>
-          </p:nvSpPr>
-          <p:spPr>
-            <a:xfrm>
-              <a:off x="188845" y="3333395"/>
+              <a:off x="838199" y="691243"/>
               <a:ext cx="3788228" cy="2628900"/>
             </a:xfrm>
-            <a:custGeom>
+            <a:prstGeom prst="rect">
               <a:avLst/>
-              <a:gdLst>
-                <a:gd name="connsiteX0" fmla="*/ 0 w 3788228"/>
-                <a:gd name="connsiteY0" fmla="*/ 0 h 2628900"/>
-                <a:gd name="connsiteX1" fmla="*/ 3788228 w 3788228"/>
-                <a:gd name="connsiteY1" fmla="*/ 0 h 2628900"/>
-                <a:gd name="connsiteX2" fmla="*/ 3788228 w 3788228"/>
-                <a:gd name="connsiteY2" fmla="*/ 2628900 h 2628900"/>
-                <a:gd name="connsiteX3" fmla="*/ 0 w 3788228"/>
-                <a:gd name="connsiteY3" fmla="*/ 2628900 h 2628900"/>
-                <a:gd name="connsiteX4" fmla="*/ 0 w 3788228"/>
-                <a:gd name="connsiteY4" fmla="*/ 0 h 2628900"/>
-                <a:gd name="connsiteX5" fmla="*/ 653142 w 3788228"/>
-                <a:gd name="connsiteY5" fmla="*/ 1 h 2628900"/>
-                <a:gd name="connsiteX6" fmla="*/ 1894114 w 3788228"/>
-                <a:gd name="connsiteY6" fmla="*/ 1436916 h 2628900"/>
-                <a:gd name="connsiteX7" fmla="*/ 3135086 w 3788228"/>
-                <a:gd name="connsiteY7" fmla="*/ 1 h 2628900"/>
-                <a:gd name="connsiteX8" fmla="*/ 653142 w 3788228"/>
-                <a:gd name="connsiteY8" fmla="*/ 1 h 2628900"/>
-              </a:gdLst>
-              <a:ahLst/>
-              <a:cxnLst>
-                <a:cxn ang="0">
-                  <a:pos x="connsiteX0" y="connsiteY0"/>
-                </a:cxn>
-                <a:cxn ang="0">
-                  <a:pos x="connsiteX1" y="connsiteY1"/>
-                </a:cxn>
-                <a:cxn ang="0">
-                  <a:pos x="connsiteX2" y="connsiteY2"/>
-                </a:cxn>
-                <a:cxn ang="0">
-                  <a:pos x="connsiteX3" y="connsiteY3"/>
-                </a:cxn>
-                <a:cxn ang="0">
-                  <a:pos x="connsiteX4" y="connsiteY4"/>
-                </a:cxn>
-                <a:cxn ang="0">
-                  <a:pos x="connsiteX5" y="connsiteY5"/>
-                </a:cxn>
-                <a:cxn ang="0">
-                  <a:pos x="connsiteX6" y="connsiteY6"/>
-                </a:cxn>
-                <a:cxn ang="0">
-                  <a:pos x="connsiteX7" y="connsiteY7"/>
-                </a:cxn>
-                <a:cxn ang="0">
-                  <a:pos x="connsiteX8" y="connsiteY8"/>
-                </a:cxn>
-              </a:cxnLst>
-              <a:rect l="l" t="t" r="r" b="b"/>
-              <a:pathLst>
-                <a:path w="3788228" h="2628900">
-                  <a:moveTo>
-                    <a:pt x="0" y="0"/>
-                  </a:moveTo>
-                  <a:lnTo>
-                    <a:pt x="3788228" y="0"/>
-                  </a:lnTo>
-                  <a:lnTo>
-                    <a:pt x="3788228" y="2628900"/>
-                  </a:lnTo>
-                  <a:lnTo>
-                    <a:pt x="0" y="2628900"/>
-                  </a:lnTo>
-                  <a:lnTo>
-                    <a:pt x="0" y="0"/>
-                  </a:lnTo>
-                  <a:close/>
-                  <a:moveTo>
-                    <a:pt x="653142" y="1"/>
-                  </a:moveTo>
-                  <a:cubicBezTo>
-                    <a:pt x="653142" y="793587"/>
-                    <a:pt x="1208744" y="1436916"/>
-                    <a:pt x="1894114" y="1436916"/>
-                  </a:cubicBezTo>
-                  <a:cubicBezTo>
-                    <a:pt x="2579484" y="1436916"/>
-                    <a:pt x="3135086" y="793587"/>
-                    <a:pt x="3135086" y="1"/>
-                  </a:cubicBezTo>
-                  <a:lnTo>
-                    <a:pt x="653142" y="1"/>
-                  </a:lnTo>
-                  <a:close/>
-                </a:path>
-              </a:pathLst>
-            </a:custGeom>
-            <a:ln>
-              <a:noFill/>
-            </a:ln>
-          </p:spPr>
-          <p:style>
-            <a:lnRef idx="2">
-              <a:schemeClr val="accent2">
-                <a:shade val="50000"/>
-              </a:schemeClr>
-            </a:lnRef>
-            <a:fillRef idx="1">
-              <a:schemeClr val="accent2"/>
-            </a:fillRef>
-            <a:effectRef idx="0">
-              <a:schemeClr val="accent2"/>
-            </a:effectRef>
-            <a:fontRef idx="minor">
-              <a:schemeClr val="lt1"/>
-            </a:fontRef>
-          </p:style>
-          <p:txBody>
-            <a:bodyPr wrap="square" rtlCol="0" anchor="ctr">
-              <a:noAutofit/>
-            </a:bodyPr>
-            <a:lstStyle/>
-            <a:p>
-              <a:pPr algn="ctr"/>
-              <a:endParaRPr lang="en-US" sz="3200"/>
-            </a:p>
-          </p:txBody>
-        </p:sp>
-        <p:sp>
-          <p:nvSpPr>
-            <p:cNvPr id="35" name="Freeform 34">
-              <a:extLst>
-                <a:ext uri="{FF2B5EF4-FFF2-40B4-BE49-F238E27FC236}">
-                  <a16:creationId xmlns:a16="http://schemas.microsoft.com/office/drawing/2014/main" id="{D0FB79E9-0D77-2246-BDDC-B92BC134DECE}"/>
-                </a:ext>
-              </a:extLst>
-            </p:cNvPr>
-            <p:cNvSpPr/>
-            <p:nvPr/>
-          </p:nvSpPr>
-          <p:spPr>
-            <a:xfrm>
-              <a:off x="841987" y="1896481"/>
-              <a:ext cx="2481944" cy="1436915"/>
-            </a:xfrm>
-            <a:custGeom>
-              <a:avLst/>
-              <a:gdLst>
-                <a:gd name="connsiteX0" fmla="*/ 1240972 w 2481944"/>
-                <a:gd name="connsiteY0" fmla="*/ 0 h 1436915"/>
-                <a:gd name="connsiteX1" fmla="*/ 2481944 w 2481944"/>
-                <a:gd name="connsiteY1" fmla="*/ 1436915 h 1436915"/>
-                <a:gd name="connsiteX2" fmla="*/ 0 w 2481944"/>
-                <a:gd name="connsiteY2" fmla="*/ 1436915 h 1436915"/>
-                <a:gd name="connsiteX3" fmla="*/ 1240972 w 2481944"/>
-                <a:gd name="connsiteY3" fmla="*/ 0 h 1436915"/>
-              </a:gdLst>
-              <a:ahLst/>
-              <a:cxnLst>
-                <a:cxn ang="0">
-                  <a:pos x="connsiteX0" y="connsiteY0"/>
-                </a:cxn>
-                <a:cxn ang="0">
-                  <a:pos x="connsiteX1" y="connsiteY1"/>
-                </a:cxn>
-                <a:cxn ang="0">
-                  <a:pos x="connsiteX2" y="connsiteY2"/>
-                </a:cxn>
-                <a:cxn ang="0">
-                  <a:pos x="connsiteX3" y="connsiteY3"/>
-                </a:cxn>
-              </a:cxnLst>
-              <a:rect l="l" t="t" r="r" b="b"/>
-              <a:pathLst>
-                <a:path w="2481944" h="1436915">
-                  <a:moveTo>
-                    <a:pt x="1240972" y="0"/>
-                  </a:moveTo>
-                  <a:cubicBezTo>
-                    <a:pt x="1926342" y="0"/>
-                    <a:pt x="2481944" y="643329"/>
-                    <a:pt x="2481944" y="1436915"/>
-                  </a:cubicBezTo>
-                  <a:lnTo>
-                    <a:pt x="0" y="1436915"/>
-                  </a:lnTo>
-                  <a:cubicBezTo>
-                    <a:pt x="0" y="643329"/>
-                    <a:pt x="555602" y="0"/>
-                    <a:pt x="1240972" y="0"/>
-                  </a:cubicBezTo>
-                  <a:close/>
-                </a:path>
-              </a:pathLst>
-            </a:custGeom>
+            </a:prstGeom>
             <a:solidFill>
               <a:srgbClr val="A4FF65"/>
             </a:solidFill>
@@ -15867,311 +16236,24 @@
         </p:sp>
         <p:sp>
           <p:nvSpPr>
-            <p:cNvPr id="34" name="Freeform 33">
+            <p:cNvPr id="20" name="TextBox 19">
               <a:extLst>
                 <a:ext uri="{FF2B5EF4-FFF2-40B4-BE49-F238E27FC236}">
-                  <a16:creationId xmlns:a16="http://schemas.microsoft.com/office/drawing/2014/main" id="{D425CB09-E260-C548-97AD-6E283FCDE461}"/>
+                  <a16:creationId xmlns:a16="http://schemas.microsoft.com/office/drawing/2014/main" id="{391CEA3C-994B-8A4B-87B5-FE19FDBCE420}"/>
                 </a:ext>
               </a:extLst>
             </p:cNvPr>
-            <p:cNvSpPr/>
+            <p:cNvSpPr txBox="1"/>
             <p:nvPr/>
           </p:nvSpPr>
           <p:spPr>
             <a:xfrm>
-              <a:off x="188845" y="704495"/>
-              <a:ext cx="3788228" cy="2628900"/>
-            </a:xfrm>
-            <a:custGeom>
-              <a:avLst/>
-              <a:gdLst>
-                <a:gd name="connsiteX0" fmla="*/ 0 w 3788228"/>
-                <a:gd name="connsiteY0" fmla="*/ 0 h 2628900"/>
-                <a:gd name="connsiteX1" fmla="*/ 3788228 w 3788228"/>
-                <a:gd name="connsiteY1" fmla="*/ 0 h 2628900"/>
-                <a:gd name="connsiteX2" fmla="*/ 3788228 w 3788228"/>
-                <a:gd name="connsiteY2" fmla="*/ 2628900 h 2628900"/>
-                <a:gd name="connsiteX3" fmla="*/ 3135086 w 3788228"/>
-                <a:gd name="connsiteY3" fmla="*/ 2628900 h 2628900"/>
-                <a:gd name="connsiteX4" fmla="*/ 1894114 w 3788228"/>
-                <a:gd name="connsiteY4" fmla="*/ 1191985 h 2628900"/>
-                <a:gd name="connsiteX5" fmla="*/ 653142 w 3788228"/>
-                <a:gd name="connsiteY5" fmla="*/ 2628900 h 2628900"/>
-                <a:gd name="connsiteX6" fmla="*/ 0 w 3788228"/>
-                <a:gd name="connsiteY6" fmla="*/ 2628900 h 2628900"/>
-                <a:gd name="connsiteX7" fmla="*/ 0 w 3788228"/>
-                <a:gd name="connsiteY7" fmla="*/ 0 h 2628900"/>
-              </a:gdLst>
-              <a:ahLst/>
-              <a:cxnLst>
-                <a:cxn ang="0">
-                  <a:pos x="connsiteX0" y="connsiteY0"/>
-                </a:cxn>
-                <a:cxn ang="0">
-                  <a:pos x="connsiteX1" y="connsiteY1"/>
-                </a:cxn>
-                <a:cxn ang="0">
-                  <a:pos x="connsiteX2" y="connsiteY2"/>
-                </a:cxn>
-                <a:cxn ang="0">
-                  <a:pos x="connsiteX3" y="connsiteY3"/>
-                </a:cxn>
-                <a:cxn ang="0">
-                  <a:pos x="connsiteX4" y="connsiteY4"/>
-                </a:cxn>
-                <a:cxn ang="0">
-                  <a:pos x="connsiteX5" y="connsiteY5"/>
-                </a:cxn>
-                <a:cxn ang="0">
-                  <a:pos x="connsiteX6" y="connsiteY6"/>
-                </a:cxn>
-                <a:cxn ang="0">
-                  <a:pos x="connsiteX7" y="connsiteY7"/>
-                </a:cxn>
-              </a:cxnLst>
-              <a:rect l="l" t="t" r="r" b="b"/>
-              <a:pathLst>
-                <a:path w="3788228" h="2628900">
-                  <a:moveTo>
-                    <a:pt x="0" y="0"/>
-                  </a:moveTo>
-                  <a:lnTo>
-                    <a:pt x="3788228" y="0"/>
-                  </a:lnTo>
-                  <a:lnTo>
-                    <a:pt x="3788228" y="2628900"/>
-                  </a:lnTo>
-                  <a:lnTo>
-                    <a:pt x="3135086" y="2628900"/>
-                  </a:lnTo>
-                  <a:cubicBezTo>
-                    <a:pt x="3135086" y="1835314"/>
-                    <a:pt x="2579484" y="1191985"/>
-                    <a:pt x="1894114" y="1191985"/>
-                  </a:cubicBezTo>
-                  <a:cubicBezTo>
-                    <a:pt x="1208744" y="1191985"/>
-                    <a:pt x="653142" y="1835314"/>
-                    <a:pt x="653142" y="2628900"/>
-                  </a:cubicBezTo>
-                  <a:lnTo>
-                    <a:pt x="0" y="2628900"/>
-                  </a:lnTo>
-                  <a:lnTo>
-                    <a:pt x="0" y="0"/>
-                  </a:lnTo>
-                  <a:close/>
-                </a:path>
-              </a:pathLst>
-            </a:custGeom>
-            <a:ln>
-              <a:noFill/>
-            </a:ln>
-          </p:spPr>
-          <p:style>
-            <a:lnRef idx="2">
-              <a:schemeClr val="accent6">
-                <a:shade val="50000"/>
-              </a:schemeClr>
-            </a:lnRef>
-            <a:fillRef idx="1">
-              <a:schemeClr val="accent6"/>
-            </a:fillRef>
-            <a:effectRef idx="0">
-              <a:schemeClr val="accent6"/>
-            </a:effectRef>
-            <a:fontRef idx="minor">
-              <a:schemeClr val="lt1"/>
-            </a:fontRef>
-          </p:style>
-          <p:txBody>
-            <a:bodyPr wrap="square" rtlCol="0" anchor="ctr">
-              <a:noAutofit/>
-            </a:bodyPr>
-            <a:lstStyle/>
-            <a:p>
-              <a:pPr algn="ctr"/>
-              <a:endParaRPr lang="en-US" sz="3200"/>
-            </a:p>
-          </p:txBody>
-        </p:sp>
-        <p:sp>
-          <p:nvSpPr>
-            <p:cNvPr id="29" name="Rectangle 28">
-              <a:extLst>
-                <a:ext uri="{FF2B5EF4-FFF2-40B4-BE49-F238E27FC236}">
-                  <a16:creationId xmlns:a16="http://schemas.microsoft.com/office/drawing/2014/main" id="{022FBC10-3869-7247-B8FB-B3CBC442C216}"/>
-                </a:ext>
-              </a:extLst>
-            </p:cNvPr>
-            <p:cNvSpPr/>
-            <p:nvPr/>
-          </p:nvSpPr>
-          <p:spPr>
-            <a:xfrm>
-              <a:off x="188845" y="704495"/>
-              <a:ext cx="3788228" cy="5257800"/>
+              <a:off x="1612038" y="1713306"/>
+              <a:ext cx="184731" cy="584775"/>
             </a:xfrm>
             <a:prstGeom prst="rect">
               <a:avLst/>
             </a:prstGeom>
-            <a:noFill/>
-            <a:ln w="38100"/>
-          </p:spPr>
-          <p:style>
-            <a:lnRef idx="2">
-              <a:schemeClr val="accent1">
-                <a:shade val="50000"/>
-              </a:schemeClr>
-            </a:lnRef>
-            <a:fillRef idx="1">
-              <a:schemeClr val="accent1"/>
-            </a:fillRef>
-            <a:effectRef idx="0">
-              <a:schemeClr val="accent1"/>
-            </a:effectRef>
-            <a:fontRef idx="minor">
-              <a:schemeClr val="lt1"/>
-            </a:fontRef>
-          </p:style>
-          <p:txBody>
-            <a:bodyPr rtlCol="0" anchor="ctr"/>
-            <a:lstStyle/>
-            <a:p>
-              <a:pPr algn="ctr"/>
-              <a:endParaRPr lang="en-US"/>
-            </a:p>
-          </p:txBody>
-        </p:sp>
-        <p:sp>
-          <p:nvSpPr>
-            <p:cNvPr id="20" name="Rectangle 19">
-              <a:extLst>
-                <a:ext uri="{FF2B5EF4-FFF2-40B4-BE49-F238E27FC236}">
-                  <a16:creationId xmlns:a16="http://schemas.microsoft.com/office/drawing/2014/main" id="{1E9B20D4-35BA-F546-802B-ED89E44F5607}"/>
-                </a:ext>
-              </a:extLst>
-            </p:cNvPr>
-            <p:cNvSpPr/>
-            <p:nvPr/>
-          </p:nvSpPr>
-          <p:spPr>
-            <a:xfrm>
-              <a:off x="4186639" y="3314840"/>
-              <a:ext cx="3788228" cy="2628900"/>
-            </a:xfrm>
-            <a:prstGeom prst="rect">
-              <a:avLst/>
-            </a:prstGeom>
-          </p:spPr>
-          <p:style>
-            <a:lnRef idx="2">
-              <a:schemeClr val="accent2">
-                <a:shade val="50000"/>
-              </a:schemeClr>
-            </a:lnRef>
-            <a:fillRef idx="1">
-              <a:schemeClr val="accent2"/>
-            </a:fillRef>
-            <a:effectRef idx="0">
-              <a:schemeClr val="accent2"/>
-            </a:effectRef>
-            <a:fontRef idx="minor">
-              <a:schemeClr val="lt1"/>
-            </a:fontRef>
-          </p:style>
-          <p:txBody>
-            <a:bodyPr rtlCol="0" anchor="ctr"/>
-            <a:lstStyle/>
-            <a:p>
-              <a:pPr algn="ctr"/>
-              <a:endParaRPr lang="en-US" sz="3200"/>
-            </a:p>
-          </p:txBody>
-        </p:sp>
-        <p:sp>
-          <p:nvSpPr>
-            <p:cNvPr id="54" name="Freeform 53">
-              <a:extLst>
-                <a:ext uri="{FF2B5EF4-FFF2-40B4-BE49-F238E27FC236}">
-                  <a16:creationId xmlns:a16="http://schemas.microsoft.com/office/drawing/2014/main" id="{A0B96EF0-AFEA-584D-A681-0D64151F0C62}"/>
-                </a:ext>
-              </a:extLst>
-            </p:cNvPr>
-            <p:cNvSpPr/>
-            <p:nvPr/>
-          </p:nvSpPr>
-          <p:spPr>
-            <a:xfrm>
-              <a:off x="4954918" y="2479578"/>
-              <a:ext cx="2251670" cy="835263"/>
-            </a:xfrm>
-            <a:custGeom>
-              <a:avLst/>
-              <a:gdLst>
-                <a:gd name="connsiteX0" fmla="*/ 1125835 w 2251670"/>
-                <a:gd name="connsiteY0" fmla="*/ 0 h 835263"/>
-                <a:gd name="connsiteX1" fmla="*/ 2217028 w 2251670"/>
-                <a:gd name="connsiteY1" fmla="*/ 751996 h 835263"/>
-                <a:gd name="connsiteX2" fmla="*/ 2251670 w 2251670"/>
-                <a:gd name="connsiteY2" fmla="*/ 835263 h 835263"/>
-                <a:gd name="connsiteX3" fmla="*/ 0 w 2251670"/>
-                <a:gd name="connsiteY3" fmla="*/ 835263 h 835263"/>
-                <a:gd name="connsiteX4" fmla="*/ 34642 w 2251670"/>
-                <a:gd name="connsiteY4" fmla="*/ 751996 h 835263"/>
-                <a:gd name="connsiteX5" fmla="*/ 1125835 w 2251670"/>
-                <a:gd name="connsiteY5" fmla="*/ 0 h 835263"/>
-              </a:gdLst>
-              <a:ahLst/>
-              <a:cxnLst>
-                <a:cxn ang="0">
-                  <a:pos x="connsiteX0" y="connsiteY0"/>
-                </a:cxn>
-                <a:cxn ang="0">
-                  <a:pos x="connsiteX1" y="connsiteY1"/>
-                </a:cxn>
-                <a:cxn ang="0">
-                  <a:pos x="connsiteX2" y="connsiteY2"/>
-                </a:cxn>
-                <a:cxn ang="0">
-                  <a:pos x="connsiteX3" y="connsiteY3"/>
-                </a:cxn>
-                <a:cxn ang="0">
-                  <a:pos x="connsiteX4" y="connsiteY4"/>
-                </a:cxn>
-                <a:cxn ang="0">
-                  <a:pos x="connsiteX5" y="connsiteY5"/>
-                </a:cxn>
-              </a:cxnLst>
-              <a:rect l="l" t="t" r="r" b="b"/>
-              <a:pathLst>
-                <a:path w="2251670" h="835263">
-                  <a:moveTo>
-                    <a:pt x="1125835" y="0"/>
-                  </a:moveTo>
-                  <a:cubicBezTo>
-                    <a:pt x="1597027" y="0"/>
-                    <a:pt x="2006883" y="304074"/>
-                    <a:pt x="2217028" y="751996"/>
-                  </a:cubicBezTo>
-                  <a:lnTo>
-                    <a:pt x="2251670" y="835263"/>
-                  </a:lnTo>
-                  <a:lnTo>
-                    <a:pt x="0" y="835263"/>
-                  </a:lnTo>
-                  <a:lnTo>
-                    <a:pt x="34642" y="751996"/>
-                  </a:lnTo>
-                  <a:cubicBezTo>
-                    <a:pt x="244787" y="304074"/>
-                    <a:pt x="654643" y="0"/>
-                    <a:pt x="1125835" y="0"/>
-                  </a:cubicBezTo>
-                  <a:close/>
-                </a:path>
-              </a:pathLst>
-            </a:custGeom>
             <a:solidFill>
               <a:srgbClr val="A4FF65"/>
             </a:solidFill>
@@ -16199,1168 +16281,1947 @@
             <a:bodyPr wrap="square" rtlCol="0" anchor="ctr">
               <a:noAutofit/>
             </a:bodyPr>
-            <a:lstStyle/>
+            <a:lstStyle>
+              <a:defPPr>
+                <a:defRPr lang="en-US"/>
+              </a:defPPr>
+              <a:lvl1pPr algn="ctr">
+                <a:defRPr sz="3200">
+                  <a:solidFill>
+                    <a:schemeClr val="lt1"/>
+                  </a:solidFill>
+                </a:defRPr>
+              </a:lvl1pPr>
+              <a:lvl2pPr>
+                <a:defRPr>
+                  <a:solidFill>
+                    <a:schemeClr val="lt1"/>
+                  </a:solidFill>
+                </a:defRPr>
+              </a:lvl2pPr>
+              <a:lvl3pPr>
+                <a:defRPr>
+                  <a:solidFill>
+                    <a:schemeClr val="lt1"/>
+                  </a:solidFill>
+                </a:defRPr>
+              </a:lvl3pPr>
+              <a:lvl4pPr>
+                <a:defRPr>
+                  <a:solidFill>
+                    <a:schemeClr val="lt1"/>
+                  </a:solidFill>
+                </a:defRPr>
+              </a:lvl4pPr>
+              <a:lvl5pPr>
+                <a:defRPr>
+                  <a:solidFill>
+                    <a:schemeClr val="lt1"/>
+                  </a:solidFill>
+                </a:defRPr>
+              </a:lvl5pPr>
+              <a:lvl6pPr>
+                <a:defRPr>
+                  <a:solidFill>
+                    <a:schemeClr val="lt1"/>
+                  </a:solidFill>
+                </a:defRPr>
+              </a:lvl6pPr>
+              <a:lvl7pPr>
+                <a:defRPr>
+                  <a:solidFill>
+                    <a:schemeClr val="lt1"/>
+                  </a:solidFill>
+                </a:defRPr>
+              </a:lvl7pPr>
+              <a:lvl8pPr>
+                <a:defRPr>
+                  <a:solidFill>
+                    <a:schemeClr val="lt1"/>
+                  </a:solidFill>
+                </a:defRPr>
+              </a:lvl8pPr>
+              <a:lvl9pPr>
+                <a:defRPr>
+                  <a:solidFill>
+                    <a:schemeClr val="lt1"/>
+                  </a:solidFill>
+                </a:defRPr>
+              </a:lvl9pPr>
+            </a:lstStyle>
             <a:p>
-              <a:pPr algn="ctr"/>
-              <a:endParaRPr lang="en-US" sz="3200"/>
-            </a:p>
-          </p:txBody>
-        </p:sp>
-        <p:sp>
-          <p:nvSpPr>
-            <p:cNvPr id="53" name="Freeform 52">
-              <a:extLst>
-                <a:ext uri="{FF2B5EF4-FFF2-40B4-BE49-F238E27FC236}">
-                  <a16:creationId xmlns:a16="http://schemas.microsoft.com/office/drawing/2014/main" id="{ECA63388-7D9A-5C48-BA6D-E22E49CAB01F}"/>
-                </a:ext>
-              </a:extLst>
-            </p:cNvPr>
-            <p:cNvSpPr/>
-            <p:nvPr/>
-          </p:nvSpPr>
-          <p:spPr>
-            <a:xfrm>
-              <a:off x="4186639" y="685940"/>
-              <a:ext cx="3788228" cy="2628900"/>
-            </a:xfrm>
-            <a:custGeom>
-              <a:avLst/>
-              <a:gdLst>
-                <a:gd name="connsiteX0" fmla="*/ 0 w 3788228"/>
-                <a:gd name="connsiteY0" fmla="*/ 0 h 2628900"/>
-                <a:gd name="connsiteX1" fmla="*/ 3788228 w 3788228"/>
-                <a:gd name="connsiteY1" fmla="*/ 0 h 2628900"/>
-                <a:gd name="connsiteX2" fmla="*/ 3788228 w 3788228"/>
-                <a:gd name="connsiteY2" fmla="*/ 2628900 h 2628900"/>
-                <a:gd name="connsiteX3" fmla="*/ 3019949 w 3788228"/>
-                <a:gd name="connsiteY3" fmla="*/ 2628900 h 2628900"/>
-                <a:gd name="connsiteX4" fmla="*/ 2985307 w 3788228"/>
-                <a:gd name="connsiteY4" fmla="*/ 2545633 h 2628900"/>
-                <a:gd name="connsiteX5" fmla="*/ 1894114 w 3788228"/>
-                <a:gd name="connsiteY5" fmla="*/ 1793637 h 2628900"/>
-                <a:gd name="connsiteX6" fmla="*/ 802921 w 3788228"/>
-                <a:gd name="connsiteY6" fmla="*/ 2545633 h 2628900"/>
-                <a:gd name="connsiteX7" fmla="*/ 768279 w 3788228"/>
-                <a:gd name="connsiteY7" fmla="*/ 2628900 h 2628900"/>
-                <a:gd name="connsiteX8" fmla="*/ 0 w 3788228"/>
-                <a:gd name="connsiteY8" fmla="*/ 2628900 h 2628900"/>
-                <a:gd name="connsiteX9" fmla="*/ 0 w 3788228"/>
-                <a:gd name="connsiteY9" fmla="*/ 0 h 2628900"/>
-              </a:gdLst>
-              <a:ahLst/>
-              <a:cxnLst>
-                <a:cxn ang="0">
-                  <a:pos x="connsiteX0" y="connsiteY0"/>
-                </a:cxn>
-                <a:cxn ang="0">
-                  <a:pos x="connsiteX1" y="connsiteY1"/>
-                </a:cxn>
-                <a:cxn ang="0">
-                  <a:pos x="connsiteX2" y="connsiteY2"/>
-                </a:cxn>
-                <a:cxn ang="0">
-                  <a:pos x="connsiteX3" y="connsiteY3"/>
-                </a:cxn>
-                <a:cxn ang="0">
-                  <a:pos x="connsiteX4" y="connsiteY4"/>
-                </a:cxn>
-                <a:cxn ang="0">
-                  <a:pos x="connsiteX5" y="connsiteY5"/>
-                </a:cxn>
-                <a:cxn ang="0">
-                  <a:pos x="connsiteX6" y="connsiteY6"/>
-                </a:cxn>
-                <a:cxn ang="0">
-                  <a:pos x="connsiteX7" y="connsiteY7"/>
-                </a:cxn>
-                <a:cxn ang="0">
-                  <a:pos x="connsiteX8" y="connsiteY8"/>
-                </a:cxn>
-                <a:cxn ang="0">
-                  <a:pos x="connsiteX9" y="connsiteY9"/>
-                </a:cxn>
-              </a:cxnLst>
-              <a:rect l="l" t="t" r="r" b="b"/>
-              <a:pathLst>
-                <a:path w="3788228" h="2628900">
-                  <a:moveTo>
-                    <a:pt x="0" y="0"/>
-                  </a:moveTo>
-                  <a:lnTo>
-                    <a:pt x="3788228" y="0"/>
-                  </a:lnTo>
-                  <a:lnTo>
-                    <a:pt x="3788228" y="2628900"/>
-                  </a:lnTo>
-                  <a:lnTo>
-                    <a:pt x="3019949" y="2628900"/>
-                  </a:lnTo>
-                  <a:lnTo>
-                    <a:pt x="2985307" y="2545633"/>
-                  </a:lnTo>
-                  <a:cubicBezTo>
-                    <a:pt x="2775162" y="2097711"/>
-                    <a:pt x="2365306" y="1793637"/>
-                    <a:pt x="1894114" y="1793637"/>
-                  </a:cubicBezTo>
-                  <a:cubicBezTo>
-                    <a:pt x="1422922" y="1793637"/>
-                    <a:pt x="1013066" y="2097711"/>
-                    <a:pt x="802921" y="2545633"/>
-                  </a:cubicBezTo>
-                  <a:lnTo>
-                    <a:pt x="768279" y="2628900"/>
-                  </a:lnTo>
-                  <a:lnTo>
-                    <a:pt x="0" y="2628900"/>
-                  </a:lnTo>
-                  <a:lnTo>
-                    <a:pt x="0" y="0"/>
-                  </a:lnTo>
-                  <a:close/>
-                </a:path>
-              </a:pathLst>
-            </a:custGeom>
-          </p:spPr>
-          <p:style>
-            <a:lnRef idx="2">
-              <a:schemeClr val="accent6">
-                <a:shade val="50000"/>
-              </a:schemeClr>
-            </a:lnRef>
-            <a:fillRef idx="1">
-              <a:schemeClr val="accent6"/>
-            </a:fillRef>
-            <a:effectRef idx="0">
-              <a:schemeClr val="accent6"/>
-            </a:effectRef>
-            <a:fontRef idx="minor">
-              <a:schemeClr val="lt1"/>
-            </a:fontRef>
-          </p:style>
-          <p:txBody>
-            <a:bodyPr wrap="square" rtlCol="0" anchor="ctr">
-              <a:noAutofit/>
-            </a:bodyPr>
-            <a:lstStyle/>
-            <a:p>
-              <a:pPr algn="ctr"/>
-              <a:endParaRPr lang="en-US" sz="3200"/>
-            </a:p>
-          </p:txBody>
-        </p:sp>
-        <p:sp>
-          <p:nvSpPr>
-            <p:cNvPr id="52" name="Freeform 51">
-              <a:extLst>
-                <a:ext uri="{FF2B5EF4-FFF2-40B4-BE49-F238E27FC236}">
-                  <a16:creationId xmlns:a16="http://schemas.microsoft.com/office/drawing/2014/main" id="{36F363C9-992D-7040-A046-7300EF0686B7}"/>
-                </a:ext>
-              </a:extLst>
-            </p:cNvPr>
-            <p:cNvSpPr/>
-            <p:nvPr/>
-          </p:nvSpPr>
-          <p:spPr>
-            <a:xfrm>
-              <a:off x="4839781" y="3314841"/>
-              <a:ext cx="2481944" cy="2038567"/>
-            </a:xfrm>
-            <a:custGeom>
-              <a:avLst/>
-              <a:gdLst>
-                <a:gd name="connsiteX0" fmla="*/ 115137 w 2481944"/>
-                <a:gd name="connsiteY0" fmla="*/ 0 h 2038567"/>
-                <a:gd name="connsiteX1" fmla="*/ 2366807 w 2481944"/>
-                <a:gd name="connsiteY1" fmla="*/ 0 h 2038567"/>
-                <a:gd name="connsiteX2" fmla="*/ 2384422 w 2481944"/>
-                <a:gd name="connsiteY2" fmla="*/ 42340 h 2038567"/>
-                <a:gd name="connsiteX3" fmla="*/ 2481944 w 2481944"/>
-                <a:gd name="connsiteY3" fmla="*/ 601652 h 2038567"/>
-                <a:gd name="connsiteX4" fmla="*/ 1240972 w 2481944"/>
-                <a:gd name="connsiteY4" fmla="*/ 2038567 h 2038567"/>
-                <a:gd name="connsiteX5" fmla="*/ 0 w 2481944"/>
-                <a:gd name="connsiteY5" fmla="*/ 601652 h 2038567"/>
-                <a:gd name="connsiteX6" fmla="*/ 97522 w 2481944"/>
-                <a:gd name="connsiteY6" fmla="*/ 42340 h 2038567"/>
-                <a:gd name="connsiteX7" fmla="*/ 115137 w 2481944"/>
-                <a:gd name="connsiteY7" fmla="*/ 0 h 2038567"/>
-              </a:gdLst>
-              <a:ahLst/>
-              <a:cxnLst>
-                <a:cxn ang="0">
-                  <a:pos x="connsiteX0" y="connsiteY0"/>
-                </a:cxn>
-                <a:cxn ang="0">
-                  <a:pos x="connsiteX1" y="connsiteY1"/>
-                </a:cxn>
-                <a:cxn ang="0">
-                  <a:pos x="connsiteX2" y="connsiteY2"/>
-                </a:cxn>
-                <a:cxn ang="0">
-                  <a:pos x="connsiteX3" y="connsiteY3"/>
-                </a:cxn>
-                <a:cxn ang="0">
-                  <a:pos x="connsiteX4" y="connsiteY4"/>
-                </a:cxn>
-                <a:cxn ang="0">
-                  <a:pos x="connsiteX5" y="connsiteY5"/>
-                </a:cxn>
-                <a:cxn ang="0">
-                  <a:pos x="connsiteX6" y="connsiteY6"/>
-                </a:cxn>
-                <a:cxn ang="0">
-                  <a:pos x="connsiteX7" y="connsiteY7"/>
-                </a:cxn>
-              </a:cxnLst>
-              <a:rect l="l" t="t" r="r" b="b"/>
-              <a:pathLst>
-                <a:path w="2481944" h="2038567">
-                  <a:moveTo>
-                    <a:pt x="115137" y="0"/>
-                  </a:moveTo>
-                  <a:lnTo>
-                    <a:pt x="2366807" y="0"/>
-                  </a:lnTo>
-                  <a:lnTo>
-                    <a:pt x="2384422" y="42340"/>
-                  </a:lnTo>
-                  <a:cubicBezTo>
-                    <a:pt x="2447219" y="214250"/>
-                    <a:pt x="2481944" y="403256"/>
-                    <a:pt x="2481944" y="601652"/>
-                  </a:cubicBezTo>
-                  <a:cubicBezTo>
-                    <a:pt x="2481944" y="1395238"/>
-                    <a:pt x="1926342" y="2038567"/>
-                    <a:pt x="1240972" y="2038567"/>
-                  </a:cubicBezTo>
-                  <a:cubicBezTo>
-                    <a:pt x="555602" y="2038567"/>
-                    <a:pt x="0" y="1395238"/>
-                    <a:pt x="0" y="601652"/>
-                  </a:cubicBezTo>
-                  <a:cubicBezTo>
-                    <a:pt x="0" y="403256"/>
-                    <a:pt x="34725" y="214250"/>
-                    <a:pt x="97522" y="42340"/>
-                  </a:cubicBezTo>
-                  <a:lnTo>
-                    <a:pt x="115137" y="0"/>
-                  </a:lnTo>
-                  <a:close/>
-                </a:path>
-              </a:pathLst>
-            </a:custGeom>
-            <a:solidFill>
-              <a:srgbClr val="FFB637"/>
-            </a:solidFill>
-            <a:ln>
-              <a:noFill/>
-            </a:ln>
-          </p:spPr>
-          <p:style>
-            <a:lnRef idx="2">
-              <a:schemeClr val="accent2">
-                <a:shade val="50000"/>
-              </a:schemeClr>
-            </a:lnRef>
-            <a:fillRef idx="1">
-              <a:schemeClr val="accent2"/>
-            </a:fillRef>
-            <a:effectRef idx="0">
-              <a:schemeClr val="accent2"/>
-            </a:effectRef>
-            <a:fontRef idx="minor">
-              <a:schemeClr val="lt1"/>
-            </a:fontRef>
-          </p:style>
-          <p:txBody>
-            <a:bodyPr wrap="square" rtlCol="0" anchor="ctr">
-              <a:noAutofit/>
-            </a:bodyPr>
-            <a:lstStyle/>
-            <a:p>
-              <a:pPr algn="ctr"/>
-              <a:endParaRPr lang="en-US" sz="3200"/>
-            </a:p>
-          </p:txBody>
-        </p:sp>
-        <p:sp>
-          <p:nvSpPr>
-            <p:cNvPr id="26" name="Rectangle 25">
-              <a:extLst>
-                <a:ext uri="{FF2B5EF4-FFF2-40B4-BE49-F238E27FC236}">
-                  <a16:creationId xmlns:a16="http://schemas.microsoft.com/office/drawing/2014/main" id="{937D44AF-227A-D743-B6DA-64F4962C8B60}"/>
-                </a:ext>
-              </a:extLst>
-            </p:cNvPr>
-            <p:cNvSpPr/>
-            <p:nvPr/>
-          </p:nvSpPr>
-          <p:spPr>
-            <a:xfrm>
-              <a:off x="4186639" y="685940"/>
-              <a:ext cx="3788228" cy="5257800"/>
-            </a:xfrm>
-            <a:prstGeom prst="rect">
-              <a:avLst/>
-            </a:prstGeom>
-            <a:noFill/>
-            <a:ln w="38100"/>
-          </p:spPr>
-          <p:style>
-            <a:lnRef idx="2">
-              <a:schemeClr val="accent1">
-                <a:shade val="50000"/>
-              </a:schemeClr>
-            </a:lnRef>
-            <a:fillRef idx="1">
-              <a:schemeClr val="accent1"/>
-            </a:fillRef>
-            <a:effectRef idx="0">
-              <a:schemeClr val="accent1"/>
-            </a:effectRef>
-            <a:fontRef idx="minor">
-              <a:schemeClr val="lt1"/>
-            </a:fontRef>
-          </p:style>
-          <p:txBody>
-            <a:bodyPr rtlCol="0" anchor="ctr"/>
-            <a:lstStyle/>
-            <a:p>
-              <a:pPr algn="ctr"/>
-              <a:endParaRPr lang="en-US"/>
-            </a:p>
-          </p:txBody>
-        </p:sp>
-        <p:sp>
-          <p:nvSpPr>
-            <p:cNvPr id="28" name="Rectangle 27">
-              <a:extLst>
-                <a:ext uri="{FF2B5EF4-FFF2-40B4-BE49-F238E27FC236}">
-                  <a16:creationId xmlns:a16="http://schemas.microsoft.com/office/drawing/2014/main" id="{A5608801-5F36-3446-B082-3AF653FC22A1}"/>
-                </a:ext>
-              </a:extLst>
-            </p:cNvPr>
-            <p:cNvSpPr/>
-            <p:nvPr/>
-          </p:nvSpPr>
-          <p:spPr>
-            <a:xfrm>
-              <a:off x="8210086" y="3333395"/>
-              <a:ext cx="3788228" cy="2628900"/>
-            </a:xfrm>
-            <a:prstGeom prst="rect">
-              <a:avLst/>
-            </a:prstGeom>
-          </p:spPr>
-          <p:style>
-            <a:lnRef idx="2">
-              <a:schemeClr val="accent2">
-                <a:shade val="50000"/>
-              </a:schemeClr>
-            </a:lnRef>
-            <a:fillRef idx="1">
-              <a:schemeClr val="accent2"/>
-            </a:fillRef>
-            <a:effectRef idx="0">
-              <a:schemeClr val="accent2"/>
-            </a:effectRef>
-            <a:fontRef idx="minor">
-              <a:schemeClr val="lt1"/>
-            </a:fontRef>
-          </p:style>
-          <p:txBody>
-            <a:bodyPr rtlCol="0" anchor="ctr"/>
-            <a:lstStyle/>
-            <a:p>
-              <a:pPr algn="ctr"/>
-              <a:endParaRPr lang="en-US" sz="3200"/>
-            </a:p>
-          </p:txBody>
-        </p:sp>
-        <p:sp>
-          <p:nvSpPr>
-            <p:cNvPr id="57" name="Freeform 56">
-              <a:extLst>
-                <a:ext uri="{FF2B5EF4-FFF2-40B4-BE49-F238E27FC236}">
-                  <a16:creationId xmlns:a16="http://schemas.microsoft.com/office/drawing/2014/main" id="{B9D36B79-7594-6C4C-9F28-E4426358D820}"/>
-                </a:ext>
-              </a:extLst>
-            </p:cNvPr>
-            <p:cNvSpPr/>
-            <p:nvPr/>
-          </p:nvSpPr>
-          <p:spPr>
-            <a:xfrm>
-              <a:off x="9263589" y="2951353"/>
-              <a:ext cx="1681222" cy="382043"/>
-            </a:xfrm>
-            <a:custGeom>
-              <a:avLst/>
-              <a:gdLst>
-                <a:gd name="connsiteX0" fmla="*/ 840611 w 1681222"/>
-                <a:gd name="connsiteY0" fmla="*/ 0 h 382043"/>
-                <a:gd name="connsiteX1" fmla="*/ 1629984 w 1681222"/>
-                <a:gd name="connsiteY1" fmla="*/ 328122 h 382043"/>
-                <a:gd name="connsiteX2" fmla="*/ 1681222 w 1681222"/>
-                <a:gd name="connsiteY2" fmla="*/ 382043 h 382043"/>
-                <a:gd name="connsiteX3" fmla="*/ 0 w 1681222"/>
-                <a:gd name="connsiteY3" fmla="*/ 382043 h 382043"/>
-                <a:gd name="connsiteX4" fmla="*/ 51238 w 1681222"/>
-                <a:gd name="connsiteY4" fmla="*/ 328122 h 382043"/>
-                <a:gd name="connsiteX5" fmla="*/ 840611 w 1681222"/>
-                <a:gd name="connsiteY5" fmla="*/ 0 h 382043"/>
-              </a:gdLst>
-              <a:ahLst/>
-              <a:cxnLst>
-                <a:cxn ang="0">
-                  <a:pos x="connsiteX0" y="connsiteY0"/>
-                </a:cxn>
-                <a:cxn ang="0">
-                  <a:pos x="connsiteX1" y="connsiteY1"/>
-                </a:cxn>
-                <a:cxn ang="0">
-                  <a:pos x="connsiteX2" y="connsiteY2"/>
-                </a:cxn>
-                <a:cxn ang="0">
-                  <a:pos x="connsiteX3" y="connsiteY3"/>
-                </a:cxn>
-                <a:cxn ang="0">
-                  <a:pos x="connsiteX4" y="connsiteY4"/>
-                </a:cxn>
-                <a:cxn ang="0">
-                  <a:pos x="connsiteX5" y="connsiteY5"/>
-                </a:cxn>
-              </a:cxnLst>
-              <a:rect l="l" t="t" r="r" b="b"/>
-              <a:pathLst>
-                <a:path w="1681222" h="382043">
-                  <a:moveTo>
-                    <a:pt x="840611" y="0"/>
-                  </a:moveTo>
-                  <a:cubicBezTo>
-                    <a:pt x="1140460" y="0"/>
-                    <a:pt x="1415471" y="123137"/>
-                    <a:pt x="1629984" y="328122"/>
-                  </a:cubicBezTo>
-                  <a:lnTo>
-                    <a:pt x="1681222" y="382043"/>
-                  </a:lnTo>
-                  <a:lnTo>
-                    <a:pt x="0" y="382043"/>
-                  </a:lnTo>
-                  <a:lnTo>
-                    <a:pt x="51238" y="328122"/>
-                  </a:lnTo>
-                  <a:cubicBezTo>
-                    <a:pt x="265751" y="123137"/>
-                    <a:pt x="540762" y="0"/>
-                    <a:pt x="840611" y="0"/>
-                  </a:cubicBezTo>
-                  <a:close/>
-                </a:path>
-              </a:pathLst>
-            </a:custGeom>
-            <a:solidFill>
-              <a:srgbClr val="A4FF65"/>
-            </a:solidFill>
-            <a:ln>
-              <a:noFill/>
-            </a:ln>
-          </p:spPr>
-          <p:style>
-            <a:lnRef idx="2">
-              <a:schemeClr val="accent6">
-                <a:shade val="50000"/>
-              </a:schemeClr>
-            </a:lnRef>
-            <a:fillRef idx="1">
-              <a:schemeClr val="accent6"/>
-            </a:fillRef>
-            <a:effectRef idx="0">
-              <a:schemeClr val="accent6"/>
-            </a:effectRef>
-            <a:fontRef idx="minor">
-              <a:schemeClr val="lt1"/>
-            </a:fontRef>
-          </p:style>
-          <p:txBody>
-            <a:bodyPr wrap="square" rtlCol="0" anchor="ctr">
-              <a:noAutofit/>
-            </a:bodyPr>
-            <a:lstStyle/>
-            <a:p>
-              <a:pPr algn="ctr"/>
-              <a:endParaRPr lang="en-US" sz="3200"/>
-            </a:p>
-          </p:txBody>
-        </p:sp>
-        <p:sp>
-          <p:nvSpPr>
-            <p:cNvPr id="56" name="Freeform 55">
-              <a:extLst>
-                <a:ext uri="{FF2B5EF4-FFF2-40B4-BE49-F238E27FC236}">
-                  <a16:creationId xmlns:a16="http://schemas.microsoft.com/office/drawing/2014/main" id="{F371BDE1-A145-6448-8B00-A60DC89BBDA3}"/>
-                </a:ext>
-              </a:extLst>
-            </p:cNvPr>
-            <p:cNvSpPr/>
-            <p:nvPr/>
-          </p:nvSpPr>
-          <p:spPr>
-            <a:xfrm>
-              <a:off x="8210086" y="704495"/>
-              <a:ext cx="3788228" cy="2628900"/>
-            </a:xfrm>
-            <a:custGeom>
-              <a:avLst/>
-              <a:gdLst>
-                <a:gd name="connsiteX0" fmla="*/ 0 w 3788228"/>
-                <a:gd name="connsiteY0" fmla="*/ 0 h 2628900"/>
-                <a:gd name="connsiteX1" fmla="*/ 3788228 w 3788228"/>
-                <a:gd name="connsiteY1" fmla="*/ 0 h 2628900"/>
-                <a:gd name="connsiteX2" fmla="*/ 3788228 w 3788228"/>
-                <a:gd name="connsiteY2" fmla="*/ 2628900 h 2628900"/>
-                <a:gd name="connsiteX3" fmla="*/ 2734725 w 3788228"/>
-                <a:gd name="connsiteY3" fmla="*/ 2628900 h 2628900"/>
-                <a:gd name="connsiteX4" fmla="*/ 2683487 w 3788228"/>
-                <a:gd name="connsiteY4" fmla="*/ 2574979 h 2628900"/>
-                <a:gd name="connsiteX5" fmla="*/ 1894114 w 3788228"/>
-                <a:gd name="connsiteY5" fmla="*/ 2246857 h 2628900"/>
-                <a:gd name="connsiteX6" fmla="*/ 1104741 w 3788228"/>
-                <a:gd name="connsiteY6" fmla="*/ 2574979 h 2628900"/>
-                <a:gd name="connsiteX7" fmla="*/ 1053503 w 3788228"/>
-                <a:gd name="connsiteY7" fmla="*/ 2628900 h 2628900"/>
-                <a:gd name="connsiteX8" fmla="*/ 0 w 3788228"/>
-                <a:gd name="connsiteY8" fmla="*/ 2628900 h 2628900"/>
-                <a:gd name="connsiteX9" fmla="*/ 0 w 3788228"/>
-                <a:gd name="connsiteY9" fmla="*/ 0 h 2628900"/>
-              </a:gdLst>
-              <a:ahLst/>
-              <a:cxnLst>
-                <a:cxn ang="0">
-                  <a:pos x="connsiteX0" y="connsiteY0"/>
-                </a:cxn>
-                <a:cxn ang="0">
-                  <a:pos x="connsiteX1" y="connsiteY1"/>
-                </a:cxn>
-                <a:cxn ang="0">
-                  <a:pos x="connsiteX2" y="connsiteY2"/>
-                </a:cxn>
-                <a:cxn ang="0">
-                  <a:pos x="connsiteX3" y="connsiteY3"/>
-                </a:cxn>
-                <a:cxn ang="0">
-                  <a:pos x="connsiteX4" y="connsiteY4"/>
-                </a:cxn>
-                <a:cxn ang="0">
-                  <a:pos x="connsiteX5" y="connsiteY5"/>
-                </a:cxn>
-                <a:cxn ang="0">
-                  <a:pos x="connsiteX6" y="connsiteY6"/>
-                </a:cxn>
-                <a:cxn ang="0">
-                  <a:pos x="connsiteX7" y="connsiteY7"/>
-                </a:cxn>
-                <a:cxn ang="0">
-                  <a:pos x="connsiteX8" y="connsiteY8"/>
-                </a:cxn>
-                <a:cxn ang="0">
-                  <a:pos x="connsiteX9" y="connsiteY9"/>
-                </a:cxn>
-              </a:cxnLst>
-              <a:rect l="l" t="t" r="r" b="b"/>
-              <a:pathLst>
-                <a:path w="3788228" h="2628900">
-                  <a:moveTo>
-                    <a:pt x="0" y="0"/>
-                  </a:moveTo>
-                  <a:lnTo>
-                    <a:pt x="3788228" y="0"/>
-                  </a:lnTo>
-                  <a:lnTo>
-                    <a:pt x="3788228" y="2628900"/>
-                  </a:lnTo>
-                  <a:lnTo>
-                    <a:pt x="2734725" y="2628900"/>
-                  </a:lnTo>
-                  <a:lnTo>
-                    <a:pt x="2683487" y="2574979"/>
-                  </a:lnTo>
-                  <a:cubicBezTo>
-                    <a:pt x="2468974" y="2369994"/>
-                    <a:pt x="2193963" y="2246857"/>
-                    <a:pt x="1894114" y="2246857"/>
-                  </a:cubicBezTo>
-                  <a:cubicBezTo>
-                    <a:pt x="1594265" y="2246857"/>
-                    <a:pt x="1319254" y="2369994"/>
-                    <a:pt x="1104741" y="2574979"/>
-                  </a:cubicBezTo>
-                  <a:lnTo>
-                    <a:pt x="1053503" y="2628900"/>
-                  </a:lnTo>
-                  <a:lnTo>
-                    <a:pt x="0" y="2628900"/>
-                  </a:lnTo>
-                  <a:lnTo>
-                    <a:pt x="0" y="0"/>
-                  </a:lnTo>
-                  <a:close/>
-                </a:path>
-              </a:pathLst>
-            </a:custGeom>
-          </p:spPr>
-          <p:style>
-            <a:lnRef idx="2">
-              <a:schemeClr val="accent6">
-                <a:shade val="50000"/>
-              </a:schemeClr>
-            </a:lnRef>
-            <a:fillRef idx="1">
-              <a:schemeClr val="accent6"/>
-            </a:fillRef>
-            <a:effectRef idx="0">
-              <a:schemeClr val="accent6"/>
-            </a:effectRef>
-            <a:fontRef idx="minor">
-              <a:schemeClr val="lt1"/>
-            </a:fontRef>
-          </p:style>
-          <p:txBody>
-            <a:bodyPr wrap="square" rtlCol="0" anchor="ctr">
-              <a:noAutofit/>
-            </a:bodyPr>
-            <a:lstStyle/>
-            <a:p>
-              <a:pPr algn="ctr"/>
-              <a:endParaRPr lang="en-US" sz="3200"/>
-            </a:p>
-          </p:txBody>
-        </p:sp>
-        <p:sp>
-          <p:nvSpPr>
-            <p:cNvPr id="55" name="Freeform 54">
-              <a:extLst>
-                <a:ext uri="{FF2B5EF4-FFF2-40B4-BE49-F238E27FC236}">
-                  <a16:creationId xmlns:a16="http://schemas.microsoft.com/office/drawing/2014/main" id="{7807E519-284F-374A-A451-B03E6F639D22}"/>
-                </a:ext>
-              </a:extLst>
-            </p:cNvPr>
-            <p:cNvSpPr/>
-            <p:nvPr/>
-          </p:nvSpPr>
-          <p:spPr>
-            <a:xfrm>
-              <a:off x="8863228" y="3333396"/>
-              <a:ext cx="2481944" cy="2491787"/>
-            </a:xfrm>
-            <a:custGeom>
-              <a:avLst/>
-              <a:gdLst>
-                <a:gd name="connsiteX0" fmla="*/ 400361 w 2481944"/>
-                <a:gd name="connsiteY0" fmla="*/ 0 h 2491787"/>
-                <a:gd name="connsiteX1" fmla="*/ 2081583 w 2481944"/>
-                <a:gd name="connsiteY1" fmla="*/ 0 h 2491787"/>
-                <a:gd name="connsiteX2" fmla="*/ 2118472 w 2481944"/>
-                <a:gd name="connsiteY2" fmla="*/ 38820 h 2491787"/>
-                <a:gd name="connsiteX3" fmla="*/ 2481944 w 2481944"/>
-                <a:gd name="connsiteY3" fmla="*/ 1054872 h 2491787"/>
-                <a:gd name="connsiteX4" fmla="*/ 1240972 w 2481944"/>
-                <a:gd name="connsiteY4" fmla="*/ 2491787 h 2491787"/>
-                <a:gd name="connsiteX5" fmla="*/ 0 w 2481944"/>
-                <a:gd name="connsiteY5" fmla="*/ 1054872 h 2491787"/>
-                <a:gd name="connsiteX6" fmla="*/ 363472 w 2481944"/>
-                <a:gd name="connsiteY6" fmla="*/ 38820 h 2491787"/>
-                <a:gd name="connsiteX7" fmla="*/ 400361 w 2481944"/>
-                <a:gd name="connsiteY7" fmla="*/ 0 h 2491787"/>
-              </a:gdLst>
-              <a:ahLst/>
-              <a:cxnLst>
-                <a:cxn ang="0">
-                  <a:pos x="connsiteX0" y="connsiteY0"/>
-                </a:cxn>
-                <a:cxn ang="0">
-                  <a:pos x="connsiteX1" y="connsiteY1"/>
-                </a:cxn>
-                <a:cxn ang="0">
-                  <a:pos x="connsiteX2" y="connsiteY2"/>
-                </a:cxn>
-                <a:cxn ang="0">
-                  <a:pos x="connsiteX3" y="connsiteY3"/>
-                </a:cxn>
-                <a:cxn ang="0">
-                  <a:pos x="connsiteX4" y="connsiteY4"/>
-                </a:cxn>
-                <a:cxn ang="0">
-                  <a:pos x="connsiteX5" y="connsiteY5"/>
-                </a:cxn>
-                <a:cxn ang="0">
-                  <a:pos x="connsiteX6" y="connsiteY6"/>
-                </a:cxn>
-                <a:cxn ang="0">
-                  <a:pos x="connsiteX7" y="connsiteY7"/>
-                </a:cxn>
-              </a:cxnLst>
-              <a:rect l="l" t="t" r="r" b="b"/>
-              <a:pathLst>
-                <a:path w="2481944" h="2491787">
-                  <a:moveTo>
-                    <a:pt x="400361" y="0"/>
-                  </a:moveTo>
-                  <a:lnTo>
-                    <a:pt x="2081583" y="0"/>
-                  </a:lnTo>
-                  <a:lnTo>
-                    <a:pt x="2118472" y="38820"/>
-                  </a:lnTo>
-                  <a:cubicBezTo>
-                    <a:pt x="2343044" y="298850"/>
-                    <a:pt x="2481944" y="658079"/>
-                    <a:pt x="2481944" y="1054872"/>
-                  </a:cubicBezTo>
-                  <a:cubicBezTo>
-                    <a:pt x="2481944" y="1848458"/>
-                    <a:pt x="1926342" y="2491787"/>
-                    <a:pt x="1240972" y="2491787"/>
-                  </a:cubicBezTo>
-                  <a:cubicBezTo>
-                    <a:pt x="555602" y="2491787"/>
-                    <a:pt x="0" y="1848458"/>
-                    <a:pt x="0" y="1054872"/>
-                  </a:cubicBezTo>
-                  <a:cubicBezTo>
-                    <a:pt x="0" y="658079"/>
-                    <a:pt x="138900" y="298850"/>
-                    <a:pt x="363472" y="38820"/>
-                  </a:cubicBezTo>
-                  <a:lnTo>
-                    <a:pt x="400361" y="0"/>
-                  </a:lnTo>
-                  <a:close/>
-                </a:path>
-              </a:pathLst>
-            </a:custGeom>
-            <a:solidFill>
-              <a:srgbClr val="FFB637"/>
-            </a:solidFill>
-            <a:ln>
-              <a:noFill/>
-            </a:ln>
-          </p:spPr>
-          <p:style>
-            <a:lnRef idx="2">
-              <a:schemeClr val="accent2">
-                <a:shade val="50000"/>
-              </a:schemeClr>
-            </a:lnRef>
-            <a:fillRef idx="1">
-              <a:schemeClr val="accent2"/>
-            </a:fillRef>
-            <a:effectRef idx="0">
-              <a:schemeClr val="accent2"/>
-            </a:effectRef>
-            <a:fontRef idx="minor">
-              <a:schemeClr val="lt1"/>
-            </a:fontRef>
-          </p:style>
-          <p:txBody>
-            <a:bodyPr wrap="square" rtlCol="0" anchor="ctr">
-              <a:noAutofit/>
-            </a:bodyPr>
-            <a:lstStyle/>
-            <a:p>
-              <a:pPr algn="ctr"/>
-              <a:endParaRPr lang="en-US" sz="3200"/>
-            </a:p>
-          </p:txBody>
-        </p:sp>
-        <p:sp>
-          <p:nvSpPr>
-            <p:cNvPr id="43" name="Rectangle 42">
-              <a:extLst>
-                <a:ext uri="{FF2B5EF4-FFF2-40B4-BE49-F238E27FC236}">
-                  <a16:creationId xmlns:a16="http://schemas.microsoft.com/office/drawing/2014/main" id="{DA3E081C-881C-5248-BCD4-8BD38C784BE8}"/>
-                </a:ext>
-              </a:extLst>
-            </p:cNvPr>
-            <p:cNvSpPr/>
-            <p:nvPr/>
-          </p:nvSpPr>
-          <p:spPr>
-            <a:xfrm>
-              <a:off x="8210086" y="704495"/>
-              <a:ext cx="3788228" cy="5257800"/>
-            </a:xfrm>
-            <a:prstGeom prst="rect">
-              <a:avLst/>
-            </a:prstGeom>
-            <a:noFill/>
-            <a:ln w="38100"/>
-          </p:spPr>
-          <p:style>
-            <a:lnRef idx="2">
-              <a:schemeClr val="accent1">
-                <a:shade val="50000"/>
-              </a:schemeClr>
-            </a:lnRef>
-            <a:fillRef idx="1">
-              <a:schemeClr val="accent1"/>
-            </a:fillRef>
-            <a:effectRef idx="0">
-              <a:schemeClr val="accent1"/>
-            </a:effectRef>
-            <a:fontRef idx="minor">
-              <a:schemeClr val="lt1"/>
-            </a:fontRef>
-          </p:style>
-          <p:txBody>
-            <a:bodyPr rtlCol="0" anchor="ctr"/>
-            <a:lstStyle/>
-            <a:p>
-              <a:pPr algn="ctr"/>
-              <a:endParaRPr lang="en-US"/>
-            </a:p>
-          </p:txBody>
-        </p:sp>
-        <p:sp>
-          <p:nvSpPr>
-            <p:cNvPr id="59" name="Freeform 58">
-              <a:extLst>
-                <a:ext uri="{FF2B5EF4-FFF2-40B4-BE49-F238E27FC236}">
-                  <a16:creationId xmlns:a16="http://schemas.microsoft.com/office/drawing/2014/main" id="{72344801-CA55-E941-A640-D81C0026E8FC}"/>
-                </a:ext>
-              </a:extLst>
-            </p:cNvPr>
-            <p:cNvSpPr/>
-            <p:nvPr/>
-          </p:nvSpPr>
-          <p:spPr>
-            <a:xfrm>
-              <a:off x="829161" y="1877925"/>
-              <a:ext cx="2481944" cy="2873830"/>
-            </a:xfrm>
-            <a:custGeom>
-              <a:avLst/>
-              <a:gdLst>
-                <a:gd name="connsiteX0" fmla="*/ 1240972 w 2481944"/>
-                <a:gd name="connsiteY0" fmla="*/ 0 h 2873830"/>
-                <a:gd name="connsiteX1" fmla="*/ 2481944 w 2481944"/>
-                <a:gd name="connsiteY1" fmla="*/ 1436915 h 2873830"/>
-                <a:gd name="connsiteX2" fmla="*/ 1240972 w 2481944"/>
-                <a:gd name="connsiteY2" fmla="*/ 2873830 h 2873830"/>
-                <a:gd name="connsiteX3" fmla="*/ 0 w 2481944"/>
-                <a:gd name="connsiteY3" fmla="*/ 1436915 h 2873830"/>
-                <a:gd name="connsiteX4" fmla="*/ 1240972 w 2481944"/>
-                <a:gd name="connsiteY4" fmla="*/ 0 h 2873830"/>
-              </a:gdLst>
-              <a:ahLst/>
-              <a:cxnLst>
-                <a:cxn ang="0">
-                  <a:pos x="connsiteX0" y="connsiteY0"/>
-                </a:cxn>
-                <a:cxn ang="0">
-                  <a:pos x="connsiteX1" y="connsiteY1"/>
-                </a:cxn>
-                <a:cxn ang="0">
-                  <a:pos x="connsiteX2" y="connsiteY2"/>
-                </a:cxn>
-                <a:cxn ang="0">
-                  <a:pos x="connsiteX3" y="connsiteY3"/>
-                </a:cxn>
-                <a:cxn ang="0">
-                  <a:pos x="connsiteX4" y="connsiteY4"/>
-                </a:cxn>
-              </a:cxnLst>
-              <a:rect l="l" t="t" r="r" b="b"/>
-              <a:pathLst>
-                <a:path w="2481944" h="2873830">
-                  <a:moveTo>
-                    <a:pt x="1240972" y="0"/>
-                  </a:moveTo>
-                  <a:cubicBezTo>
-                    <a:pt x="1926342" y="0"/>
-                    <a:pt x="2481944" y="643329"/>
-                    <a:pt x="2481944" y="1436915"/>
-                  </a:cubicBezTo>
-                  <a:cubicBezTo>
-                    <a:pt x="2481944" y="2230501"/>
-                    <a:pt x="1926342" y="2873830"/>
-                    <a:pt x="1240972" y="2873830"/>
-                  </a:cubicBezTo>
-                  <a:cubicBezTo>
-                    <a:pt x="555602" y="2873830"/>
-                    <a:pt x="0" y="2230501"/>
-                    <a:pt x="0" y="1436915"/>
-                  </a:cubicBezTo>
-                  <a:cubicBezTo>
-                    <a:pt x="0" y="643329"/>
-                    <a:pt x="555602" y="0"/>
-                    <a:pt x="1240972" y="0"/>
-                  </a:cubicBezTo>
-                  <a:close/>
-                </a:path>
-              </a:pathLst>
-            </a:custGeom>
-            <a:noFill/>
-            <a:ln w="63500"/>
-          </p:spPr>
-          <p:style>
-            <a:lnRef idx="2">
-              <a:schemeClr val="accent1">
-                <a:shade val="50000"/>
-              </a:schemeClr>
-            </a:lnRef>
-            <a:fillRef idx="1">
-              <a:schemeClr val="accent1"/>
-            </a:fillRef>
-            <a:effectRef idx="0">
-              <a:schemeClr val="accent1"/>
-            </a:effectRef>
-            <a:fontRef idx="minor">
-              <a:schemeClr val="lt1"/>
-            </a:fontRef>
-          </p:style>
-          <p:txBody>
-            <a:bodyPr wrap="square" rtlCol="0" anchor="ctr">
-              <a:noAutofit/>
-            </a:bodyPr>
-            <a:lstStyle/>
-            <a:p>
-              <a:pPr algn="ctr"/>
-              <a:endParaRPr lang="en-US" sz="3200"/>
-            </a:p>
-          </p:txBody>
-        </p:sp>
-        <p:sp>
-          <p:nvSpPr>
-            <p:cNvPr id="61" name="Freeform 60">
-              <a:extLst>
-                <a:ext uri="{FF2B5EF4-FFF2-40B4-BE49-F238E27FC236}">
-                  <a16:creationId xmlns:a16="http://schemas.microsoft.com/office/drawing/2014/main" id="{049529F9-999E-5C47-B33F-3A994557D761}"/>
-                </a:ext>
-              </a:extLst>
-            </p:cNvPr>
-            <p:cNvSpPr/>
-            <p:nvPr/>
-          </p:nvSpPr>
-          <p:spPr>
-            <a:xfrm>
-              <a:off x="4852607" y="2479578"/>
-              <a:ext cx="2481944" cy="2873830"/>
-            </a:xfrm>
-            <a:custGeom>
-              <a:avLst/>
-              <a:gdLst>
-                <a:gd name="connsiteX0" fmla="*/ 1240972 w 2481944"/>
-                <a:gd name="connsiteY0" fmla="*/ 0 h 2873830"/>
-                <a:gd name="connsiteX1" fmla="*/ 2481944 w 2481944"/>
-                <a:gd name="connsiteY1" fmla="*/ 1436915 h 2873830"/>
-                <a:gd name="connsiteX2" fmla="*/ 1240972 w 2481944"/>
-                <a:gd name="connsiteY2" fmla="*/ 2873830 h 2873830"/>
-                <a:gd name="connsiteX3" fmla="*/ 0 w 2481944"/>
-                <a:gd name="connsiteY3" fmla="*/ 1436915 h 2873830"/>
-                <a:gd name="connsiteX4" fmla="*/ 1240972 w 2481944"/>
-                <a:gd name="connsiteY4" fmla="*/ 0 h 2873830"/>
-              </a:gdLst>
-              <a:ahLst/>
-              <a:cxnLst>
-                <a:cxn ang="0">
-                  <a:pos x="connsiteX0" y="connsiteY0"/>
-                </a:cxn>
-                <a:cxn ang="0">
-                  <a:pos x="connsiteX1" y="connsiteY1"/>
-                </a:cxn>
-                <a:cxn ang="0">
-                  <a:pos x="connsiteX2" y="connsiteY2"/>
-                </a:cxn>
-                <a:cxn ang="0">
-                  <a:pos x="connsiteX3" y="connsiteY3"/>
-                </a:cxn>
-                <a:cxn ang="0">
-                  <a:pos x="connsiteX4" y="connsiteY4"/>
-                </a:cxn>
-              </a:cxnLst>
-              <a:rect l="l" t="t" r="r" b="b"/>
-              <a:pathLst>
-                <a:path w="2481944" h="2873830">
-                  <a:moveTo>
-                    <a:pt x="1240972" y="0"/>
-                  </a:moveTo>
-                  <a:cubicBezTo>
-                    <a:pt x="1926342" y="0"/>
-                    <a:pt x="2481944" y="643329"/>
-                    <a:pt x="2481944" y="1436915"/>
-                  </a:cubicBezTo>
-                  <a:cubicBezTo>
-                    <a:pt x="2481944" y="2230501"/>
-                    <a:pt x="1926342" y="2873830"/>
-                    <a:pt x="1240972" y="2873830"/>
-                  </a:cubicBezTo>
-                  <a:cubicBezTo>
-                    <a:pt x="555602" y="2873830"/>
-                    <a:pt x="0" y="2230501"/>
-                    <a:pt x="0" y="1436915"/>
-                  </a:cubicBezTo>
-                  <a:cubicBezTo>
-                    <a:pt x="0" y="643329"/>
-                    <a:pt x="555602" y="0"/>
-                    <a:pt x="1240972" y="0"/>
-                  </a:cubicBezTo>
-                  <a:close/>
-                </a:path>
-              </a:pathLst>
-            </a:custGeom>
-            <a:noFill/>
-            <a:ln w="63500">
-              <a:solidFill>
-                <a:srgbClr val="FF40FF"/>
-              </a:solidFill>
-            </a:ln>
-          </p:spPr>
-          <p:style>
-            <a:lnRef idx="2">
-              <a:schemeClr val="accent1">
-                <a:shade val="50000"/>
-              </a:schemeClr>
-            </a:lnRef>
-            <a:fillRef idx="1">
-              <a:schemeClr val="accent1"/>
-            </a:fillRef>
-            <a:effectRef idx="0">
-              <a:schemeClr val="accent1"/>
-            </a:effectRef>
-            <a:fontRef idx="minor">
-              <a:schemeClr val="lt1"/>
-            </a:fontRef>
-          </p:style>
-          <p:txBody>
-            <a:bodyPr wrap="square" rtlCol="0" anchor="ctr">
-              <a:noAutofit/>
-            </a:bodyPr>
-            <a:lstStyle/>
-            <a:p>
-              <a:pPr algn="ctr"/>
-              <a:endParaRPr lang="en-US" sz="3200"/>
-            </a:p>
-          </p:txBody>
-        </p:sp>
-        <p:sp>
-          <p:nvSpPr>
-            <p:cNvPr id="62" name="Freeform 61">
-              <a:extLst>
-                <a:ext uri="{FF2B5EF4-FFF2-40B4-BE49-F238E27FC236}">
-                  <a16:creationId xmlns:a16="http://schemas.microsoft.com/office/drawing/2014/main" id="{BABC4DE8-4D1B-8C44-88B9-45EA79F408DF}"/>
-                </a:ext>
-              </a:extLst>
-            </p:cNvPr>
-            <p:cNvSpPr/>
-            <p:nvPr/>
-          </p:nvSpPr>
-          <p:spPr>
-            <a:xfrm>
-              <a:off x="8903278" y="2951353"/>
-              <a:ext cx="2481944" cy="2873830"/>
-            </a:xfrm>
-            <a:custGeom>
-              <a:avLst/>
-              <a:gdLst>
-                <a:gd name="connsiteX0" fmla="*/ 1240972 w 2481944"/>
-                <a:gd name="connsiteY0" fmla="*/ 0 h 2873830"/>
-                <a:gd name="connsiteX1" fmla="*/ 2481944 w 2481944"/>
-                <a:gd name="connsiteY1" fmla="*/ 1436915 h 2873830"/>
-                <a:gd name="connsiteX2" fmla="*/ 1240972 w 2481944"/>
-                <a:gd name="connsiteY2" fmla="*/ 2873830 h 2873830"/>
-                <a:gd name="connsiteX3" fmla="*/ 0 w 2481944"/>
-                <a:gd name="connsiteY3" fmla="*/ 1436915 h 2873830"/>
-                <a:gd name="connsiteX4" fmla="*/ 1240972 w 2481944"/>
-                <a:gd name="connsiteY4" fmla="*/ 0 h 2873830"/>
-              </a:gdLst>
-              <a:ahLst/>
-              <a:cxnLst>
-                <a:cxn ang="0">
-                  <a:pos x="connsiteX0" y="connsiteY0"/>
-                </a:cxn>
-                <a:cxn ang="0">
-                  <a:pos x="connsiteX1" y="connsiteY1"/>
-                </a:cxn>
-                <a:cxn ang="0">
-                  <a:pos x="connsiteX2" y="connsiteY2"/>
-                </a:cxn>
-                <a:cxn ang="0">
-                  <a:pos x="connsiteX3" y="connsiteY3"/>
-                </a:cxn>
-                <a:cxn ang="0">
-                  <a:pos x="connsiteX4" y="connsiteY4"/>
-                </a:cxn>
-              </a:cxnLst>
-              <a:rect l="l" t="t" r="r" b="b"/>
-              <a:pathLst>
-                <a:path w="2481944" h="2873830">
-                  <a:moveTo>
-                    <a:pt x="1240972" y="0"/>
-                  </a:moveTo>
-                  <a:cubicBezTo>
-                    <a:pt x="1926342" y="0"/>
-                    <a:pt x="2481944" y="643329"/>
-                    <a:pt x="2481944" y="1436915"/>
-                  </a:cubicBezTo>
-                  <a:cubicBezTo>
-                    <a:pt x="2481944" y="2230501"/>
-                    <a:pt x="1926342" y="2873830"/>
-                    <a:pt x="1240972" y="2873830"/>
-                  </a:cubicBezTo>
-                  <a:cubicBezTo>
-                    <a:pt x="555602" y="2873830"/>
-                    <a:pt x="0" y="2230501"/>
-                    <a:pt x="0" y="1436915"/>
-                  </a:cubicBezTo>
-                  <a:cubicBezTo>
-                    <a:pt x="0" y="643329"/>
-                    <a:pt x="555602" y="0"/>
-                    <a:pt x="1240972" y="0"/>
-                  </a:cubicBezTo>
-                  <a:close/>
-                </a:path>
-              </a:pathLst>
-            </a:custGeom>
-            <a:noFill/>
-            <a:ln w="63500">
-              <a:solidFill>
-                <a:srgbClr val="FFFF00"/>
-              </a:solidFill>
-            </a:ln>
-          </p:spPr>
-          <p:style>
-            <a:lnRef idx="2">
-              <a:schemeClr val="accent1">
-                <a:shade val="50000"/>
-              </a:schemeClr>
-            </a:lnRef>
-            <a:fillRef idx="1">
-              <a:schemeClr val="accent1"/>
-            </a:fillRef>
-            <a:effectRef idx="0">
-              <a:schemeClr val="accent1"/>
-            </a:effectRef>
-            <a:fontRef idx="minor">
-              <a:schemeClr val="lt1"/>
-            </a:fontRef>
-          </p:style>
-          <p:txBody>
-            <a:bodyPr wrap="square" rtlCol="0" anchor="ctr">
-              <a:noAutofit/>
-            </a:bodyPr>
-            <a:lstStyle/>
-            <a:p>
-              <a:pPr algn="ctr"/>
-              <a:endParaRPr lang="en-US" sz="3200"/>
+              <a:pPr/>
+              <a:endParaRPr lang="en-US" dirty="0"/>
             </a:p>
           </p:txBody>
         </p:sp>
       </p:grpSp>
+    </p:spTree>
+    <p:extLst>
+      <p:ext uri="{BB962C8B-B14F-4D97-AF65-F5344CB8AC3E}">
+        <p14:creationId xmlns:p14="http://schemas.microsoft.com/office/powerpoint/2010/main" val="680577327"/>
+      </p:ext>
+    </p:extLst>
+  </p:cSld>
+  <p:clrMapOvr>
+    <a:masterClrMapping/>
+  </p:clrMapOvr>
+</p:sld>
+</file>
+
+<file path=ppt/slides/slide18.xml><?xml version="1.0" encoding="utf-8"?>
+<p:sld xmlns:a="http://schemas.openxmlformats.org/drawingml/2006/main" xmlns:r="http://schemas.openxmlformats.org/officeDocument/2006/relationships" xmlns:p="http://schemas.openxmlformats.org/presentationml/2006/main">
+  <p:cSld>
+    <p:spTree>
+      <p:nvGrpSpPr>
+        <p:cNvPr id="1" name=""/>
+        <p:cNvGrpSpPr/>
+        <p:nvPr/>
+      </p:nvGrpSpPr>
+      <p:grpSpPr>
+        <a:xfrm>
+          <a:off x="0" y="0"/>
+          <a:ext cx="0" cy="0"/>
+          <a:chOff x="0" y="0"/>
+          <a:chExt cx="0" cy="0"/>
+        </a:xfrm>
+      </p:grpSpPr>
+      <p:sp>
+        <p:nvSpPr>
+          <p:cNvPr id="37" name="Freeform 36">
+            <a:extLst>
+              <a:ext uri="{FF2B5EF4-FFF2-40B4-BE49-F238E27FC236}">
+                <a16:creationId xmlns:a16="http://schemas.microsoft.com/office/drawing/2014/main" id="{9F8FCFD2-0506-DA48-B22E-6C2E9C6B462E}"/>
+              </a:ext>
+            </a:extLst>
+          </p:cNvPr>
+          <p:cNvSpPr/>
+          <p:nvPr/>
+        </p:nvSpPr>
+        <p:spPr>
+          <a:xfrm>
+            <a:off x="841987" y="3333397"/>
+            <a:ext cx="2481944" cy="1436915"/>
+          </a:xfrm>
+          <a:custGeom>
+            <a:avLst/>
+            <a:gdLst>
+              <a:gd name="connsiteX0" fmla="*/ 0 w 2481944"/>
+              <a:gd name="connsiteY0" fmla="*/ 0 h 1436915"/>
+              <a:gd name="connsiteX1" fmla="*/ 2481944 w 2481944"/>
+              <a:gd name="connsiteY1" fmla="*/ 0 h 1436915"/>
+              <a:gd name="connsiteX2" fmla="*/ 1240972 w 2481944"/>
+              <a:gd name="connsiteY2" fmla="*/ 1436915 h 1436915"/>
+              <a:gd name="connsiteX3" fmla="*/ 0 w 2481944"/>
+              <a:gd name="connsiteY3" fmla="*/ 0 h 1436915"/>
+            </a:gdLst>
+            <a:ahLst/>
+            <a:cxnLst>
+              <a:cxn ang="0">
+                <a:pos x="connsiteX0" y="connsiteY0"/>
+              </a:cxn>
+              <a:cxn ang="0">
+                <a:pos x="connsiteX1" y="connsiteY1"/>
+              </a:cxn>
+              <a:cxn ang="0">
+                <a:pos x="connsiteX2" y="connsiteY2"/>
+              </a:cxn>
+              <a:cxn ang="0">
+                <a:pos x="connsiteX3" y="connsiteY3"/>
+              </a:cxn>
+            </a:cxnLst>
+            <a:rect l="l" t="t" r="r" b="b"/>
+            <a:pathLst>
+              <a:path w="2481944" h="1436915">
+                <a:moveTo>
+                  <a:pt x="0" y="0"/>
+                </a:moveTo>
+                <a:lnTo>
+                  <a:pt x="2481944" y="0"/>
+                </a:lnTo>
+                <a:cubicBezTo>
+                  <a:pt x="2481944" y="793586"/>
+                  <a:pt x="1926342" y="1436915"/>
+                  <a:pt x="1240972" y="1436915"/>
+                </a:cubicBezTo>
+                <a:cubicBezTo>
+                  <a:pt x="555602" y="1436915"/>
+                  <a:pt x="0" y="793586"/>
+                  <a:pt x="0" y="0"/>
+                </a:cubicBezTo>
+                <a:close/>
+              </a:path>
+            </a:pathLst>
+          </a:custGeom>
+          <a:solidFill>
+            <a:srgbClr val="FFB637"/>
+          </a:solidFill>
+          <a:ln>
+            <a:noFill/>
+          </a:ln>
+        </p:spPr>
+        <p:style>
+          <a:lnRef idx="2">
+            <a:schemeClr val="accent2">
+              <a:shade val="50000"/>
+            </a:schemeClr>
+          </a:lnRef>
+          <a:fillRef idx="1">
+            <a:schemeClr val="accent2"/>
+          </a:fillRef>
+          <a:effectRef idx="0">
+            <a:schemeClr val="accent2"/>
+          </a:effectRef>
+          <a:fontRef idx="minor">
+            <a:schemeClr val="lt1"/>
+          </a:fontRef>
+        </p:style>
+        <p:txBody>
+          <a:bodyPr wrap="square" rtlCol="0" anchor="ctr">
+            <a:noAutofit/>
+          </a:bodyPr>
+          <a:lstStyle/>
+          <a:p>
+            <a:pPr algn="ctr"/>
+            <a:endParaRPr lang="en-US" sz="3200"/>
+          </a:p>
+        </p:txBody>
+      </p:sp>
+      <p:sp>
+        <p:nvSpPr>
+          <p:cNvPr id="36" name="Freeform 35">
+            <a:extLst>
+              <a:ext uri="{FF2B5EF4-FFF2-40B4-BE49-F238E27FC236}">
+                <a16:creationId xmlns:a16="http://schemas.microsoft.com/office/drawing/2014/main" id="{84AE7645-8464-8545-8CA9-62B88C3A04E9}"/>
+              </a:ext>
+            </a:extLst>
+          </p:cNvPr>
+          <p:cNvSpPr/>
+          <p:nvPr/>
+        </p:nvSpPr>
+        <p:spPr>
+          <a:xfrm>
+            <a:off x="188845" y="3333395"/>
+            <a:ext cx="3788228" cy="2628900"/>
+          </a:xfrm>
+          <a:custGeom>
+            <a:avLst/>
+            <a:gdLst>
+              <a:gd name="connsiteX0" fmla="*/ 0 w 3788228"/>
+              <a:gd name="connsiteY0" fmla="*/ 0 h 2628900"/>
+              <a:gd name="connsiteX1" fmla="*/ 3788228 w 3788228"/>
+              <a:gd name="connsiteY1" fmla="*/ 0 h 2628900"/>
+              <a:gd name="connsiteX2" fmla="*/ 3788228 w 3788228"/>
+              <a:gd name="connsiteY2" fmla="*/ 2628900 h 2628900"/>
+              <a:gd name="connsiteX3" fmla="*/ 0 w 3788228"/>
+              <a:gd name="connsiteY3" fmla="*/ 2628900 h 2628900"/>
+              <a:gd name="connsiteX4" fmla="*/ 0 w 3788228"/>
+              <a:gd name="connsiteY4" fmla="*/ 0 h 2628900"/>
+              <a:gd name="connsiteX5" fmla="*/ 653142 w 3788228"/>
+              <a:gd name="connsiteY5" fmla="*/ 1 h 2628900"/>
+              <a:gd name="connsiteX6" fmla="*/ 1894114 w 3788228"/>
+              <a:gd name="connsiteY6" fmla="*/ 1436916 h 2628900"/>
+              <a:gd name="connsiteX7" fmla="*/ 3135086 w 3788228"/>
+              <a:gd name="connsiteY7" fmla="*/ 1 h 2628900"/>
+              <a:gd name="connsiteX8" fmla="*/ 653142 w 3788228"/>
+              <a:gd name="connsiteY8" fmla="*/ 1 h 2628900"/>
+            </a:gdLst>
+            <a:ahLst/>
+            <a:cxnLst>
+              <a:cxn ang="0">
+                <a:pos x="connsiteX0" y="connsiteY0"/>
+              </a:cxn>
+              <a:cxn ang="0">
+                <a:pos x="connsiteX1" y="connsiteY1"/>
+              </a:cxn>
+              <a:cxn ang="0">
+                <a:pos x="connsiteX2" y="connsiteY2"/>
+              </a:cxn>
+              <a:cxn ang="0">
+                <a:pos x="connsiteX3" y="connsiteY3"/>
+              </a:cxn>
+              <a:cxn ang="0">
+                <a:pos x="connsiteX4" y="connsiteY4"/>
+              </a:cxn>
+              <a:cxn ang="0">
+                <a:pos x="connsiteX5" y="connsiteY5"/>
+              </a:cxn>
+              <a:cxn ang="0">
+                <a:pos x="connsiteX6" y="connsiteY6"/>
+              </a:cxn>
+              <a:cxn ang="0">
+                <a:pos x="connsiteX7" y="connsiteY7"/>
+              </a:cxn>
+              <a:cxn ang="0">
+                <a:pos x="connsiteX8" y="connsiteY8"/>
+              </a:cxn>
+            </a:cxnLst>
+            <a:rect l="l" t="t" r="r" b="b"/>
+            <a:pathLst>
+              <a:path w="3788228" h="2628900">
+                <a:moveTo>
+                  <a:pt x="0" y="0"/>
+                </a:moveTo>
+                <a:lnTo>
+                  <a:pt x="3788228" y="0"/>
+                </a:lnTo>
+                <a:lnTo>
+                  <a:pt x="3788228" y="2628900"/>
+                </a:lnTo>
+                <a:lnTo>
+                  <a:pt x="0" y="2628900"/>
+                </a:lnTo>
+                <a:lnTo>
+                  <a:pt x="0" y="0"/>
+                </a:lnTo>
+                <a:close/>
+                <a:moveTo>
+                  <a:pt x="653142" y="1"/>
+                </a:moveTo>
+                <a:cubicBezTo>
+                  <a:pt x="653142" y="793587"/>
+                  <a:pt x="1208744" y="1436916"/>
+                  <a:pt x="1894114" y="1436916"/>
+                </a:cubicBezTo>
+                <a:cubicBezTo>
+                  <a:pt x="2579484" y="1436916"/>
+                  <a:pt x="3135086" y="793587"/>
+                  <a:pt x="3135086" y="1"/>
+                </a:cubicBezTo>
+                <a:lnTo>
+                  <a:pt x="653142" y="1"/>
+                </a:lnTo>
+                <a:close/>
+              </a:path>
+            </a:pathLst>
+          </a:custGeom>
+          <a:ln>
+            <a:noFill/>
+          </a:ln>
+        </p:spPr>
+        <p:style>
+          <a:lnRef idx="2">
+            <a:schemeClr val="accent2">
+              <a:shade val="50000"/>
+            </a:schemeClr>
+          </a:lnRef>
+          <a:fillRef idx="1">
+            <a:schemeClr val="accent2"/>
+          </a:fillRef>
+          <a:effectRef idx="0">
+            <a:schemeClr val="accent2"/>
+          </a:effectRef>
+          <a:fontRef idx="minor">
+            <a:schemeClr val="lt1"/>
+          </a:fontRef>
+        </p:style>
+        <p:txBody>
+          <a:bodyPr wrap="square" rtlCol="0" anchor="ctr">
+            <a:noAutofit/>
+          </a:bodyPr>
+          <a:lstStyle/>
+          <a:p>
+            <a:pPr algn="ctr"/>
+            <a:endParaRPr lang="en-US" sz="3200"/>
+          </a:p>
+        </p:txBody>
+      </p:sp>
+      <p:sp>
+        <p:nvSpPr>
+          <p:cNvPr id="35" name="Freeform 34">
+            <a:extLst>
+              <a:ext uri="{FF2B5EF4-FFF2-40B4-BE49-F238E27FC236}">
+                <a16:creationId xmlns:a16="http://schemas.microsoft.com/office/drawing/2014/main" id="{D0FB79E9-0D77-2246-BDDC-B92BC134DECE}"/>
+              </a:ext>
+            </a:extLst>
+          </p:cNvPr>
+          <p:cNvSpPr/>
+          <p:nvPr/>
+        </p:nvSpPr>
+        <p:spPr>
+          <a:xfrm>
+            <a:off x="841987" y="1896481"/>
+            <a:ext cx="2481944" cy="1436915"/>
+          </a:xfrm>
+          <a:custGeom>
+            <a:avLst/>
+            <a:gdLst>
+              <a:gd name="connsiteX0" fmla="*/ 1240972 w 2481944"/>
+              <a:gd name="connsiteY0" fmla="*/ 0 h 1436915"/>
+              <a:gd name="connsiteX1" fmla="*/ 2481944 w 2481944"/>
+              <a:gd name="connsiteY1" fmla="*/ 1436915 h 1436915"/>
+              <a:gd name="connsiteX2" fmla="*/ 0 w 2481944"/>
+              <a:gd name="connsiteY2" fmla="*/ 1436915 h 1436915"/>
+              <a:gd name="connsiteX3" fmla="*/ 1240972 w 2481944"/>
+              <a:gd name="connsiteY3" fmla="*/ 0 h 1436915"/>
+            </a:gdLst>
+            <a:ahLst/>
+            <a:cxnLst>
+              <a:cxn ang="0">
+                <a:pos x="connsiteX0" y="connsiteY0"/>
+              </a:cxn>
+              <a:cxn ang="0">
+                <a:pos x="connsiteX1" y="connsiteY1"/>
+              </a:cxn>
+              <a:cxn ang="0">
+                <a:pos x="connsiteX2" y="connsiteY2"/>
+              </a:cxn>
+              <a:cxn ang="0">
+                <a:pos x="connsiteX3" y="connsiteY3"/>
+              </a:cxn>
+            </a:cxnLst>
+            <a:rect l="l" t="t" r="r" b="b"/>
+            <a:pathLst>
+              <a:path w="2481944" h="1436915">
+                <a:moveTo>
+                  <a:pt x="1240972" y="0"/>
+                </a:moveTo>
+                <a:cubicBezTo>
+                  <a:pt x="1926342" y="0"/>
+                  <a:pt x="2481944" y="643329"/>
+                  <a:pt x="2481944" y="1436915"/>
+                </a:cubicBezTo>
+                <a:lnTo>
+                  <a:pt x="0" y="1436915"/>
+                </a:lnTo>
+                <a:cubicBezTo>
+                  <a:pt x="0" y="643329"/>
+                  <a:pt x="555602" y="0"/>
+                  <a:pt x="1240972" y="0"/>
+                </a:cubicBezTo>
+                <a:close/>
+              </a:path>
+            </a:pathLst>
+          </a:custGeom>
+          <a:solidFill>
+            <a:srgbClr val="A4FF65"/>
+          </a:solidFill>
+          <a:ln>
+            <a:noFill/>
+          </a:ln>
+        </p:spPr>
+        <p:style>
+          <a:lnRef idx="2">
+            <a:schemeClr val="accent6">
+              <a:shade val="50000"/>
+            </a:schemeClr>
+          </a:lnRef>
+          <a:fillRef idx="1">
+            <a:schemeClr val="accent6"/>
+          </a:fillRef>
+          <a:effectRef idx="0">
+            <a:schemeClr val="accent6"/>
+          </a:effectRef>
+          <a:fontRef idx="minor">
+            <a:schemeClr val="lt1"/>
+          </a:fontRef>
+        </p:style>
+        <p:txBody>
+          <a:bodyPr wrap="square" rtlCol="0" anchor="ctr">
+            <a:noAutofit/>
+          </a:bodyPr>
+          <a:lstStyle/>
+          <a:p>
+            <a:pPr algn="ctr"/>
+            <a:endParaRPr lang="en-US" sz="3200"/>
+          </a:p>
+        </p:txBody>
+      </p:sp>
+      <p:sp>
+        <p:nvSpPr>
+          <p:cNvPr id="34" name="Freeform 33">
+            <a:extLst>
+              <a:ext uri="{FF2B5EF4-FFF2-40B4-BE49-F238E27FC236}">
+                <a16:creationId xmlns:a16="http://schemas.microsoft.com/office/drawing/2014/main" id="{D425CB09-E260-C548-97AD-6E283FCDE461}"/>
+              </a:ext>
+            </a:extLst>
+          </p:cNvPr>
+          <p:cNvSpPr/>
+          <p:nvPr/>
+        </p:nvSpPr>
+        <p:spPr>
+          <a:xfrm>
+            <a:off x="188845" y="704495"/>
+            <a:ext cx="3788228" cy="2628900"/>
+          </a:xfrm>
+          <a:custGeom>
+            <a:avLst/>
+            <a:gdLst>
+              <a:gd name="connsiteX0" fmla="*/ 0 w 3788228"/>
+              <a:gd name="connsiteY0" fmla="*/ 0 h 2628900"/>
+              <a:gd name="connsiteX1" fmla="*/ 3788228 w 3788228"/>
+              <a:gd name="connsiteY1" fmla="*/ 0 h 2628900"/>
+              <a:gd name="connsiteX2" fmla="*/ 3788228 w 3788228"/>
+              <a:gd name="connsiteY2" fmla="*/ 2628900 h 2628900"/>
+              <a:gd name="connsiteX3" fmla="*/ 3135086 w 3788228"/>
+              <a:gd name="connsiteY3" fmla="*/ 2628900 h 2628900"/>
+              <a:gd name="connsiteX4" fmla="*/ 1894114 w 3788228"/>
+              <a:gd name="connsiteY4" fmla="*/ 1191985 h 2628900"/>
+              <a:gd name="connsiteX5" fmla="*/ 653142 w 3788228"/>
+              <a:gd name="connsiteY5" fmla="*/ 2628900 h 2628900"/>
+              <a:gd name="connsiteX6" fmla="*/ 0 w 3788228"/>
+              <a:gd name="connsiteY6" fmla="*/ 2628900 h 2628900"/>
+              <a:gd name="connsiteX7" fmla="*/ 0 w 3788228"/>
+              <a:gd name="connsiteY7" fmla="*/ 0 h 2628900"/>
+            </a:gdLst>
+            <a:ahLst/>
+            <a:cxnLst>
+              <a:cxn ang="0">
+                <a:pos x="connsiteX0" y="connsiteY0"/>
+              </a:cxn>
+              <a:cxn ang="0">
+                <a:pos x="connsiteX1" y="connsiteY1"/>
+              </a:cxn>
+              <a:cxn ang="0">
+                <a:pos x="connsiteX2" y="connsiteY2"/>
+              </a:cxn>
+              <a:cxn ang="0">
+                <a:pos x="connsiteX3" y="connsiteY3"/>
+              </a:cxn>
+              <a:cxn ang="0">
+                <a:pos x="connsiteX4" y="connsiteY4"/>
+              </a:cxn>
+              <a:cxn ang="0">
+                <a:pos x="connsiteX5" y="connsiteY5"/>
+              </a:cxn>
+              <a:cxn ang="0">
+                <a:pos x="connsiteX6" y="connsiteY6"/>
+              </a:cxn>
+              <a:cxn ang="0">
+                <a:pos x="connsiteX7" y="connsiteY7"/>
+              </a:cxn>
+            </a:cxnLst>
+            <a:rect l="l" t="t" r="r" b="b"/>
+            <a:pathLst>
+              <a:path w="3788228" h="2628900">
+                <a:moveTo>
+                  <a:pt x="0" y="0"/>
+                </a:moveTo>
+                <a:lnTo>
+                  <a:pt x="3788228" y="0"/>
+                </a:lnTo>
+                <a:lnTo>
+                  <a:pt x="3788228" y="2628900"/>
+                </a:lnTo>
+                <a:lnTo>
+                  <a:pt x="3135086" y="2628900"/>
+                </a:lnTo>
+                <a:cubicBezTo>
+                  <a:pt x="3135086" y="1835314"/>
+                  <a:pt x="2579484" y="1191985"/>
+                  <a:pt x="1894114" y="1191985"/>
+                </a:cubicBezTo>
+                <a:cubicBezTo>
+                  <a:pt x="1208744" y="1191985"/>
+                  <a:pt x="653142" y="1835314"/>
+                  <a:pt x="653142" y="2628900"/>
+                </a:cubicBezTo>
+                <a:lnTo>
+                  <a:pt x="0" y="2628900"/>
+                </a:lnTo>
+                <a:lnTo>
+                  <a:pt x="0" y="0"/>
+                </a:lnTo>
+                <a:close/>
+              </a:path>
+            </a:pathLst>
+          </a:custGeom>
+          <a:ln>
+            <a:noFill/>
+          </a:ln>
+        </p:spPr>
+        <p:style>
+          <a:lnRef idx="2">
+            <a:schemeClr val="accent6">
+              <a:shade val="50000"/>
+            </a:schemeClr>
+          </a:lnRef>
+          <a:fillRef idx="1">
+            <a:schemeClr val="accent6"/>
+          </a:fillRef>
+          <a:effectRef idx="0">
+            <a:schemeClr val="accent6"/>
+          </a:effectRef>
+          <a:fontRef idx="minor">
+            <a:schemeClr val="lt1"/>
+          </a:fontRef>
+        </p:style>
+        <p:txBody>
+          <a:bodyPr wrap="square" rtlCol="0" anchor="ctr">
+            <a:noAutofit/>
+          </a:bodyPr>
+          <a:lstStyle/>
+          <a:p>
+            <a:pPr algn="ctr"/>
+            <a:endParaRPr lang="en-US" sz="3200"/>
+          </a:p>
+        </p:txBody>
+      </p:sp>
+      <p:sp>
+        <p:nvSpPr>
+          <p:cNvPr id="29" name="Rectangle 28">
+            <a:extLst>
+              <a:ext uri="{FF2B5EF4-FFF2-40B4-BE49-F238E27FC236}">
+                <a16:creationId xmlns:a16="http://schemas.microsoft.com/office/drawing/2014/main" id="{022FBC10-3869-7247-B8FB-B3CBC442C216}"/>
+              </a:ext>
+            </a:extLst>
+          </p:cNvPr>
+          <p:cNvSpPr/>
+          <p:nvPr/>
+        </p:nvSpPr>
+        <p:spPr>
+          <a:xfrm>
+            <a:off x="188845" y="704495"/>
+            <a:ext cx="3788228" cy="5257800"/>
+          </a:xfrm>
+          <a:prstGeom prst="rect">
+            <a:avLst/>
+          </a:prstGeom>
+          <a:noFill/>
+          <a:ln w="38100"/>
+        </p:spPr>
+        <p:style>
+          <a:lnRef idx="2">
+            <a:schemeClr val="accent1">
+              <a:shade val="50000"/>
+            </a:schemeClr>
+          </a:lnRef>
+          <a:fillRef idx="1">
+            <a:schemeClr val="accent1"/>
+          </a:fillRef>
+          <a:effectRef idx="0">
+            <a:schemeClr val="accent1"/>
+          </a:effectRef>
+          <a:fontRef idx="minor">
+            <a:schemeClr val="lt1"/>
+          </a:fontRef>
+        </p:style>
+        <p:txBody>
+          <a:bodyPr rtlCol="0" anchor="ctr"/>
+          <a:lstStyle/>
+          <a:p>
+            <a:pPr algn="ctr"/>
+            <a:endParaRPr lang="en-US"/>
+          </a:p>
+        </p:txBody>
+      </p:sp>
+      <p:sp>
+        <p:nvSpPr>
+          <p:cNvPr id="20" name="Rectangle 19">
+            <a:extLst>
+              <a:ext uri="{FF2B5EF4-FFF2-40B4-BE49-F238E27FC236}">
+                <a16:creationId xmlns:a16="http://schemas.microsoft.com/office/drawing/2014/main" id="{1E9B20D4-35BA-F546-802B-ED89E44F5607}"/>
+              </a:ext>
+            </a:extLst>
+          </p:cNvPr>
+          <p:cNvSpPr/>
+          <p:nvPr/>
+        </p:nvSpPr>
+        <p:spPr>
+          <a:xfrm>
+            <a:off x="4186639" y="3314840"/>
+            <a:ext cx="3788228" cy="2628900"/>
+          </a:xfrm>
+          <a:prstGeom prst="rect">
+            <a:avLst/>
+          </a:prstGeom>
+        </p:spPr>
+        <p:style>
+          <a:lnRef idx="2">
+            <a:schemeClr val="accent2">
+              <a:shade val="50000"/>
+            </a:schemeClr>
+          </a:lnRef>
+          <a:fillRef idx="1">
+            <a:schemeClr val="accent2"/>
+          </a:fillRef>
+          <a:effectRef idx="0">
+            <a:schemeClr val="accent2"/>
+          </a:effectRef>
+          <a:fontRef idx="minor">
+            <a:schemeClr val="lt1"/>
+          </a:fontRef>
+        </p:style>
+        <p:txBody>
+          <a:bodyPr rtlCol="0" anchor="ctr"/>
+          <a:lstStyle/>
+          <a:p>
+            <a:pPr algn="ctr"/>
+            <a:endParaRPr lang="en-US" sz="3200"/>
+          </a:p>
+        </p:txBody>
+      </p:sp>
+      <p:sp>
+        <p:nvSpPr>
+          <p:cNvPr id="54" name="Freeform 53">
+            <a:extLst>
+              <a:ext uri="{FF2B5EF4-FFF2-40B4-BE49-F238E27FC236}">
+                <a16:creationId xmlns:a16="http://schemas.microsoft.com/office/drawing/2014/main" id="{A0B96EF0-AFEA-584D-A681-0D64151F0C62}"/>
+              </a:ext>
+            </a:extLst>
+          </p:cNvPr>
+          <p:cNvSpPr/>
+          <p:nvPr/>
+        </p:nvSpPr>
+        <p:spPr>
+          <a:xfrm>
+            <a:off x="4954918" y="2479578"/>
+            <a:ext cx="2251670" cy="835263"/>
+          </a:xfrm>
+          <a:custGeom>
+            <a:avLst/>
+            <a:gdLst>
+              <a:gd name="connsiteX0" fmla="*/ 1125835 w 2251670"/>
+              <a:gd name="connsiteY0" fmla="*/ 0 h 835263"/>
+              <a:gd name="connsiteX1" fmla="*/ 2217028 w 2251670"/>
+              <a:gd name="connsiteY1" fmla="*/ 751996 h 835263"/>
+              <a:gd name="connsiteX2" fmla="*/ 2251670 w 2251670"/>
+              <a:gd name="connsiteY2" fmla="*/ 835263 h 835263"/>
+              <a:gd name="connsiteX3" fmla="*/ 0 w 2251670"/>
+              <a:gd name="connsiteY3" fmla="*/ 835263 h 835263"/>
+              <a:gd name="connsiteX4" fmla="*/ 34642 w 2251670"/>
+              <a:gd name="connsiteY4" fmla="*/ 751996 h 835263"/>
+              <a:gd name="connsiteX5" fmla="*/ 1125835 w 2251670"/>
+              <a:gd name="connsiteY5" fmla="*/ 0 h 835263"/>
+            </a:gdLst>
+            <a:ahLst/>
+            <a:cxnLst>
+              <a:cxn ang="0">
+                <a:pos x="connsiteX0" y="connsiteY0"/>
+              </a:cxn>
+              <a:cxn ang="0">
+                <a:pos x="connsiteX1" y="connsiteY1"/>
+              </a:cxn>
+              <a:cxn ang="0">
+                <a:pos x="connsiteX2" y="connsiteY2"/>
+              </a:cxn>
+              <a:cxn ang="0">
+                <a:pos x="connsiteX3" y="connsiteY3"/>
+              </a:cxn>
+              <a:cxn ang="0">
+                <a:pos x="connsiteX4" y="connsiteY4"/>
+              </a:cxn>
+              <a:cxn ang="0">
+                <a:pos x="connsiteX5" y="connsiteY5"/>
+              </a:cxn>
+            </a:cxnLst>
+            <a:rect l="l" t="t" r="r" b="b"/>
+            <a:pathLst>
+              <a:path w="2251670" h="835263">
+                <a:moveTo>
+                  <a:pt x="1125835" y="0"/>
+                </a:moveTo>
+                <a:cubicBezTo>
+                  <a:pt x="1597027" y="0"/>
+                  <a:pt x="2006883" y="304074"/>
+                  <a:pt x="2217028" y="751996"/>
+                </a:cubicBezTo>
+                <a:lnTo>
+                  <a:pt x="2251670" y="835263"/>
+                </a:lnTo>
+                <a:lnTo>
+                  <a:pt x="0" y="835263"/>
+                </a:lnTo>
+                <a:lnTo>
+                  <a:pt x="34642" y="751996"/>
+                </a:lnTo>
+                <a:cubicBezTo>
+                  <a:pt x="244787" y="304074"/>
+                  <a:pt x="654643" y="0"/>
+                  <a:pt x="1125835" y="0"/>
+                </a:cubicBezTo>
+                <a:close/>
+              </a:path>
+            </a:pathLst>
+          </a:custGeom>
+          <a:solidFill>
+            <a:srgbClr val="A4FF65"/>
+          </a:solidFill>
+          <a:ln>
+            <a:noFill/>
+          </a:ln>
+        </p:spPr>
+        <p:style>
+          <a:lnRef idx="2">
+            <a:schemeClr val="accent6">
+              <a:shade val="50000"/>
+            </a:schemeClr>
+          </a:lnRef>
+          <a:fillRef idx="1">
+            <a:schemeClr val="accent6"/>
+          </a:fillRef>
+          <a:effectRef idx="0">
+            <a:schemeClr val="accent6"/>
+          </a:effectRef>
+          <a:fontRef idx="minor">
+            <a:schemeClr val="lt1"/>
+          </a:fontRef>
+        </p:style>
+        <p:txBody>
+          <a:bodyPr wrap="square" rtlCol="0" anchor="ctr">
+            <a:noAutofit/>
+          </a:bodyPr>
+          <a:lstStyle/>
+          <a:p>
+            <a:pPr algn="ctr"/>
+            <a:endParaRPr lang="en-US" sz="3200"/>
+          </a:p>
+        </p:txBody>
+      </p:sp>
+      <p:sp>
+        <p:nvSpPr>
+          <p:cNvPr id="53" name="Freeform 52">
+            <a:extLst>
+              <a:ext uri="{FF2B5EF4-FFF2-40B4-BE49-F238E27FC236}">
+                <a16:creationId xmlns:a16="http://schemas.microsoft.com/office/drawing/2014/main" id="{ECA63388-7D9A-5C48-BA6D-E22E49CAB01F}"/>
+              </a:ext>
+            </a:extLst>
+          </p:cNvPr>
+          <p:cNvSpPr/>
+          <p:nvPr/>
+        </p:nvSpPr>
+        <p:spPr>
+          <a:xfrm>
+            <a:off x="4186639" y="685940"/>
+            <a:ext cx="3788228" cy="2628900"/>
+          </a:xfrm>
+          <a:custGeom>
+            <a:avLst/>
+            <a:gdLst>
+              <a:gd name="connsiteX0" fmla="*/ 0 w 3788228"/>
+              <a:gd name="connsiteY0" fmla="*/ 0 h 2628900"/>
+              <a:gd name="connsiteX1" fmla="*/ 3788228 w 3788228"/>
+              <a:gd name="connsiteY1" fmla="*/ 0 h 2628900"/>
+              <a:gd name="connsiteX2" fmla="*/ 3788228 w 3788228"/>
+              <a:gd name="connsiteY2" fmla="*/ 2628900 h 2628900"/>
+              <a:gd name="connsiteX3" fmla="*/ 3019949 w 3788228"/>
+              <a:gd name="connsiteY3" fmla="*/ 2628900 h 2628900"/>
+              <a:gd name="connsiteX4" fmla="*/ 2985307 w 3788228"/>
+              <a:gd name="connsiteY4" fmla="*/ 2545633 h 2628900"/>
+              <a:gd name="connsiteX5" fmla="*/ 1894114 w 3788228"/>
+              <a:gd name="connsiteY5" fmla="*/ 1793637 h 2628900"/>
+              <a:gd name="connsiteX6" fmla="*/ 802921 w 3788228"/>
+              <a:gd name="connsiteY6" fmla="*/ 2545633 h 2628900"/>
+              <a:gd name="connsiteX7" fmla="*/ 768279 w 3788228"/>
+              <a:gd name="connsiteY7" fmla="*/ 2628900 h 2628900"/>
+              <a:gd name="connsiteX8" fmla="*/ 0 w 3788228"/>
+              <a:gd name="connsiteY8" fmla="*/ 2628900 h 2628900"/>
+              <a:gd name="connsiteX9" fmla="*/ 0 w 3788228"/>
+              <a:gd name="connsiteY9" fmla="*/ 0 h 2628900"/>
+            </a:gdLst>
+            <a:ahLst/>
+            <a:cxnLst>
+              <a:cxn ang="0">
+                <a:pos x="connsiteX0" y="connsiteY0"/>
+              </a:cxn>
+              <a:cxn ang="0">
+                <a:pos x="connsiteX1" y="connsiteY1"/>
+              </a:cxn>
+              <a:cxn ang="0">
+                <a:pos x="connsiteX2" y="connsiteY2"/>
+              </a:cxn>
+              <a:cxn ang="0">
+                <a:pos x="connsiteX3" y="connsiteY3"/>
+              </a:cxn>
+              <a:cxn ang="0">
+                <a:pos x="connsiteX4" y="connsiteY4"/>
+              </a:cxn>
+              <a:cxn ang="0">
+                <a:pos x="connsiteX5" y="connsiteY5"/>
+              </a:cxn>
+              <a:cxn ang="0">
+                <a:pos x="connsiteX6" y="connsiteY6"/>
+              </a:cxn>
+              <a:cxn ang="0">
+                <a:pos x="connsiteX7" y="connsiteY7"/>
+              </a:cxn>
+              <a:cxn ang="0">
+                <a:pos x="connsiteX8" y="connsiteY8"/>
+              </a:cxn>
+              <a:cxn ang="0">
+                <a:pos x="connsiteX9" y="connsiteY9"/>
+              </a:cxn>
+            </a:cxnLst>
+            <a:rect l="l" t="t" r="r" b="b"/>
+            <a:pathLst>
+              <a:path w="3788228" h="2628900">
+                <a:moveTo>
+                  <a:pt x="0" y="0"/>
+                </a:moveTo>
+                <a:lnTo>
+                  <a:pt x="3788228" y="0"/>
+                </a:lnTo>
+                <a:lnTo>
+                  <a:pt x="3788228" y="2628900"/>
+                </a:lnTo>
+                <a:lnTo>
+                  <a:pt x="3019949" y="2628900"/>
+                </a:lnTo>
+                <a:lnTo>
+                  <a:pt x="2985307" y="2545633"/>
+                </a:lnTo>
+                <a:cubicBezTo>
+                  <a:pt x="2775162" y="2097711"/>
+                  <a:pt x="2365306" y="1793637"/>
+                  <a:pt x="1894114" y="1793637"/>
+                </a:cubicBezTo>
+                <a:cubicBezTo>
+                  <a:pt x="1422922" y="1793637"/>
+                  <a:pt x="1013066" y="2097711"/>
+                  <a:pt x="802921" y="2545633"/>
+                </a:cubicBezTo>
+                <a:lnTo>
+                  <a:pt x="768279" y="2628900"/>
+                </a:lnTo>
+                <a:lnTo>
+                  <a:pt x="0" y="2628900"/>
+                </a:lnTo>
+                <a:lnTo>
+                  <a:pt x="0" y="0"/>
+                </a:lnTo>
+                <a:close/>
+              </a:path>
+            </a:pathLst>
+          </a:custGeom>
+        </p:spPr>
+        <p:style>
+          <a:lnRef idx="2">
+            <a:schemeClr val="accent6">
+              <a:shade val="50000"/>
+            </a:schemeClr>
+          </a:lnRef>
+          <a:fillRef idx="1">
+            <a:schemeClr val="accent6"/>
+          </a:fillRef>
+          <a:effectRef idx="0">
+            <a:schemeClr val="accent6"/>
+          </a:effectRef>
+          <a:fontRef idx="minor">
+            <a:schemeClr val="lt1"/>
+          </a:fontRef>
+        </p:style>
+        <p:txBody>
+          <a:bodyPr wrap="square" rtlCol="0" anchor="ctr">
+            <a:noAutofit/>
+          </a:bodyPr>
+          <a:lstStyle/>
+          <a:p>
+            <a:pPr algn="ctr"/>
+            <a:endParaRPr lang="en-US" sz="3200"/>
+          </a:p>
+        </p:txBody>
+      </p:sp>
+      <p:sp>
+        <p:nvSpPr>
+          <p:cNvPr id="52" name="Freeform 51">
+            <a:extLst>
+              <a:ext uri="{FF2B5EF4-FFF2-40B4-BE49-F238E27FC236}">
+                <a16:creationId xmlns:a16="http://schemas.microsoft.com/office/drawing/2014/main" id="{36F363C9-992D-7040-A046-7300EF0686B7}"/>
+              </a:ext>
+            </a:extLst>
+          </p:cNvPr>
+          <p:cNvSpPr/>
+          <p:nvPr/>
+        </p:nvSpPr>
+        <p:spPr>
+          <a:xfrm>
+            <a:off x="4839781" y="3314841"/>
+            <a:ext cx="2481944" cy="2038567"/>
+          </a:xfrm>
+          <a:custGeom>
+            <a:avLst/>
+            <a:gdLst>
+              <a:gd name="connsiteX0" fmla="*/ 115137 w 2481944"/>
+              <a:gd name="connsiteY0" fmla="*/ 0 h 2038567"/>
+              <a:gd name="connsiteX1" fmla="*/ 2366807 w 2481944"/>
+              <a:gd name="connsiteY1" fmla="*/ 0 h 2038567"/>
+              <a:gd name="connsiteX2" fmla="*/ 2384422 w 2481944"/>
+              <a:gd name="connsiteY2" fmla="*/ 42340 h 2038567"/>
+              <a:gd name="connsiteX3" fmla="*/ 2481944 w 2481944"/>
+              <a:gd name="connsiteY3" fmla="*/ 601652 h 2038567"/>
+              <a:gd name="connsiteX4" fmla="*/ 1240972 w 2481944"/>
+              <a:gd name="connsiteY4" fmla="*/ 2038567 h 2038567"/>
+              <a:gd name="connsiteX5" fmla="*/ 0 w 2481944"/>
+              <a:gd name="connsiteY5" fmla="*/ 601652 h 2038567"/>
+              <a:gd name="connsiteX6" fmla="*/ 97522 w 2481944"/>
+              <a:gd name="connsiteY6" fmla="*/ 42340 h 2038567"/>
+              <a:gd name="connsiteX7" fmla="*/ 115137 w 2481944"/>
+              <a:gd name="connsiteY7" fmla="*/ 0 h 2038567"/>
+            </a:gdLst>
+            <a:ahLst/>
+            <a:cxnLst>
+              <a:cxn ang="0">
+                <a:pos x="connsiteX0" y="connsiteY0"/>
+              </a:cxn>
+              <a:cxn ang="0">
+                <a:pos x="connsiteX1" y="connsiteY1"/>
+              </a:cxn>
+              <a:cxn ang="0">
+                <a:pos x="connsiteX2" y="connsiteY2"/>
+              </a:cxn>
+              <a:cxn ang="0">
+                <a:pos x="connsiteX3" y="connsiteY3"/>
+              </a:cxn>
+              <a:cxn ang="0">
+                <a:pos x="connsiteX4" y="connsiteY4"/>
+              </a:cxn>
+              <a:cxn ang="0">
+                <a:pos x="connsiteX5" y="connsiteY5"/>
+              </a:cxn>
+              <a:cxn ang="0">
+                <a:pos x="connsiteX6" y="connsiteY6"/>
+              </a:cxn>
+              <a:cxn ang="0">
+                <a:pos x="connsiteX7" y="connsiteY7"/>
+              </a:cxn>
+            </a:cxnLst>
+            <a:rect l="l" t="t" r="r" b="b"/>
+            <a:pathLst>
+              <a:path w="2481944" h="2038567">
+                <a:moveTo>
+                  <a:pt x="115137" y="0"/>
+                </a:moveTo>
+                <a:lnTo>
+                  <a:pt x="2366807" y="0"/>
+                </a:lnTo>
+                <a:lnTo>
+                  <a:pt x="2384422" y="42340"/>
+                </a:lnTo>
+                <a:cubicBezTo>
+                  <a:pt x="2447219" y="214250"/>
+                  <a:pt x="2481944" y="403256"/>
+                  <a:pt x="2481944" y="601652"/>
+                </a:cubicBezTo>
+                <a:cubicBezTo>
+                  <a:pt x="2481944" y="1395238"/>
+                  <a:pt x="1926342" y="2038567"/>
+                  <a:pt x="1240972" y="2038567"/>
+                </a:cubicBezTo>
+                <a:cubicBezTo>
+                  <a:pt x="555602" y="2038567"/>
+                  <a:pt x="0" y="1395238"/>
+                  <a:pt x="0" y="601652"/>
+                </a:cubicBezTo>
+                <a:cubicBezTo>
+                  <a:pt x="0" y="403256"/>
+                  <a:pt x="34725" y="214250"/>
+                  <a:pt x="97522" y="42340"/>
+                </a:cubicBezTo>
+                <a:lnTo>
+                  <a:pt x="115137" y="0"/>
+                </a:lnTo>
+                <a:close/>
+              </a:path>
+            </a:pathLst>
+          </a:custGeom>
+          <a:solidFill>
+            <a:srgbClr val="FFB637"/>
+          </a:solidFill>
+          <a:ln>
+            <a:noFill/>
+          </a:ln>
+        </p:spPr>
+        <p:style>
+          <a:lnRef idx="2">
+            <a:schemeClr val="accent2">
+              <a:shade val="50000"/>
+            </a:schemeClr>
+          </a:lnRef>
+          <a:fillRef idx="1">
+            <a:schemeClr val="accent2"/>
+          </a:fillRef>
+          <a:effectRef idx="0">
+            <a:schemeClr val="accent2"/>
+          </a:effectRef>
+          <a:fontRef idx="minor">
+            <a:schemeClr val="lt1"/>
+          </a:fontRef>
+        </p:style>
+        <p:txBody>
+          <a:bodyPr wrap="square" rtlCol="0" anchor="ctr">
+            <a:noAutofit/>
+          </a:bodyPr>
+          <a:lstStyle/>
+          <a:p>
+            <a:pPr algn="ctr"/>
+            <a:endParaRPr lang="en-US" sz="3200"/>
+          </a:p>
+        </p:txBody>
+      </p:sp>
+      <p:sp>
+        <p:nvSpPr>
+          <p:cNvPr id="26" name="Rectangle 25">
+            <a:extLst>
+              <a:ext uri="{FF2B5EF4-FFF2-40B4-BE49-F238E27FC236}">
+                <a16:creationId xmlns:a16="http://schemas.microsoft.com/office/drawing/2014/main" id="{937D44AF-227A-D743-B6DA-64F4962C8B60}"/>
+              </a:ext>
+            </a:extLst>
+          </p:cNvPr>
+          <p:cNvSpPr/>
+          <p:nvPr/>
+        </p:nvSpPr>
+        <p:spPr>
+          <a:xfrm>
+            <a:off x="4186639" y="685940"/>
+            <a:ext cx="3788228" cy="5257800"/>
+          </a:xfrm>
+          <a:prstGeom prst="rect">
+            <a:avLst/>
+          </a:prstGeom>
+          <a:noFill/>
+          <a:ln w="38100"/>
+        </p:spPr>
+        <p:style>
+          <a:lnRef idx="2">
+            <a:schemeClr val="accent1">
+              <a:shade val="50000"/>
+            </a:schemeClr>
+          </a:lnRef>
+          <a:fillRef idx="1">
+            <a:schemeClr val="accent1"/>
+          </a:fillRef>
+          <a:effectRef idx="0">
+            <a:schemeClr val="accent1"/>
+          </a:effectRef>
+          <a:fontRef idx="minor">
+            <a:schemeClr val="lt1"/>
+          </a:fontRef>
+        </p:style>
+        <p:txBody>
+          <a:bodyPr rtlCol="0" anchor="ctr"/>
+          <a:lstStyle/>
+          <a:p>
+            <a:pPr algn="ctr"/>
+            <a:endParaRPr lang="en-US"/>
+          </a:p>
+        </p:txBody>
+      </p:sp>
+      <p:sp>
+        <p:nvSpPr>
+          <p:cNvPr id="28" name="Rectangle 27">
+            <a:extLst>
+              <a:ext uri="{FF2B5EF4-FFF2-40B4-BE49-F238E27FC236}">
+                <a16:creationId xmlns:a16="http://schemas.microsoft.com/office/drawing/2014/main" id="{A5608801-5F36-3446-B082-3AF653FC22A1}"/>
+              </a:ext>
+            </a:extLst>
+          </p:cNvPr>
+          <p:cNvSpPr/>
+          <p:nvPr/>
+        </p:nvSpPr>
+        <p:spPr>
+          <a:xfrm>
+            <a:off x="8210086" y="3333395"/>
+            <a:ext cx="3788228" cy="2628900"/>
+          </a:xfrm>
+          <a:prstGeom prst="rect">
+            <a:avLst/>
+          </a:prstGeom>
+        </p:spPr>
+        <p:style>
+          <a:lnRef idx="2">
+            <a:schemeClr val="accent2">
+              <a:shade val="50000"/>
+            </a:schemeClr>
+          </a:lnRef>
+          <a:fillRef idx="1">
+            <a:schemeClr val="accent2"/>
+          </a:fillRef>
+          <a:effectRef idx="0">
+            <a:schemeClr val="accent2"/>
+          </a:effectRef>
+          <a:fontRef idx="minor">
+            <a:schemeClr val="lt1"/>
+          </a:fontRef>
+        </p:style>
+        <p:txBody>
+          <a:bodyPr rtlCol="0" anchor="ctr"/>
+          <a:lstStyle/>
+          <a:p>
+            <a:pPr algn="ctr"/>
+            <a:endParaRPr lang="en-US" sz="3200"/>
+          </a:p>
+        </p:txBody>
+      </p:sp>
+      <p:sp>
+        <p:nvSpPr>
+          <p:cNvPr id="57" name="Freeform 56">
+            <a:extLst>
+              <a:ext uri="{FF2B5EF4-FFF2-40B4-BE49-F238E27FC236}">
+                <a16:creationId xmlns:a16="http://schemas.microsoft.com/office/drawing/2014/main" id="{B9D36B79-7594-6C4C-9F28-E4426358D820}"/>
+              </a:ext>
+            </a:extLst>
+          </p:cNvPr>
+          <p:cNvSpPr/>
+          <p:nvPr/>
+        </p:nvSpPr>
+        <p:spPr>
+          <a:xfrm>
+            <a:off x="9263589" y="2951353"/>
+            <a:ext cx="1681222" cy="382043"/>
+          </a:xfrm>
+          <a:custGeom>
+            <a:avLst/>
+            <a:gdLst>
+              <a:gd name="connsiteX0" fmla="*/ 840611 w 1681222"/>
+              <a:gd name="connsiteY0" fmla="*/ 0 h 382043"/>
+              <a:gd name="connsiteX1" fmla="*/ 1629984 w 1681222"/>
+              <a:gd name="connsiteY1" fmla="*/ 328122 h 382043"/>
+              <a:gd name="connsiteX2" fmla="*/ 1681222 w 1681222"/>
+              <a:gd name="connsiteY2" fmla="*/ 382043 h 382043"/>
+              <a:gd name="connsiteX3" fmla="*/ 0 w 1681222"/>
+              <a:gd name="connsiteY3" fmla="*/ 382043 h 382043"/>
+              <a:gd name="connsiteX4" fmla="*/ 51238 w 1681222"/>
+              <a:gd name="connsiteY4" fmla="*/ 328122 h 382043"/>
+              <a:gd name="connsiteX5" fmla="*/ 840611 w 1681222"/>
+              <a:gd name="connsiteY5" fmla="*/ 0 h 382043"/>
+            </a:gdLst>
+            <a:ahLst/>
+            <a:cxnLst>
+              <a:cxn ang="0">
+                <a:pos x="connsiteX0" y="connsiteY0"/>
+              </a:cxn>
+              <a:cxn ang="0">
+                <a:pos x="connsiteX1" y="connsiteY1"/>
+              </a:cxn>
+              <a:cxn ang="0">
+                <a:pos x="connsiteX2" y="connsiteY2"/>
+              </a:cxn>
+              <a:cxn ang="0">
+                <a:pos x="connsiteX3" y="connsiteY3"/>
+              </a:cxn>
+              <a:cxn ang="0">
+                <a:pos x="connsiteX4" y="connsiteY4"/>
+              </a:cxn>
+              <a:cxn ang="0">
+                <a:pos x="connsiteX5" y="connsiteY5"/>
+              </a:cxn>
+            </a:cxnLst>
+            <a:rect l="l" t="t" r="r" b="b"/>
+            <a:pathLst>
+              <a:path w="1681222" h="382043">
+                <a:moveTo>
+                  <a:pt x="840611" y="0"/>
+                </a:moveTo>
+                <a:cubicBezTo>
+                  <a:pt x="1140460" y="0"/>
+                  <a:pt x="1415471" y="123137"/>
+                  <a:pt x="1629984" y="328122"/>
+                </a:cubicBezTo>
+                <a:lnTo>
+                  <a:pt x="1681222" y="382043"/>
+                </a:lnTo>
+                <a:lnTo>
+                  <a:pt x="0" y="382043"/>
+                </a:lnTo>
+                <a:lnTo>
+                  <a:pt x="51238" y="328122"/>
+                </a:lnTo>
+                <a:cubicBezTo>
+                  <a:pt x="265751" y="123137"/>
+                  <a:pt x="540762" y="0"/>
+                  <a:pt x="840611" y="0"/>
+                </a:cubicBezTo>
+                <a:close/>
+              </a:path>
+            </a:pathLst>
+          </a:custGeom>
+          <a:solidFill>
+            <a:srgbClr val="A4FF65"/>
+          </a:solidFill>
+          <a:ln>
+            <a:noFill/>
+          </a:ln>
+        </p:spPr>
+        <p:style>
+          <a:lnRef idx="2">
+            <a:schemeClr val="accent6">
+              <a:shade val="50000"/>
+            </a:schemeClr>
+          </a:lnRef>
+          <a:fillRef idx="1">
+            <a:schemeClr val="accent6"/>
+          </a:fillRef>
+          <a:effectRef idx="0">
+            <a:schemeClr val="accent6"/>
+          </a:effectRef>
+          <a:fontRef idx="minor">
+            <a:schemeClr val="lt1"/>
+          </a:fontRef>
+        </p:style>
+        <p:txBody>
+          <a:bodyPr wrap="square" rtlCol="0" anchor="ctr">
+            <a:noAutofit/>
+          </a:bodyPr>
+          <a:lstStyle/>
+          <a:p>
+            <a:pPr algn="ctr"/>
+            <a:endParaRPr lang="en-US" sz="3200"/>
+          </a:p>
+        </p:txBody>
+      </p:sp>
+      <p:sp>
+        <p:nvSpPr>
+          <p:cNvPr id="56" name="Freeform 55">
+            <a:extLst>
+              <a:ext uri="{FF2B5EF4-FFF2-40B4-BE49-F238E27FC236}">
+                <a16:creationId xmlns:a16="http://schemas.microsoft.com/office/drawing/2014/main" id="{F371BDE1-A145-6448-8B00-A60DC89BBDA3}"/>
+              </a:ext>
+            </a:extLst>
+          </p:cNvPr>
+          <p:cNvSpPr/>
+          <p:nvPr/>
+        </p:nvSpPr>
+        <p:spPr>
+          <a:xfrm>
+            <a:off x="8210086" y="704495"/>
+            <a:ext cx="3788228" cy="2628900"/>
+          </a:xfrm>
+          <a:custGeom>
+            <a:avLst/>
+            <a:gdLst>
+              <a:gd name="connsiteX0" fmla="*/ 0 w 3788228"/>
+              <a:gd name="connsiteY0" fmla="*/ 0 h 2628900"/>
+              <a:gd name="connsiteX1" fmla="*/ 3788228 w 3788228"/>
+              <a:gd name="connsiteY1" fmla="*/ 0 h 2628900"/>
+              <a:gd name="connsiteX2" fmla="*/ 3788228 w 3788228"/>
+              <a:gd name="connsiteY2" fmla="*/ 2628900 h 2628900"/>
+              <a:gd name="connsiteX3" fmla="*/ 2734725 w 3788228"/>
+              <a:gd name="connsiteY3" fmla="*/ 2628900 h 2628900"/>
+              <a:gd name="connsiteX4" fmla="*/ 2683487 w 3788228"/>
+              <a:gd name="connsiteY4" fmla="*/ 2574979 h 2628900"/>
+              <a:gd name="connsiteX5" fmla="*/ 1894114 w 3788228"/>
+              <a:gd name="connsiteY5" fmla="*/ 2246857 h 2628900"/>
+              <a:gd name="connsiteX6" fmla="*/ 1104741 w 3788228"/>
+              <a:gd name="connsiteY6" fmla="*/ 2574979 h 2628900"/>
+              <a:gd name="connsiteX7" fmla="*/ 1053503 w 3788228"/>
+              <a:gd name="connsiteY7" fmla="*/ 2628900 h 2628900"/>
+              <a:gd name="connsiteX8" fmla="*/ 0 w 3788228"/>
+              <a:gd name="connsiteY8" fmla="*/ 2628900 h 2628900"/>
+              <a:gd name="connsiteX9" fmla="*/ 0 w 3788228"/>
+              <a:gd name="connsiteY9" fmla="*/ 0 h 2628900"/>
+            </a:gdLst>
+            <a:ahLst/>
+            <a:cxnLst>
+              <a:cxn ang="0">
+                <a:pos x="connsiteX0" y="connsiteY0"/>
+              </a:cxn>
+              <a:cxn ang="0">
+                <a:pos x="connsiteX1" y="connsiteY1"/>
+              </a:cxn>
+              <a:cxn ang="0">
+                <a:pos x="connsiteX2" y="connsiteY2"/>
+              </a:cxn>
+              <a:cxn ang="0">
+                <a:pos x="connsiteX3" y="connsiteY3"/>
+              </a:cxn>
+              <a:cxn ang="0">
+                <a:pos x="connsiteX4" y="connsiteY4"/>
+              </a:cxn>
+              <a:cxn ang="0">
+                <a:pos x="connsiteX5" y="connsiteY5"/>
+              </a:cxn>
+              <a:cxn ang="0">
+                <a:pos x="connsiteX6" y="connsiteY6"/>
+              </a:cxn>
+              <a:cxn ang="0">
+                <a:pos x="connsiteX7" y="connsiteY7"/>
+              </a:cxn>
+              <a:cxn ang="0">
+                <a:pos x="connsiteX8" y="connsiteY8"/>
+              </a:cxn>
+              <a:cxn ang="0">
+                <a:pos x="connsiteX9" y="connsiteY9"/>
+              </a:cxn>
+            </a:cxnLst>
+            <a:rect l="l" t="t" r="r" b="b"/>
+            <a:pathLst>
+              <a:path w="3788228" h="2628900">
+                <a:moveTo>
+                  <a:pt x="0" y="0"/>
+                </a:moveTo>
+                <a:lnTo>
+                  <a:pt x="3788228" y="0"/>
+                </a:lnTo>
+                <a:lnTo>
+                  <a:pt x="3788228" y="2628900"/>
+                </a:lnTo>
+                <a:lnTo>
+                  <a:pt x="2734725" y="2628900"/>
+                </a:lnTo>
+                <a:lnTo>
+                  <a:pt x="2683487" y="2574979"/>
+                </a:lnTo>
+                <a:cubicBezTo>
+                  <a:pt x="2468974" y="2369994"/>
+                  <a:pt x="2193963" y="2246857"/>
+                  <a:pt x="1894114" y="2246857"/>
+                </a:cubicBezTo>
+                <a:cubicBezTo>
+                  <a:pt x="1594265" y="2246857"/>
+                  <a:pt x="1319254" y="2369994"/>
+                  <a:pt x="1104741" y="2574979"/>
+                </a:cubicBezTo>
+                <a:lnTo>
+                  <a:pt x="1053503" y="2628900"/>
+                </a:lnTo>
+                <a:lnTo>
+                  <a:pt x="0" y="2628900"/>
+                </a:lnTo>
+                <a:lnTo>
+                  <a:pt x="0" y="0"/>
+                </a:lnTo>
+                <a:close/>
+              </a:path>
+            </a:pathLst>
+          </a:custGeom>
+        </p:spPr>
+        <p:style>
+          <a:lnRef idx="2">
+            <a:schemeClr val="accent6">
+              <a:shade val="50000"/>
+            </a:schemeClr>
+          </a:lnRef>
+          <a:fillRef idx="1">
+            <a:schemeClr val="accent6"/>
+          </a:fillRef>
+          <a:effectRef idx="0">
+            <a:schemeClr val="accent6"/>
+          </a:effectRef>
+          <a:fontRef idx="minor">
+            <a:schemeClr val="lt1"/>
+          </a:fontRef>
+        </p:style>
+        <p:txBody>
+          <a:bodyPr wrap="square" rtlCol="0" anchor="ctr">
+            <a:noAutofit/>
+          </a:bodyPr>
+          <a:lstStyle/>
+          <a:p>
+            <a:pPr algn="ctr"/>
+            <a:endParaRPr lang="en-US" sz="3200"/>
+          </a:p>
+        </p:txBody>
+      </p:sp>
+      <p:sp>
+        <p:nvSpPr>
+          <p:cNvPr id="55" name="Freeform 54">
+            <a:extLst>
+              <a:ext uri="{FF2B5EF4-FFF2-40B4-BE49-F238E27FC236}">
+                <a16:creationId xmlns:a16="http://schemas.microsoft.com/office/drawing/2014/main" id="{7807E519-284F-374A-A451-B03E6F639D22}"/>
+              </a:ext>
+            </a:extLst>
+          </p:cNvPr>
+          <p:cNvSpPr/>
+          <p:nvPr/>
+        </p:nvSpPr>
+        <p:spPr>
+          <a:xfrm>
+            <a:off x="8863228" y="3333396"/>
+            <a:ext cx="2481944" cy="2491787"/>
+          </a:xfrm>
+          <a:custGeom>
+            <a:avLst/>
+            <a:gdLst>
+              <a:gd name="connsiteX0" fmla="*/ 400361 w 2481944"/>
+              <a:gd name="connsiteY0" fmla="*/ 0 h 2491787"/>
+              <a:gd name="connsiteX1" fmla="*/ 2081583 w 2481944"/>
+              <a:gd name="connsiteY1" fmla="*/ 0 h 2491787"/>
+              <a:gd name="connsiteX2" fmla="*/ 2118472 w 2481944"/>
+              <a:gd name="connsiteY2" fmla="*/ 38820 h 2491787"/>
+              <a:gd name="connsiteX3" fmla="*/ 2481944 w 2481944"/>
+              <a:gd name="connsiteY3" fmla="*/ 1054872 h 2491787"/>
+              <a:gd name="connsiteX4" fmla="*/ 1240972 w 2481944"/>
+              <a:gd name="connsiteY4" fmla="*/ 2491787 h 2491787"/>
+              <a:gd name="connsiteX5" fmla="*/ 0 w 2481944"/>
+              <a:gd name="connsiteY5" fmla="*/ 1054872 h 2491787"/>
+              <a:gd name="connsiteX6" fmla="*/ 363472 w 2481944"/>
+              <a:gd name="connsiteY6" fmla="*/ 38820 h 2491787"/>
+              <a:gd name="connsiteX7" fmla="*/ 400361 w 2481944"/>
+              <a:gd name="connsiteY7" fmla="*/ 0 h 2491787"/>
+            </a:gdLst>
+            <a:ahLst/>
+            <a:cxnLst>
+              <a:cxn ang="0">
+                <a:pos x="connsiteX0" y="connsiteY0"/>
+              </a:cxn>
+              <a:cxn ang="0">
+                <a:pos x="connsiteX1" y="connsiteY1"/>
+              </a:cxn>
+              <a:cxn ang="0">
+                <a:pos x="connsiteX2" y="connsiteY2"/>
+              </a:cxn>
+              <a:cxn ang="0">
+                <a:pos x="connsiteX3" y="connsiteY3"/>
+              </a:cxn>
+              <a:cxn ang="0">
+                <a:pos x="connsiteX4" y="connsiteY4"/>
+              </a:cxn>
+              <a:cxn ang="0">
+                <a:pos x="connsiteX5" y="connsiteY5"/>
+              </a:cxn>
+              <a:cxn ang="0">
+                <a:pos x="connsiteX6" y="connsiteY6"/>
+              </a:cxn>
+              <a:cxn ang="0">
+                <a:pos x="connsiteX7" y="connsiteY7"/>
+              </a:cxn>
+            </a:cxnLst>
+            <a:rect l="l" t="t" r="r" b="b"/>
+            <a:pathLst>
+              <a:path w="2481944" h="2491787">
+                <a:moveTo>
+                  <a:pt x="400361" y="0"/>
+                </a:moveTo>
+                <a:lnTo>
+                  <a:pt x="2081583" y="0"/>
+                </a:lnTo>
+                <a:lnTo>
+                  <a:pt x="2118472" y="38820"/>
+                </a:lnTo>
+                <a:cubicBezTo>
+                  <a:pt x="2343044" y="298850"/>
+                  <a:pt x="2481944" y="658079"/>
+                  <a:pt x="2481944" y="1054872"/>
+                </a:cubicBezTo>
+                <a:cubicBezTo>
+                  <a:pt x="2481944" y="1848458"/>
+                  <a:pt x="1926342" y="2491787"/>
+                  <a:pt x="1240972" y="2491787"/>
+                </a:cubicBezTo>
+                <a:cubicBezTo>
+                  <a:pt x="555602" y="2491787"/>
+                  <a:pt x="0" y="1848458"/>
+                  <a:pt x="0" y="1054872"/>
+                </a:cubicBezTo>
+                <a:cubicBezTo>
+                  <a:pt x="0" y="658079"/>
+                  <a:pt x="138900" y="298850"/>
+                  <a:pt x="363472" y="38820"/>
+                </a:cubicBezTo>
+                <a:lnTo>
+                  <a:pt x="400361" y="0"/>
+                </a:lnTo>
+                <a:close/>
+              </a:path>
+            </a:pathLst>
+          </a:custGeom>
+          <a:solidFill>
+            <a:srgbClr val="FFB637"/>
+          </a:solidFill>
+          <a:ln>
+            <a:noFill/>
+          </a:ln>
+        </p:spPr>
+        <p:style>
+          <a:lnRef idx="2">
+            <a:schemeClr val="accent2">
+              <a:shade val="50000"/>
+            </a:schemeClr>
+          </a:lnRef>
+          <a:fillRef idx="1">
+            <a:schemeClr val="accent2"/>
+          </a:fillRef>
+          <a:effectRef idx="0">
+            <a:schemeClr val="accent2"/>
+          </a:effectRef>
+          <a:fontRef idx="minor">
+            <a:schemeClr val="lt1"/>
+          </a:fontRef>
+        </p:style>
+        <p:txBody>
+          <a:bodyPr wrap="square" rtlCol="0" anchor="ctr">
+            <a:noAutofit/>
+          </a:bodyPr>
+          <a:lstStyle/>
+          <a:p>
+            <a:pPr algn="ctr"/>
+            <a:endParaRPr lang="en-US" sz="3200"/>
+          </a:p>
+        </p:txBody>
+      </p:sp>
+      <p:sp>
+        <p:nvSpPr>
+          <p:cNvPr id="43" name="Rectangle 42">
+            <a:extLst>
+              <a:ext uri="{FF2B5EF4-FFF2-40B4-BE49-F238E27FC236}">
+                <a16:creationId xmlns:a16="http://schemas.microsoft.com/office/drawing/2014/main" id="{DA3E081C-881C-5248-BCD4-8BD38C784BE8}"/>
+              </a:ext>
+            </a:extLst>
+          </p:cNvPr>
+          <p:cNvSpPr/>
+          <p:nvPr/>
+        </p:nvSpPr>
+        <p:spPr>
+          <a:xfrm>
+            <a:off x="8210086" y="704495"/>
+            <a:ext cx="3788228" cy="5257800"/>
+          </a:xfrm>
+          <a:prstGeom prst="rect">
+            <a:avLst/>
+          </a:prstGeom>
+          <a:noFill/>
+          <a:ln w="38100"/>
+        </p:spPr>
+        <p:style>
+          <a:lnRef idx="2">
+            <a:schemeClr val="accent1">
+              <a:shade val="50000"/>
+            </a:schemeClr>
+          </a:lnRef>
+          <a:fillRef idx="1">
+            <a:schemeClr val="accent1"/>
+          </a:fillRef>
+          <a:effectRef idx="0">
+            <a:schemeClr val="accent1"/>
+          </a:effectRef>
+          <a:fontRef idx="minor">
+            <a:schemeClr val="lt1"/>
+          </a:fontRef>
+        </p:style>
+        <p:txBody>
+          <a:bodyPr rtlCol="0" anchor="ctr"/>
+          <a:lstStyle/>
+          <a:p>
+            <a:pPr algn="ctr"/>
+            <a:endParaRPr lang="en-US"/>
+          </a:p>
+        </p:txBody>
+      </p:sp>
+      <p:sp>
+        <p:nvSpPr>
+          <p:cNvPr id="59" name="Freeform 58">
+            <a:extLst>
+              <a:ext uri="{FF2B5EF4-FFF2-40B4-BE49-F238E27FC236}">
+                <a16:creationId xmlns:a16="http://schemas.microsoft.com/office/drawing/2014/main" id="{72344801-CA55-E941-A640-D81C0026E8FC}"/>
+              </a:ext>
+            </a:extLst>
+          </p:cNvPr>
+          <p:cNvSpPr/>
+          <p:nvPr/>
+        </p:nvSpPr>
+        <p:spPr>
+          <a:xfrm>
+            <a:off x="829161" y="1877925"/>
+            <a:ext cx="2481944" cy="2873830"/>
+          </a:xfrm>
+          <a:custGeom>
+            <a:avLst/>
+            <a:gdLst>
+              <a:gd name="connsiteX0" fmla="*/ 1240972 w 2481944"/>
+              <a:gd name="connsiteY0" fmla="*/ 0 h 2873830"/>
+              <a:gd name="connsiteX1" fmla="*/ 2481944 w 2481944"/>
+              <a:gd name="connsiteY1" fmla="*/ 1436915 h 2873830"/>
+              <a:gd name="connsiteX2" fmla="*/ 1240972 w 2481944"/>
+              <a:gd name="connsiteY2" fmla="*/ 2873830 h 2873830"/>
+              <a:gd name="connsiteX3" fmla="*/ 0 w 2481944"/>
+              <a:gd name="connsiteY3" fmla="*/ 1436915 h 2873830"/>
+              <a:gd name="connsiteX4" fmla="*/ 1240972 w 2481944"/>
+              <a:gd name="connsiteY4" fmla="*/ 0 h 2873830"/>
+            </a:gdLst>
+            <a:ahLst/>
+            <a:cxnLst>
+              <a:cxn ang="0">
+                <a:pos x="connsiteX0" y="connsiteY0"/>
+              </a:cxn>
+              <a:cxn ang="0">
+                <a:pos x="connsiteX1" y="connsiteY1"/>
+              </a:cxn>
+              <a:cxn ang="0">
+                <a:pos x="connsiteX2" y="connsiteY2"/>
+              </a:cxn>
+              <a:cxn ang="0">
+                <a:pos x="connsiteX3" y="connsiteY3"/>
+              </a:cxn>
+              <a:cxn ang="0">
+                <a:pos x="connsiteX4" y="connsiteY4"/>
+              </a:cxn>
+            </a:cxnLst>
+            <a:rect l="l" t="t" r="r" b="b"/>
+            <a:pathLst>
+              <a:path w="2481944" h="2873830">
+                <a:moveTo>
+                  <a:pt x="1240972" y="0"/>
+                </a:moveTo>
+                <a:cubicBezTo>
+                  <a:pt x="1926342" y="0"/>
+                  <a:pt x="2481944" y="643329"/>
+                  <a:pt x="2481944" y="1436915"/>
+                </a:cubicBezTo>
+                <a:cubicBezTo>
+                  <a:pt x="2481944" y="2230501"/>
+                  <a:pt x="1926342" y="2873830"/>
+                  <a:pt x="1240972" y="2873830"/>
+                </a:cubicBezTo>
+                <a:cubicBezTo>
+                  <a:pt x="555602" y="2873830"/>
+                  <a:pt x="0" y="2230501"/>
+                  <a:pt x="0" y="1436915"/>
+                </a:cubicBezTo>
+                <a:cubicBezTo>
+                  <a:pt x="0" y="643329"/>
+                  <a:pt x="555602" y="0"/>
+                  <a:pt x="1240972" y="0"/>
+                </a:cubicBezTo>
+                <a:close/>
+              </a:path>
+            </a:pathLst>
+          </a:custGeom>
+          <a:noFill/>
+          <a:ln w="63500"/>
+        </p:spPr>
+        <p:style>
+          <a:lnRef idx="2">
+            <a:schemeClr val="accent1">
+              <a:shade val="50000"/>
+            </a:schemeClr>
+          </a:lnRef>
+          <a:fillRef idx="1">
+            <a:schemeClr val="accent1"/>
+          </a:fillRef>
+          <a:effectRef idx="0">
+            <a:schemeClr val="accent1"/>
+          </a:effectRef>
+          <a:fontRef idx="minor">
+            <a:schemeClr val="lt1"/>
+          </a:fontRef>
+        </p:style>
+        <p:txBody>
+          <a:bodyPr wrap="square" rtlCol="0" anchor="ctr">
+            <a:noAutofit/>
+          </a:bodyPr>
+          <a:lstStyle/>
+          <a:p>
+            <a:pPr algn="ctr"/>
+            <a:endParaRPr lang="en-US" sz="3200"/>
+          </a:p>
+        </p:txBody>
+      </p:sp>
+      <p:sp>
+        <p:nvSpPr>
+          <p:cNvPr id="61" name="Freeform 60">
+            <a:extLst>
+              <a:ext uri="{FF2B5EF4-FFF2-40B4-BE49-F238E27FC236}">
+                <a16:creationId xmlns:a16="http://schemas.microsoft.com/office/drawing/2014/main" id="{049529F9-999E-5C47-B33F-3A994557D761}"/>
+              </a:ext>
+            </a:extLst>
+          </p:cNvPr>
+          <p:cNvSpPr/>
+          <p:nvPr/>
+        </p:nvSpPr>
+        <p:spPr>
+          <a:xfrm>
+            <a:off x="4852607" y="2479578"/>
+            <a:ext cx="2481944" cy="2873830"/>
+          </a:xfrm>
+          <a:custGeom>
+            <a:avLst/>
+            <a:gdLst>
+              <a:gd name="connsiteX0" fmla="*/ 1240972 w 2481944"/>
+              <a:gd name="connsiteY0" fmla="*/ 0 h 2873830"/>
+              <a:gd name="connsiteX1" fmla="*/ 2481944 w 2481944"/>
+              <a:gd name="connsiteY1" fmla="*/ 1436915 h 2873830"/>
+              <a:gd name="connsiteX2" fmla="*/ 1240972 w 2481944"/>
+              <a:gd name="connsiteY2" fmla="*/ 2873830 h 2873830"/>
+              <a:gd name="connsiteX3" fmla="*/ 0 w 2481944"/>
+              <a:gd name="connsiteY3" fmla="*/ 1436915 h 2873830"/>
+              <a:gd name="connsiteX4" fmla="*/ 1240972 w 2481944"/>
+              <a:gd name="connsiteY4" fmla="*/ 0 h 2873830"/>
+            </a:gdLst>
+            <a:ahLst/>
+            <a:cxnLst>
+              <a:cxn ang="0">
+                <a:pos x="connsiteX0" y="connsiteY0"/>
+              </a:cxn>
+              <a:cxn ang="0">
+                <a:pos x="connsiteX1" y="connsiteY1"/>
+              </a:cxn>
+              <a:cxn ang="0">
+                <a:pos x="connsiteX2" y="connsiteY2"/>
+              </a:cxn>
+              <a:cxn ang="0">
+                <a:pos x="connsiteX3" y="connsiteY3"/>
+              </a:cxn>
+              <a:cxn ang="0">
+                <a:pos x="connsiteX4" y="connsiteY4"/>
+              </a:cxn>
+            </a:cxnLst>
+            <a:rect l="l" t="t" r="r" b="b"/>
+            <a:pathLst>
+              <a:path w="2481944" h="2873830">
+                <a:moveTo>
+                  <a:pt x="1240972" y="0"/>
+                </a:moveTo>
+                <a:cubicBezTo>
+                  <a:pt x="1926342" y="0"/>
+                  <a:pt x="2481944" y="643329"/>
+                  <a:pt x="2481944" y="1436915"/>
+                </a:cubicBezTo>
+                <a:cubicBezTo>
+                  <a:pt x="2481944" y="2230501"/>
+                  <a:pt x="1926342" y="2873830"/>
+                  <a:pt x="1240972" y="2873830"/>
+                </a:cubicBezTo>
+                <a:cubicBezTo>
+                  <a:pt x="555602" y="2873830"/>
+                  <a:pt x="0" y="2230501"/>
+                  <a:pt x="0" y="1436915"/>
+                </a:cubicBezTo>
+                <a:cubicBezTo>
+                  <a:pt x="0" y="643329"/>
+                  <a:pt x="555602" y="0"/>
+                  <a:pt x="1240972" y="0"/>
+                </a:cubicBezTo>
+                <a:close/>
+              </a:path>
+            </a:pathLst>
+          </a:custGeom>
+          <a:noFill/>
+          <a:ln w="63500">
+            <a:solidFill>
+              <a:srgbClr val="FF40FF"/>
+            </a:solidFill>
+          </a:ln>
+        </p:spPr>
+        <p:style>
+          <a:lnRef idx="2">
+            <a:schemeClr val="accent1">
+              <a:shade val="50000"/>
+            </a:schemeClr>
+          </a:lnRef>
+          <a:fillRef idx="1">
+            <a:schemeClr val="accent1"/>
+          </a:fillRef>
+          <a:effectRef idx="0">
+            <a:schemeClr val="accent1"/>
+          </a:effectRef>
+          <a:fontRef idx="minor">
+            <a:schemeClr val="lt1"/>
+          </a:fontRef>
+        </p:style>
+        <p:txBody>
+          <a:bodyPr wrap="square" rtlCol="0" anchor="ctr">
+            <a:noAutofit/>
+          </a:bodyPr>
+          <a:lstStyle/>
+          <a:p>
+            <a:pPr algn="ctr"/>
+            <a:endParaRPr lang="en-US" sz="3200"/>
+          </a:p>
+        </p:txBody>
+      </p:sp>
+      <p:sp>
+        <p:nvSpPr>
+          <p:cNvPr id="62" name="Freeform 61">
+            <a:extLst>
+              <a:ext uri="{FF2B5EF4-FFF2-40B4-BE49-F238E27FC236}">
+                <a16:creationId xmlns:a16="http://schemas.microsoft.com/office/drawing/2014/main" id="{BABC4DE8-4D1B-8C44-88B9-45EA79F408DF}"/>
+              </a:ext>
+            </a:extLst>
+          </p:cNvPr>
+          <p:cNvSpPr/>
+          <p:nvPr/>
+        </p:nvSpPr>
+        <p:spPr>
+          <a:xfrm>
+            <a:off x="8903278" y="2951353"/>
+            <a:ext cx="2481944" cy="2873830"/>
+          </a:xfrm>
+          <a:custGeom>
+            <a:avLst/>
+            <a:gdLst>
+              <a:gd name="connsiteX0" fmla="*/ 1240972 w 2481944"/>
+              <a:gd name="connsiteY0" fmla="*/ 0 h 2873830"/>
+              <a:gd name="connsiteX1" fmla="*/ 2481944 w 2481944"/>
+              <a:gd name="connsiteY1" fmla="*/ 1436915 h 2873830"/>
+              <a:gd name="connsiteX2" fmla="*/ 1240972 w 2481944"/>
+              <a:gd name="connsiteY2" fmla="*/ 2873830 h 2873830"/>
+              <a:gd name="connsiteX3" fmla="*/ 0 w 2481944"/>
+              <a:gd name="connsiteY3" fmla="*/ 1436915 h 2873830"/>
+              <a:gd name="connsiteX4" fmla="*/ 1240972 w 2481944"/>
+              <a:gd name="connsiteY4" fmla="*/ 0 h 2873830"/>
+            </a:gdLst>
+            <a:ahLst/>
+            <a:cxnLst>
+              <a:cxn ang="0">
+                <a:pos x="connsiteX0" y="connsiteY0"/>
+              </a:cxn>
+              <a:cxn ang="0">
+                <a:pos x="connsiteX1" y="connsiteY1"/>
+              </a:cxn>
+              <a:cxn ang="0">
+                <a:pos x="connsiteX2" y="connsiteY2"/>
+              </a:cxn>
+              <a:cxn ang="0">
+                <a:pos x="connsiteX3" y="connsiteY3"/>
+              </a:cxn>
+              <a:cxn ang="0">
+                <a:pos x="connsiteX4" y="connsiteY4"/>
+              </a:cxn>
+            </a:cxnLst>
+            <a:rect l="l" t="t" r="r" b="b"/>
+            <a:pathLst>
+              <a:path w="2481944" h="2873830">
+                <a:moveTo>
+                  <a:pt x="1240972" y="0"/>
+                </a:moveTo>
+                <a:cubicBezTo>
+                  <a:pt x="1926342" y="0"/>
+                  <a:pt x="2481944" y="643329"/>
+                  <a:pt x="2481944" y="1436915"/>
+                </a:cubicBezTo>
+                <a:cubicBezTo>
+                  <a:pt x="2481944" y="2230501"/>
+                  <a:pt x="1926342" y="2873830"/>
+                  <a:pt x="1240972" y="2873830"/>
+                </a:cubicBezTo>
+                <a:cubicBezTo>
+                  <a:pt x="555602" y="2873830"/>
+                  <a:pt x="0" y="2230501"/>
+                  <a:pt x="0" y="1436915"/>
+                </a:cubicBezTo>
+                <a:cubicBezTo>
+                  <a:pt x="0" y="643329"/>
+                  <a:pt x="555602" y="0"/>
+                  <a:pt x="1240972" y="0"/>
+                </a:cubicBezTo>
+                <a:close/>
+              </a:path>
+            </a:pathLst>
+          </a:custGeom>
+          <a:noFill/>
+          <a:ln w="63500">
+            <a:solidFill>
+              <a:srgbClr val="FFFF00"/>
+            </a:solidFill>
+          </a:ln>
+        </p:spPr>
+        <p:style>
+          <a:lnRef idx="2">
+            <a:schemeClr val="accent1">
+              <a:shade val="50000"/>
+            </a:schemeClr>
+          </a:lnRef>
+          <a:fillRef idx="1">
+            <a:schemeClr val="accent1"/>
+          </a:fillRef>
+          <a:effectRef idx="0">
+            <a:schemeClr val="accent1"/>
+          </a:effectRef>
+          <a:fontRef idx="minor">
+            <a:schemeClr val="lt1"/>
+          </a:fontRef>
+        </p:style>
+        <p:txBody>
+          <a:bodyPr wrap="square" rtlCol="0" anchor="ctr">
+            <a:noAutofit/>
+          </a:bodyPr>
+          <a:lstStyle/>
+          <a:p>
+            <a:pPr algn="ctr"/>
+            <a:endParaRPr lang="en-US" sz="3200"/>
+          </a:p>
+        </p:txBody>
+      </p:sp>
     </p:spTree>
     <p:extLst>
       <p:ext uri="{BB962C8B-B14F-4D97-AF65-F5344CB8AC3E}">
@@ -20992,45 +21853,10 @@
       </p:grpSpPr>
       <p:sp>
         <p:nvSpPr>
-          <p:cNvPr id="2" name="TextBox 1">
+          <p:cNvPr id="2" name="Right Arrow 1">
             <a:extLst>
               <a:ext uri="{FF2B5EF4-FFF2-40B4-BE49-F238E27FC236}">
-                <a16:creationId xmlns:a16="http://schemas.microsoft.com/office/drawing/2014/main" id="{3214BB8F-137B-1940-9A35-7BECA9BEB245}"/>
-              </a:ext>
-            </a:extLst>
-          </p:cNvPr>
-          <p:cNvSpPr txBox="1"/>
-          <p:nvPr/>
-        </p:nvSpPr>
-        <p:spPr>
-          <a:xfrm>
-            <a:off x="3537857" y="2564946"/>
-            <a:ext cx="1254061" cy="369332"/>
-          </a:xfrm>
-          <a:prstGeom prst="rect">
-            <a:avLst/>
-          </a:prstGeom>
-          <a:noFill/>
-        </p:spPr>
-        <p:txBody>
-          <a:bodyPr wrap="none" rtlCol="0">
-            <a:spAutoFit/>
-          </a:bodyPr>
-          <a:lstStyle/>
-          <a:p>
-            <a:r>
-              <a:rPr lang="en-US" dirty="0"/>
-              <a:t>Precision = </a:t>
-            </a:r>
-          </a:p>
-        </p:txBody>
-      </p:sp>
-      <p:sp>
-        <p:nvSpPr>
-          <p:cNvPr id="3" name="Freeform 2">
-            <a:extLst>
-              <a:ext uri="{FF2B5EF4-FFF2-40B4-BE49-F238E27FC236}">
-                <a16:creationId xmlns:a16="http://schemas.microsoft.com/office/drawing/2014/main" id="{478D7F0F-AA66-6A42-A3FE-220B18D90AF1}"/>
+                <a16:creationId xmlns:a16="http://schemas.microsoft.com/office/drawing/2014/main" id="{094F64A0-A97A-8143-883F-A730C00B8BB1}"/>
               </a:ext>
             </a:extLst>
           </p:cNvPr>
@@ -21039,20 +21865,116 @@
         </p:nvSpPr>
         <p:spPr>
           <a:xfrm>
-            <a:off x="5930820" y="973253"/>
-            <a:ext cx="2481944" cy="1436915"/>
+            <a:off x="6193973" y="3034035"/>
+            <a:ext cx="990600" cy="511629"/>
+          </a:xfrm>
+          <a:prstGeom prst="rightArrow">
+            <a:avLst/>
+          </a:prstGeom>
+        </p:spPr>
+        <p:style>
+          <a:lnRef idx="2">
+            <a:schemeClr val="accent1">
+              <a:shade val="50000"/>
+            </a:schemeClr>
+          </a:lnRef>
+          <a:fillRef idx="1">
+            <a:schemeClr val="accent1"/>
+          </a:fillRef>
+          <a:effectRef idx="0">
+            <a:schemeClr val="accent1"/>
+          </a:effectRef>
+          <a:fontRef idx="minor">
+            <a:schemeClr val="lt1"/>
+          </a:fontRef>
+        </p:style>
+        <p:txBody>
+          <a:bodyPr rtlCol="0" anchor="ctr"/>
+          <a:lstStyle/>
+          <a:p>
+            <a:pPr algn="ctr"/>
+            <a:endParaRPr lang="en-US"/>
+          </a:p>
+        </p:txBody>
+      </p:sp>
+      <p:sp>
+        <p:nvSpPr>
+          <p:cNvPr id="19" name="Rectangle 18">
+            <a:extLst>
+              <a:ext uri="{FF2B5EF4-FFF2-40B4-BE49-F238E27FC236}">
+                <a16:creationId xmlns:a16="http://schemas.microsoft.com/office/drawing/2014/main" id="{885A0C44-CC33-C24A-A7A2-3405914CF341}"/>
+              </a:ext>
+            </a:extLst>
+          </p:cNvPr>
+          <p:cNvSpPr/>
+          <p:nvPr/>
+        </p:nvSpPr>
+        <p:spPr>
+          <a:xfrm>
+            <a:off x="1887017" y="3289852"/>
+            <a:ext cx="3788228" cy="2628900"/>
+          </a:xfrm>
+          <a:prstGeom prst="rect">
+            <a:avLst/>
+          </a:prstGeom>
+        </p:spPr>
+        <p:style>
+          <a:lnRef idx="2">
+            <a:schemeClr val="accent2">
+              <a:shade val="50000"/>
+            </a:schemeClr>
+          </a:lnRef>
+          <a:fillRef idx="1">
+            <a:schemeClr val="accent2"/>
+          </a:fillRef>
+          <a:effectRef idx="0">
+            <a:schemeClr val="accent2"/>
+          </a:effectRef>
+          <a:fontRef idx="minor">
+            <a:schemeClr val="lt1"/>
+          </a:fontRef>
+        </p:style>
+        <p:txBody>
+          <a:bodyPr rtlCol="0" anchor="ctr"/>
+          <a:lstStyle/>
+          <a:p>
+            <a:pPr algn="ctr"/>
+            <a:endParaRPr lang="en-US" sz="3200"/>
+          </a:p>
+        </p:txBody>
+      </p:sp>
+      <p:sp>
+        <p:nvSpPr>
+          <p:cNvPr id="20" name="Freeform 19">
+            <a:extLst>
+              <a:ext uri="{FF2B5EF4-FFF2-40B4-BE49-F238E27FC236}">
+                <a16:creationId xmlns:a16="http://schemas.microsoft.com/office/drawing/2014/main" id="{48299BFE-148A-5044-887F-B4C95DD6B445}"/>
+              </a:ext>
+            </a:extLst>
+          </p:cNvPr>
+          <p:cNvSpPr/>
+          <p:nvPr/>
+        </p:nvSpPr>
+        <p:spPr>
+          <a:xfrm>
+            <a:off x="2655296" y="2454590"/>
+            <a:ext cx="2251670" cy="835263"/>
           </a:xfrm>
           <a:custGeom>
             <a:avLst/>
             <a:gdLst>
-              <a:gd name="connsiteX0" fmla="*/ 1240972 w 2481944"/>
-              <a:gd name="connsiteY0" fmla="*/ 0 h 1436915"/>
-              <a:gd name="connsiteX1" fmla="*/ 2481944 w 2481944"/>
-              <a:gd name="connsiteY1" fmla="*/ 1436915 h 1436915"/>
-              <a:gd name="connsiteX2" fmla="*/ 0 w 2481944"/>
-              <a:gd name="connsiteY2" fmla="*/ 1436915 h 1436915"/>
-              <a:gd name="connsiteX3" fmla="*/ 1240972 w 2481944"/>
-              <a:gd name="connsiteY3" fmla="*/ 0 h 1436915"/>
+              <a:gd name="connsiteX0" fmla="*/ 1125835 w 2251670"/>
+              <a:gd name="connsiteY0" fmla="*/ 0 h 835263"/>
+              <a:gd name="connsiteX1" fmla="*/ 2217028 w 2251670"/>
+              <a:gd name="connsiteY1" fmla="*/ 751996 h 835263"/>
+              <a:gd name="connsiteX2" fmla="*/ 2251670 w 2251670"/>
+              <a:gd name="connsiteY2" fmla="*/ 835263 h 835263"/>
+              <a:gd name="connsiteX3" fmla="*/ 0 w 2251670"/>
+              <a:gd name="connsiteY3" fmla="*/ 835263 h 835263"/>
+              <a:gd name="connsiteX4" fmla="*/ 34642 w 2251670"/>
+              <a:gd name="connsiteY4" fmla="*/ 751996 h 835263"/>
+              <a:gd name="connsiteX5" fmla="*/ 1125835 w 2251670"/>
+              <a:gd name="connsiteY5" fmla="*/ 0 h 835263"/>
             </a:gdLst>
             <a:ahLst/>
             <a:cxnLst>
@@ -21068,25 +21990,37 @@
               <a:cxn ang="0">
                 <a:pos x="connsiteX3" y="connsiteY3"/>
               </a:cxn>
+              <a:cxn ang="0">
+                <a:pos x="connsiteX4" y="connsiteY4"/>
+              </a:cxn>
+              <a:cxn ang="0">
+                <a:pos x="connsiteX5" y="connsiteY5"/>
+              </a:cxn>
             </a:cxnLst>
             <a:rect l="l" t="t" r="r" b="b"/>
             <a:pathLst>
-              <a:path w="2481944" h="1436915">
+              <a:path w="2251670" h="835263">
                 <a:moveTo>
-                  <a:pt x="1240972" y="0"/>
+                  <a:pt x="1125835" y="0"/>
                 </a:moveTo>
                 <a:cubicBezTo>
-                  <a:pt x="1926342" y="0"/>
-                  <a:pt x="2481944" y="643329"/>
-                  <a:pt x="2481944" y="1436915"/>
+                  <a:pt x="1597027" y="0"/>
+                  <a:pt x="2006883" y="304074"/>
+                  <a:pt x="2217028" y="751996"/>
                 </a:cubicBezTo>
                 <a:lnTo>
-                  <a:pt x="0" y="1436915"/>
+                  <a:pt x="2251670" y="835263"/>
+                </a:lnTo>
+                <a:lnTo>
+                  <a:pt x="0" y="835263"/>
+                </a:lnTo>
+                <a:lnTo>
+                  <a:pt x="34642" y="751996"/>
                 </a:lnTo>
                 <a:cubicBezTo>
-                  <a:pt x="0" y="643329"/>
-                  <a:pt x="555602" y="0"/>
-                  <a:pt x="1240972" y="0"/>
+                  <a:pt x="244787" y="304074"/>
+                  <a:pt x="654643" y="0"/>
+                  <a:pt x="1125835" y="0"/>
                 </a:cubicBezTo>
                 <a:close/>
               </a:path>
@@ -21128,6 +22062,1280 @@
       </p:sp>
       <p:sp>
         <p:nvSpPr>
+          <p:cNvPr id="21" name="Freeform 20">
+            <a:extLst>
+              <a:ext uri="{FF2B5EF4-FFF2-40B4-BE49-F238E27FC236}">
+                <a16:creationId xmlns:a16="http://schemas.microsoft.com/office/drawing/2014/main" id="{579F9A30-CA9E-6742-85B3-BA4ED3A2162F}"/>
+              </a:ext>
+            </a:extLst>
+          </p:cNvPr>
+          <p:cNvSpPr/>
+          <p:nvPr/>
+        </p:nvSpPr>
+        <p:spPr>
+          <a:xfrm>
+            <a:off x="1887017" y="660952"/>
+            <a:ext cx="3788228" cy="2628900"/>
+          </a:xfrm>
+          <a:custGeom>
+            <a:avLst/>
+            <a:gdLst>
+              <a:gd name="connsiteX0" fmla="*/ 0 w 3788228"/>
+              <a:gd name="connsiteY0" fmla="*/ 0 h 2628900"/>
+              <a:gd name="connsiteX1" fmla="*/ 3788228 w 3788228"/>
+              <a:gd name="connsiteY1" fmla="*/ 0 h 2628900"/>
+              <a:gd name="connsiteX2" fmla="*/ 3788228 w 3788228"/>
+              <a:gd name="connsiteY2" fmla="*/ 2628900 h 2628900"/>
+              <a:gd name="connsiteX3" fmla="*/ 3019949 w 3788228"/>
+              <a:gd name="connsiteY3" fmla="*/ 2628900 h 2628900"/>
+              <a:gd name="connsiteX4" fmla="*/ 2985307 w 3788228"/>
+              <a:gd name="connsiteY4" fmla="*/ 2545633 h 2628900"/>
+              <a:gd name="connsiteX5" fmla="*/ 1894114 w 3788228"/>
+              <a:gd name="connsiteY5" fmla="*/ 1793637 h 2628900"/>
+              <a:gd name="connsiteX6" fmla="*/ 802921 w 3788228"/>
+              <a:gd name="connsiteY6" fmla="*/ 2545633 h 2628900"/>
+              <a:gd name="connsiteX7" fmla="*/ 768279 w 3788228"/>
+              <a:gd name="connsiteY7" fmla="*/ 2628900 h 2628900"/>
+              <a:gd name="connsiteX8" fmla="*/ 0 w 3788228"/>
+              <a:gd name="connsiteY8" fmla="*/ 2628900 h 2628900"/>
+              <a:gd name="connsiteX9" fmla="*/ 0 w 3788228"/>
+              <a:gd name="connsiteY9" fmla="*/ 0 h 2628900"/>
+            </a:gdLst>
+            <a:ahLst/>
+            <a:cxnLst>
+              <a:cxn ang="0">
+                <a:pos x="connsiteX0" y="connsiteY0"/>
+              </a:cxn>
+              <a:cxn ang="0">
+                <a:pos x="connsiteX1" y="connsiteY1"/>
+              </a:cxn>
+              <a:cxn ang="0">
+                <a:pos x="connsiteX2" y="connsiteY2"/>
+              </a:cxn>
+              <a:cxn ang="0">
+                <a:pos x="connsiteX3" y="connsiteY3"/>
+              </a:cxn>
+              <a:cxn ang="0">
+                <a:pos x="connsiteX4" y="connsiteY4"/>
+              </a:cxn>
+              <a:cxn ang="0">
+                <a:pos x="connsiteX5" y="connsiteY5"/>
+              </a:cxn>
+              <a:cxn ang="0">
+                <a:pos x="connsiteX6" y="connsiteY6"/>
+              </a:cxn>
+              <a:cxn ang="0">
+                <a:pos x="connsiteX7" y="connsiteY7"/>
+              </a:cxn>
+              <a:cxn ang="0">
+                <a:pos x="connsiteX8" y="connsiteY8"/>
+              </a:cxn>
+              <a:cxn ang="0">
+                <a:pos x="connsiteX9" y="connsiteY9"/>
+              </a:cxn>
+            </a:cxnLst>
+            <a:rect l="l" t="t" r="r" b="b"/>
+            <a:pathLst>
+              <a:path w="3788228" h="2628900">
+                <a:moveTo>
+                  <a:pt x="0" y="0"/>
+                </a:moveTo>
+                <a:lnTo>
+                  <a:pt x="3788228" y="0"/>
+                </a:lnTo>
+                <a:lnTo>
+                  <a:pt x="3788228" y="2628900"/>
+                </a:lnTo>
+                <a:lnTo>
+                  <a:pt x="3019949" y="2628900"/>
+                </a:lnTo>
+                <a:lnTo>
+                  <a:pt x="2985307" y="2545633"/>
+                </a:lnTo>
+                <a:cubicBezTo>
+                  <a:pt x="2775162" y="2097711"/>
+                  <a:pt x="2365306" y="1793637"/>
+                  <a:pt x="1894114" y="1793637"/>
+                </a:cubicBezTo>
+                <a:cubicBezTo>
+                  <a:pt x="1422922" y="1793637"/>
+                  <a:pt x="1013066" y="2097711"/>
+                  <a:pt x="802921" y="2545633"/>
+                </a:cubicBezTo>
+                <a:lnTo>
+                  <a:pt x="768279" y="2628900"/>
+                </a:lnTo>
+                <a:lnTo>
+                  <a:pt x="0" y="2628900"/>
+                </a:lnTo>
+                <a:lnTo>
+                  <a:pt x="0" y="0"/>
+                </a:lnTo>
+                <a:close/>
+              </a:path>
+            </a:pathLst>
+          </a:custGeom>
+        </p:spPr>
+        <p:style>
+          <a:lnRef idx="2">
+            <a:schemeClr val="accent6">
+              <a:shade val="50000"/>
+            </a:schemeClr>
+          </a:lnRef>
+          <a:fillRef idx="1">
+            <a:schemeClr val="accent6"/>
+          </a:fillRef>
+          <a:effectRef idx="0">
+            <a:schemeClr val="accent6"/>
+          </a:effectRef>
+          <a:fontRef idx="minor">
+            <a:schemeClr val="lt1"/>
+          </a:fontRef>
+        </p:style>
+        <p:txBody>
+          <a:bodyPr wrap="square" rtlCol="0" anchor="ctr">
+            <a:noAutofit/>
+          </a:bodyPr>
+          <a:lstStyle/>
+          <a:p>
+            <a:pPr algn="ctr"/>
+            <a:endParaRPr lang="en-US" sz="3200"/>
+          </a:p>
+        </p:txBody>
+      </p:sp>
+      <p:sp>
+        <p:nvSpPr>
+          <p:cNvPr id="23" name="Freeform 22">
+            <a:extLst>
+              <a:ext uri="{FF2B5EF4-FFF2-40B4-BE49-F238E27FC236}">
+                <a16:creationId xmlns:a16="http://schemas.microsoft.com/office/drawing/2014/main" id="{CAB2F57F-B43C-B940-A5D3-C75B6D1CBD01}"/>
+              </a:ext>
+            </a:extLst>
+          </p:cNvPr>
+          <p:cNvSpPr/>
+          <p:nvPr/>
+        </p:nvSpPr>
+        <p:spPr>
+          <a:xfrm>
+            <a:off x="2540159" y="3289853"/>
+            <a:ext cx="2481944" cy="2038567"/>
+          </a:xfrm>
+          <a:custGeom>
+            <a:avLst/>
+            <a:gdLst>
+              <a:gd name="connsiteX0" fmla="*/ 115137 w 2481944"/>
+              <a:gd name="connsiteY0" fmla="*/ 0 h 2038567"/>
+              <a:gd name="connsiteX1" fmla="*/ 2366807 w 2481944"/>
+              <a:gd name="connsiteY1" fmla="*/ 0 h 2038567"/>
+              <a:gd name="connsiteX2" fmla="*/ 2384422 w 2481944"/>
+              <a:gd name="connsiteY2" fmla="*/ 42340 h 2038567"/>
+              <a:gd name="connsiteX3" fmla="*/ 2481944 w 2481944"/>
+              <a:gd name="connsiteY3" fmla="*/ 601652 h 2038567"/>
+              <a:gd name="connsiteX4" fmla="*/ 1240972 w 2481944"/>
+              <a:gd name="connsiteY4" fmla="*/ 2038567 h 2038567"/>
+              <a:gd name="connsiteX5" fmla="*/ 0 w 2481944"/>
+              <a:gd name="connsiteY5" fmla="*/ 601652 h 2038567"/>
+              <a:gd name="connsiteX6" fmla="*/ 97522 w 2481944"/>
+              <a:gd name="connsiteY6" fmla="*/ 42340 h 2038567"/>
+              <a:gd name="connsiteX7" fmla="*/ 115137 w 2481944"/>
+              <a:gd name="connsiteY7" fmla="*/ 0 h 2038567"/>
+            </a:gdLst>
+            <a:ahLst/>
+            <a:cxnLst>
+              <a:cxn ang="0">
+                <a:pos x="connsiteX0" y="connsiteY0"/>
+              </a:cxn>
+              <a:cxn ang="0">
+                <a:pos x="connsiteX1" y="connsiteY1"/>
+              </a:cxn>
+              <a:cxn ang="0">
+                <a:pos x="connsiteX2" y="connsiteY2"/>
+              </a:cxn>
+              <a:cxn ang="0">
+                <a:pos x="connsiteX3" y="connsiteY3"/>
+              </a:cxn>
+              <a:cxn ang="0">
+                <a:pos x="connsiteX4" y="connsiteY4"/>
+              </a:cxn>
+              <a:cxn ang="0">
+                <a:pos x="connsiteX5" y="connsiteY5"/>
+              </a:cxn>
+              <a:cxn ang="0">
+                <a:pos x="connsiteX6" y="connsiteY6"/>
+              </a:cxn>
+              <a:cxn ang="0">
+                <a:pos x="connsiteX7" y="connsiteY7"/>
+              </a:cxn>
+            </a:cxnLst>
+            <a:rect l="l" t="t" r="r" b="b"/>
+            <a:pathLst>
+              <a:path w="2481944" h="2038567">
+                <a:moveTo>
+                  <a:pt x="115137" y="0"/>
+                </a:moveTo>
+                <a:lnTo>
+                  <a:pt x="2366807" y="0"/>
+                </a:lnTo>
+                <a:lnTo>
+                  <a:pt x="2384422" y="42340"/>
+                </a:lnTo>
+                <a:cubicBezTo>
+                  <a:pt x="2447219" y="214250"/>
+                  <a:pt x="2481944" y="403256"/>
+                  <a:pt x="2481944" y="601652"/>
+                </a:cubicBezTo>
+                <a:cubicBezTo>
+                  <a:pt x="2481944" y="1395238"/>
+                  <a:pt x="1926342" y="2038567"/>
+                  <a:pt x="1240972" y="2038567"/>
+                </a:cubicBezTo>
+                <a:cubicBezTo>
+                  <a:pt x="555602" y="2038567"/>
+                  <a:pt x="0" y="1395238"/>
+                  <a:pt x="0" y="601652"/>
+                </a:cubicBezTo>
+                <a:cubicBezTo>
+                  <a:pt x="0" y="403256"/>
+                  <a:pt x="34725" y="214250"/>
+                  <a:pt x="97522" y="42340"/>
+                </a:cubicBezTo>
+                <a:lnTo>
+                  <a:pt x="115137" y="0"/>
+                </a:lnTo>
+                <a:close/>
+              </a:path>
+            </a:pathLst>
+          </a:custGeom>
+          <a:solidFill>
+            <a:srgbClr val="FFB637"/>
+          </a:solidFill>
+          <a:ln>
+            <a:noFill/>
+          </a:ln>
+        </p:spPr>
+        <p:style>
+          <a:lnRef idx="2">
+            <a:schemeClr val="accent2">
+              <a:shade val="50000"/>
+            </a:schemeClr>
+          </a:lnRef>
+          <a:fillRef idx="1">
+            <a:schemeClr val="accent2"/>
+          </a:fillRef>
+          <a:effectRef idx="0">
+            <a:schemeClr val="accent2"/>
+          </a:effectRef>
+          <a:fontRef idx="minor">
+            <a:schemeClr val="lt1"/>
+          </a:fontRef>
+        </p:style>
+        <p:txBody>
+          <a:bodyPr wrap="square" rtlCol="0" anchor="ctr">
+            <a:noAutofit/>
+          </a:bodyPr>
+          <a:lstStyle/>
+          <a:p>
+            <a:pPr algn="ctr"/>
+            <a:endParaRPr lang="en-US" sz="3200"/>
+          </a:p>
+        </p:txBody>
+      </p:sp>
+      <p:sp>
+        <p:nvSpPr>
+          <p:cNvPr id="24" name="Rectangle 23">
+            <a:extLst>
+              <a:ext uri="{FF2B5EF4-FFF2-40B4-BE49-F238E27FC236}">
+                <a16:creationId xmlns:a16="http://schemas.microsoft.com/office/drawing/2014/main" id="{1E5A5D1E-A1E4-C54A-B150-7F2BC5DD5351}"/>
+              </a:ext>
+            </a:extLst>
+          </p:cNvPr>
+          <p:cNvSpPr/>
+          <p:nvPr/>
+        </p:nvSpPr>
+        <p:spPr>
+          <a:xfrm>
+            <a:off x="1887017" y="660952"/>
+            <a:ext cx="3788228" cy="5257800"/>
+          </a:xfrm>
+          <a:prstGeom prst="rect">
+            <a:avLst/>
+          </a:prstGeom>
+          <a:noFill/>
+          <a:ln w="38100"/>
+        </p:spPr>
+        <p:style>
+          <a:lnRef idx="2">
+            <a:schemeClr val="accent1">
+              <a:shade val="50000"/>
+            </a:schemeClr>
+          </a:lnRef>
+          <a:fillRef idx="1">
+            <a:schemeClr val="accent1"/>
+          </a:fillRef>
+          <a:effectRef idx="0">
+            <a:schemeClr val="accent1"/>
+          </a:effectRef>
+          <a:fontRef idx="minor">
+            <a:schemeClr val="lt1"/>
+          </a:fontRef>
+        </p:style>
+        <p:txBody>
+          <a:bodyPr rtlCol="0" anchor="ctr"/>
+          <a:lstStyle/>
+          <a:p>
+            <a:pPr algn="ctr"/>
+            <a:endParaRPr lang="en-US"/>
+          </a:p>
+        </p:txBody>
+      </p:sp>
+      <p:sp>
+        <p:nvSpPr>
+          <p:cNvPr id="25" name="Freeform 24">
+            <a:extLst>
+              <a:ext uri="{FF2B5EF4-FFF2-40B4-BE49-F238E27FC236}">
+                <a16:creationId xmlns:a16="http://schemas.microsoft.com/office/drawing/2014/main" id="{F3D8B6DB-243A-5C48-A93E-72B65CD0E00C}"/>
+              </a:ext>
+            </a:extLst>
+          </p:cNvPr>
+          <p:cNvSpPr/>
+          <p:nvPr/>
+        </p:nvSpPr>
+        <p:spPr>
+          <a:xfrm>
+            <a:off x="2552985" y="2454590"/>
+            <a:ext cx="2481944" cy="2873830"/>
+          </a:xfrm>
+          <a:custGeom>
+            <a:avLst/>
+            <a:gdLst>
+              <a:gd name="connsiteX0" fmla="*/ 1240972 w 2481944"/>
+              <a:gd name="connsiteY0" fmla="*/ 0 h 2873830"/>
+              <a:gd name="connsiteX1" fmla="*/ 2481944 w 2481944"/>
+              <a:gd name="connsiteY1" fmla="*/ 1436915 h 2873830"/>
+              <a:gd name="connsiteX2" fmla="*/ 1240972 w 2481944"/>
+              <a:gd name="connsiteY2" fmla="*/ 2873830 h 2873830"/>
+              <a:gd name="connsiteX3" fmla="*/ 0 w 2481944"/>
+              <a:gd name="connsiteY3" fmla="*/ 1436915 h 2873830"/>
+              <a:gd name="connsiteX4" fmla="*/ 1240972 w 2481944"/>
+              <a:gd name="connsiteY4" fmla="*/ 0 h 2873830"/>
+            </a:gdLst>
+            <a:ahLst/>
+            <a:cxnLst>
+              <a:cxn ang="0">
+                <a:pos x="connsiteX0" y="connsiteY0"/>
+              </a:cxn>
+              <a:cxn ang="0">
+                <a:pos x="connsiteX1" y="connsiteY1"/>
+              </a:cxn>
+              <a:cxn ang="0">
+                <a:pos x="connsiteX2" y="connsiteY2"/>
+              </a:cxn>
+              <a:cxn ang="0">
+                <a:pos x="connsiteX3" y="connsiteY3"/>
+              </a:cxn>
+              <a:cxn ang="0">
+                <a:pos x="connsiteX4" y="connsiteY4"/>
+              </a:cxn>
+            </a:cxnLst>
+            <a:rect l="l" t="t" r="r" b="b"/>
+            <a:pathLst>
+              <a:path w="2481944" h="2873830">
+                <a:moveTo>
+                  <a:pt x="1240972" y="0"/>
+                </a:moveTo>
+                <a:cubicBezTo>
+                  <a:pt x="1926342" y="0"/>
+                  <a:pt x="2481944" y="643329"/>
+                  <a:pt x="2481944" y="1436915"/>
+                </a:cubicBezTo>
+                <a:cubicBezTo>
+                  <a:pt x="2481944" y="2230501"/>
+                  <a:pt x="1926342" y="2873830"/>
+                  <a:pt x="1240972" y="2873830"/>
+                </a:cubicBezTo>
+                <a:cubicBezTo>
+                  <a:pt x="555602" y="2873830"/>
+                  <a:pt x="0" y="2230501"/>
+                  <a:pt x="0" y="1436915"/>
+                </a:cubicBezTo>
+                <a:cubicBezTo>
+                  <a:pt x="0" y="643329"/>
+                  <a:pt x="555602" y="0"/>
+                  <a:pt x="1240972" y="0"/>
+                </a:cubicBezTo>
+                <a:close/>
+              </a:path>
+            </a:pathLst>
+          </a:custGeom>
+          <a:noFill/>
+          <a:ln w="63500">
+            <a:solidFill>
+              <a:srgbClr val="FF40FF"/>
+            </a:solidFill>
+          </a:ln>
+        </p:spPr>
+        <p:style>
+          <a:lnRef idx="2">
+            <a:schemeClr val="accent1">
+              <a:shade val="50000"/>
+            </a:schemeClr>
+          </a:lnRef>
+          <a:fillRef idx="1">
+            <a:schemeClr val="accent1"/>
+          </a:fillRef>
+          <a:effectRef idx="0">
+            <a:schemeClr val="accent1"/>
+          </a:effectRef>
+          <a:fontRef idx="minor">
+            <a:schemeClr val="lt1"/>
+          </a:fontRef>
+        </p:style>
+        <p:txBody>
+          <a:bodyPr wrap="square" rtlCol="0" anchor="ctr">
+            <a:noAutofit/>
+          </a:bodyPr>
+          <a:lstStyle/>
+          <a:p>
+            <a:pPr algn="ctr"/>
+            <a:endParaRPr lang="en-US" sz="3200"/>
+          </a:p>
+        </p:txBody>
+      </p:sp>
+      <p:cxnSp>
+        <p:nvCxnSpPr>
+          <p:cNvPr id="26" name="Straight Arrow Connector 25">
+            <a:extLst>
+              <a:ext uri="{FF2B5EF4-FFF2-40B4-BE49-F238E27FC236}">
+                <a16:creationId xmlns:a16="http://schemas.microsoft.com/office/drawing/2014/main" id="{0B96D25C-0752-E149-B9F8-65141A62117C}"/>
+              </a:ext>
+            </a:extLst>
+          </p:cNvPr>
+          <p:cNvCxnSpPr>
+            <a:cxnSpLocks/>
+          </p:cNvCxnSpPr>
+          <p:nvPr/>
+        </p:nvCxnSpPr>
+        <p:spPr>
+          <a:xfrm>
+            <a:off x="3236486" y="2676072"/>
+            <a:ext cx="174171" cy="185057"/>
+          </a:xfrm>
+          <a:prstGeom prst="straightConnector1">
+            <a:avLst/>
+          </a:prstGeom>
+          <a:ln>
+            <a:tailEnd type="triangle"/>
+          </a:ln>
+        </p:spPr>
+        <p:style>
+          <a:lnRef idx="1">
+            <a:schemeClr val="accent1"/>
+          </a:lnRef>
+          <a:fillRef idx="0">
+            <a:schemeClr val="accent1"/>
+          </a:fillRef>
+          <a:effectRef idx="0">
+            <a:schemeClr val="accent1"/>
+          </a:effectRef>
+          <a:fontRef idx="minor">
+            <a:schemeClr val="tx1"/>
+          </a:fontRef>
+        </p:style>
+      </p:cxnSp>
+      <p:cxnSp>
+        <p:nvCxnSpPr>
+          <p:cNvPr id="27" name="Straight Arrow Connector 26">
+            <a:extLst>
+              <a:ext uri="{FF2B5EF4-FFF2-40B4-BE49-F238E27FC236}">
+                <a16:creationId xmlns:a16="http://schemas.microsoft.com/office/drawing/2014/main" id="{1B07E625-4033-9C4D-87EA-D75D79961A14}"/>
+              </a:ext>
+            </a:extLst>
+          </p:cNvPr>
+          <p:cNvCxnSpPr>
+            <a:cxnSpLocks/>
+          </p:cNvCxnSpPr>
+          <p:nvPr/>
+        </p:nvCxnSpPr>
+        <p:spPr>
+          <a:xfrm flipH="1">
+            <a:off x="4165083" y="2676072"/>
+            <a:ext cx="174171" cy="185057"/>
+          </a:xfrm>
+          <a:prstGeom prst="straightConnector1">
+            <a:avLst/>
+          </a:prstGeom>
+          <a:ln>
+            <a:tailEnd type="triangle"/>
+          </a:ln>
+        </p:spPr>
+        <p:style>
+          <a:lnRef idx="1">
+            <a:schemeClr val="accent1"/>
+          </a:lnRef>
+          <a:fillRef idx="0">
+            <a:schemeClr val="accent1"/>
+          </a:fillRef>
+          <a:effectRef idx="0">
+            <a:schemeClr val="accent1"/>
+          </a:effectRef>
+          <a:fontRef idx="minor">
+            <a:schemeClr val="tx1"/>
+          </a:fontRef>
+        </p:style>
+      </p:cxnSp>
+      <p:cxnSp>
+        <p:nvCxnSpPr>
+          <p:cNvPr id="28" name="Straight Arrow Connector 27">
+            <a:extLst>
+              <a:ext uri="{FF2B5EF4-FFF2-40B4-BE49-F238E27FC236}">
+                <a16:creationId xmlns:a16="http://schemas.microsoft.com/office/drawing/2014/main" id="{CE7B0149-2010-744E-8519-90372DC3D052}"/>
+              </a:ext>
+            </a:extLst>
+          </p:cNvPr>
+          <p:cNvCxnSpPr>
+            <a:cxnSpLocks/>
+          </p:cNvCxnSpPr>
+          <p:nvPr/>
+        </p:nvCxnSpPr>
+        <p:spPr>
+          <a:xfrm flipV="1">
+            <a:off x="3247372" y="4898433"/>
+            <a:ext cx="174171" cy="185057"/>
+          </a:xfrm>
+          <a:prstGeom prst="straightConnector1">
+            <a:avLst/>
+          </a:prstGeom>
+          <a:ln>
+            <a:tailEnd type="triangle"/>
+          </a:ln>
+        </p:spPr>
+        <p:style>
+          <a:lnRef idx="1">
+            <a:schemeClr val="accent1"/>
+          </a:lnRef>
+          <a:fillRef idx="0">
+            <a:schemeClr val="accent1"/>
+          </a:fillRef>
+          <a:effectRef idx="0">
+            <a:schemeClr val="accent1"/>
+          </a:effectRef>
+          <a:fontRef idx="minor">
+            <a:schemeClr val="tx1"/>
+          </a:fontRef>
+        </p:style>
+      </p:cxnSp>
+      <p:cxnSp>
+        <p:nvCxnSpPr>
+          <p:cNvPr id="31" name="Straight Arrow Connector 30">
+            <a:extLst>
+              <a:ext uri="{FF2B5EF4-FFF2-40B4-BE49-F238E27FC236}">
+                <a16:creationId xmlns:a16="http://schemas.microsoft.com/office/drawing/2014/main" id="{4E862BD3-992E-C143-8EE5-EB1317314102}"/>
+              </a:ext>
+            </a:extLst>
+          </p:cNvPr>
+          <p:cNvCxnSpPr>
+            <a:cxnSpLocks/>
+          </p:cNvCxnSpPr>
+          <p:nvPr/>
+        </p:nvCxnSpPr>
+        <p:spPr>
+          <a:xfrm flipH="1" flipV="1">
+            <a:off x="4175969" y="4898433"/>
+            <a:ext cx="174171" cy="185057"/>
+          </a:xfrm>
+          <a:prstGeom prst="straightConnector1">
+            <a:avLst/>
+          </a:prstGeom>
+          <a:ln>
+            <a:tailEnd type="triangle"/>
+          </a:ln>
+        </p:spPr>
+        <p:style>
+          <a:lnRef idx="1">
+            <a:schemeClr val="accent1"/>
+          </a:lnRef>
+          <a:fillRef idx="0">
+            <a:schemeClr val="accent1"/>
+          </a:fillRef>
+          <a:effectRef idx="0">
+            <a:schemeClr val="accent1"/>
+          </a:effectRef>
+          <a:fontRef idx="minor">
+            <a:schemeClr val="tx1"/>
+          </a:fontRef>
+        </p:style>
+      </p:cxnSp>
+      <p:sp>
+        <p:nvSpPr>
+          <p:cNvPr id="43" name="Rectangle 42">
+            <a:extLst>
+              <a:ext uri="{FF2B5EF4-FFF2-40B4-BE49-F238E27FC236}">
+                <a16:creationId xmlns:a16="http://schemas.microsoft.com/office/drawing/2014/main" id="{64D33513-9A6E-824A-9EBF-DB0E7E0E08EA}"/>
+              </a:ext>
+            </a:extLst>
+          </p:cNvPr>
+          <p:cNvSpPr/>
+          <p:nvPr/>
+        </p:nvSpPr>
+        <p:spPr>
+          <a:xfrm>
+            <a:off x="7642590" y="3289852"/>
+            <a:ext cx="3788228" cy="2628900"/>
+          </a:xfrm>
+          <a:prstGeom prst="rect">
+            <a:avLst/>
+          </a:prstGeom>
+        </p:spPr>
+        <p:style>
+          <a:lnRef idx="2">
+            <a:schemeClr val="accent2">
+              <a:shade val="50000"/>
+            </a:schemeClr>
+          </a:lnRef>
+          <a:fillRef idx="1">
+            <a:schemeClr val="accent2"/>
+          </a:fillRef>
+          <a:effectRef idx="0">
+            <a:schemeClr val="accent2"/>
+          </a:effectRef>
+          <a:fontRef idx="minor">
+            <a:schemeClr val="lt1"/>
+          </a:fontRef>
+        </p:style>
+        <p:txBody>
+          <a:bodyPr rtlCol="0" anchor="ctr"/>
+          <a:lstStyle/>
+          <a:p>
+            <a:pPr algn="ctr"/>
+            <a:endParaRPr lang="en-US" sz="3200"/>
+          </a:p>
+        </p:txBody>
+      </p:sp>
+      <p:sp>
+        <p:nvSpPr>
+          <p:cNvPr id="53" name="Freeform 52">
+            <a:extLst>
+              <a:ext uri="{FF2B5EF4-FFF2-40B4-BE49-F238E27FC236}">
+                <a16:creationId xmlns:a16="http://schemas.microsoft.com/office/drawing/2014/main" id="{65DB026A-D60F-004D-87D2-5A1DE0BCD2D3}"/>
+              </a:ext>
+            </a:extLst>
+          </p:cNvPr>
+          <p:cNvSpPr/>
+          <p:nvPr/>
+        </p:nvSpPr>
+        <p:spPr>
+          <a:xfrm>
+            <a:off x="9020807" y="3008068"/>
+            <a:ext cx="1153219" cy="281785"/>
+          </a:xfrm>
+          <a:custGeom>
+            <a:avLst/>
+            <a:gdLst>
+              <a:gd name="connsiteX0" fmla="*/ 576610 w 1153219"/>
+              <a:gd name="connsiteY0" fmla="*/ 0 h 281785"/>
+              <a:gd name="connsiteX1" fmla="*/ 1147553 w 1153219"/>
+              <a:gd name="connsiteY1" fmla="*/ 273834 h 281785"/>
+              <a:gd name="connsiteX2" fmla="*/ 1153219 w 1153219"/>
+              <a:gd name="connsiteY2" fmla="*/ 281785 h 281785"/>
+              <a:gd name="connsiteX3" fmla="*/ 0 w 1153219"/>
+              <a:gd name="connsiteY3" fmla="*/ 281785 h 281785"/>
+              <a:gd name="connsiteX4" fmla="*/ 5666 w 1153219"/>
+              <a:gd name="connsiteY4" fmla="*/ 273834 h 281785"/>
+              <a:gd name="connsiteX5" fmla="*/ 576610 w 1153219"/>
+              <a:gd name="connsiteY5" fmla="*/ 0 h 281785"/>
+            </a:gdLst>
+            <a:ahLst/>
+            <a:cxnLst>
+              <a:cxn ang="0">
+                <a:pos x="connsiteX0" y="connsiteY0"/>
+              </a:cxn>
+              <a:cxn ang="0">
+                <a:pos x="connsiteX1" y="connsiteY1"/>
+              </a:cxn>
+              <a:cxn ang="0">
+                <a:pos x="connsiteX2" y="connsiteY2"/>
+              </a:cxn>
+              <a:cxn ang="0">
+                <a:pos x="connsiteX3" y="connsiteY3"/>
+              </a:cxn>
+              <a:cxn ang="0">
+                <a:pos x="connsiteX4" y="connsiteY4"/>
+              </a:cxn>
+              <a:cxn ang="0">
+                <a:pos x="connsiteX5" y="connsiteY5"/>
+              </a:cxn>
+            </a:cxnLst>
+            <a:rect l="l" t="t" r="r" b="b"/>
+            <a:pathLst>
+              <a:path w="1153219" h="281785">
+                <a:moveTo>
+                  <a:pt x="576610" y="0"/>
+                </a:moveTo>
+                <a:cubicBezTo>
+                  <a:pt x="799577" y="0"/>
+                  <a:pt x="1001436" y="104645"/>
+                  <a:pt x="1147553" y="273834"/>
+                </a:cubicBezTo>
+                <a:lnTo>
+                  <a:pt x="1153219" y="281785"/>
+                </a:lnTo>
+                <a:lnTo>
+                  <a:pt x="0" y="281785"/>
+                </a:lnTo>
+                <a:lnTo>
+                  <a:pt x="5666" y="273834"/>
+                </a:lnTo>
+                <a:cubicBezTo>
+                  <a:pt x="151783" y="104645"/>
+                  <a:pt x="353642" y="0"/>
+                  <a:pt x="576610" y="0"/>
+                </a:cubicBezTo>
+                <a:close/>
+              </a:path>
+            </a:pathLst>
+          </a:custGeom>
+          <a:solidFill>
+            <a:srgbClr val="A4FF65"/>
+          </a:solidFill>
+          <a:ln>
+            <a:noFill/>
+          </a:ln>
+        </p:spPr>
+        <p:style>
+          <a:lnRef idx="2">
+            <a:schemeClr val="accent6">
+              <a:shade val="50000"/>
+            </a:schemeClr>
+          </a:lnRef>
+          <a:fillRef idx="1">
+            <a:schemeClr val="accent6"/>
+          </a:fillRef>
+          <a:effectRef idx="0">
+            <a:schemeClr val="accent6"/>
+          </a:effectRef>
+          <a:fontRef idx="minor">
+            <a:schemeClr val="lt1"/>
+          </a:fontRef>
+        </p:style>
+        <p:txBody>
+          <a:bodyPr wrap="square" rtlCol="0" anchor="ctr">
+            <a:noAutofit/>
+          </a:bodyPr>
+          <a:lstStyle/>
+          <a:p>
+            <a:pPr algn="ctr"/>
+            <a:endParaRPr lang="en-US" sz="3200"/>
+          </a:p>
+        </p:txBody>
+      </p:sp>
+      <p:sp>
+        <p:nvSpPr>
+          <p:cNvPr id="52" name="Freeform 51">
+            <a:extLst>
+              <a:ext uri="{FF2B5EF4-FFF2-40B4-BE49-F238E27FC236}">
+                <a16:creationId xmlns:a16="http://schemas.microsoft.com/office/drawing/2014/main" id="{5447096A-048C-CF49-A018-84C7239C2DAA}"/>
+              </a:ext>
+            </a:extLst>
+          </p:cNvPr>
+          <p:cNvSpPr/>
+          <p:nvPr/>
+        </p:nvSpPr>
+        <p:spPr>
+          <a:xfrm>
+            <a:off x="7642590" y="660952"/>
+            <a:ext cx="3788228" cy="2628900"/>
+          </a:xfrm>
+          <a:custGeom>
+            <a:avLst/>
+            <a:gdLst>
+              <a:gd name="connsiteX0" fmla="*/ 0 w 3788228"/>
+              <a:gd name="connsiteY0" fmla="*/ 0 h 2628900"/>
+              <a:gd name="connsiteX1" fmla="*/ 3788228 w 3788228"/>
+              <a:gd name="connsiteY1" fmla="*/ 0 h 2628900"/>
+              <a:gd name="connsiteX2" fmla="*/ 3788228 w 3788228"/>
+              <a:gd name="connsiteY2" fmla="*/ 2628900 h 2628900"/>
+              <a:gd name="connsiteX3" fmla="*/ 2531435 w 3788228"/>
+              <a:gd name="connsiteY3" fmla="*/ 2628900 h 2628900"/>
+              <a:gd name="connsiteX4" fmla="*/ 2525769 w 3788228"/>
+              <a:gd name="connsiteY4" fmla="*/ 2620949 h 2628900"/>
+              <a:gd name="connsiteX5" fmla="*/ 1954826 w 3788228"/>
+              <a:gd name="connsiteY5" fmla="*/ 2347115 h 2628900"/>
+              <a:gd name="connsiteX6" fmla="*/ 1383882 w 3788228"/>
+              <a:gd name="connsiteY6" fmla="*/ 2620949 h 2628900"/>
+              <a:gd name="connsiteX7" fmla="*/ 1378216 w 3788228"/>
+              <a:gd name="connsiteY7" fmla="*/ 2628900 h 2628900"/>
+              <a:gd name="connsiteX8" fmla="*/ 0 w 3788228"/>
+              <a:gd name="connsiteY8" fmla="*/ 2628900 h 2628900"/>
+              <a:gd name="connsiteX9" fmla="*/ 0 w 3788228"/>
+              <a:gd name="connsiteY9" fmla="*/ 0 h 2628900"/>
+            </a:gdLst>
+            <a:ahLst/>
+            <a:cxnLst>
+              <a:cxn ang="0">
+                <a:pos x="connsiteX0" y="connsiteY0"/>
+              </a:cxn>
+              <a:cxn ang="0">
+                <a:pos x="connsiteX1" y="connsiteY1"/>
+              </a:cxn>
+              <a:cxn ang="0">
+                <a:pos x="connsiteX2" y="connsiteY2"/>
+              </a:cxn>
+              <a:cxn ang="0">
+                <a:pos x="connsiteX3" y="connsiteY3"/>
+              </a:cxn>
+              <a:cxn ang="0">
+                <a:pos x="connsiteX4" y="connsiteY4"/>
+              </a:cxn>
+              <a:cxn ang="0">
+                <a:pos x="connsiteX5" y="connsiteY5"/>
+              </a:cxn>
+              <a:cxn ang="0">
+                <a:pos x="connsiteX6" y="connsiteY6"/>
+              </a:cxn>
+              <a:cxn ang="0">
+                <a:pos x="connsiteX7" y="connsiteY7"/>
+              </a:cxn>
+              <a:cxn ang="0">
+                <a:pos x="connsiteX8" y="connsiteY8"/>
+              </a:cxn>
+              <a:cxn ang="0">
+                <a:pos x="connsiteX9" y="connsiteY9"/>
+              </a:cxn>
+            </a:cxnLst>
+            <a:rect l="l" t="t" r="r" b="b"/>
+            <a:pathLst>
+              <a:path w="3788228" h="2628900">
+                <a:moveTo>
+                  <a:pt x="0" y="0"/>
+                </a:moveTo>
+                <a:lnTo>
+                  <a:pt x="3788228" y="0"/>
+                </a:lnTo>
+                <a:lnTo>
+                  <a:pt x="3788228" y="2628900"/>
+                </a:lnTo>
+                <a:lnTo>
+                  <a:pt x="2531435" y="2628900"/>
+                </a:lnTo>
+                <a:lnTo>
+                  <a:pt x="2525769" y="2620949"/>
+                </a:lnTo>
+                <a:cubicBezTo>
+                  <a:pt x="2379652" y="2451760"/>
+                  <a:pt x="2177793" y="2347115"/>
+                  <a:pt x="1954826" y="2347115"/>
+                </a:cubicBezTo>
+                <a:cubicBezTo>
+                  <a:pt x="1731858" y="2347115"/>
+                  <a:pt x="1529999" y="2451760"/>
+                  <a:pt x="1383882" y="2620949"/>
+                </a:cubicBezTo>
+                <a:lnTo>
+                  <a:pt x="1378216" y="2628900"/>
+                </a:lnTo>
+                <a:lnTo>
+                  <a:pt x="0" y="2628900"/>
+                </a:lnTo>
+                <a:lnTo>
+                  <a:pt x="0" y="0"/>
+                </a:lnTo>
+                <a:close/>
+              </a:path>
+            </a:pathLst>
+          </a:custGeom>
+        </p:spPr>
+        <p:style>
+          <a:lnRef idx="2">
+            <a:schemeClr val="accent6">
+              <a:shade val="50000"/>
+            </a:schemeClr>
+          </a:lnRef>
+          <a:fillRef idx="1">
+            <a:schemeClr val="accent6"/>
+          </a:fillRef>
+          <a:effectRef idx="0">
+            <a:schemeClr val="accent6"/>
+          </a:effectRef>
+          <a:fontRef idx="minor">
+            <a:schemeClr val="lt1"/>
+          </a:fontRef>
+        </p:style>
+        <p:txBody>
+          <a:bodyPr wrap="square" rtlCol="0" anchor="ctr">
+            <a:noAutofit/>
+          </a:bodyPr>
+          <a:lstStyle/>
+          <a:p>
+            <a:pPr algn="ctr"/>
+            <a:endParaRPr lang="en-US" sz="3200"/>
+          </a:p>
+        </p:txBody>
+      </p:sp>
+      <p:sp>
+        <p:nvSpPr>
+          <p:cNvPr id="51" name="Freeform 50">
+            <a:extLst>
+              <a:ext uri="{FF2B5EF4-FFF2-40B4-BE49-F238E27FC236}">
+                <a16:creationId xmlns:a16="http://schemas.microsoft.com/office/drawing/2014/main" id="{986B815B-16DD-AF4A-A82C-F740B4B3BB7B}"/>
+              </a:ext>
+            </a:extLst>
+          </p:cNvPr>
+          <p:cNvSpPr/>
+          <p:nvPr/>
+        </p:nvSpPr>
+        <p:spPr>
+          <a:xfrm>
+            <a:off x="8789980" y="3289852"/>
+            <a:ext cx="1614873" cy="1588068"/>
+          </a:xfrm>
+          <a:custGeom>
+            <a:avLst/>
+            <a:gdLst>
+              <a:gd name="connsiteX0" fmla="*/ 230827 w 1614873"/>
+              <a:gd name="connsiteY0" fmla="*/ 0 h 1588068"/>
+              <a:gd name="connsiteX1" fmla="*/ 1384046 w 1614873"/>
+              <a:gd name="connsiteY1" fmla="*/ 0 h 1588068"/>
+              <a:gd name="connsiteX2" fmla="*/ 1476975 w 1614873"/>
+              <a:gd name="connsiteY2" fmla="*/ 130415 h 1588068"/>
+              <a:gd name="connsiteX3" fmla="*/ 1614873 w 1614873"/>
+              <a:gd name="connsiteY3" fmla="*/ 653142 h 1588068"/>
+              <a:gd name="connsiteX4" fmla="*/ 807437 w 1614873"/>
+              <a:gd name="connsiteY4" fmla="*/ 1588068 h 1588068"/>
+              <a:gd name="connsiteX5" fmla="*/ 0 w 1614873"/>
+              <a:gd name="connsiteY5" fmla="*/ 653142 h 1588068"/>
+              <a:gd name="connsiteX6" fmla="*/ 137898 w 1614873"/>
+              <a:gd name="connsiteY6" fmla="*/ 130415 h 1588068"/>
+              <a:gd name="connsiteX7" fmla="*/ 230827 w 1614873"/>
+              <a:gd name="connsiteY7" fmla="*/ 0 h 1588068"/>
+            </a:gdLst>
+            <a:ahLst/>
+            <a:cxnLst>
+              <a:cxn ang="0">
+                <a:pos x="connsiteX0" y="connsiteY0"/>
+              </a:cxn>
+              <a:cxn ang="0">
+                <a:pos x="connsiteX1" y="connsiteY1"/>
+              </a:cxn>
+              <a:cxn ang="0">
+                <a:pos x="connsiteX2" y="connsiteY2"/>
+              </a:cxn>
+              <a:cxn ang="0">
+                <a:pos x="connsiteX3" y="connsiteY3"/>
+              </a:cxn>
+              <a:cxn ang="0">
+                <a:pos x="connsiteX4" y="connsiteY4"/>
+              </a:cxn>
+              <a:cxn ang="0">
+                <a:pos x="connsiteX5" y="connsiteY5"/>
+              </a:cxn>
+              <a:cxn ang="0">
+                <a:pos x="connsiteX6" y="connsiteY6"/>
+              </a:cxn>
+              <a:cxn ang="0">
+                <a:pos x="connsiteX7" y="connsiteY7"/>
+              </a:cxn>
+            </a:cxnLst>
+            <a:rect l="l" t="t" r="r" b="b"/>
+            <a:pathLst>
+              <a:path w="1614873" h="1588068">
+                <a:moveTo>
+                  <a:pt x="230827" y="0"/>
+                </a:moveTo>
+                <a:lnTo>
+                  <a:pt x="1384046" y="0"/>
+                </a:lnTo>
+                <a:lnTo>
+                  <a:pt x="1476975" y="130415"/>
+                </a:lnTo>
+                <a:cubicBezTo>
+                  <a:pt x="1564037" y="279631"/>
+                  <a:pt x="1614873" y="459512"/>
+                  <a:pt x="1614873" y="653142"/>
+                </a:cubicBezTo>
+                <a:cubicBezTo>
+                  <a:pt x="1614873" y="1169487"/>
+                  <a:pt x="1253371" y="1588068"/>
+                  <a:pt x="807437" y="1588068"/>
+                </a:cubicBezTo>
+                <a:cubicBezTo>
+                  <a:pt x="361502" y="1588068"/>
+                  <a:pt x="0" y="1169487"/>
+                  <a:pt x="0" y="653142"/>
+                </a:cubicBezTo>
+                <a:cubicBezTo>
+                  <a:pt x="0" y="459512"/>
+                  <a:pt x="50836" y="279631"/>
+                  <a:pt x="137898" y="130415"/>
+                </a:cubicBezTo>
+                <a:lnTo>
+                  <a:pt x="230827" y="0"/>
+                </a:lnTo>
+                <a:close/>
+              </a:path>
+            </a:pathLst>
+          </a:custGeom>
+          <a:solidFill>
+            <a:srgbClr val="FFB637"/>
+          </a:solidFill>
+          <a:ln>
+            <a:noFill/>
+          </a:ln>
+        </p:spPr>
+        <p:style>
+          <a:lnRef idx="2">
+            <a:schemeClr val="accent2">
+              <a:shade val="50000"/>
+            </a:schemeClr>
+          </a:lnRef>
+          <a:fillRef idx="1">
+            <a:schemeClr val="accent2"/>
+          </a:fillRef>
+          <a:effectRef idx="0">
+            <a:schemeClr val="accent2"/>
+          </a:effectRef>
+          <a:fontRef idx="minor">
+            <a:schemeClr val="lt1"/>
+          </a:fontRef>
+        </p:style>
+        <p:txBody>
+          <a:bodyPr wrap="square" rtlCol="0" anchor="ctr">
+            <a:noAutofit/>
+          </a:bodyPr>
+          <a:lstStyle/>
+          <a:p>
+            <a:pPr algn="ctr"/>
+            <a:endParaRPr lang="en-US" sz="3200"/>
+          </a:p>
+        </p:txBody>
+      </p:sp>
+      <p:sp>
+        <p:nvSpPr>
+          <p:cNvPr id="49" name="Rectangle 48">
+            <a:extLst>
+              <a:ext uri="{FF2B5EF4-FFF2-40B4-BE49-F238E27FC236}">
+                <a16:creationId xmlns:a16="http://schemas.microsoft.com/office/drawing/2014/main" id="{A8B37C1C-15DD-094F-8D87-0BC07E901358}"/>
+              </a:ext>
+            </a:extLst>
+          </p:cNvPr>
+          <p:cNvSpPr/>
+          <p:nvPr/>
+        </p:nvSpPr>
+        <p:spPr>
+          <a:xfrm>
+            <a:off x="7642590" y="660952"/>
+            <a:ext cx="3788228" cy="5257800"/>
+          </a:xfrm>
+          <a:prstGeom prst="rect">
+            <a:avLst/>
+          </a:prstGeom>
+          <a:noFill/>
+          <a:ln w="38100"/>
+        </p:spPr>
+        <p:style>
+          <a:lnRef idx="2">
+            <a:schemeClr val="accent1">
+              <a:shade val="50000"/>
+            </a:schemeClr>
+          </a:lnRef>
+          <a:fillRef idx="1">
+            <a:schemeClr val="accent1"/>
+          </a:fillRef>
+          <a:effectRef idx="0">
+            <a:schemeClr val="accent1"/>
+          </a:effectRef>
+          <a:fontRef idx="minor">
+            <a:schemeClr val="lt1"/>
+          </a:fontRef>
+        </p:style>
+        <p:txBody>
+          <a:bodyPr rtlCol="0" anchor="ctr"/>
+          <a:lstStyle/>
+          <a:p>
+            <a:pPr algn="ctr"/>
+            <a:endParaRPr lang="en-US"/>
+          </a:p>
+        </p:txBody>
+      </p:sp>
+      <p:sp>
+        <p:nvSpPr>
+          <p:cNvPr id="55" name="Freeform 54">
+            <a:extLst>
+              <a:ext uri="{FF2B5EF4-FFF2-40B4-BE49-F238E27FC236}">
+                <a16:creationId xmlns:a16="http://schemas.microsoft.com/office/drawing/2014/main" id="{1857F9CA-707A-604A-A245-A641C1C12AED}"/>
+              </a:ext>
+            </a:extLst>
+          </p:cNvPr>
+          <p:cNvSpPr/>
+          <p:nvPr/>
+        </p:nvSpPr>
+        <p:spPr>
+          <a:xfrm>
+            <a:off x="8789979" y="3008067"/>
+            <a:ext cx="1614873" cy="1869853"/>
+          </a:xfrm>
+          <a:custGeom>
+            <a:avLst/>
+            <a:gdLst>
+              <a:gd name="connsiteX0" fmla="*/ 1240972 w 2481944"/>
+              <a:gd name="connsiteY0" fmla="*/ 0 h 2873830"/>
+              <a:gd name="connsiteX1" fmla="*/ 2481944 w 2481944"/>
+              <a:gd name="connsiteY1" fmla="*/ 1436915 h 2873830"/>
+              <a:gd name="connsiteX2" fmla="*/ 1240972 w 2481944"/>
+              <a:gd name="connsiteY2" fmla="*/ 2873830 h 2873830"/>
+              <a:gd name="connsiteX3" fmla="*/ 0 w 2481944"/>
+              <a:gd name="connsiteY3" fmla="*/ 1436915 h 2873830"/>
+              <a:gd name="connsiteX4" fmla="*/ 1240972 w 2481944"/>
+              <a:gd name="connsiteY4" fmla="*/ 0 h 2873830"/>
+            </a:gdLst>
+            <a:ahLst/>
+            <a:cxnLst>
+              <a:cxn ang="0">
+                <a:pos x="connsiteX0" y="connsiteY0"/>
+              </a:cxn>
+              <a:cxn ang="0">
+                <a:pos x="connsiteX1" y="connsiteY1"/>
+              </a:cxn>
+              <a:cxn ang="0">
+                <a:pos x="connsiteX2" y="connsiteY2"/>
+              </a:cxn>
+              <a:cxn ang="0">
+                <a:pos x="connsiteX3" y="connsiteY3"/>
+              </a:cxn>
+              <a:cxn ang="0">
+                <a:pos x="connsiteX4" y="connsiteY4"/>
+              </a:cxn>
+            </a:cxnLst>
+            <a:rect l="l" t="t" r="r" b="b"/>
+            <a:pathLst>
+              <a:path w="2481944" h="2873830">
+                <a:moveTo>
+                  <a:pt x="1240972" y="0"/>
+                </a:moveTo>
+                <a:cubicBezTo>
+                  <a:pt x="1926342" y="0"/>
+                  <a:pt x="2481944" y="643329"/>
+                  <a:pt x="2481944" y="1436915"/>
+                </a:cubicBezTo>
+                <a:cubicBezTo>
+                  <a:pt x="2481944" y="2230501"/>
+                  <a:pt x="1926342" y="2873830"/>
+                  <a:pt x="1240972" y="2873830"/>
+                </a:cubicBezTo>
+                <a:cubicBezTo>
+                  <a:pt x="555602" y="2873830"/>
+                  <a:pt x="0" y="2230501"/>
+                  <a:pt x="0" y="1436915"/>
+                </a:cubicBezTo>
+                <a:cubicBezTo>
+                  <a:pt x="0" y="643329"/>
+                  <a:pt x="555602" y="0"/>
+                  <a:pt x="1240972" y="0"/>
+                </a:cubicBezTo>
+                <a:close/>
+              </a:path>
+            </a:pathLst>
+          </a:custGeom>
+          <a:noFill/>
+          <a:ln w="63500">
+            <a:solidFill>
+              <a:srgbClr val="FF40FF"/>
+            </a:solidFill>
+          </a:ln>
+        </p:spPr>
+        <p:style>
+          <a:lnRef idx="2">
+            <a:schemeClr val="accent1">
+              <a:shade val="50000"/>
+            </a:schemeClr>
+          </a:lnRef>
+          <a:fillRef idx="1">
+            <a:schemeClr val="accent1"/>
+          </a:fillRef>
+          <a:effectRef idx="0">
+            <a:schemeClr val="accent1"/>
+          </a:effectRef>
+          <a:fontRef idx="minor">
+            <a:schemeClr val="lt1"/>
+          </a:fontRef>
+        </p:style>
+        <p:txBody>
+          <a:bodyPr wrap="square" rtlCol="0" anchor="ctr">
+            <a:noAutofit/>
+          </a:bodyPr>
+          <a:lstStyle/>
+          <a:p>
+            <a:pPr algn="ctr"/>
+            <a:endParaRPr lang="en-US" sz="3200"/>
+          </a:p>
+        </p:txBody>
+      </p:sp>
+    </p:spTree>
+    <p:extLst>
+      <p:ext uri="{BB962C8B-B14F-4D97-AF65-F5344CB8AC3E}">
+        <p14:creationId xmlns:p14="http://schemas.microsoft.com/office/powerpoint/2010/main" val="3926767097"/>
+      </p:ext>
+    </p:extLst>
+  </p:cSld>
+  <p:clrMapOvr>
+    <a:masterClrMapping/>
+  </p:clrMapOvr>
+</p:sld>
+</file>
+
+<file path=ppt/slides/slide21.xml><?xml version="1.0" encoding="utf-8"?>
+<p:sld xmlns:a="http://schemas.openxmlformats.org/drawingml/2006/main" xmlns:r="http://schemas.openxmlformats.org/officeDocument/2006/relationships" xmlns:p="http://schemas.openxmlformats.org/presentationml/2006/main">
+  <p:cSld>
+    <p:spTree>
+      <p:nvGrpSpPr>
+        <p:cNvPr id="1" name=""/>
+        <p:cNvGrpSpPr/>
+        <p:nvPr/>
+      </p:nvGrpSpPr>
+      <p:grpSpPr>
+        <a:xfrm>
+          <a:off x="0" y="0"/>
+          <a:ext cx="0" cy="0"/>
+          <a:chOff x="0" y="0"/>
+          <a:chExt cx="0" cy="0"/>
+        </a:xfrm>
+      </p:grpSpPr>
+      <p:sp>
+        <p:nvSpPr>
+          <p:cNvPr id="2" name="TextBox 1">
+            <a:extLst>
+              <a:ext uri="{FF2B5EF4-FFF2-40B4-BE49-F238E27FC236}">
+                <a16:creationId xmlns:a16="http://schemas.microsoft.com/office/drawing/2014/main" id="{3214BB8F-137B-1940-9A35-7BECA9BEB245}"/>
+              </a:ext>
+            </a:extLst>
+          </p:cNvPr>
+          <p:cNvSpPr txBox="1"/>
+          <p:nvPr/>
+        </p:nvSpPr>
+        <p:spPr>
+          <a:xfrm>
+            <a:off x="567951" y="2578198"/>
+            <a:ext cx="1254061" cy="369332"/>
+          </a:xfrm>
+          <a:prstGeom prst="rect">
+            <a:avLst/>
+          </a:prstGeom>
+          <a:noFill/>
+        </p:spPr>
+        <p:txBody>
+          <a:bodyPr wrap="none" rtlCol="0">
+            <a:spAutoFit/>
+          </a:bodyPr>
+          <a:lstStyle/>
+          <a:p>
+            <a:r>
+              <a:rPr lang="en-US" dirty="0"/>
+              <a:t>Precision = </a:t>
+            </a:r>
+          </a:p>
+        </p:txBody>
+      </p:sp>
+      <p:sp>
+        <p:nvSpPr>
           <p:cNvPr id="4" name="Rectangle 3">
             <a:extLst>
               <a:ext uri="{FF2B5EF4-FFF2-40B4-BE49-F238E27FC236}">
@@ -21140,7 +23348,7 @@
         </p:nvSpPr>
         <p:spPr>
           <a:xfrm>
-            <a:off x="5277678" y="549893"/>
+            <a:off x="2307772" y="563145"/>
             <a:ext cx="3788228" cy="5257800"/>
           </a:xfrm>
           <a:prstGeom prst="rect">
@@ -21192,7 +23400,7 @@
         </p:nvSpPr>
         <p:spPr>
           <a:xfrm>
-            <a:off x="5930820" y="2814535"/>
+            <a:off x="2960914" y="2827787"/>
             <a:ext cx="2481944" cy="1436915"/>
           </a:xfrm>
           <a:custGeom>
@@ -21293,7 +23501,7 @@
         </p:nvCxnSpPr>
         <p:spPr>
           <a:xfrm>
-            <a:off x="5277678" y="2613515"/>
+            <a:off x="2307772" y="2626767"/>
             <a:ext cx="3788228" cy="0"/>
           </a:xfrm>
           <a:prstGeom prst="line">
@@ -21334,7 +23542,7 @@
         </p:nvSpPr>
         <p:spPr>
           <a:xfrm>
-            <a:off x="5930820" y="4251450"/>
+            <a:off x="2960914" y="4264702"/>
             <a:ext cx="2481944" cy="1436915"/>
           </a:xfrm>
           <a:custGeom>
@@ -21383,6 +23591,591 @@
                   <a:pt x="0" y="793586"/>
                   <a:pt x="0" y="0"/>
                 </a:cubicBezTo>
+                <a:close/>
+              </a:path>
+            </a:pathLst>
+          </a:custGeom>
+          <a:solidFill>
+            <a:srgbClr val="FFB637"/>
+          </a:solidFill>
+          <a:ln>
+            <a:noFill/>
+          </a:ln>
+        </p:spPr>
+        <p:style>
+          <a:lnRef idx="2">
+            <a:schemeClr val="accent2">
+              <a:shade val="50000"/>
+            </a:schemeClr>
+          </a:lnRef>
+          <a:fillRef idx="1">
+            <a:schemeClr val="accent2"/>
+          </a:fillRef>
+          <a:effectRef idx="0">
+            <a:schemeClr val="accent2"/>
+          </a:effectRef>
+          <a:fontRef idx="minor">
+            <a:schemeClr val="lt1"/>
+          </a:fontRef>
+        </p:style>
+        <p:txBody>
+          <a:bodyPr wrap="square" rtlCol="0" anchor="ctr">
+            <a:noAutofit/>
+          </a:bodyPr>
+          <a:lstStyle/>
+          <a:p>
+            <a:pPr algn="ctr"/>
+            <a:endParaRPr lang="en-US" sz="3200"/>
+          </a:p>
+        </p:txBody>
+      </p:sp>
+      <p:sp>
+        <p:nvSpPr>
+          <p:cNvPr id="10" name="Rectangle 9">
+            <a:extLst>
+              <a:ext uri="{FF2B5EF4-FFF2-40B4-BE49-F238E27FC236}">
+                <a16:creationId xmlns:a16="http://schemas.microsoft.com/office/drawing/2014/main" id="{8CB28116-352B-3447-9212-71CC6A9CF29A}"/>
+              </a:ext>
+            </a:extLst>
+          </p:cNvPr>
+          <p:cNvSpPr/>
+          <p:nvPr/>
+        </p:nvSpPr>
+        <p:spPr>
+          <a:xfrm>
+            <a:off x="7721285" y="563145"/>
+            <a:ext cx="3788228" cy="5257800"/>
+          </a:xfrm>
+          <a:prstGeom prst="rect">
+            <a:avLst/>
+          </a:prstGeom>
+          <a:noFill/>
+          <a:ln w="38100">
+            <a:solidFill>
+              <a:schemeClr val="bg1"/>
+            </a:solidFill>
+          </a:ln>
+        </p:spPr>
+        <p:style>
+          <a:lnRef idx="2">
+            <a:schemeClr val="accent1">
+              <a:shade val="50000"/>
+            </a:schemeClr>
+          </a:lnRef>
+          <a:fillRef idx="1">
+            <a:schemeClr val="accent1"/>
+          </a:fillRef>
+          <a:effectRef idx="0">
+            <a:schemeClr val="accent1"/>
+          </a:effectRef>
+          <a:fontRef idx="minor">
+            <a:schemeClr val="lt1"/>
+          </a:fontRef>
+        </p:style>
+        <p:txBody>
+          <a:bodyPr rtlCol="0" anchor="ctr"/>
+          <a:lstStyle/>
+          <a:p>
+            <a:pPr algn="ctr"/>
+            <a:endParaRPr lang="en-US"/>
+          </a:p>
+        </p:txBody>
+      </p:sp>
+      <p:cxnSp>
+        <p:nvCxnSpPr>
+          <p:cNvPr id="12" name="Straight Connector 11">
+            <a:extLst>
+              <a:ext uri="{FF2B5EF4-FFF2-40B4-BE49-F238E27FC236}">
+                <a16:creationId xmlns:a16="http://schemas.microsoft.com/office/drawing/2014/main" id="{9AC40A3D-36FA-6D45-A9CF-B54B6001E85F}"/>
+              </a:ext>
+            </a:extLst>
+          </p:cNvPr>
+          <p:cNvCxnSpPr/>
+          <p:nvPr/>
+        </p:nvCxnSpPr>
+        <p:spPr>
+          <a:xfrm>
+            <a:off x="7721285" y="2626767"/>
+            <a:ext cx="3788228" cy="0"/>
+          </a:xfrm>
+          <a:prstGeom prst="line">
+            <a:avLst/>
+          </a:prstGeom>
+          <a:ln w="44450">
+            <a:solidFill>
+              <a:schemeClr val="tx1"/>
+            </a:solidFill>
+          </a:ln>
+        </p:spPr>
+        <p:style>
+          <a:lnRef idx="1">
+            <a:schemeClr val="accent1"/>
+          </a:lnRef>
+          <a:fillRef idx="0">
+            <a:schemeClr val="accent1"/>
+          </a:fillRef>
+          <a:effectRef idx="0">
+            <a:schemeClr val="accent1"/>
+          </a:effectRef>
+          <a:fontRef idx="minor">
+            <a:schemeClr val="tx1"/>
+          </a:fontRef>
+        </p:style>
+      </p:cxnSp>
+      <p:sp>
+        <p:nvSpPr>
+          <p:cNvPr id="15" name="Freeform 14">
+            <a:extLst>
+              <a:ext uri="{FF2B5EF4-FFF2-40B4-BE49-F238E27FC236}">
+                <a16:creationId xmlns:a16="http://schemas.microsoft.com/office/drawing/2014/main" id="{5DC639F2-7BD7-2E4D-B36C-D8ECEFCB7A0D}"/>
+              </a:ext>
+            </a:extLst>
+          </p:cNvPr>
+          <p:cNvSpPr/>
+          <p:nvPr/>
+        </p:nvSpPr>
+        <p:spPr>
+          <a:xfrm>
+            <a:off x="8565766" y="2827787"/>
+            <a:ext cx="2251670" cy="835263"/>
+          </a:xfrm>
+          <a:custGeom>
+            <a:avLst/>
+            <a:gdLst>
+              <a:gd name="connsiteX0" fmla="*/ 1125835 w 2251670"/>
+              <a:gd name="connsiteY0" fmla="*/ 0 h 835263"/>
+              <a:gd name="connsiteX1" fmla="*/ 2217028 w 2251670"/>
+              <a:gd name="connsiteY1" fmla="*/ 751996 h 835263"/>
+              <a:gd name="connsiteX2" fmla="*/ 2251670 w 2251670"/>
+              <a:gd name="connsiteY2" fmla="*/ 835263 h 835263"/>
+              <a:gd name="connsiteX3" fmla="*/ 0 w 2251670"/>
+              <a:gd name="connsiteY3" fmla="*/ 835263 h 835263"/>
+              <a:gd name="connsiteX4" fmla="*/ 34642 w 2251670"/>
+              <a:gd name="connsiteY4" fmla="*/ 751996 h 835263"/>
+              <a:gd name="connsiteX5" fmla="*/ 1125835 w 2251670"/>
+              <a:gd name="connsiteY5" fmla="*/ 0 h 835263"/>
+            </a:gdLst>
+            <a:ahLst/>
+            <a:cxnLst>
+              <a:cxn ang="0">
+                <a:pos x="connsiteX0" y="connsiteY0"/>
+              </a:cxn>
+              <a:cxn ang="0">
+                <a:pos x="connsiteX1" y="connsiteY1"/>
+              </a:cxn>
+              <a:cxn ang="0">
+                <a:pos x="connsiteX2" y="connsiteY2"/>
+              </a:cxn>
+              <a:cxn ang="0">
+                <a:pos x="connsiteX3" y="connsiteY3"/>
+              </a:cxn>
+              <a:cxn ang="0">
+                <a:pos x="connsiteX4" y="connsiteY4"/>
+              </a:cxn>
+              <a:cxn ang="0">
+                <a:pos x="connsiteX5" y="connsiteY5"/>
+              </a:cxn>
+            </a:cxnLst>
+            <a:rect l="l" t="t" r="r" b="b"/>
+            <a:pathLst>
+              <a:path w="2251670" h="835263">
+                <a:moveTo>
+                  <a:pt x="1125835" y="0"/>
+                </a:moveTo>
+                <a:cubicBezTo>
+                  <a:pt x="1597027" y="0"/>
+                  <a:pt x="2006883" y="304074"/>
+                  <a:pt x="2217028" y="751996"/>
+                </a:cubicBezTo>
+                <a:lnTo>
+                  <a:pt x="2251670" y="835263"/>
+                </a:lnTo>
+                <a:lnTo>
+                  <a:pt x="0" y="835263"/>
+                </a:lnTo>
+                <a:lnTo>
+                  <a:pt x="34642" y="751996"/>
+                </a:lnTo>
+                <a:cubicBezTo>
+                  <a:pt x="244787" y="304074"/>
+                  <a:pt x="654643" y="0"/>
+                  <a:pt x="1125835" y="0"/>
+                </a:cubicBezTo>
+                <a:close/>
+              </a:path>
+            </a:pathLst>
+          </a:custGeom>
+          <a:solidFill>
+            <a:srgbClr val="A4FF65"/>
+          </a:solidFill>
+          <a:ln>
+            <a:noFill/>
+          </a:ln>
+        </p:spPr>
+        <p:style>
+          <a:lnRef idx="2">
+            <a:schemeClr val="accent6">
+              <a:shade val="50000"/>
+            </a:schemeClr>
+          </a:lnRef>
+          <a:fillRef idx="1">
+            <a:schemeClr val="accent6"/>
+          </a:fillRef>
+          <a:effectRef idx="0">
+            <a:schemeClr val="accent6"/>
+          </a:effectRef>
+          <a:fontRef idx="minor">
+            <a:schemeClr val="lt1"/>
+          </a:fontRef>
+        </p:style>
+        <p:txBody>
+          <a:bodyPr wrap="square" rtlCol="0" anchor="ctr">
+            <a:noAutofit/>
+          </a:bodyPr>
+          <a:lstStyle/>
+          <a:p>
+            <a:pPr algn="ctr"/>
+            <a:endParaRPr lang="en-US" sz="3200"/>
+          </a:p>
+        </p:txBody>
+      </p:sp>
+      <p:sp>
+        <p:nvSpPr>
+          <p:cNvPr id="16" name="Freeform 15">
+            <a:extLst>
+              <a:ext uri="{FF2B5EF4-FFF2-40B4-BE49-F238E27FC236}">
+                <a16:creationId xmlns:a16="http://schemas.microsoft.com/office/drawing/2014/main" id="{CE89B23D-2F69-BC47-8158-FBF941BFC963}"/>
+              </a:ext>
+            </a:extLst>
+          </p:cNvPr>
+          <p:cNvSpPr/>
+          <p:nvPr/>
+        </p:nvSpPr>
+        <p:spPr>
+          <a:xfrm>
+            <a:off x="8450629" y="3663050"/>
+            <a:ext cx="2481944" cy="2038567"/>
+          </a:xfrm>
+          <a:custGeom>
+            <a:avLst/>
+            <a:gdLst>
+              <a:gd name="connsiteX0" fmla="*/ 115137 w 2481944"/>
+              <a:gd name="connsiteY0" fmla="*/ 0 h 2038567"/>
+              <a:gd name="connsiteX1" fmla="*/ 2366807 w 2481944"/>
+              <a:gd name="connsiteY1" fmla="*/ 0 h 2038567"/>
+              <a:gd name="connsiteX2" fmla="*/ 2384422 w 2481944"/>
+              <a:gd name="connsiteY2" fmla="*/ 42340 h 2038567"/>
+              <a:gd name="connsiteX3" fmla="*/ 2481944 w 2481944"/>
+              <a:gd name="connsiteY3" fmla="*/ 601652 h 2038567"/>
+              <a:gd name="connsiteX4" fmla="*/ 1240972 w 2481944"/>
+              <a:gd name="connsiteY4" fmla="*/ 2038567 h 2038567"/>
+              <a:gd name="connsiteX5" fmla="*/ 0 w 2481944"/>
+              <a:gd name="connsiteY5" fmla="*/ 601652 h 2038567"/>
+              <a:gd name="connsiteX6" fmla="*/ 97522 w 2481944"/>
+              <a:gd name="connsiteY6" fmla="*/ 42340 h 2038567"/>
+              <a:gd name="connsiteX7" fmla="*/ 115137 w 2481944"/>
+              <a:gd name="connsiteY7" fmla="*/ 0 h 2038567"/>
+            </a:gdLst>
+            <a:ahLst/>
+            <a:cxnLst>
+              <a:cxn ang="0">
+                <a:pos x="connsiteX0" y="connsiteY0"/>
+              </a:cxn>
+              <a:cxn ang="0">
+                <a:pos x="connsiteX1" y="connsiteY1"/>
+              </a:cxn>
+              <a:cxn ang="0">
+                <a:pos x="connsiteX2" y="connsiteY2"/>
+              </a:cxn>
+              <a:cxn ang="0">
+                <a:pos x="connsiteX3" y="connsiteY3"/>
+              </a:cxn>
+              <a:cxn ang="0">
+                <a:pos x="connsiteX4" y="connsiteY4"/>
+              </a:cxn>
+              <a:cxn ang="0">
+                <a:pos x="connsiteX5" y="connsiteY5"/>
+              </a:cxn>
+              <a:cxn ang="0">
+                <a:pos x="connsiteX6" y="connsiteY6"/>
+              </a:cxn>
+              <a:cxn ang="0">
+                <a:pos x="connsiteX7" y="connsiteY7"/>
+              </a:cxn>
+            </a:cxnLst>
+            <a:rect l="l" t="t" r="r" b="b"/>
+            <a:pathLst>
+              <a:path w="2481944" h="2038567">
+                <a:moveTo>
+                  <a:pt x="115137" y="0"/>
+                </a:moveTo>
+                <a:lnTo>
+                  <a:pt x="2366807" y="0"/>
+                </a:lnTo>
+                <a:lnTo>
+                  <a:pt x="2384422" y="42340"/>
+                </a:lnTo>
+                <a:cubicBezTo>
+                  <a:pt x="2447219" y="214250"/>
+                  <a:pt x="2481944" y="403256"/>
+                  <a:pt x="2481944" y="601652"/>
+                </a:cubicBezTo>
+                <a:cubicBezTo>
+                  <a:pt x="2481944" y="1395238"/>
+                  <a:pt x="1926342" y="2038567"/>
+                  <a:pt x="1240972" y="2038567"/>
+                </a:cubicBezTo>
+                <a:cubicBezTo>
+                  <a:pt x="555602" y="2038567"/>
+                  <a:pt x="0" y="1395238"/>
+                  <a:pt x="0" y="601652"/>
+                </a:cubicBezTo>
+                <a:cubicBezTo>
+                  <a:pt x="0" y="403256"/>
+                  <a:pt x="34725" y="214250"/>
+                  <a:pt x="97522" y="42340"/>
+                </a:cubicBezTo>
+                <a:lnTo>
+                  <a:pt x="115137" y="0"/>
+                </a:lnTo>
+                <a:close/>
+              </a:path>
+            </a:pathLst>
+          </a:custGeom>
+          <a:solidFill>
+            <a:srgbClr val="FFB637"/>
+          </a:solidFill>
+          <a:ln>
+            <a:noFill/>
+          </a:ln>
+        </p:spPr>
+        <p:style>
+          <a:lnRef idx="2">
+            <a:schemeClr val="accent2">
+              <a:shade val="50000"/>
+            </a:schemeClr>
+          </a:lnRef>
+          <a:fillRef idx="1">
+            <a:schemeClr val="accent2"/>
+          </a:fillRef>
+          <a:effectRef idx="0">
+            <a:schemeClr val="accent2"/>
+          </a:effectRef>
+          <a:fontRef idx="minor">
+            <a:schemeClr val="lt1"/>
+          </a:fontRef>
+        </p:style>
+        <p:txBody>
+          <a:bodyPr wrap="square" rtlCol="0" anchor="ctr">
+            <a:noAutofit/>
+          </a:bodyPr>
+          <a:lstStyle/>
+          <a:p>
+            <a:pPr algn="ctr"/>
+            <a:endParaRPr lang="en-US" sz="3200"/>
+          </a:p>
+        </p:txBody>
+      </p:sp>
+      <p:sp>
+        <p:nvSpPr>
+          <p:cNvPr id="18" name="Freeform 17">
+            <a:extLst>
+              <a:ext uri="{FF2B5EF4-FFF2-40B4-BE49-F238E27FC236}">
+                <a16:creationId xmlns:a16="http://schemas.microsoft.com/office/drawing/2014/main" id="{ED7E1A78-068F-5C4A-8D05-7A7DDD349265}"/>
+              </a:ext>
+            </a:extLst>
+          </p:cNvPr>
+          <p:cNvSpPr/>
+          <p:nvPr/>
+        </p:nvSpPr>
+        <p:spPr>
+          <a:xfrm>
+            <a:off x="2960914" y="988833"/>
+            <a:ext cx="2481944" cy="1436915"/>
+          </a:xfrm>
+          <a:custGeom>
+            <a:avLst/>
+            <a:gdLst>
+              <a:gd name="connsiteX0" fmla="*/ 0 w 2481944"/>
+              <a:gd name="connsiteY0" fmla="*/ 0 h 1436915"/>
+              <a:gd name="connsiteX1" fmla="*/ 2481944 w 2481944"/>
+              <a:gd name="connsiteY1" fmla="*/ 0 h 1436915"/>
+              <a:gd name="connsiteX2" fmla="*/ 1240972 w 2481944"/>
+              <a:gd name="connsiteY2" fmla="*/ 1436915 h 1436915"/>
+              <a:gd name="connsiteX3" fmla="*/ 0 w 2481944"/>
+              <a:gd name="connsiteY3" fmla="*/ 0 h 1436915"/>
+            </a:gdLst>
+            <a:ahLst/>
+            <a:cxnLst>
+              <a:cxn ang="0">
+                <a:pos x="connsiteX0" y="connsiteY0"/>
+              </a:cxn>
+              <a:cxn ang="0">
+                <a:pos x="connsiteX1" y="connsiteY1"/>
+              </a:cxn>
+              <a:cxn ang="0">
+                <a:pos x="connsiteX2" y="connsiteY2"/>
+              </a:cxn>
+              <a:cxn ang="0">
+                <a:pos x="connsiteX3" y="connsiteY3"/>
+              </a:cxn>
+            </a:cxnLst>
+            <a:rect l="l" t="t" r="r" b="b"/>
+            <a:pathLst>
+              <a:path w="2481944" h="1436915">
+                <a:moveTo>
+                  <a:pt x="0" y="0"/>
+                </a:moveTo>
+                <a:lnTo>
+                  <a:pt x="2481944" y="0"/>
+                </a:lnTo>
+                <a:cubicBezTo>
+                  <a:pt x="2481944" y="793586"/>
+                  <a:pt x="1926342" y="1436915"/>
+                  <a:pt x="1240972" y="1436915"/>
+                </a:cubicBezTo>
+                <a:cubicBezTo>
+                  <a:pt x="555602" y="1436915"/>
+                  <a:pt x="0" y="793586"/>
+                  <a:pt x="0" y="0"/>
+                </a:cubicBezTo>
+                <a:close/>
+              </a:path>
+            </a:pathLst>
+          </a:custGeom>
+          <a:solidFill>
+            <a:srgbClr val="FFB637"/>
+          </a:solidFill>
+          <a:ln>
+            <a:noFill/>
+          </a:ln>
+        </p:spPr>
+        <p:style>
+          <a:lnRef idx="2">
+            <a:schemeClr val="accent2">
+              <a:shade val="50000"/>
+            </a:schemeClr>
+          </a:lnRef>
+          <a:fillRef idx="1">
+            <a:schemeClr val="accent2"/>
+          </a:fillRef>
+          <a:effectRef idx="0">
+            <a:schemeClr val="accent2"/>
+          </a:effectRef>
+          <a:fontRef idx="minor">
+            <a:schemeClr val="lt1"/>
+          </a:fontRef>
+        </p:style>
+        <p:txBody>
+          <a:bodyPr wrap="square" rtlCol="0" anchor="ctr">
+            <a:noAutofit/>
+          </a:bodyPr>
+          <a:lstStyle/>
+          <a:p>
+            <a:pPr algn="ctr"/>
+            <a:endParaRPr lang="en-US" sz="3200"/>
+          </a:p>
+        </p:txBody>
+      </p:sp>
+      <p:sp>
+        <p:nvSpPr>
+          <p:cNvPr id="19" name="Freeform 18">
+            <a:extLst>
+              <a:ext uri="{FF2B5EF4-FFF2-40B4-BE49-F238E27FC236}">
+                <a16:creationId xmlns:a16="http://schemas.microsoft.com/office/drawing/2014/main" id="{A226C25D-2F69-8844-90BC-9F2B3E18ED14}"/>
+              </a:ext>
+            </a:extLst>
+          </p:cNvPr>
+          <p:cNvSpPr/>
+          <p:nvPr/>
+        </p:nvSpPr>
+        <p:spPr>
+          <a:xfrm>
+            <a:off x="8450629" y="371588"/>
+            <a:ext cx="2481944" cy="2038567"/>
+          </a:xfrm>
+          <a:custGeom>
+            <a:avLst/>
+            <a:gdLst>
+              <a:gd name="connsiteX0" fmla="*/ 115137 w 2481944"/>
+              <a:gd name="connsiteY0" fmla="*/ 0 h 2038567"/>
+              <a:gd name="connsiteX1" fmla="*/ 2366807 w 2481944"/>
+              <a:gd name="connsiteY1" fmla="*/ 0 h 2038567"/>
+              <a:gd name="connsiteX2" fmla="*/ 2384422 w 2481944"/>
+              <a:gd name="connsiteY2" fmla="*/ 42340 h 2038567"/>
+              <a:gd name="connsiteX3" fmla="*/ 2481944 w 2481944"/>
+              <a:gd name="connsiteY3" fmla="*/ 601652 h 2038567"/>
+              <a:gd name="connsiteX4" fmla="*/ 1240972 w 2481944"/>
+              <a:gd name="connsiteY4" fmla="*/ 2038567 h 2038567"/>
+              <a:gd name="connsiteX5" fmla="*/ 0 w 2481944"/>
+              <a:gd name="connsiteY5" fmla="*/ 601652 h 2038567"/>
+              <a:gd name="connsiteX6" fmla="*/ 97522 w 2481944"/>
+              <a:gd name="connsiteY6" fmla="*/ 42340 h 2038567"/>
+              <a:gd name="connsiteX7" fmla="*/ 115137 w 2481944"/>
+              <a:gd name="connsiteY7" fmla="*/ 0 h 2038567"/>
+            </a:gdLst>
+            <a:ahLst/>
+            <a:cxnLst>
+              <a:cxn ang="0">
+                <a:pos x="connsiteX0" y="connsiteY0"/>
+              </a:cxn>
+              <a:cxn ang="0">
+                <a:pos x="connsiteX1" y="connsiteY1"/>
+              </a:cxn>
+              <a:cxn ang="0">
+                <a:pos x="connsiteX2" y="connsiteY2"/>
+              </a:cxn>
+              <a:cxn ang="0">
+                <a:pos x="connsiteX3" y="connsiteY3"/>
+              </a:cxn>
+              <a:cxn ang="0">
+                <a:pos x="connsiteX4" y="connsiteY4"/>
+              </a:cxn>
+              <a:cxn ang="0">
+                <a:pos x="connsiteX5" y="connsiteY5"/>
+              </a:cxn>
+              <a:cxn ang="0">
+                <a:pos x="connsiteX6" y="connsiteY6"/>
+              </a:cxn>
+              <a:cxn ang="0">
+                <a:pos x="connsiteX7" y="connsiteY7"/>
+              </a:cxn>
+            </a:cxnLst>
+            <a:rect l="l" t="t" r="r" b="b"/>
+            <a:pathLst>
+              <a:path w="2481944" h="2038567">
+                <a:moveTo>
+                  <a:pt x="115137" y="0"/>
+                </a:moveTo>
+                <a:lnTo>
+                  <a:pt x="2366807" y="0"/>
+                </a:lnTo>
+                <a:lnTo>
+                  <a:pt x="2384422" y="42340"/>
+                </a:lnTo>
+                <a:cubicBezTo>
+                  <a:pt x="2447219" y="214250"/>
+                  <a:pt x="2481944" y="403256"/>
+                  <a:pt x="2481944" y="601652"/>
+                </a:cubicBezTo>
+                <a:cubicBezTo>
+                  <a:pt x="2481944" y="1395238"/>
+                  <a:pt x="1926342" y="2038567"/>
+                  <a:pt x="1240972" y="2038567"/>
+                </a:cubicBezTo>
+                <a:cubicBezTo>
+                  <a:pt x="555602" y="2038567"/>
+                  <a:pt x="0" y="1395238"/>
+                  <a:pt x="0" y="601652"/>
+                </a:cubicBezTo>
+                <a:cubicBezTo>
+                  <a:pt x="0" y="403256"/>
+                  <a:pt x="34725" y="214250"/>
+                  <a:pt x="97522" y="42340"/>
+                </a:cubicBezTo>
+                <a:lnTo>
+                  <a:pt x="115137" y="0"/>
+                </a:lnTo>
                 <a:close/>
               </a:path>
             </a:pathLst>

--- a/model_evaluation/confusion_matrix/images/visualization_of_confusion_matrix.pptx
+++ b/model_evaluation/confusion_matrix/images/visualization_of_confusion_matrix.pptx
@@ -15086,7 +15086,7 @@
         </p:nvSpPr>
         <p:spPr>
           <a:xfrm>
-            <a:off x="7540391" y="3651320"/>
+            <a:off x="7094077" y="3293511"/>
             <a:ext cx="3788228" cy="2628900"/>
           </a:xfrm>
           <a:custGeom>
@@ -15225,7 +15225,7 @@
         </p:nvCxnSpPr>
         <p:spPr>
           <a:xfrm>
-            <a:off x="7540391" y="3260980"/>
+            <a:off x="7094077" y="3088229"/>
             <a:ext cx="3788228" cy="0"/>
           </a:xfrm>
           <a:prstGeom prst="line">
@@ -15266,7 +15266,7 @@
         </p:nvSpPr>
         <p:spPr>
           <a:xfrm>
-            <a:off x="7543800" y="1022420"/>
+            <a:off x="7097486" y="664611"/>
             <a:ext cx="3788228" cy="5257800"/>
           </a:xfrm>
           <a:prstGeom prst="rect">
@@ -15318,7 +15318,7 @@
         </p:nvSpPr>
         <p:spPr>
           <a:xfrm>
-            <a:off x="7547209" y="3651320"/>
+            <a:off x="7100895" y="3293511"/>
             <a:ext cx="3788228" cy="2628900"/>
           </a:xfrm>
           <a:prstGeom prst="rect">
@@ -15372,7 +15372,7 @@
         </p:nvSpPr>
         <p:spPr>
           <a:xfrm>
-            <a:off x="7540391" y="357809"/>
+            <a:off x="7100895" y="274271"/>
             <a:ext cx="3788228" cy="2628900"/>
           </a:xfrm>
           <a:prstGeom prst="rect">
@@ -16200,9 +16200,6 @@
             <a:prstGeom prst="rect">
               <a:avLst/>
             </a:prstGeom>
-            <a:solidFill>
-              <a:srgbClr val="A4FF65"/>
-            </a:solidFill>
             <a:ln>
               <a:noFill/>
             </a:ln>
@@ -16254,9 +16251,6 @@
             <a:prstGeom prst="rect">
               <a:avLst/>
             </a:prstGeom>
-            <a:solidFill>
-              <a:srgbClr val="A4FF65"/>
-            </a:solidFill>
             <a:ln>
               <a:noFill/>
             </a:ln>
@@ -16286,11 +16280,7 @@
                 <a:defRPr lang="en-US"/>
               </a:defPPr>
               <a:lvl1pPr algn="ctr">
-                <a:defRPr sz="3200">
-                  <a:solidFill>
-                    <a:schemeClr val="lt1"/>
-                  </a:solidFill>
-                </a:defRPr>
+                <a:defRPr sz="3200"/>
               </a:lvl1pPr>
               <a:lvl2pPr>
                 <a:defRPr>
@@ -16350,7 +16340,6 @@
               </a:lvl9pPr>
             </a:lstStyle>
             <a:p>
-              <a:pPr/>
               <a:endParaRPr lang="en-US" dirty="0"/>
             </a:p>
           </p:txBody>
